--- a/lectures/CC-04-Data-Structure.pptx
+++ b/lectures/CC-04-Data-Structure.pptx
@@ -7,12 +7,26 @@
   <p:sldIdLst>
     <p:sldId id="256" r:id="rId2"/>
     <p:sldId id="259" r:id="rId3"/>
-    <p:sldId id="260" r:id="rId4"/>
-    <p:sldId id="261" r:id="rId5"/>
-    <p:sldId id="262" r:id="rId6"/>
-    <p:sldId id="263" r:id="rId7"/>
-    <p:sldId id="264" r:id="rId8"/>
-    <p:sldId id="265" r:id="rId9"/>
+    <p:sldId id="266" r:id="rId4"/>
+    <p:sldId id="260" r:id="rId5"/>
+    <p:sldId id="261" r:id="rId6"/>
+    <p:sldId id="262" r:id="rId7"/>
+    <p:sldId id="263" r:id="rId8"/>
+    <p:sldId id="264" r:id="rId9"/>
+    <p:sldId id="265" r:id="rId10"/>
+    <p:sldId id="267" r:id="rId11"/>
+    <p:sldId id="268" r:id="rId12"/>
+    <p:sldId id="269" r:id="rId13"/>
+    <p:sldId id="270" r:id="rId14"/>
+    <p:sldId id="271" r:id="rId15"/>
+    <p:sldId id="274" r:id="rId16"/>
+    <p:sldId id="272" r:id="rId17"/>
+    <p:sldId id="273" r:id="rId18"/>
+    <p:sldId id="275" r:id="rId19"/>
+    <p:sldId id="276" r:id="rId20"/>
+    <p:sldId id="278" r:id="rId21"/>
+    <p:sldId id="279" r:id="rId22"/>
+    <p:sldId id="277" r:id="rId23"/>
   </p:sldIdLst>
   <p:sldSz cx="12192000" cy="6858000"/>
   <p:notesSz cx="6858000" cy="9144000"/>
@@ -266,7 +280,7 @@
           <a:p>
             <a:fld id="{D5D8E255-8371-B349-B2F5-F8C6C9FF431B}" type="datetimeFigureOut">
               <a:rPr lang="en-US" smtClean="0"/>
-              <a:t>3/2/23</a:t>
+              <a:t>3/3/23</a:t>
             </a:fld>
             <a:endParaRPr lang="en-US"/>
           </a:p>
@@ -464,7 +478,7 @@
           <a:p>
             <a:fld id="{D5D8E255-8371-B349-B2F5-F8C6C9FF431B}" type="datetimeFigureOut">
               <a:rPr lang="en-US" smtClean="0"/>
-              <a:t>3/2/23</a:t>
+              <a:t>3/3/23</a:t>
             </a:fld>
             <a:endParaRPr lang="en-US"/>
           </a:p>
@@ -672,7 +686,7 @@
           <a:p>
             <a:fld id="{D5D8E255-8371-B349-B2F5-F8C6C9FF431B}" type="datetimeFigureOut">
               <a:rPr lang="en-US" smtClean="0"/>
-              <a:t>3/2/23</a:t>
+              <a:t>3/3/23</a:t>
             </a:fld>
             <a:endParaRPr lang="en-US"/>
           </a:p>
@@ -870,7 +884,7 @@
           <a:p>
             <a:fld id="{D5D8E255-8371-B349-B2F5-F8C6C9FF431B}" type="datetimeFigureOut">
               <a:rPr lang="en-US" smtClean="0"/>
-              <a:t>3/2/23</a:t>
+              <a:t>3/3/23</a:t>
             </a:fld>
             <a:endParaRPr lang="en-US"/>
           </a:p>
@@ -1145,7 +1159,7 @@
           <a:p>
             <a:fld id="{D5D8E255-8371-B349-B2F5-F8C6C9FF431B}" type="datetimeFigureOut">
               <a:rPr lang="en-US" smtClean="0"/>
-              <a:t>3/2/23</a:t>
+              <a:t>3/3/23</a:t>
             </a:fld>
             <a:endParaRPr lang="en-US"/>
           </a:p>
@@ -1410,7 +1424,7 @@
           <a:p>
             <a:fld id="{D5D8E255-8371-B349-B2F5-F8C6C9FF431B}" type="datetimeFigureOut">
               <a:rPr lang="en-US" smtClean="0"/>
-              <a:t>3/2/23</a:t>
+              <a:t>3/3/23</a:t>
             </a:fld>
             <a:endParaRPr lang="en-US"/>
           </a:p>
@@ -1822,7 +1836,7 @@
           <a:p>
             <a:fld id="{D5D8E255-8371-B349-B2F5-F8C6C9FF431B}" type="datetimeFigureOut">
               <a:rPr lang="en-US" smtClean="0"/>
-              <a:t>3/2/23</a:t>
+              <a:t>3/3/23</a:t>
             </a:fld>
             <a:endParaRPr lang="en-US"/>
           </a:p>
@@ -1963,7 +1977,7 @@
           <a:p>
             <a:fld id="{D5D8E255-8371-B349-B2F5-F8C6C9FF431B}" type="datetimeFigureOut">
               <a:rPr lang="en-US" smtClean="0"/>
-              <a:t>3/2/23</a:t>
+              <a:t>3/3/23</a:t>
             </a:fld>
             <a:endParaRPr lang="en-US"/>
           </a:p>
@@ -2076,7 +2090,7 @@
           <a:p>
             <a:fld id="{D5D8E255-8371-B349-B2F5-F8C6C9FF431B}" type="datetimeFigureOut">
               <a:rPr lang="en-US" smtClean="0"/>
-              <a:t>3/2/23</a:t>
+              <a:t>3/3/23</a:t>
             </a:fld>
             <a:endParaRPr lang="en-US"/>
           </a:p>
@@ -2387,7 +2401,7 @@
           <a:p>
             <a:fld id="{D5D8E255-8371-B349-B2F5-F8C6C9FF431B}" type="datetimeFigureOut">
               <a:rPr lang="en-US" smtClean="0"/>
-              <a:t>3/2/23</a:t>
+              <a:t>3/3/23</a:t>
             </a:fld>
             <a:endParaRPr lang="en-US"/>
           </a:p>
@@ -2675,7 +2689,7 @@
           <a:p>
             <a:fld id="{D5D8E255-8371-B349-B2F5-F8C6C9FF431B}" type="datetimeFigureOut">
               <a:rPr lang="en-US" smtClean="0"/>
-              <a:t>3/2/23</a:t>
+              <a:t>3/3/23</a:t>
             </a:fld>
             <a:endParaRPr lang="en-US"/>
           </a:p>
@@ -2916,7 +2930,7 @@
           <a:p>
             <a:fld id="{D5D8E255-8371-B349-B2F5-F8C6C9FF431B}" type="datetimeFigureOut">
               <a:rPr lang="en-US" smtClean="0"/>
-              <a:t>3/2/23</a:t>
+              <a:t>3/3/23</a:t>
             </a:fld>
             <a:endParaRPr lang="en-US"/>
           </a:p>
@@ -3408,6 +3422,3251 @@
 </p:sld>
 </file>
 
+<file path=ppt/slides/slide10.xml><?xml version="1.0" encoding="utf-8"?>
+<p:sld xmlns:a="http://schemas.openxmlformats.org/drawingml/2006/main" xmlns:r="http://schemas.openxmlformats.org/officeDocument/2006/relationships" xmlns:p="http://schemas.openxmlformats.org/presentationml/2006/main">
+  <p:cSld>
+    <p:spTree>
+      <p:nvGrpSpPr>
+        <p:cNvPr id="1" name=""/>
+        <p:cNvGrpSpPr/>
+        <p:nvPr/>
+      </p:nvGrpSpPr>
+      <p:grpSpPr>
+        <a:xfrm>
+          <a:off x="0" y="0"/>
+          <a:ext cx="0" cy="0"/>
+          <a:chOff x="0" y="0"/>
+          <a:chExt cx="0" cy="0"/>
+        </a:xfrm>
+      </p:grpSpPr>
+      <p:sp>
+        <p:nvSpPr>
+          <p:cNvPr id="2" name="Title 1">
+            <a:extLst>
+              <a:ext uri="{FF2B5EF4-FFF2-40B4-BE49-F238E27FC236}">
+                <a16:creationId xmlns:a16="http://schemas.microsoft.com/office/drawing/2014/main" id="{C3E88DF2-0509-37AD-7721-7985DF5E3366}"/>
+              </a:ext>
+            </a:extLst>
+          </p:cNvPr>
+          <p:cNvSpPr>
+            <a:spLocks noGrp="1"/>
+          </p:cNvSpPr>
+          <p:nvPr>
+            <p:ph type="title"/>
+          </p:nvPr>
+        </p:nvSpPr>
+        <p:spPr/>
+        <p:txBody>
+          <a:bodyPr/>
+          <a:lstStyle/>
+          <a:p>
+            <a:r>
+              <a:rPr lang="en-US" dirty="0"/>
+              <a:t>Looking at Code</a:t>
+            </a:r>
+          </a:p>
+        </p:txBody>
+      </p:sp>
+      <p:sp>
+        <p:nvSpPr>
+          <p:cNvPr id="3" name="Text Placeholder 2">
+            <a:extLst>
+              <a:ext uri="{FF2B5EF4-FFF2-40B4-BE49-F238E27FC236}">
+                <a16:creationId xmlns:a16="http://schemas.microsoft.com/office/drawing/2014/main" id="{62E357C3-1E1C-4867-7B85-35AE42C54377}"/>
+              </a:ext>
+            </a:extLst>
+          </p:cNvPr>
+          <p:cNvSpPr>
+            <a:spLocks noGrp="1"/>
+          </p:cNvSpPr>
+          <p:nvPr>
+            <p:ph type="body" idx="1"/>
+          </p:nvPr>
+        </p:nvSpPr>
+        <p:spPr/>
+        <p:txBody>
+          <a:bodyPr/>
+          <a:lstStyle/>
+          <a:p>
+            <a:endParaRPr lang="en-US"/>
+          </a:p>
+        </p:txBody>
+      </p:sp>
+    </p:spTree>
+    <p:extLst>
+      <p:ext uri="{BB962C8B-B14F-4D97-AF65-F5344CB8AC3E}">
+        <p14:creationId xmlns:p14="http://schemas.microsoft.com/office/powerpoint/2010/main" val="1922537833"/>
+      </p:ext>
+    </p:extLst>
+  </p:cSld>
+  <p:clrMapOvr>
+    <a:masterClrMapping/>
+  </p:clrMapOvr>
+</p:sld>
+</file>
+
+<file path=ppt/slides/slide11.xml><?xml version="1.0" encoding="utf-8"?>
+<p:sld xmlns:a="http://schemas.openxmlformats.org/drawingml/2006/main" xmlns:r="http://schemas.openxmlformats.org/officeDocument/2006/relationships" xmlns:p="http://schemas.openxmlformats.org/presentationml/2006/main">
+  <p:cSld>
+    <p:spTree>
+      <p:nvGrpSpPr>
+        <p:cNvPr id="1" name=""/>
+        <p:cNvGrpSpPr/>
+        <p:nvPr/>
+      </p:nvGrpSpPr>
+      <p:grpSpPr>
+        <a:xfrm>
+          <a:off x="0" y="0"/>
+          <a:ext cx="0" cy="0"/>
+          <a:chOff x="0" y="0"/>
+          <a:chExt cx="0" cy="0"/>
+        </a:xfrm>
+      </p:grpSpPr>
+      <p:sp>
+        <p:nvSpPr>
+          <p:cNvPr id="2" name="TextBox 1">
+            <a:extLst>
+              <a:ext uri="{FF2B5EF4-FFF2-40B4-BE49-F238E27FC236}">
+                <a16:creationId xmlns:a16="http://schemas.microsoft.com/office/drawing/2014/main" id="{FEEE943B-F994-FF91-EC9C-3774C1CD2051}"/>
+              </a:ext>
+            </a:extLst>
+          </p:cNvPr>
+          <p:cNvSpPr txBox="1"/>
+          <p:nvPr/>
+        </p:nvSpPr>
+        <p:spPr>
+          <a:xfrm>
+            <a:off x="5340438" y="2290898"/>
+            <a:ext cx="6521337" cy="2677656"/>
+          </a:xfrm>
+          <a:prstGeom prst="rect">
+            <a:avLst/>
+          </a:prstGeom>
+          <a:noFill/>
+        </p:spPr>
+        <p:txBody>
+          <a:bodyPr wrap="none" rtlCol="0">
+            <a:spAutoFit/>
+          </a:bodyPr>
+          <a:lstStyle/>
+          <a:p>
+            <a:r>
+              <a:rPr lang="en-US" sz="1400" b="1" dirty="0">
+                <a:latin typeface="Courier New" panose="02070309020205020404" pitchFamily="49" charset="0"/>
+                <a:cs typeface="Courier New" panose="02070309020205020404" pitchFamily="49" charset="0"/>
+              </a:rPr>
+              <a:t>/*</a:t>
+            </a:r>
+          </a:p>
+          <a:p>
+            <a:r>
+              <a:rPr lang="en-US" sz="1400" b="1" dirty="0">
+                <a:latin typeface="Courier New" panose="02070309020205020404" pitchFamily="49" charset="0"/>
+                <a:cs typeface="Courier New" panose="02070309020205020404" pitchFamily="49" charset="0"/>
+              </a:rPr>
+              <a:t> * This is our map entry for Map&lt;</a:t>
+            </a:r>
+            <a:r>
+              <a:rPr lang="en-US" sz="1400" b="1" dirty="0" err="1">
+                <a:latin typeface="Courier New" panose="02070309020205020404" pitchFamily="49" charset="0"/>
+                <a:cs typeface="Courier New" panose="02070309020205020404" pitchFamily="49" charset="0"/>
+              </a:rPr>
+              <a:t>String,Integer</a:t>
+            </a:r>
+            <a:r>
+              <a:rPr lang="en-US" sz="1400" b="1" dirty="0">
+                <a:latin typeface="Courier New" panose="02070309020205020404" pitchFamily="49" charset="0"/>
+                <a:cs typeface="Courier New" panose="02070309020205020404" pitchFamily="49" charset="0"/>
+              </a:rPr>
+              <a:t>&gt;</a:t>
+            </a:r>
+          </a:p>
+          <a:p>
+            <a:r>
+              <a:rPr lang="en-US" sz="1400" b="1" dirty="0">
+                <a:latin typeface="Courier New" panose="02070309020205020404" pitchFamily="49" charset="0"/>
+                <a:cs typeface="Courier New" panose="02070309020205020404" pitchFamily="49" charset="0"/>
+              </a:rPr>
+              <a:t> *</a:t>
+            </a:r>
+          </a:p>
+          <a:p>
+            <a:r>
+              <a:rPr lang="en-US" sz="1400" b="1" dirty="0">
+                <a:latin typeface="Courier New" panose="02070309020205020404" pitchFamily="49" charset="0"/>
+                <a:cs typeface="Courier New" panose="02070309020205020404" pitchFamily="49" charset="0"/>
+              </a:rPr>
+              <a:t> * The key is a string / character array which is allocated</a:t>
+            </a:r>
+          </a:p>
+          <a:p>
+            <a:r>
+              <a:rPr lang="en-US" sz="1400" b="1" dirty="0">
+                <a:latin typeface="Courier New" panose="02070309020205020404" pitchFamily="49" charset="0"/>
+                <a:cs typeface="Courier New" panose="02070309020205020404" pitchFamily="49" charset="0"/>
+              </a:rPr>
+              <a:t> * using malloc() when a new entry is created.</a:t>
+            </a:r>
+          </a:p>
+          <a:p>
+            <a:r>
+              <a:rPr lang="en-US" sz="1400" b="1" dirty="0">
+                <a:latin typeface="Courier New" panose="02070309020205020404" pitchFamily="49" charset="0"/>
+                <a:cs typeface="Courier New" panose="02070309020205020404" pitchFamily="49" charset="0"/>
+              </a:rPr>
+              <a:t> */</a:t>
+            </a:r>
+          </a:p>
+          <a:p>
+            <a:r>
+              <a:rPr lang="en-US" sz="1400" b="1" dirty="0">
+                <a:latin typeface="Courier New" panose="02070309020205020404" pitchFamily="49" charset="0"/>
+                <a:cs typeface="Courier New" panose="02070309020205020404" pitchFamily="49" charset="0"/>
+              </a:rPr>
+              <a:t>struct </a:t>
+            </a:r>
+            <a:r>
+              <a:rPr lang="en-US" sz="1400" b="1" dirty="0" err="1">
+                <a:latin typeface="Courier New" panose="02070309020205020404" pitchFamily="49" charset="0"/>
+                <a:cs typeface="Courier New" panose="02070309020205020404" pitchFamily="49" charset="0"/>
+              </a:rPr>
+              <a:t>MapEntry</a:t>
+            </a:r>
+            <a:r>
+              <a:rPr lang="en-US" sz="1400" b="1" dirty="0">
+                <a:latin typeface="Courier New" panose="02070309020205020404" pitchFamily="49" charset="0"/>
+                <a:cs typeface="Courier New" panose="02070309020205020404" pitchFamily="49" charset="0"/>
+              </a:rPr>
+              <a:t> {</a:t>
+            </a:r>
+          </a:p>
+          <a:p>
+            <a:r>
+              <a:rPr lang="en-US" sz="1400" b="1" dirty="0">
+                <a:latin typeface="Courier New" panose="02070309020205020404" pitchFamily="49" charset="0"/>
+                <a:cs typeface="Courier New" panose="02070309020205020404" pitchFamily="49" charset="0"/>
+              </a:rPr>
+              <a:t>    char *key;</a:t>
+            </a:r>
+          </a:p>
+          <a:p>
+            <a:r>
+              <a:rPr lang="en-US" sz="1400" b="1" dirty="0">
+                <a:latin typeface="Courier New" panose="02070309020205020404" pitchFamily="49" charset="0"/>
+                <a:cs typeface="Courier New" panose="02070309020205020404" pitchFamily="49" charset="0"/>
+              </a:rPr>
+              <a:t>    int value;</a:t>
+            </a:r>
+          </a:p>
+          <a:p>
+            <a:r>
+              <a:rPr lang="en-US" sz="1400" b="1" dirty="0">
+                <a:latin typeface="Courier New" panose="02070309020205020404" pitchFamily="49" charset="0"/>
+                <a:cs typeface="Courier New" panose="02070309020205020404" pitchFamily="49" charset="0"/>
+              </a:rPr>
+              <a:t>    struct </a:t>
+            </a:r>
+            <a:r>
+              <a:rPr lang="en-US" sz="1400" b="1" dirty="0" err="1">
+                <a:latin typeface="Courier New" panose="02070309020205020404" pitchFamily="49" charset="0"/>
+                <a:cs typeface="Courier New" panose="02070309020205020404" pitchFamily="49" charset="0"/>
+              </a:rPr>
+              <a:t>MapEntry</a:t>
+            </a:r>
+            <a:r>
+              <a:rPr lang="en-US" sz="1400" b="1" dirty="0">
+                <a:latin typeface="Courier New" panose="02070309020205020404" pitchFamily="49" charset="0"/>
+                <a:cs typeface="Courier New" panose="02070309020205020404" pitchFamily="49" charset="0"/>
+              </a:rPr>
+              <a:t> *</a:t>
+            </a:r>
+            <a:r>
+              <a:rPr lang="en-US" sz="1400" b="1" dirty="0" err="1">
+                <a:latin typeface="Courier New" panose="02070309020205020404" pitchFamily="49" charset="0"/>
+                <a:cs typeface="Courier New" panose="02070309020205020404" pitchFamily="49" charset="0"/>
+              </a:rPr>
+              <a:t>prev</a:t>
+            </a:r>
+            <a:r>
+              <a:rPr lang="en-US" sz="1400" b="1" dirty="0">
+                <a:latin typeface="Courier New" panose="02070309020205020404" pitchFamily="49" charset="0"/>
+                <a:cs typeface="Courier New" panose="02070309020205020404" pitchFamily="49" charset="0"/>
+              </a:rPr>
+              <a:t>;</a:t>
+            </a:r>
+          </a:p>
+          <a:p>
+            <a:r>
+              <a:rPr lang="en-US" sz="1400" b="1" dirty="0">
+                <a:latin typeface="Courier New" panose="02070309020205020404" pitchFamily="49" charset="0"/>
+                <a:cs typeface="Courier New" panose="02070309020205020404" pitchFamily="49" charset="0"/>
+              </a:rPr>
+              <a:t>    struct </a:t>
+            </a:r>
+            <a:r>
+              <a:rPr lang="en-US" sz="1400" b="1" dirty="0" err="1">
+                <a:latin typeface="Courier New" panose="02070309020205020404" pitchFamily="49" charset="0"/>
+                <a:cs typeface="Courier New" panose="02070309020205020404" pitchFamily="49" charset="0"/>
+              </a:rPr>
+              <a:t>MapEntry</a:t>
+            </a:r>
+            <a:r>
+              <a:rPr lang="en-US" sz="1400" b="1" dirty="0">
+                <a:latin typeface="Courier New" panose="02070309020205020404" pitchFamily="49" charset="0"/>
+                <a:cs typeface="Courier New" panose="02070309020205020404" pitchFamily="49" charset="0"/>
+              </a:rPr>
+              <a:t> *next;</a:t>
+            </a:r>
+          </a:p>
+          <a:p>
+            <a:r>
+              <a:rPr lang="en-US" sz="1400" b="1" dirty="0">
+                <a:latin typeface="Courier New" panose="02070309020205020404" pitchFamily="49" charset="0"/>
+                <a:cs typeface="Courier New" panose="02070309020205020404" pitchFamily="49" charset="0"/>
+              </a:rPr>
+              <a:t>};</a:t>
+            </a:r>
+          </a:p>
+        </p:txBody>
+      </p:sp>
+      <p:sp>
+        <p:nvSpPr>
+          <p:cNvPr id="6" name="Title 5">
+            <a:extLst>
+              <a:ext uri="{FF2B5EF4-FFF2-40B4-BE49-F238E27FC236}">
+                <a16:creationId xmlns:a16="http://schemas.microsoft.com/office/drawing/2014/main" id="{E4A81157-F1D0-5130-371D-BA8DD965B654}"/>
+              </a:ext>
+            </a:extLst>
+          </p:cNvPr>
+          <p:cNvSpPr>
+            <a:spLocks noGrp="1"/>
+          </p:cNvSpPr>
+          <p:nvPr>
+            <p:ph type="title"/>
+          </p:nvPr>
+        </p:nvSpPr>
+        <p:spPr/>
+        <p:txBody>
+          <a:bodyPr/>
+          <a:lstStyle/>
+          <a:p>
+            <a:r>
+              <a:rPr lang="en-US" dirty="0" err="1"/>
+              <a:t>MapEntry</a:t>
+            </a:r>
+            <a:r>
+              <a:rPr lang="en-US" dirty="0"/>
+              <a:t> Structure</a:t>
+            </a:r>
+          </a:p>
+        </p:txBody>
+      </p:sp>
+      <p:sp>
+        <p:nvSpPr>
+          <p:cNvPr id="7" name="Content Placeholder 6">
+            <a:extLst>
+              <a:ext uri="{FF2B5EF4-FFF2-40B4-BE49-F238E27FC236}">
+                <a16:creationId xmlns:a16="http://schemas.microsoft.com/office/drawing/2014/main" id="{4D372547-AA0B-35AD-4AD8-30763CE5DF56}"/>
+              </a:ext>
+            </a:extLst>
+          </p:cNvPr>
+          <p:cNvSpPr>
+            <a:spLocks noGrp="1"/>
+          </p:cNvSpPr>
+          <p:nvPr>
+            <p:ph idx="1"/>
+          </p:nvPr>
+        </p:nvSpPr>
+        <p:spPr>
+          <a:xfrm>
+            <a:off x="838200" y="1825625"/>
+            <a:ext cx="3990474" cy="4351338"/>
+          </a:xfrm>
+        </p:spPr>
+        <p:txBody>
+          <a:bodyPr/>
+          <a:lstStyle/>
+          <a:p>
+            <a:r>
+              <a:rPr lang="en-US" dirty="0"/>
+              <a:t>This is the structure that will make up the nodes in the list.</a:t>
+            </a:r>
+          </a:p>
+          <a:p>
+            <a:r>
+              <a:rPr lang="en-US" dirty="0"/>
+              <a:t>The key is a character string – the actual data will be saved in a newly allocated space.</a:t>
+            </a:r>
+          </a:p>
+          <a:p>
+            <a:r>
+              <a:rPr lang="en-US" dirty="0"/>
+              <a:t>The value is an int and will be allocated right in the node.</a:t>
+            </a:r>
+          </a:p>
+        </p:txBody>
+      </p:sp>
+    </p:spTree>
+    <p:extLst>
+      <p:ext uri="{BB962C8B-B14F-4D97-AF65-F5344CB8AC3E}">
+        <p14:creationId xmlns:p14="http://schemas.microsoft.com/office/powerpoint/2010/main" val="1389817013"/>
+      </p:ext>
+    </p:extLst>
+  </p:cSld>
+  <p:clrMapOvr>
+    <a:masterClrMapping/>
+  </p:clrMapOvr>
+</p:sld>
+</file>
+
+<file path=ppt/slides/slide12.xml><?xml version="1.0" encoding="utf-8"?>
+<p:sld xmlns:a="http://schemas.openxmlformats.org/drawingml/2006/main" xmlns:r="http://schemas.openxmlformats.org/officeDocument/2006/relationships" xmlns:p="http://schemas.openxmlformats.org/presentationml/2006/main">
+  <p:cSld>
+    <p:spTree>
+      <p:nvGrpSpPr>
+        <p:cNvPr id="1" name=""/>
+        <p:cNvGrpSpPr/>
+        <p:nvPr/>
+      </p:nvGrpSpPr>
+      <p:grpSpPr>
+        <a:xfrm>
+          <a:off x="0" y="0"/>
+          <a:ext cx="0" cy="0"/>
+          <a:chOff x="0" y="0"/>
+          <a:chExt cx="0" cy="0"/>
+        </a:xfrm>
+      </p:grpSpPr>
+      <p:sp>
+        <p:nvSpPr>
+          <p:cNvPr id="2" name="TextBox 1">
+            <a:extLst>
+              <a:ext uri="{FF2B5EF4-FFF2-40B4-BE49-F238E27FC236}">
+                <a16:creationId xmlns:a16="http://schemas.microsoft.com/office/drawing/2014/main" id="{FEEE943B-F994-FF91-EC9C-3774C1CD2051}"/>
+              </a:ext>
+            </a:extLst>
+          </p:cNvPr>
+          <p:cNvSpPr txBox="1"/>
+          <p:nvPr/>
+        </p:nvSpPr>
+        <p:spPr>
+          <a:xfrm>
+            <a:off x="5717628" y="1336119"/>
+            <a:ext cx="5984331" cy="4185761"/>
+          </a:xfrm>
+          <a:prstGeom prst="rect">
+            <a:avLst/>
+          </a:prstGeom>
+          <a:noFill/>
+        </p:spPr>
+        <p:txBody>
+          <a:bodyPr wrap="none" rtlCol="0">
+            <a:spAutoFit/>
+          </a:bodyPr>
+          <a:lstStyle/>
+          <a:p>
+            <a:r>
+              <a:rPr lang="en-US" sz="1400" b="1" dirty="0">
+                <a:latin typeface="Courier New" panose="02070309020205020404" pitchFamily="49" charset="0"/>
+                <a:cs typeface="Courier New" panose="02070309020205020404" pitchFamily="49" charset="0"/>
+              </a:rPr>
+              <a:t>struct Map {</a:t>
+            </a:r>
+          </a:p>
+          <a:p>
+            <a:r>
+              <a:rPr lang="en-US" sz="1400" b="1" dirty="0">
+                <a:latin typeface="Courier New" panose="02070309020205020404" pitchFamily="49" charset="0"/>
+                <a:cs typeface="Courier New" panose="02070309020205020404" pitchFamily="49" charset="0"/>
+              </a:rPr>
+              <a:t>  /* Attributes */</a:t>
+            </a:r>
+          </a:p>
+          <a:p>
+            <a:r>
+              <a:rPr lang="en-US" sz="1400" b="1" dirty="0">
+                <a:latin typeface="Courier New" panose="02070309020205020404" pitchFamily="49" charset="0"/>
+                <a:cs typeface="Courier New" panose="02070309020205020404" pitchFamily="49" charset="0"/>
+              </a:rPr>
+              <a:t>  struct </a:t>
+            </a:r>
+            <a:r>
+              <a:rPr lang="en-US" sz="1400" b="1" dirty="0" err="1">
+                <a:latin typeface="Courier New" panose="02070309020205020404" pitchFamily="49" charset="0"/>
+                <a:cs typeface="Courier New" panose="02070309020205020404" pitchFamily="49" charset="0"/>
+              </a:rPr>
+              <a:t>MapEntry</a:t>
+            </a:r>
+            <a:r>
+              <a:rPr lang="en-US" sz="1400" b="1" dirty="0">
+                <a:latin typeface="Courier New" panose="02070309020205020404" pitchFamily="49" charset="0"/>
+                <a:cs typeface="Courier New" panose="02070309020205020404" pitchFamily="49" charset="0"/>
+              </a:rPr>
+              <a:t> *head;</a:t>
+            </a:r>
+          </a:p>
+          <a:p>
+            <a:r>
+              <a:rPr lang="en-US" sz="1400" b="1" dirty="0">
+                <a:latin typeface="Courier New" panose="02070309020205020404" pitchFamily="49" charset="0"/>
+                <a:cs typeface="Courier New" panose="02070309020205020404" pitchFamily="49" charset="0"/>
+              </a:rPr>
+              <a:t>  struct </a:t>
+            </a:r>
+            <a:r>
+              <a:rPr lang="en-US" sz="1400" b="1" dirty="0" err="1">
+                <a:latin typeface="Courier New" panose="02070309020205020404" pitchFamily="49" charset="0"/>
+                <a:cs typeface="Courier New" panose="02070309020205020404" pitchFamily="49" charset="0"/>
+              </a:rPr>
+              <a:t>MapEntry</a:t>
+            </a:r>
+            <a:r>
+              <a:rPr lang="en-US" sz="1400" b="1" dirty="0">
+                <a:latin typeface="Courier New" panose="02070309020205020404" pitchFamily="49" charset="0"/>
+                <a:cs typeface="Courier New" panose="02070309020205020404" pitchFamily="49" charset="0"/>
+              </a:rPr>
+              <a:t> *tail;</a:t>
+            </a:r>
+          </a:p>
+          <a:p>
+            <a:r>
+              <a:rPr lang="en-US" sz="1400" b="1" dirty="0">
+                <a:latin typeface="Courier New" panose="02070309020205020404" pitchFamily="49" charset="0"/>
+                <a:cs typeface="Courier New" panose="02070309020205020404" pitchFamily="49" charset="0"/>
+              </a:rPr>
+              <a:t>  struct </a:t>
+            </a:r>
+            <a:r>
+              <a:rPr lang="en-US" sz="1400" b="1" dirty="0" err="1">
+                <a:latin typeface="Courier New" panose="02070309020205020404" pitchFamily="49" charset="0"/>
+                <a:cs typeface="Courier New" panose="02070309020205020404" pitchFamily="49" charset="0"/>
+              </a:rPr>
+              <a:t>MapEntry</a:t>
+            </a:r>
+            <a:r>
+              <a:rPr lang="en-US" sz="1400" b="1" dirty="0">
+                <a:latin typeface="Courier New" panose="02070309020205020404" pitchFamily="49" charset="0"/>
+                <a:cs typeface="Courier New" panose="02070309020205020404" pitchFamily="49" charset="0"/>
+              </a:rPr>
+              <a:t> *current;</a:t>
+            </a:r>
+          </a:p>
+          <a:p>
+            <a:r>
+              <a:rPr lang="en-US" sz="1400" b="1" dirty="0">
+                <a:latin typeface="Courier New" panose="02070309020205020404" pitchFamily="49" charset="0"/>
+                <a:cs typeface="Courier New" panose="02070309020205020404" pitchFamily="49" charset="0"/>
+              </a:rPr>
+              <a:t>  int count;</a:t>
+            </a:r>
+          </a:p>
+          <a:p>
+            <a:r>
+              <a:rPr lang="en-US" sz="1400" b="1" dirty="0">
+                <a:latin typeface="Courier New" panose="02070309020205020404" pitchFamily="49" charset="0"/>
+                <a:cs typeface="Courier New" panose="02070309020205020404" pitchFamily="49" charset="0"/>
+              </a:rPr>
+              <a:t>  int reverse;</a:t>
+            </a:r>
+          </a:p>
+          <a:p>
+            <a:endParaRPr lang="en-US" sz="1400" b="1" dirty="0">
+              <a:latin typeface="Courier New" panose="02070309020205020404" pitchFamily="49" charset="0"/>
+              <a:cs typeface="Courier New" panose="02070309020205020404" pitchFamily="49" charset="0"/>
+            </a:endParaRPr>
+          </a:p>
+          <a:p>
+            <a:r>
+              <a:rPr lang="en-US" sz="1400" b="1" dirty="0">
+                <a:latin typeface="Courier New" panose="02070309020205020404" pitchFamily="49" charset="0"/>
+                <a:cs typeface="Courier New" panose="02070309020205020404" pitchFamily="49" charset="0"/>
+              </a:rPr>
+              <a:t>  /* Methods */</a:t>
+            </a:r>
+          </a:p>
+          <a:p>
+            <a:r>
+              <a:rPr lang="en-US" sz="1400" b="1" dirty="0">
+                <a:latin typeface="Courier New" panose="02070309020205020404" pitchFamily="49" charset="0"/>
+                <a:cs typeface="Courier New" panose="02070309020205020404" pitchFamily="49" charset="0"/>
+              </a:rPr>
+              <a:t>  void (*put)(struct Map* self, char *key, int value);</a:t>
+            </a:r>
+          </a:p>
+          <a:p>
+            <a:r>
+              <a:rPr lang="en-US" sz="1400" b="1" dirty="0">
+                <a:latin typeface="Courier New" panose="02070309020205020404" pitchFamily="49" charset="0"/>
+                <a:cs typeface="Courier New" panose="02070309020205020404" pitchFamily="49" charset="0"/>
+              </a:rPr>
+              <a:t>  int (*get)(struct Map* self, char *key, int def);</a:t>
+            </a:r>
+          </a:p>
+          <a:p>
+            <a:r>
+              <a:rPr lang="en-US" sz="1400" b="1" dirty="0">
+                <a:latin typeface="Courier New" panose="02070309020205020404" pitchFamily="49" charset="0"/>
+                <a:cs typeface="Courier New" panose="02070309020205020404" pitchFamily="49" charset="0"/>
+              </a:rPr>
+              <a:t>  int (*size)(struct Map* self);</a:t>
+            </a:r>
+          </a:p>
+          <a:p>
+            <a:r>
+              <a:rPr lang="en-US" sz="1400" b="1" dirty="0">
+                <a:latin typeface="Courier New" panose="02070309020205020404" pitchFamily="49" charset="0"/>
+                <a:cs typeface="Courier New" panose="02070309020205020404" pitchFamily="49" charset="0"/>
+              </a:rPr>
+              <a:t>  void (*dump)(struct Map* self);</a:t>
+            </a:r>
+          </a:p>
+          <a:p>
+            <a:r>
+              <a:rPr lang="en-US" sz="1400" b="1" dirty="0">
+                <a:latin typeface="Courier New" panose="02070309020205020404" pitchFamily="49" charset="0"/>
+                <a:cs typeface="Courier New" panose="02070309020205020404" pitchFamily="49" charset="0"/>
+              </a:rPr>
+              <a:t>  struct </a:t>
+            </a:r>
+            <a:r>
+              <a:rPr lang="en-US" sz="1400" b="1" dirty="0" err="1">
+                <a:latin typeface="Courier New" panose="02070309020205020404" pitchFamily="49" charset="0"/>
+                <a:cs typeface="Courier New" panose="02070309020205020404" pitchFamily="49" charset="0"/>
+              </a:rPr>
+              <a:t>MapEntry</a:t>
+            </a:r>
+            <a:r>
+              <a:rPr lang="en-US" sz="1400" b="1" dirty="0">
+                <a:latin typeface="Courier New" panose="02070309020205020404" pitchFamily="49" charset="0"/>
+                <a:cs typeface="Courier New" panose="02070309020205020404" pitchFamily="49" charset="0"/>
+              </a:rPr>
+              <a:t>* (*first)(struct Map* self);</a:t>
+            </a:r>
+          </a:p>
+          <a:p>
+            <a:r>
+              <a:rPr lang="en-US" sz="1400" b="1" dirty="0">
+                <a:latin typeface="Courier New" panose="02070309020205020404" pitchFamily="49" charset="0"/>
+                <a:cs typeface="Courier New" panose="02070309020205020404" pitchFamily="49" charset="0"/>
+              </a:rPr>
+              <a:t>  struct </a:t>
+            </a:r>
+            <a:r>
+              <a:rPr lang="en-US" sz="1400" b="1" dirty="0" err="1">
+                <a:latin typeface="Courier New" panose="02070309020205020404" pitchFamily="49" charset="0"/>
+                <a:cs typeface="Courier New" panose="02070309020205020404" pitchFamily="49" charset="0"/>
+              </a:rPr>
+              <a:t>MapEntry</a:t>
+            </a:r>
+            <a:r>
+              <a:rPr lang="en-US" sz="1400" b="1" dirty="0">
+                <a:latin typeface="Courier New" panose="02070309020205020404" pitchFamily="49" charset="0"/>
+                <a:cs typeface="Courier New" panose="02070309020205020404" pitchFamily="49" charset="0"/>
+              </a:rPr>
+              <a:t>* (*last)(struct Map* self);</a:t>
+            </a:r>
+          </a:p>
+          <a:p>
+            <a:r>
+              <a:rPr lang="en-US" sz="1400" b="1" dirty="0">
+                <a:latin typeface="Courier New" panose="02070309020205020404" pitchFamily="49" charset="0"/>
+                <a:cs typeface="Courier New" panose="02070309020205020404" pitchFamily="49" charset="0"/>
+              </a:rPr>
+              <a:t>  struct </a:t>
+            </a:r>
+            <a:r>
+              <a:rPr lang="en-US" sz="1400" b="1" dirty="0" err="1">
+                <a:latin typeface="Courier New" panose="02070309020205020404" pitchFamily="49" charset="0"/>
+                <a:cs typeface="Courier New" panose="02070309020205020404" pitchFamily="49" charset="0"/>
+              </a:rPr>
+              <a:t>MapEntry</a:t>
+            </a:r>
+            <a:r>
+              <a:rPr lang="en-US" sz="1400" b="1" dirty="0">
+                <a:latin typeface="Courier New" panose="02070309020205020404" pitchFamily="49" charset="0"/>
+                <a:cs typeface="Courier New" panose="02070309020205020404" pitchFamily="49" charset="0"/>
+              </a:rPr>
+              <a:t>* (*next)(struct Map* self);</a:t>
+            </a:r>
+          </a:p>
+          <a:p>
+            <a:r>
+              <a:rPr lang="en-US" sz="1400" b="1" dirty="0">
+                <a:latin typeface="Courier New" panose="02070309020205020404" pitchFamily="49" charset="0"/>
+                <a:cs typeface="Courier New" panose="02070309020205020404" pitchFamily="49" charset="0"/>
+              </a:rPr>
+              <a:t>  void (*</a:t>
+            </a:r>
+            <a:r>
+              <a:rPr lang="en-US" sz="1400" b="1" dirty="0" err="1">
+                <a:latin typeface="Courier New" panose="02070309020205020404" pitchFamily="49" charset="0"/>
+                <a:cs typeface="Courier New" panose="02070309020205020404" pitchFamily="49" charset="0"/>
+              </a:rPr>
+              <a:t>asort</a:t>
+            </a:r>
+            <a:r>
+              <a:rPr lang="en-US" sz="1400" b="1" dirty="0">
+                <a:latin typeface="Courier New" panose="02070309020205020404" pitchFamily="49" charset="0"/>
+                <a:cs typeface="Courier New" panose="02070309020205020404" pitchFamily="49" charset="0"/>
+              </a:rPr>
+              <a:t>)(struct Map* self);</a:t>
+            </a:r>
+          </a:p>
+          <a:p>
+            <a:r>
+              <a:rPr lang="en-US" sz="1400" b="1" dirty="0">
+                <a:latin typeface="Courier New" panose="02070309020205020404" pitchFamily="49" charset="0"/>
+                <a:cs typeface="Courier New" panose="02070309020205020404" pitchFamily="49" charset="0"/>
+              </a:rPr>
+              <a:t>  void (*</a:t>
+            </a:r>
+            <a:r>
+              <a:rPr lang="en-US" sz="1400" b="1" dirty="0" err="1">
+                <a:latin typeface="Courier New" panose="02070309020205020404" pitchFamily="49" charset="0"/>
+                <a:cs typeface="Courier New" panose="02070309020205020404" pitchFamily="49" charset="0"/>
+              </a:rPr>
+              <a:t>ksort</a:t>
+            </a:r>
+            <a:r>
+              <a:rPr lang="en-US" sz="1400" b="1" dirty="0">
+                <a:latin typeface="Courier New" panose="02070309020205020404" pitchFamily="49" charset="0"/>
+                <a:cs typeface="Courier New" panose="02070309020205020404" pitchFamily="49" charset="0"/>
+              </a:rPr>
+              <a:t>)(struct Map* self);</a:t>
+            </a:r>
+          </a:p>
+          <a:p>
+            <a:r>
+              <a:rPr lang="en-US" sz="1400" b="1" dirty="0">
+                <a:latin typeface="Courier New" panose="02070309020205020404" pitchFamily="49" charset="0"/>
+                <a:cs typeface="Courier New" panose="02070309020205020404" pitchFamily="49" charset="0"/>
+              </a:rPr>
+              <a:t>};</a:t>
+            </a:r>
+          </a:p>
+        </p:txBody>
+      </p:sp>
+      <p:sp>
+        <p:nvSpPr>
+          <p:cNvPr id="6" name="Title 5">
+            <a:extLst>
+              <a:ext uri="{FF2B5EF4-FFF2-40B4-BE49-F238E27FC236}">
+                <a16:creationId xmlns:a16="http://schemas.microsoft.com/office/drawing/2014/main" id="{E4A81157-F1D0-5130-371D-BA8DD965B654}"/>
+              </a:ext>
+            </a:extLst>
+          </p:cNvPr>
+          <p:cNvSpPr>
+            <a:spLocks noGrp="1"/>
+          </p:cNvSpPr>
+          <p:nvPr>
+            <p:ph type="title"/>
+          </p:nvPr>
+        </p:nvSpPr>
+        <p:spPr/>
+        <p:txBody>
+          <a:bodyPr/>
+          <a:lstStyle/>
+          <a:p>
+            <a:r>
+              <a:rPr lang="en-US" dirty="0"/>
+              <a:t>Map</a:t>
+            </a:r>
+          </a:p>
+        </p:txBody>
+      </p:sp>
+      <p:sp>
+        <p:nvSpPr>
+          <p:cNvPr id="7" name="Content Placeholder 6">
+            <a:extLst>
+              <a:ext uri="{FF2B5EF4-FFF2-40B4-BE49-F238E27FC236}">
+                <a16:creationId xmlns:a16="http://schemas.microsoft.com/office/drawing/2014/main" id="{4D372547-AA0B-35AD-4AD8-30763CE5DF56}"/>
+              </a:ext>
+            </a:extLst>
+          </p:cNvPr>
+          <p:cNvSpPr>
+            <a:spLocks noGrp="1"/>
+          </p:cNvSpPr>
+          <p:nvPr>
+            <p:ph idx="1"/>
+          </p:nvPr>
+        </p:nvSpPr>
+        <p:spPr>
+          <a:xfrm>
+            <a:off x="838200" y="1825625"/>
+            <a:ext cx="3990474" cy="4351338"/>
+          </a:xfrm>
+        </p:spPr>
+        <p:txBody>
+          <a:bodyPr>
+            <a:normAutofit lnSpcReduction="10000"/>
+          </a:bodyPr>
+          <a:lstStyle/>
+          <a:p>
+            <a:r>
+              <a:rPr lang="en-US" dirty="0"/>
+              <a:t>This contains the attributes and methods</a:t>
+            </a:r>
+          </a:p>
+          <a:p>
+            <a:r>
+              <a:rPr lang="en-US" dirty="0"/>
+              <a:t>The reverse and current fields will be used to implement the first/next or last/next iterator pattern</a:t>
+            </a:r>
+          </a:p>
+          <a:p>
+            <a:r>
+              <a:rPr lang="en-US" dirty="0"/>
+              <a:t>We will use the pattern where the pointers to the methods will be in each instance.</a:t>
+            </a:r>
+          </a:p>
+        </p:txBody>
+      </p:sp>
+    </p:spTree>
+    <p:extLst>
+      <p:ext uri="{BB962C8B-B14F-4D97-AF65-F5344CB8AC3E}">
+        <p14:creationId xmlns:p14="http://schemas.microsoft.com/office/powerpoint/2010/main" val="3693872410"/>
+      </p:ext>
+    </p:extLst>
+  </p:cSld>
+  <p:clrMapOvr>
+    <a:masterClrMapping/>
+  </p:clrMapOvr>
+</p:sld>
+</file>
+
+<file path=ppt/slides/slide13.xml><?xml version="1.0" encoding="utf-8"?>
+<p:sld xmlns:a="http://schemas.openxmlformats.org/drawingml/2006/main" xmlns:r="http://schemas.openxmlformats.org/officeDocument/2006/relationships" xmlns:p="http://schemas.openxmlformats.org/presentationml/2006/main">
+  <p:cSld>
+    <p:spTree>
+      <p:nvGrpSpPr>
+        <p:cNvPr id="1" name=""/>
+        <p:cNvGrpSpPr/>
+        <p:nvPr/>
+      </p:nvGrpSpPr>
+      <p:grpSpPr>
+        <a:xfrm>
+          <a:off x="0" y="0"/>
+          <a:ext cx="0" cy="0"/>
+          <a:chOff x="0" y="0"/>
+          <a:chExt cx="0" cy="0"/>
+        </a:xfrm>
+      </p:grpSpPr>
+      <p:sp>
+        <p:nvSpPr>
+          <p:cNvPr id="2" name="TextBox 1">
+            <a:extLst>
+              <a:ext uri="{FF2B5EF4-FFF2-40B4-BE49-F238E27FC236}">
+                <a16:creationId xmlns:a16="http://schemas.microsoft.com/office/drawing/2014/main" id="{FEEE943B-F994-FF91-EC9C-3774C1CD2051}"/>
+              </a:ext>
+            </a:extLst>
+          </p:cNvPr>
+          <p:cNvSpPr txBox="1"/>
+          <p:nvPr/>
+        </p:nvSpPr>
+        <p:spPr>
+          <a:xfrm>
+            <a:off x="5717628" y="1336119"/>
+            <a:ext cx="4373313" cy="4401205"/>
+          </a:xfrm>
+          <a:prstGeom prst="rect">
+            <a:avLst/>
+          </a:prstGeom>
+          <a:noFill/>
+        </p:spPr>
+        <p:txBody>
+          <a:bodyPr wrap="none" rtlCol="0">
+            <a:spAutoFit/>
+          </a:bodyPr>
+          <a:lstStyle/>
+          <a:p>
+            <a:r>
+              <a:rPr lang="en-US" sz="1400" b="1" dirty="0">
+                <a:latin typeface="Courier New" panose="02070309020205020404" pitchFamily="49" charset="0"/>
+                <a:cs typeface="Courier New" panose="02070309020205020404" pitchFamily="49" charset="0"/>
+              </a:rPr>
+              <a:t>struct Map * </a:t>
+            </a:r>
+            <a:r>
+              <a:rPr lang="en-US" sz="1400" b="1" dirty="0" err="1">
+                <a:latin typeface="Courier New" panose="02070309020205020404" pitchFamily="49" charset="0"/>
+                <a:cs typeface="Courier New" panose="02070309020205020404" pitchFamily="49" charset="0"/>
+              </a:rPr>
+              <a:t>Map_new</a:t>
+            </a:r>
+            <a:r>
+              <a:rPr lang="en-US" sz="1400" b="1" dirty="0">
+                <a:latin typeface="Courier New" panose="02070309020205020404" pitchFamily="49" charset="0"/>
+                <a:cs typeface="Courier New" panose="02070309020205020404" pitchFamily="49" charset="0"/>
+              </a:rPr>
+              <a:t>() {</a:t>
+            </a:r>
+          </a:p>
+          <a:p>
+            <a:r>
+              <a:rPr lang="en-US" sz="1400" b="1" dirty="0">
+                <a:latin typeface="Courier New" panose="02070309020205020404" pitchFamily="49" charset="0"/>
+                <a:cs typeface="Courier New" panose="02070309020205020404" pitchFamily="49" charset="0"/>
+              </a:rPr>
+              <a:t>    struct Map *p = malloc(</a:t>
+            </a:r>
+            <a:r>
+              <a:rPr lang="en-US" sz="1400" b="1" dirty="0" err="1">
+                <a:latin typeface="Courier New" panose="02070309020205020404" pitchFamily="49" charset="0"/>
+                <a:cs typeface="Courier New" panose="02070309020205020404" pitchFamily="49" charset="0"/>
+              </a:rPr>
+              <a:t>sizeof</a:t>
+            </a:r>
+            <a:r>
+              <a:rPr lang="en-US" sz="1400" b="1" dirty="0">
+                <a:latin typeface="Courier New" panose="02070309020205020404" pitchFamily="49" charset="0"/>
+                <a:cs typeface="Courier New" panose="02070309020205020404" pitchFamily="49" charset="0"/>
+              </a:rPr>
+              <a:t>(*p));</a:t>
+            </a:r>
+          </a:p>
+          <a:p>
+            <a:endParaRPr lang="en-US" sz="1400" b="1" dirty="0">
+              <a:latin typeface="Courier New" panose="02070309020205020404" pitchFamily="49" charset="0"/>
+              <a:cs typeface="Courier New" panose="02070309020205020404" pitchFamily="49" charset="0"/>
+            </a:endParaRPr>
+          </a:p>
+          <a:p>
+            <a:r>
+              <a:rPr lang="en-US" sz="1400" b="1" dirty="0">
+                <a:latin typeface="Courier New" panose="02070309020205020404" pitchFamily="49" charset="0"/>
+                <a:cs typeface="Courier New" panose="02070309020205020404" pitchFamily="49" charset="0"/>
+              </a:rPr>
+              <a:t>    p-&gt;head = NULL;</a:t>
+            </a:r>
+          </a:p>
+          <a:p>
+            <a:r>
+              <a:rPr lang="en-US" sz="1400" b="1" dirty="0">
+                <a:latin typeface="Courier New" panose="02070309020205020404" pitchFamily="49" charset="0"/>
+                <a:cs typeface="Courier New" panose="02070309020205020404" pitchFamily="49" charset="0"/>
+              </a:rPr>
+              <a:t>    p-&gt;tail = NULL;</a:t>
+            </a:r>
+          </a:p>
+          <a:p>
+            <a:r>
+              <a:rPr lang="en-US" sz="1400" b="1" dirty="0">
+                <a:latin typeface="Courier New" panose="02070309020205020404" pitchFamily="49" charset="0"/>
+                <a:cs typeface="Courier New" panose="02070309020205020404" pitchFamily="49" charset="0"/>
+              </a:rPr>
+              <a:t>    p-&gt;current = NULL;</a:t>
+            </a:r>
+          </a:p>
+          <a:p>
+            <a:r>
+              <a:rPr lang="en-US" sz="1400" b="1" dirty="0">
+                <a:latin typeface="Courier New" panose="02070309020205020404" pitchFamily="49" charset="0"/>
+                <a:cs typeface="Courier New" panose="02070309020205020404" pitchFamily="49" charset="0"/>
+              </a:rPr>
+              <a:t>    p-&gt;count = 0;</a:t>
+            </a:r>
+          </a:p>
+          <a:p>
+            <a:r>
+              <a:rPr lang="en-US" sz="1400" b="1" dirty="0">
+                <a:latin typeface="Courier New" panose="02070309020205020404" pitchFamily="49" charset="0"/>
+                <a:cs typeface="Courier New" panose="02070309020205020404" pitchFamily="49" charset="0"/>
+              </a:rPr>
+              <a:t>    p-&gt;reverse = 0;</a:t>
+            </a:r>
+          </a:p>
+          <a:p>
+            <a:endParaRPr lang="en-US" sz="1400" b="1" dirty="0">
+              <a:latin typeface="Courier New" panose="02070309020205020404" pitchFamily="49" charset="0"/>
+              <a:cs typeface="Courier New" panose="02070309020205020404" pitchFamily="49" charset="0"/>
+            </a:endParaRPr>
+          </a:p>
+          <a:p>
+            <a:r>
+              <a:rPr lang="en-US" sz="1400" b="1" dirty="0">
+                <a:latin typeface="Courier New" panose="02070309020205020404" pitchFamily="49" charset="0"/>
+                <a:cs typeface="Courier New" panose="02070309020205020404" pitchFamily="49" charset="0"/>
+              </a:rPr>
+              <a:t>    p-&gt;put = &amp;</a:t>
+            </a:r>
+            <a:r>
+              <a:rPr lang="en-US" sz="1400" b="1" dirty="0" err="1">
+                <a:latin typeface="Courier New" panose="02070309020205020404" pitchFamily="49" charset="0"/>
+                <a:cs typeface="Courier New" panose="02070309020205020404" pitchFamily="49" charset="0"/>
+              </a:rPr>
+              <a:t>Map_put</a:t>
+            </a:r>
+            <a:r>
+              <a:rPr lang="en-US" sz="1400" b="1" dirty="0">
+                <a:latin typeface="Courier New" panose="02070309020205020404" pitchFamily="49" charset="0"/>
+                <a:cs typeface="Courier New" panose="02070309020205020404" pitchFamily="49" charset="0"/>
+              </a:rPr>
+              <a:t>;</a:t>
+            </a:r>
+          </a:p>
+          <a:p>
+            <a:r>
+              <a:rPr lang="en-US" sz="1400" b="1" dirty="0">
+                <a:latin typeface="Courier New" panose="02070309020205020404" pitchFamily="49" charset="0"/>
+                <a:cs typeface="Courier New" panose="02070309020205020404" pitchFamily="49" charset="0"/>
+              </a:rPr>
+              <a:t>    p-&gt;get = &amp;</a:t>
+            </a:r>
+            <a:r>
+              <a:rPr lang="en-US" sz="1400" b="1" dirty="0" err="1">
+                <a:latin typeface="Courier New" panose="02070309020205020404" pitchFamily="49" charset="0"/>
+                <a:cs typeface="Courier New" panose="02070309020205020404" pitchFamily="49" charset="0"/>
+              </a:rPr>
+              <a:t>Map_get</a:t>
+            </a:r>
+            <a:r>
+              <a:rPr lang="en-US" sz="1400" b="1" dirty="0">
+                <a:latin typeface="Courier New" panose="02070309020205020404" pitchFamily="49" charset="0"/>
+                <a:cs typeface="Courier New" panose="02070309020205020404" pitchFamily="49" charset="0"/>
+              </a:rPr>
+              <a:t>;</a:t>
+            </a:r>
+          </a:p>
+          <a:p>
+            <a:r>
+              <a:rPr lang="en-US" sz="1400" b="1" dirty="0">
+                <a:latin typeface="Courier New" panose="02070309020205020404" pitchFamily="49" charset="0"/>
+                <a:cs typeface="Courier New" panose="02070309020205020404" pitchFamily="49" charset="0"/>
+              </a:rPr>
+              <a:t>    p-&gt;size = &amp;</a:t>
+            </a:r>
+            <a:r>
+              <a:rPr lang="en-US" sz="1400" b="1" dirty="0" err="1">
+                <a:latin typeface="Courier New" panose="02070309020205020404" pitchFamily="49" charset="0"/>
+                <a:cs typeface="Courier New" panose="02070309020205020404" pitchFamily="49" charset="0"/>
+              </a:rPr>
+              <a:t>Map_size</a:t>
+            </a:r>
+            <a:r>
+              <a:rPr lang="en-US" sz="1400" b="1" dirty="0">
+                <a:latin typeface="Courier New" panose="02070309020205020404" pitchFamily="49" charset="0"/>
+                <a:cs typeface="Courier New" panose="02070309020205020404" pitchFamily="49" charset="0"/>
+              </a:rPr>
+              <a:t>;</a:t>
+            </a:r>
+          </a:p>
+          <a:p>
+            <a:r>
+              <a:rPr lang="en-US" sz="1400" b="1" dirty="0">
+                <a:latin typeface="Courier New" panose="02070309020205020404" pitchFamily="49" charset="0"/>
+                <a:cs typeface="Courier New" panose="02070309020205020404" pitchFamily="49" charset="0"/>
+              </a:rPr>
+              <a:t>    p-&gt;dump = &amp;</a:t>
+            </a:r>
+            <a:r>
+              <a:rPr lang="en-US" sz="1400" b="1" dirty="0" err="1">
+                <a:latin typeface="Courier New" panose="02070309020205020404" pitchFamily="49" charset="0"/>
+                <a:cs typeface="Courier New" panose="02070309020205020404" pitchFamily="49" charset="0"/>
+              </a:rPr>
+              <a:t>Map_dump</a:t>
+            </a:r>
+            <a:r>
+              <a:rPr lang="en-US" sz="1400" b="1" dirty="0">
+                <a:latin typeface="Courier New" panose="02070309020205020404" pitchFamily="49" charset="0"/>
+                <a:cs typeface="Courier New" panose="02070309020205020404" pitchFamily="49" charset="0"/>
+              </a:rPr>
+              <a:t>;</a:t>
+            </a:r>
+          </a:p>
+          <a:p>
+            <a:r>
+              <a:rPr lang="en-US" sz="1400" b="1" dirty="0">
+                <a:latin typeface="Courier New" panose="02070309020205020404" pitchFamily="49" charset="0"/>
+                <a:cs typeface="Courier New" panose="02070309020205020404" pitchFamily="49" charset="0"/>
+              </a:rPr>
+              <a:t>    p-&gt;first = &amp;</a:t>
+            </a:r>
+            <a:r>
+              <a:rPr lang="en-US" sz="1400" b="1" dirty="0" err="1">
+                <a:latin typeface="Courier New" panose="02070309020205020404" pitchFamily="49" charset="0"/>
+                <a:cs typeface="Courier New" panose="02070309020205020404" pitchFamily="49" charset="0"/>
+              </a:rPr>
+              <a:t>Map_first</a:t>
+            </a:r>
+            <a:r>
+              <a:rPr lang="en-US" sz="1400" b="1" dirty="0">
+                <a:latin typeface="Courier New" panose="02070309020205020404" pitchFamily="49" charset="0"/>
+                <a:cs typeface="Courier New" panose="02070309020205020404" pitchFamily="49" charset="0"/>
+              </a:rPr>
+              <a:t>;</a:t>
+            </a:r>
+          </a:p>
+          <a:p>
+            <a:r>
+              <a:rPr lang="en-US" sz="1400" b="1" dirty="0">
+                <a:latin typeface="Courier New" panose="02070309020205020404" pitchFamily="49" charset="0"/>
+                <a:cs typeface="Courier New" panose="02070309020205020404" pitchFamily="49" charset="0"/>
+              </a:rPr>
+              <a:t>    p-&gt;last = &amp;</a:t>
+            </a:r>
+            <a:r>
+              <a:rPr lang="en-US" sz="1400" b="1" dirty="0" err="1">
+                <a:latin typeface="Courier New" panose="02070309020205020404" pitchFamily="49" charset="0"/>
+                <a:cs typeface="Courier New" panose="02070309020205020404" pitchFamily="49" charset="0"/>
+              </a:rPr>
+              <a:t>Map_last</a:t>
+            </a:r>
+            <a:r>
+              <a:rPr lang="en-US" sz="1400" b="1" dirty="0">
+                <a:latin typeface="Courier New" panose="02070309020205020404" pitchFamily="49" charset="0"/>
+                <a:cs typeface="Courier New" panose="02070309020205020404" pitchFamily="49" charset="0"/>
+              </a:rPr>
+              <a:t>;</a:t>
+            </a:r>
+          </a:p>
+          <a:p>
+            <a:r>
+              <a:rPr lang="en-US" sz="1400" b="1" dirty="0">
+                <a:latin typeface="Courier New" panose="02070309020205020404" pitchFamily="49" charset="0"/>
+                <a:cs typeface="Courier New" panose="02070309020205020404" pitchFamily="49" charset="0"/>
+              </a:rPr>
+              <a:t>    p-&gt;next = &amp;</a:t>
+            </a:r>
+            <a:r>
+              <a:rPr lang="en-US" sz="1400" b="1" dirty="0" err="1">
+                <a:latin typeface="Courier New" panose="02070309020205020404" pitchFamily="49" charset="0"/>
+                <a:cs typeface="Courier New" panose="02070309020205020404" pitchFamily="49" charset="0"/>
+              </a:rPr>
+              <a:t>Map_next</a:t>
+            </a:r>
+            <a:r>
+              <a:rPr lang="en-US" sz="1400" b="1" dirty="0">
+                <a:latin typeface="Courier New" panose="02070309020205020404" pitchFamily="49" charset="0"/>
+                <a:cs typeface="Courier New" panose="02070309020205020404" pitchFamily="49" charset="0"/>
+              </a:rPr>
+              <a:t>;</a:t>
+            </a:r>
+          </a:p>
+          <a:p>
+            <a:r>
+              <a:rPr lang="en-US" sz="1400" b="1" dirty="0">
+                <a:latin typeface="Courier New" panose="02070309020205020404" pitchFamily="49" charset="0"/>
+                <a:cs typeface="Courier New" panose="02070309020205020404" pitchFamily="49" charset="0"/>
+              </a:rPr>
+              <a:t>    p-&gt;</a:t>
+            </a:r>
+            <a:r>
+              <a:rPr lang="en-US" sz="1400" b="1" dirty="0" err="1">
+                <a:latin typeface="Courier New" panose="02070309020205020404" pitchFamily="49" charset="0"/>
+                <a:cs typeface="Courier New" panose="02070309020205020404" pitchFamily="49" charset="0"/>
+              </a:rPr>
+              <a:t>asort</a:t>
+            </a:r>
+            <a:r>
+              <a:rPr lang="en-US" sz="1400" b="1" dirty="0">
+                <a:latin typeface="Courier New" panose="02070309020205020404" pitchFamily="49" charset="0"/>
+                <a:cs typeface="Courier New" panose="02070309020205020404" pitchFamily="49" charset="0"/>
+              </a:rPr>
+              <a:t> = &amp;</a:t>
+            </a:r>
+            <a:r>
+              <a:rPr lang="en-US" sz="1400" b="1" dirty="0" err="1">
+                <a:latin typeface="Courier New" panose="02070309020205020404" pitchFamily="49" charset="0"/>
+                <a:cs typeface="Courier New" panose="02070309020205020404" pitchFamily="49" charset="0"/>
+              </a:rPr>
+              <a:t>Map_asort</a:t>
+            </a:r>
+            <a:r>
+              <a:rPr lang="en-US" sz="1400" b="1" dirty="0">
+                <a:latin typeface="Courier New" panose="02070309020205020404" pitchFamily="49" charset="0"/>
+                <a:cs typeface="Courier New" panose="02070309020205020404" pitchFamily="49" charset="0"/>
+              </a:rPr>
+              <a:t>;</a:t>
+            </a:r>
+          </a:p>
+          <a:p>
+            <a:r>
+              <a:rPr lang="en-US" sz="1400" b="1" dirty="0">
+                <a:latin typeface="Courier New" panose="02070309020205020404" pitchFamily="49" charset="0"/>
+                <a:cs typeface="Courier New" panose="02070309020205020404" pitchFamily="49" charset="0"/>
+              </a:rPr>
+              <a:t>    p-&gt;</a:t>
+            </a:r>
+            <a:r>
+              <a:rPr lang="en-US" sz="1400" b="1" dirty="0" err="1">
+                <a:latin typeface="Courier New" panose="02070309020205020404" pitchFamily="49" charset="0"/>
+                <a:cs typeface="Courier New" panose="02070309020205020404" pitchFamily="49" charset="0"/>
+              </a:rPr>
+              <a:t>ksort</a:t>
+            </a:r>
+            <a:r>
+              <a:rPr lang="en-US" sz="1400" b="1" dirty="0">
+                <a:latin typeface="Courier New" panose="02070309020205020404" pitchFamily="49" charset="0"/>
+                <a:cs typeface="Courier New" panose="02070309020205020404" pitchFamily="49" charset="0"/>
+              </a:rPr>
+              <a:t> = &amp;</a:t>
+            </a:r>
+            <a:r>
+              <a:rPr lang="en-US" sz="1400" b="1" dirty="0" err="1">
+                <a:latin typeface="Courier New" panose="02070309020205020404" pitchFamily="49" charset="0"/>
+                <a:cs typeface="Courier New" panose="02070309020205020404" pitchFamily="49" charset="0"/>
+              </a:rPr>
+              <a:t>Map_ksort</a:t>
+            </a:r>
+            <a:r>
+              <a:rPr lang="en-US" sz="1400" b="1" dirty="0">
+                <a:latin typeface="Courier New" panose="02070309020205020404" pitchFamily="49" charset="0"/>
+                <a:cs typeface="Courier New" panose="02070309020205020404" pitchFamily="49" charset="0"/>
+              </a:rPr>
+              <a:t>;</a:t>
+            </a:r>
+          </a:p>
+          <a:p>
+            <a:r>
+              <a:rPr lang="en-US" sz="1400" b="1" dirty="0">
+                <a:latin typeface="Courier New" panose="02070309020205020404" pitchFamily="49" charset="0"/>
+                <a:cs typeface="Courier New" panose="02070309020205020404" pitchFamily="49" charset="0"/>
+              </a:rPr>
+              <a:t>    return p;</a:t>
+            </a:r>
+          </a:p>
+          <a:p>
+            <a:r>
+              <a:rPr lang="en-US" sz="1400" b="1" dirty="0">
+                <a:latin typeface="Courier New" panose="02070309020205020404" pitchFamily="49" charset="0"/>
+                <a:cs typeface="Courier New" panose="02070309020205020404" pitchFamily="49" charset="0"/>
+              </a:rPr>
+              <a:t>}</a:t>
+            </a:r>
+          </a:p>
+        </p:txBody>
+      </p:sp>
+      <p:sp>
+        <p:nvSpPr>
+          <p:cNvPr id="6" name="Title 5">
+            <a:extLst>
+              <a:ext uri="{FF2B5EF4-FFF2-40B4-BE49-F238E27FC236}">
+                <a16:creationId xmlns:a16="http://schemas.microsoft.com/office/drawing/2014/main" id="{E4A81157-F1D0-5130-371D-BA8DD965B654}"/>
+              </a:ext>
+            </a:extLst>
+          </p:cNvPr>
+          <p:cNvSpPr>
+            <a:spLocks noGrp="1"/>
+          </p:cNvSpPr>
+          <p:nvPr>
+            <p:ph type="title"/>
+          </p:nvPr>
+        </p:nvSpPr>
+        <p:spPr/>
+        <p:txBody>
+          <a:bodyPr/>
+          <a:lstStyle/>
+          <a:p>
+            <a:r>
+              <a:rPr lang="en-US" dirty="0"/>
+              <a:t>Constructor</a:t>
+            </a:r>
+          </a:p>
+        </p:txBody>
+      </p:sp>
+      <p:sp>
+        <p:nvSpPr>
+          <p:cNvPr id="7" name="Content Placeholder 6">
+            <a:extLst>
+              <a:ext uri="{FF2B5EF4-FFF2-40B4-BE49-F238E27FC236}">
+                <a16:creationId xmlns:a16="http://schemas.microsoft.com/office/drawing/2014/main" id="{4D372547-AA0B-35AD-4AD8-30763CE5DF56}"/>
+              </a:ext>
+            </a:extLst>
+          </p:cNvPr>
+          <p:cNvSpPr>
+            <a:spLocks noGrp="1"/>
+          </p:cNvSpPr>
+          <p:nvPr>
+            <p:ph idx="1"/>
+          </p:nvPr>
+        </p:nvSpPr>
+        <p:spPr>
+          <a:xfrm>
+            <a:off x="838200" y="1825625"/>
+            <a:ext cx="3990474" cy="4351338"/>
+          </a:xfrm>
+        </p:spPr>
+        <p:txBody>
+          <a:bodyPr>
+            <a:normAutofit/>
+          </a:bodyPr>
+          <a:lstStyle/>
+          <a:p>
+            <a:r>
+              <a:rPr lang="en-US" dirty="0"/>
+              <a:t>Allocate the Map and fill it with defaults.</a:t>
+            </a:r>
+          </a:p>
+        </p:txBody>
+      </p:sp>
+    </p:spTree>
+    <p:extLst>
+      <p:ext uri="{BB962C8B-B14F-4D97-AF65-F5344CB8AC3E}">
+        <p14:creationId xmlns:p14="http://schemas.microsoft.com/office/powerpoint/2010/main" val="3146089935"/>
+      </p:ext>
+    </p:extLst>
+  </p:cSld>
+  <p:clrMapOvr>
+    <a:masterClrMapping/>
+  </p:clrMapOvr>
+</p:sld>
+</file>
+
+<file path=ppt/slides/slide14.xml><?xml version="1.0" encoding="utf-8"?>
+<p:sld xmlns:a="http://schemas.openxmlformats.org/drawingml/2006/main" xmlns:r="http://schemas.openxmlformats.org/officeDocument/2006/relationships" xmlns:p="http://schemas.openxmlformats.org/presentationml/2006/main">
+  <p:cSld>
+    <p:spTree>
+      <p:nvGrpSpPr>
+        <p:cNvPr id="1" name=""/>
+        <p:cNvGrpSpPr/>
+        <p:nvPr/>
+      </p:nvGrpSpPr>
+      <p:grpSpPr>
+        <a:xfrm>
+          <a:off x="0" y="0"/>
+          <a:ext cx="0" cy="0"/>
+          <a:chOff x="0" y="0"/>
+          <a:chExt cx="0" cy="0"/>
+        </a:xfrm>
+      </p:grpSpPr>
+      <p:sp>
+        <p:nvSpPr>
+          <p:cNvPr id="2" name="TextBox 1">
+            <a:extLst>
+              <a:ext uri="{FF2B5EF4-FFF2-40B4-BE49-F238E27FC236}">
+                <a16:creationId xmlns:a16="http://schemas.microsoft.com/office/drawing/2014/main" id="{FEEE943B-F994-FF91-EC9C-3774C1CD2051}"/>
+              </a:ext>
+            </a:extLst>
+          </p:cNvPr>
+          <p:cNvSpPr txBox="1"/>
+          <p:nvPr/>
+        </p:nvSpPr>
+        <p:spPr>
+          <a:xfrm>
+            <a:off x="5717628" y="1336119"/>
+            <a:ext cx="5232523" cy="4185761"/>
+          </a:xfrm>
+          <a:prstGeom prst="rect">
+            <a:avLst/>
+          </a:prstGeom>
+          <a:noFill/>
+        </p:spPr>
+        <p:txBody>
+          <a:bodyPr wrap="none" rtlCol="0">
+            <a:spAutoFit/>
+          </a:bodyPr>
+          <a:lstStyle/>
+          <a:p>
+            <a:r>
+              <a:rPr lang="en-US" sz="1400" b="1" dirty="0">
+                <a:latin typeface="Courier New" panose="02070309020205020404" pitchFamily="49" charset="0"/>
+                <a:cs typeface="Courier New" panose="02070309020205020404" pitchFamily="49" charset="0"/>
+              </a:rPr>
+              <a:t>/**</a:t>
+            </a:r>
+          </a:p>
+          <a:p>
+            <a:r>
+              <a:rPr lang="en-US" sz="1400" b="1" dirty="0">
+                <a:latin typeface="Courier New" panose="02070309020205020404" pitchFamily="49" charset="0"/>
+                <a:cs typeface="Courier New" panose="02070309020205020404" pitchFamily="49" charset="0"/>
+              </a:rPr>
+              <a:t> * Destructor for the Map Class</a:t>
+            </a:r>
+          </a:p>
+          <a:p>
+            <a:r>
+              <a:rPr lang="en-US" sz="1400" b="1" dirty="0">
+                <a:latin typeface="Courier New" panose="02070309020205020404" pitchFamily="49" charset="0"/>
+                <a:cs typeface="Courier New" panose="02070309020205020404" pitchFamily="49" charset="0"/>
+              </a:rPr>
+              <a:t> *</a:t>
+            </a:r>
+          </a:p>
+          <a:p>
+            <a:r>
+              <a:rPr lang="en-US" sz="1400" b="1" dirty="0">
+                <a:latin typeface="Courier New" panose="02070309020205020404" pitchFamily="49" charset="0"/>
+                <a:cs typeface="Courier New" panose="02070309020205020404" pitchFamily="49" charset="0"/>
+              </a:rPr>
+              <a:t> * Loops through and frees all the keys and</a:t>
+            </a:r>
+          </a:p>
+          <a:p>
+            <a:r>
+              <a:rPr lang="en-US" sz="1400" b="1" dirty="0">
+                <a:latin typeface="Courier New" panose="02070309020205020404" pitchFamily="49" charset="0"/>
+                <a:cs typeface="Courier New" panose="02070309020205020404" pitchFamily="49" charset="0"/>
+              </a:rPr>
+              <a:t> * entries in the map.  The values are integers</a:t>
+            </a:r>
+          </a:p>
+          <a:p>
+            <a:r>
+              <a:rPr lang="en-US" sz="1400" b="1" dirty="0">
+                <a:latin typeface="Courier New" panose="02070309020205020404" pitchFamily="49" charset="0"/>
+                <a:cs typeface="Courier New" panose="02070309020205020404" pitchFamily="49" charset="0"/>
+              </a:rPr>
+              <a:t> * and so there is no need to free them.</a:t>
+            </a:r>
+          </a:p>
+          <a:p>
+            <a:r>
+              <a:rPr lang="en-US" sz="1400" b="1" dirty="0">
+                <a:latin typeface="Courier New" panose="02070309020205020404" pitchFamily="49" charset="0"/>
+                <a:cs typeface="Courier New" panose="02070309020205020404" pitchFamily="49" charset="0"/>
+              </a:rPr>
+              <a:t> */</a:t>
+            </a:r>
+          </a:p>
+          <a:p>
+            <a:r>
+              <a:rPr lang="en-US" sz="1400" b="1" dirty="0">
+                <a:latin typeface="Courier New" panose="02070309020205020404" pitchFamily="49" charset="0"/>
+                <a:cs typeface="Courier New" panose="02070309020205020404" pitchFamily="49" charset="0"/>
+              </a:rPr>
+              <a:t>void </a:t>
+            </a:r>
+            <a:r>
+              <a:rPr lang="en-US" sz="1400" b="1" dirty="0" err="1">
+                <a:latin typeface="Courier New" panose="02070309020205020404" pitchFamily="49" charset="0"/>
+                <a:cs typeface="Courier New" panose="02070309020205020404" pitchFamily="49" charset="0"/>
+              </a:rPr>
+              <a:t>Map_del</a:t>
+            </a:r>
+            <a:r>
+              <a:rPr lang="en-US" sz="1400" b="1" dirty="0">
+                <a:latin typeface="Courier New" panose="02070309020205020404" pitchFamily="49" charset="0"/>
+                <a:cs typeface="Courier New" panose="02070309020205020404" pitchFamily="49" charset="0"/>
+              </a:rPr>
+              <a:t>(struct Map* self) {</a:t>
+            </a:r>
+          </a:p>
+          <a:p>
+            <a:r>
+              <a:rPr lang="en-US" sz="1400" b="1" dirty="0">
+                <a:latin typeface="Courier New" panose="02070309020205020404" pitchFamily="49" charset="0"/>
+                <a:cs typeface="Courier New" panose="02070309020205020404" pitchFamily="49" charset="0"/>
+              </a:rPr>
+              <a:t>    struct </a:t>
+            </a:r>
+            <a:r>
+              <a:rPr lang="en-US" sz="1400" b="1" dirty="0" err="1">
+                <a:latin typeface="Courier New" panose="02070309020205020404" pitchFamily="49" charset="0"/>
+                <a:cs typeface="Courier New" panose="02070309020205020404" pitchFamily="49" charset="0"/>
+              </a:rPr>
+              <a:t>MapEntry</a:t>
+            </a:r>
+            <a:r>
+              <a:rPr lang="en-US" sz="1400" b="1" dirty="0">
+                <a:latin typeface="Courier New" panose="02070309020205020404" pitchFamily="49" charset="0"/>
+                <a:cs typeface="Courier New" panose="02070309020205020404" pitchFamily="49" charset="0"/>
+              </a:rPr>
+              <a:t> *cur, *next;</a:t>
+            </a:r>
+          </a:p>
+          <a:p>
+            <a:r>
+              <a:rPr lang="en-US" sz="1400" b="1" dirty="0">
+                <a:latin typeface="Courier New" panose="02070309020205020404" pitchFamily="49" charset="0"/>
+                <a:cs typeface="Courier New" panose="02070309020205020404" pitchFamily="49" charset="0"/>
+              </a:rPr>
+              <a:t>    cur = self-&gt;head;</a:t>
+            </a:r>
+          </a:p>
+          <a:p>
+            <a:r>
+              <a:rPr lang="en-US" sz="1400" b="1" dirty="0">
+                <a:latin typeface="Courier New" panose="02070309020205020404" pitchFamily="49" charset="0"/>
+                <a:cs typeface="Courier New" panose="02070309020205020404" pitchFamily="49" charset="0"/>
+              </a:rPr>
+              <a:t>    while(cur) {</a:t>
+            </a:r>
+          </a:p>
+          <a:p>
+            <a:r>
+              <a:rPr lang="en-US" sz="1400" b="1" dirty="0">
+                <a:latin typeface="Courier New" panose="02070309020205020404" pitchFamily="49" charset="0"/>
+                <a:cs typeface="Courier New" panose="02070309020205020404" pitchFamily="49" charset="0"/>
+              </a:rPr>
+              <a:t>        free(cur-&gt;key);</a:t>
+            </a:r>
+          </a:p>
+          <a:p>
+            <a:r>
+              <a:rPr lang="en-US" sz="1400" b="1" dirty="0">
+                <a:latin typeface="Courier New" panose="02070309020205020404" pitchFamily="49" charset="0"/>
+                <a:cs typeface="Courier New" panose="02070309020205020404" pitchFamily="49" charset="0"/>
+              </a:rPr>
+              <a:t>        /* value is just part of the struct */</a:t>
+            </a:r>
+          </a:p>
+          <a:p>
+            <a:r>
+              <a:rPr lang="en-US" sz="1400" b="1" dirty="0">
+                <a:latin typeface="Courier New" panose="02070309020205020404" pitchFamily="49" charset="0"/>
+                <a:cs typeface="Courier New" panose="02070309020205020404" pitchFamily="49" charset="0"/>
+              </a:rPr>
+              <a:t>        next = cur-&gt;next;</a:t>
+            </a:r>
+          </a:p>
+          <a:p>
+            <a:r>
+              <a:rPr lang="en-US" sz="1400" b="1" dirty="0">
+                <a:latin typeface="Courier New" panose="02070309020205020404" pitchFamily="49" charset="0"/>
+                <a:cs typeface="Courier New" panose="02070309020205020404" pitchFamily="49" charset="0"/>
+              </a:rPr>
+              <a:t>        free(cur);</a:t>
+            </a:r>
+          </a:p>
+          <a:p>
+            <a:r>
+              <a:rPr lang="en-US" sz="1400" b="1" dirty="0">
+                <a:latin typeface="Courier New" panose="02070309020205020404" pitchFamily="49" charset="0"/>
+                <a:cs typeface="Courier New" panose="02070309020205020404" pitchFamily="49" charset="0"/>
+              </a:rPr>
+              <a:t>        cur = next;</a:t>
+            </a:r>
+          </a:p>
+          <a:p>
+            <a:r>
+              <a:rPr lang="en-US" sz="1400" b="1" dirty="0">
+                <a:latin typeface="Courier New" panose="02070309020205020404" pitchFamily="49" charset="0"/>
+                <a:cs typeface="Courier New" panose="02070309020205020404" pitchFamily="49" charset="0"/>
+              </a:rPr>
+              <a:t>    }</a:t>
+            </a:r>
+          </a:p>
+          <a:p>
+            <a:r>
+              <a:rPr lang="en-US" sz="1400" b="1" dirty="0">
+                <a:latin typeface="Courier New" panose="02070309020205020404" pitchFamily="49" charset="0"/>
+                <a:cs typeface="Courier New" panose="02070309020205020404" pitchFamily="49" charset="0"/>
+              </a:rPr>
+              <a:t>    free((void *)self);</a:t>
+            </a:r>
+          </a:p>
+          <a:p>
+            <a:r>
+              <a:rPr lang="en-US" sz="1400" b="1" dirty="0">
+                <a:latin typeface="Courier New" panose="02070309020205020404" pitchFamily="49" charset="0"/>
+                <a:cs typeface="Courier New" panose="02070309020205020404" pitchFamily="49" charset="0"/>
+              </a:rPr>
+              <a:t>}</a:t>
+            </a:r>
+          </a:p>
+        </p:txBody>
+      </p:sp>
+      <p:sp>
+        <p:nvSpPr>
+          <p:cNvPr id="6" name="Title 5">
+            <a:extLst>
+              <a:ext uri="{FF2B5EF4-FFF2-40B4-BE49-F238E27FC236}">
+                <a16:creationId xmlns:a16="http://schemas.microsoft.com/office/drawing/2014/main" id="{E4A81157-F1D0-5130-371D-BA8DD965B654}"/>
+              </a:ext>
+            </a:extLst>
+          </p:cNvPr>
+          <p:cNvSpPr>
+            <a:spLocks noGrp="1"/>
+          </p:cNvSpPr>
+          <p:nvPr>
+            <p:ph type="title"/>
+          </p:nvPr>
+        </p:nvSpPr>
+        <p:spPr/>
+        <p:txBody>
+          <a:bodyPr/>
+          <a:lstStyle/>
+          <a:p>
+            <a:r>
+              <a:rPr lang="en-US" dirty="0"/>
+              <a:t>Destructor</a:t>
+            </a:r>
+          </a:p>
+        </p:txBody>
+      </p:sp>
+      <p:sp>
+        <p:nvSpPr>
+          <p:cNvPr id="7" name="Content Placeholder 6">
+            <a:extLst>
+              <a:ext uri="{FF2B5EF4-FFF2-40B4-BE49-F238E27FC236}">
+                <a16:creationId xmlns:a16="http://schemas.microsoft.com/office/drawing/2014/main" id="{4D372547-AA0B-35AD-4AD8-30763CE5DF56}"/>
+              </a:ext>
+            </a:extLst>
+          </p:cNvPr>
+          <p:cNvSpPr>
+            <a:spLocks noGrp="1"/>
+          </p:cNvSpPr>
+          <p:nvPr>
+            <p:ph idx="1"/>
+          </p:nvPr>
+        </p:nvSpPr>
+        <p:spPr>
+          <a:xfrm>
+            <a:off x="838200" y="1825625"/>
+            <a:ext cx="3990474" cy="4351338"/>
+          </a:xfrm>
+        </p:spPr>
+        <p:txBody>
+          <a:bodyPr>
+            <a:normAutofit/>
+          </a:bodyPr>
+          <a:lstStyle/>
+          <a:p>
+            <a:r>
+              <a:rPr lang="en-US" dirty="0"/>
+              <a:t>Free the allocated key strings, then the </a:t>
+            </a:r>
+            <a:r>
+              <a:rPr lang="en-US" dirty="0" err="1"/>
+              <a:t>MapEntry</a:t>
+            </a:r>
+            <a:r>
+              <a:rPr lang="en-US" dirty="0"/>
+              <a:t> structure</a:t>
+            </a:r>
+          </a:p>
+          <a:p>
+            <a:r>
+              <a:rPr lang="en-US" dirty="0"/>
+              <a:t>Note that we take cur-&gt;next before we free the node, assuming that cur data might be gone.</a:t>
+            </a:r>
+          </a:p>
+          <a:p>
+            <a:r>
+              <a:rPr lang="en-US" dirty="0"/>
+              <a:t>At the very end we free the Map structure</a:t>
+            </a:r>
+          </a:p>
+        </p:txBody>
+      </p:sp>
+    </p:spTree>
+    <p:extLst>
+      <p:ext uri="{BB962C8B-B14F-4D97-AF65-F5344CB8AC3E}">
+        <p14:creationId xmlns:p14="http://schemas.microsoft.com/office/powerpoint/2010/main" val="878270015"/>
+      </p:ext>
+    </p:extLst>
+  </p:cSld>
+  <p:clrMapOvr>
+    <a:masterClrMapping/>
+  </p:clrMapOvr>
+</p:sld>
+</file>
+
+<file path=ppt/slides/slide15.xml><?xml version="1.0" encoding="utf-8"?>
+<p:sld xmlns:a="http://schemas.openxmlformats.org/drawingml/2006/main" xmlns:r="http://schemas.openxmlformats.org/officeDocument/2006/relationships" xmlns:p="http://schemas.openxmlformats.org/presentationml/2006/main">
+  <p:cSld>
+    <p:spTree>
+      <p:nvGrpSpPr>
+        <p:cNvPr id="1" name=""/>
+        <p:cNvGrpSpPr/>
+        <p:nvPr/>
+      </p:nvGrpSpPr>
+      <p:grpSpPr>
+        <a:xfrm>
+          <a:off x="0" y="0"/>
+          <a:ext cx="0" cy="0"/>
+          <a:chOff x="0" y="0"/>
+          <a:chExt cx="0" cy="0"/>
+        </a:xfrm>
+      </p:grpSpPr>
+      <p:sp>
+        <p:nvSpPr>
+          <p:cNvPr id="2" name="TextBox 1">
+            <a:extLst>
+              <a:ext uri="{FF2B5EF4-FFF2-40B4-BE49-F238E27FC236}">
+                <a16:creationId xmlns:a16="http://schemas.microsoft.com/office/drawing/2014/main" id="{FEEE943B-F994-FF91-EC9C-3774C1CD2051}"/>
+              </a:ext>
+            </a:extLst>
+          </p:cNvPr>
+          <p:cNvSpPr txBox="1"/>
+          <p:nvPr/>
+        </p:nvSpPr>
+        <p:spPr>
+          <a:xfrm>
+            <a:off x="5466168" y="1690688"/>
+            <a:ext cx="6521337" cy="3323987"/>
+          </a:xfrm>
+          <a:prstGeom prst="rect">
+            <a:avLst/>
+          </a:prstGeom>
+          <a:noFill/>
+        </p:spPr>
+        <p:txBody>
+          <a:bodyPr wrap="none" rtlCol="0">
+            <a:spAutoFit/>
+          </a:bodyPr>
+          <a:lstStyle/>
+          <a:p>
+            <a:r>
+              <a:rPr lang="en-US" sz="1400" b="1" dirty="0">
+                <a:latin typeface="Courier New" panose="02070309020205020404" pitchFamily="49" charset="0"/>
+                <a:cs typeface="Courier New" panose="02070309020205020404" pitchFamily="49" charset="0"/>
+              </a:rPr>
+              <a:t>/**</a:t>
+            </a:r>
+          </a:p>
+          <a:p>
+            <a:r>
+              <a:rPr lang="en-US" sz="1400" b="1" dirty="0">
+                <a:latin typeface="Courier New" panose="02070309020205020404" pitchFamily="49" charset="0"/>
+                <a:cs typeface="Courier New" panose="02070309020205020404" pitchFamily="49" charset="0"/>
+              </a:rPr>
+              <a:t> * </a:t>
+            </a:r>
+            <a:r>
+              <a:rPr lang="en-US" sz="1400" b="1" dirty="0" err="1">
+                <a:latin typeface="Courier New" panose="02070309020205020404" pitchFamily="49" charset="0"/>
+                <a:cs typeface="Courier New" panose="02070309020205020404" pitchFamily="49" charset="0"/>
+              </a:rPr>
+              <a:t>Map_dump</a:t>
+            </a:r>
+            <a:r>
+              <a:rPr lang="en-US" sz="1400" b="1" dirty="0">
+                <a:latin typeface="Courier New" panose="02070309020205020404" pitchFamily="49" charset="0"/>
+                <a:cs typeface="Courier New" panose="02070309020205020404" pitchFamily="49" charset="0"/>
+              </a:rPr>
+              <a:t> - In effect a </a:t>
+            </a:r>
+            <a:r>
+              <a:rPr lang="en-US" sz="1400" b="1" dirty="0" err="1">
+                <a:latin typeface="Courier New" panose="02070309020205020404" pitchFamily="49" charset="0"/>
+                <a:cs typeface="Courier New" panose="02070309020205020404" pitchFamily="49" charset="0"/>
+              </a:rPr>
+              <a:t>toString</a:t>
+            </a:r>
+            <a:r>
+              <a:rPr lang="en-US" sz="1400" b="1" dirty="0">
+                <a:latin typeface="Courier New" panose="02070309020205020404" pitchFamily="49" charset="0"/>
+                <a:cs typeface="Courier New" panose="02070309020205020404" pitchFamily="49" charset="0"/>
+              </a:rPr>
+              <a:t>() except we print</a:t>
+            </a:r>
+          </a:p>
+          <a:p>
+            <a:r>
+              <a:rPr lang="en-US" sz="1400" b="1" dirty="0">
+                <a:latin typeface="Courier New" panose="02070309020205020404" pitchFamily="49" charset="0"/>
+                <a:cs typeface="Courier New" panose="02070309020205020404" pitchFamily="49" charset="0"/>
+              </a:rPr>
+              <a:t> * the contents of the Map to </a:t>
+            </a:r>
+            <a:r>
+              <a:rPr lang="en-US" sz="1400" b="1" dirty="0" err="1">
+                <a:latin typeface="Courier New" panose="02070309020205020404" pitchFamily="49" charset="0"/>
+                <a:cs typeface="Courier New" panose="02070309020205020404" pitchFamily="49" charset="0"/>
+              </a:rPr>
+              <a:t>stdout</a:t>
+            </a:r>
+            <a:endParaRPr lang="en-US" sz="1400" b="1" dirty="0">
+              <a:latin typeface="Courier New" panose="02070309020205020404" pitchFamily="49" charset="0"/>
+              <a:cs typeface="Courier New" panose="02070309020205020404" pitchFamily="49" charset="0"/>
+            </a:endParaRPr>
+          </a:p>
+          <a:p>
+            <a:r>
+              <a:rPr lang="en-US" sz="1400" b="1" dirty="0">
+                <a:latin typeface="Courier New" panose="02070309020205020404" pitchFamily="49" charset="0"/>
+                <a:cs typeface="Courier New" panose="02070309020205020404" pitchFamily="49" charset="0"/>
+              </a:rPr>
+              <a:t> *</a:t>
+            </a:r>
+          </a:p>
+          <a:p>
+            <a:r>
+              <a:rPr lang="en-US" sz="1400" b="1" dirty="0">
+                <a:latin typeface="Courier New" panose="02070309020205020404" pitchFamily="49" charset="0"/>
+                <a:cs typeface="Courier New" panose="02070309020205020404" pitchFamily="49" charset="0"/>
+              </a:rPr>
+              <a:t> * self – The pointer to the instance of this class.</a:t>
+            </a:r>
+          </a:p>
+          <a:p>
+            <a:r>
+              <a:rPr lang="en-US" sz="1400" b="1" dirty="0">
+                <a:latin typeface="Courier New" panose="02070309020205020404" pitchFamily="49" charset="0"/>
+                <a:cs typeface="Courier New" panose="02070309020205020404" pitchFamily="49" charset="0"/>
+              </a:rPr>
+              <a:t> */</a:t>
+            </a:r>
+          </a:p>
+          <a:p>
+            <a:endParaRPr lang="en-US" sz="1400" b="1" dirty="0">
+              <a:latin typeface="Courier New" panose="02070309020205020404" pitchFamily="49" charset="0"/>
+              <a:cs typeface="Courier New" panose="02070309020205020404" pitchFamily="49" charset="0"/>
+            </a:endParaRPr>
+          </a:p>
+          <a:p>
+            <a:r>
+              <a:rPr lang="en-US" sz="1400" b="1" dirty="0">
+                <a:latin typeface="Courier New" panose="02070309020205020404" pitchFamily="49" charset="0"/>
+                <a:cs typeface="Courier New" panose="02070309020205020404" pitchFamily="49" charset="0"/>
+              </a:rPr>
+              <a:t>Void </a:t>
+            </a:r>
+            <a:r>
+              <a:rPr lang="en-US" sz="1400" b="1" dirty="0" err="1">
+                <a:latin typeface="Courier New" panose="02070309020205020404" pitchFamily="49" charset="0"/>
+                <a:cs typeface="Courier New" panose="02070309020205020404" pitchFamily="49" charset="0"/>
+              </a:rPr>
+              <a:t>Map_dump</a:t>
+            </a:r>
+            <a:r>
+              <a:rPr lang="en-US" sz="1400" b="1" dirty="0">
+                <a:latin typeface="Courier New" panose="02070309020205020404" pitchFamily="49" charset="0"/>
+                <a:cs typeface="Courier New" panose="02070309020205020404" pitchFamily="49" charset="0"/>
+              </a:rPr>
+              <a:t>(struct Map* self)</a:t>
+            </a:r>
+          </a:p>
+          <a:p>
+            <a:r>
+              <a:rPr lang="en-US" sz="1400" b="1" dirty="0">
+                <a:latin typeface="Courier New" panose="02070309020205020404" pitchFamily="49" charset="0"/>
+                <a:cs typeface="Courier New" panose="02070309020205020404" pitchFamily="49" charset="0"/>
+              </a:rPr>
+              <a:t>{</a:t>
+            </a:r>
+          </a:p>
+          <a:p>
+            <a:r>
+              <a:rPr lang="en-US" sz="1400" b="1" dirty="0">
+                <a:latin typeface="Courier New" panose="02070309020205020404" pitchFamily="49" charset="0"/>
+                <a:cs typeface="Courier New" panose="02070309020205020404" pitchFamily="49" charset="0"/>
+              </a:rPr>
+              <a:t>    struct </a:t>
+            </a:r>
+            <a:r>
+              <a:rPr lang="en-US" sz="1400" b="1" dirty="0" err="1">
+                <a:latin typeface="Courier New" panose="02070309020205020404" pitchFamily="49" charset="0"/>
+                <a:cs typeface="Courier New" panose="02070309020205020404" pitchFamily="49" charset="0"/>
+              </a:rPr>
+              <a:t>MapEntry</a:t>
+            </a:r>
+            <a:r>
+              <a:rPr lang="en-US" sz="1400" b="1" dirty="0">
+                <a:latin typeface="Courier New" panose="02070309020205020404" pitchFamily="49" charset="0"/>
+                <a:cs typeface="Courier New" panose="02070309020205020404" pitchFamily="49" charset="0"/>
+              </a:rPr>
+              <a:t> *cur;</a:t>
+            </a:r>
+          </a:p>
+          <a:p>
+            <a:r>
+              <a:rPr lang="en-US" sz="1400" b="1" dirty="0">
+                <a:latin typeface="Courier New" panose="02070309020205020404" pitchFamily="49" charset="0"/>
+                <a:cs typeface="Courier New" panose="02070309020205020404" pitchFamily="49" charset="0"/>
+              </a:rPr>
+              <a:t>    </a:t>
+            </a:r>
+            <a:r>
+              <a:rPr lang="en-US" sz="1400" b="1" dirty="0" err="1">
+                <a:latin typeface="Courier New" panose="02070309020205020404" pitchFamily="49" charset="0"/>
+                <a:cs typeface="Courier New" panose="02070309020205020404" pitchFamily="49" charset="0"/>
+              </a:rPr>
+              <a:t>printf</a:t>
+            </a:r>
+            <a:r>
+              <a:rPr lang="en-US" sz="1400" b="1" dirty="0">
+                <a:latin typeface="Courier New" panose="02070309020205020404" pitchFamily="49" charset="0"/>
+                <a:cs typeface="Courier New" panose="02070309020205020404" pitchFamily="49" charset="0"/>
+              </a:rPr>
+              <a:t>("Object Map@%p count=%d\n", self, self-&gt;count);</a:t>
+            </a:r>
+          </a:p>
+          <a:p>
+            <a:r>
+              <a:rPr lang="en-US" sz="1400" b="1" dirty="0">
+                <a:latin typeface="Courier New" panose="02070309020205020404" pitchFamily="49" charset="0"/>
+                <a:cs typeface="Courier New" panose="02070309020205020404" pitchFamily="49" charset="0"/>
+              </a:rPr>
+              <a:t>    for(cur = self-&gt;head; cur != NULL ; cur = cur-&gt;next ) {</a:t>
+            </a:r>
+          </a:p>
+          <a:p>
+            <a:r>
+              <a:rPr lang="en-US" sz="1400" b="1" dirty="0">
+                <a:latin typeface="Courier New" panose="02070309020205020404" pitchFamily="49" charset="0"/>
+                <a:cs typeface="Courier New" panose="02070309020205020404" pitchFamily="49" charset="0"/>
+              </a:rPr>
+              <a:t>         </a:t>
+            </a:r>
+            <a:r>
+              <a:rPr lang="en-US" sz="1400" b="1" dirty="0" err="1">
+                <a:latin typeface="Courier New" panose="02070309020205020404" pitchFamily="49" charset="0"/>
+                <a:cs typeface="Courier New" panose="02070309020205020404" pitchFamily="49" charset="0"/>
+              </a:rPr>
+              <a:t>printf</a:t>
+            </a:r>
+            <a:r>
+              <a:rPr lang="en-US" sz="1400" b="1" dirty="0">
+                <a:latin typeface="Courier New" panose="02070309020205020404" pitchFamily="49" charset="0"/>
+                <a:cs typeface="Courier New" panose="02070309020205020404" pitchFamily="49" charset="0"/>
+              </a:rPr>
+              <a:t>("  %s=%d\n", cur-&gt;key, cur-&gt;value);</a:t>
+            </a:r>
+          </a:p>
+          <a:p>
+            <a:r>
+              <a:rPr lang="en-US" sz="1400" b="1" dirty="0">
+                <a:latin typeface="Courier New" panose="02070309020205020404" pitchFamily="49" charset="0"/>
+                <a:cs typeface="Courier New" panose="02070309020205020404" pitchFamily="49" charset="0"/>
+              </a:rPr>
+              <a:t>    }</a:t>
+            </a:r>
+          </a:p>
+          <a:p>
+            <a:r>
+              <a:rPr lang="en-US" sz="1400" b="1" dirty="0">
+                <a:latin typeface="Courier New" panose="02070309020205020404" pitchFamily="49" charset="0"/>
+                <a:cs typeface="Courier New" panose="02070309020205020404" pitchFamily="49" charset="0"/>
+              </a:rPr>
+              <a:t>}</a:t>
+            </a:r>
+          </a:p>
+        </p:txBody>
+      </p:sp>
+      <p:sp>
+        <p:nvSpPr>
+          <p:cNvPr id="6" name="Title 5">
+            <a:extLst>
+              <a:ext uri="{FF2B5EF4-FFF2-40B4-BE49-F238E27FC236}">
+                <a16:creationId xmlns:a16="http://schemas.microsoft.com/office/drawing/2014/main" id="{E4A81157-F1D0-5130-371D-BA8DD965B654}"/>
+              </a:ext>
+            </a:extLst>
+          </p:cNvPr>
+          <p:cNvSpPr>
+            <a:spLocks noGrp="1"/>
+          </p:cNvSpPr>
+          <p:nvPr>
+            <p:ph type="title"/>
+          </p:nvPr>
+        </p:nvSpPr>
+        <p:spPr/>
+        <p:txBody>
+          <a:bodyPr/>
+          <a:lstStyle/>
+          <a:p>
+            <a:r>
+              <a:rPr lang="en-US" dirty="0" err="1"/>
+              <a:t>Map_dump</a:t>
+            </a:r>
+            <a:endParaRPr lang="en-US" dirty="0"/>
+          </a:p>
+        </p:txBody>
+      </p:sp>
+      <p:sp>
+        <p:nvSpPr>
+          <p:cNvPr id="7" name="Content Placeholder 6">
+            <a:extLst>
+              <a:ext uri="{FF2B5EF4-FFF2-40B4-BE49-F238E27FC236}">
+                <a16:creationId xmlns:a16="http://schemas.microsoft.com/office/drawing/2014/main" id="{4D372547-AA0B-35AD-4AD8-30763CE5DF56}"/>
+              </a:ext>
+            </a:extLst>
+          </p:cNvPr>
+          <p:cNvSpPr>
+            <a:spLocks noGrp="1"/>
+          </p:cNvSpPr>
+          <p:nvPr>
+            <p:ph idx="1"/>
+          </p:nvPr>
+        </p:nvSpPr>
+        <p:spPr>
+          <a:xfrm>
+            <a:off x="838200" y="1825625"/>
+            <a:ext cx="3990474" cy="4351338"/>
+          </a:xfrm>
+        </p:spPr>
+        <p:txBody>
+          <a:bodyPr>
+            <a:normAutofit/>
+          </a:bodyPr>
+          <a:lstStyle/>
+          <a:p>
+            <a:r>
+              <a:rPr lang="en-US" dirty="0"/>
+              <a:t>Build a simple debug tool right away </a:t>
+            </a:r>
+            <a:r>
+              <a:rPr lang="en-US" dirty="0">
+                <a:sym typeface="Wingdings" pitchFamily="2" charset="2"/>
+              </a:rPr>
+              <a:t></a:t>
+            </a:r>
+            <a:endParaRPr lang="en-US" dirty="0"/>
+          </a:p>
+        </p:txBody>
+      </p:sp>
+    </p:spTree>
+    <p:extLst>
+      <p:ext uri="{BB962C8B-B14F-4D97-AF65-F5344CB8AC3E}">
+        <p14:creationId xmlns:p14="http://schemas.microsoft.com/office/powerpoint/2010/main" val="3045797249"/>
+      </p:ext>
+    </p:extLst>
+  </p:cSld>
+  <p:clrMapOvr>
+    <a:masterClrMapping/>
+  </p:clrMapOvr>
+</p:sld>
+</file>
+
+<file path=ppt/slides/slide16.xml><?xml version="1.0" encoding="utf-8"?>
+<p:sld xmlns:a="http://schemas.openxmlformats.org/drawingml/2006/main" xmlns:r="http://schemas.openxmlformats.org/officeDocument/2006/relationships" xmlns:p="http://schemas.openxmlformats.org/presentationml/2006/main">
+  <p:cSld>
+    <p:spTree>
+      <p:nvGrpSpPr>
+        <p:cNvPr id="1" name=""/>
+        <p:cNvGrpSpPr/>
+        <p:nvPr/>
+      </p:nvGrpSpPr>
+      <p:grpSpPr>
+        <a:xfrm>
+          <a:off x="0" y="0"/>
+          <a:ext cx="0" cy="0"/>
+          <a:chOff x="0" y="0"/>
+          <a:chExt cx="0" cy="0"/>
+        </a:xfrm>
+      </p:grpSpPr>
+      <p:sp>
+        <p:nvSpPr>
+          <p:cNvPr id="2" name="TextBox 1">
+            <a:extLst>
+              <a:ext uri="{FF2B5EF4-FFF2-40B4-BE49-F238E27FC236}">
+                <a16:creationId xmlns:a16="http://schemas.microsoft.com/office/drawing/2014/main" id="{FEEE943B-F994-FF91-EC9C-3774C1CD2051}"/>
+              </a:ext>
+            </a:extLst>
+          </p:cNvPr>
+          <p:cNvSpPr txBox="1"/>
+          <p:nvPr/>
+        </p:nvSpPr>
+        <p:spPr>
+          <a:xfrm>
+            <a:off x="5614758" y="743308"/>
+            <a:ext cx="5984331" cy="5478423"/>
+          </a:xfrm>
+          <a:prstGeom prst="rect">
+            <a:avLst/>
+          </a:prstGeom>
+          <a:noFill/>
+        </p:spPr>
+        <p:txBody>
+          <a:bodyPr wrap="none" rtlCol="0">
+            <a:spAutoFit/>
+          </a:bodyPr>
+          <a:lstStyle/>
+          <a:p>
+            <a:r>
+              <a:rPr lang="en-US" sz="1400" b="1" dirty="0">
+                <a:latin typeface="Courier New" panose="02070309020205020404" pitchFamily="49" charset="0"/>
+                <a:cs typeface="Courier New" panose="02070309020205020404" pitchFamily="49" charset="0"/>
+              </a:rPr>
+              <a:t>/**</a:t>
+            </a:r>
+          </a:p>
+          <a:p>
+            <a:r>
+              <a:rPr lang="en-US" sz="1400" b="1" dirty="0">
+                <a:latin typeface="Courier New" panose="02070309020205020404" pitchFamily="49" charset="0"/>
+                <a:cs typeface="Courier New" panose="02070309020205020404" pitchFamily="49" charset="0"/>
+              </a:rPr>
+              <a:t> * </a:t>
+            </a:r>
+            <a:r>
+              <a:rPr lang="en-US" sz="1400" b="1" dirty="0" err="1">
+                <a:latin typeface="Courier New" panose="02070309020205020404" pitchFamily="49" charset="0"/>
+                <a:cs typeface="Courier New" panose="02070309020205020404" pitchFamily="49" charset="0"/>
+              </a:rPr>
+              <a:t>Map_get</a:t>
+            </a:r>
+            <a:r>
+              <a:rPr lang="en-US" sz="1400" b="1" dirty="0">
+                <a:latin typeface="Courier New" panose="02070309020205020404" pitchFamily="49" charset="0"/>
+                <a:cs typeface="Courier New" panose="02070309020205020404" pitchFamily="49" charset="0"/>
+              </a:rPr>
+              <a:t> - Locate and return the value for the</a:t>
+            </a:r>
+          </a:p>
+          <a:p>
+            <a:r>
+              <a:rPr lang="en-US" sz="1400" b="1" dirty="0">
+                <a:latin typeface="Courier New" panose="02070309020205020404" pitchFamily="49" charset="0"/>
+                <a:cs typeface="Courier New" panose="02070309020205020404" pitchFamily="49" charset="0"/>
+              </a:rPr>
+              <a:t> * corresponding key or a default value</a:t>
+            </a:r>
+          </a:p>
+          <a:p>
+            <a:r>
+              <a:rPr lang="en-US" sz="1400" b="1" dirty="0">
+                <a:latin typeface="Courier New" panose="02070309020205020404" pitchFamily="49" charset="0"/>
+                <a:cs typeface="Courier New" panose="02070309020205020404" pitchFamily="49" charset="0"/>
+              </a:rPr>
+              <a:t> *</a:t>
+            </a:r>
+          </a:p>
+          <a:p>
+            <a:r>
+              <a:rPr lang="en-US" sz="1400" b="1" dirty="0">
+                <a:latin typeface="Courier New" panose="02070309020205020404" pitchFamily="49" charset="0"/>
+                <a:cs typeface="Courier New" panose="02070309020205020404" pitchFamily="49" charset="0"/>
+              </a:rPr>
+              <a:t> * self - The pointer to the instance of this class.</a:t>
+            </a:r>
+          </a:p>
+          <a:p>
+            <a:r>
+              <a:rPr lang="en-US" sz="1400" b="1" dirty="0">
+                <a:latin typeface="Courier New" panose="02070309020205020404" pitchFamily="49" charset="0"/>
+                <a:cs typeface="Courier New" panose="02070309020205020404" pitchFamily="49" charset="0"/>
+              </a:rPr>
+              <a:t> * key - A character pointer to the key value</a:t>
+            </a:r>
+          </a:p>
+          <a:p>
+            <a:r>
+              <a:rPr lang="en-US" sz="1400" b="1" dirty="0">
+                <a:latin typeface="Courier New" panose="02070309020205020404" pitchFamily="49" charset="0"/>
+                <a:cs typeface="Courier New" panose="02070309020205020404" pitchFamily="49" charset="0"/>
+              </a:rPr>
+              <a:t> * def - A default value to return if the key is</a:t>
+            </a:r>
+          </a:p>
+          <a:p>
+            <a:r>
+              <a:rPr lang="en-US" sz="1400" b="1" dirty="0">
+                <a:latin typeface="Courier New" panose="02070309020205020404" pitchFamily="49" charset="0"/>
+                <a:cs typeface="Courier New" panose="02070309020205020404" pitchFamily="49" charset="0"/>
+              </a:rPr>
+              <a:t> *       not in the Map</a:t>
+            </a:r>
+          </a:p>
+          <a:p>
+            <a:r>
+              <a:rPr lang="en-US" sz="1400" b="1" dirty="0">
+                <a:latin typeface="Courier New" panose="02070309020205020404" pitchFamily="49" charset="0"/>
+                <a:cs typeface="Courier New" panose="02070309020205020404" pitchFamily="49" charset="0"/>
+              </a:rPr>
+              <a:t> *</a:t>
+            </a:r>
+          </a:p>
+          <a:p>
+            <a:r>
+              <a:rPr lang="en-US" sz="1400" b="1" dirty="0">
+                <a:latin typeface="Courier New" panose="02070309020205020404" pitchFamily="49" charset="0"/>
+                <a:cs typeface="Courier New" panose="02070309020205020404" pitchFamily="49" charset="0"/>
+              </a:rPr>
+              <a:t> * Returns an integer</a:t>
+            </a:r>
+          </a:p>
+          <a:p>
+            <a:r>
+              <a:rPr lang="en-US" sz="1400" b="1" dirty="0">
+                <a:latin typeface="Courier New" panose="02070309020205020404" pitchFamily="49" charset="0"/>
+                <a:cs typeface="Courier New" panose="02070309020205020404" pitchFamily="49" charset="0"/>
+              </a:rPr>
+              <a:t> *</a:t>
+            </a:r>
+          </a:p>
+          <a:p>
+            <a:r>
+              <a:rPr lang="en-US" sz="1400" b="1" dirty="0">
+                <a:latin typeface="Courier New" panose="02070309020205020404" pitchFamily="49" charset="0"/>
+                <a:cs typeface="Courier New" panose="02070309020205020404" pitchFamily="49" charset="0"/>
+              </a:rPr>
+              <a:t> * Sample call:</a:t>
+            </a:r>
+          </a:p>
+          <a:p>
+            <a:r>
+              <a:rPr lang="en-US" sz="1400" b="1" dirty="0">
+                <a:latin typeface="Courier New" panose="02070309020205020404" pitchFamily="49" charset="0"/>
+                <a:cs typeface="Courier New" panose="02070309020205020404" pitchFamily="49" charset="0"/>
+              </a:rPr>
+              <a:t> * </a:t>
+            </a:r>
+          </a:p>
+          <a:p>
+            <a:r>
+              <a:rPr lang="en-US" sz="1400" b="1" dirty="0">
+                <a:latin typeface="Courier New" panose="02070309020205020404" pitchFamily="49" charset="0"/>
+                <a:cs typeface="Courier New" panose="02070309020205020404" pitchFamily="49" charset="0"/>
+              </a:rPr>
+              <a:t> * int ret = map-&gt;get(map, "z", 42);</a:t>
+            </a:r>
+          </a:p>
+          <a:p>
+            <a:r>
+              <a:rPr lang="en-US" sz="1400" b="1" dirty="0">
+                <a:latin typeface="Courier New" panose="02070309020205020404" pitchFamily="49" charset="0"/>
+                <a:cs typeface="Courier New" panose="02070309020205020404" pitchFamily="49" charset="0"/>
+              </a:rPr>
+              <a:t> *</a:t>
+            </a:r>
+          </a:p>
+          <a:p>
+            <a:r>
+              <a:rPr lang="en-US" sz="1400" b="1" dirty="0">
+                <a:latin typeface="Courier New" panose="02070309020205020404" pitchFamily="49" charset="0"/>
+                <a:cs typeface="Courier New" panose="02070309020205020404" pitchFamily="49" charset="0"/>
+              </a:rPr>
+              <a:t> * This method takes inspiration from the Python code:</a:t>
+            </a:r>
+          </a:p>
+          <a:p>
+            <a:r>
+              <a:rPr lang="en-US" sz="1400" b="1" dirty="0">
+                <a:latin typeface="Courier New" panose="02070309020205020404" pitchFamily="49" charset="0"/>
+                <a:cs typeface="Courier New" panose="02070309020205020404" pitchFamily="49" charset="0"/>
+              </a:rPr>
+              <a:t> *</a:t>
+            </a:r>
+          </a:p>
+          <a:p>
+            <a:r>
+              <a:rPr lang="en-US" sz="1400" b="1" dirty="0">
+                <a:latin typeface="Courier New" panose="02070309020205020404" pitchFamily="49" charset="0"/>
+                <a:cs typeface="Courier New" panose="02070309020205020404" pitchFamily="49" charset="0"/>
+              </a:rPr>
+              <a:t> *   value = </a:t>
+            </a:r>
+            <a:r>
+              <a:rPr lang="en-US" sz="1400" b="1" dirty="0" err="1">
+                <a:latin typeface="Courier New" panose="02070309020205020404" pitchFamily="49" charset="0"/>
+                <a:cs typeface="Courier New" panose="02070309020205020404" pitchFamily="49" charset="0"/>
+              </a:rPr>
+              <a:t>map.get</a:t>
+            </a:r>
+            <a:r>
+              <a:rPr lang="en-US" sz="1400" b="1" dirty="0">
+                <a:latin typeface="Courier New" panose="02070309020205020404" pitchFamily="49" charset="0"/>
+                <a:cs typeface="Courier New" panose="02070309020205020404" pitchFamily="49" charset="0"/>
+              </a:rPr>
+              <a:t>("key", def)</a:t>
+            </a:r>
+          </a:p>
+          <a:p>
+            <a:r>
+              <a:rPr lang="en-US" sz="1400" b="1" dirty="0">
+                <a:latin typeface="Courier New" panose="02070309020205020404" pitchFamily="49" charset="0"/>
+                <a:cs typeface="Courier New" panose="02070309020205020404" pitchFamily="49" charset="0"/>
+              </a:rPr>
+              <a:t> */</a:t>
+            </a:r>
+          </a:p>
+          <a:p>
+            <a:r>
+              <a:rPr lang="en-US" sz="1400" b="1" dirty="0">
+                <a:latin typeface="Courier New" panose="02070309020205020404" pitchFamily="49" charset="0"/>
+                <a:cs typeface="Courier New" panose="02070309020205020404" pitchFamily="49" charset="0"/>
+              </a:rPr>
+              <a:t>int </a:t>
+            </a:r>
+            <a:r>
+              <a:rPr lang="en-US" sz="1400" b="1" dirty="0" err="1">
+                <a:latin typeface="Courier New" panose="02070309020205020404" pitchFamily="49" charset="0"/>
+                <a:cs typeface="Courier New" panose="02070309020205020404" pitchFamily="49" charset="0"/>
+              </a:rPr>
+              <a:t>Map_get</a:t>
+            </a:r>
+            <a:r>
+              <a:rPr lang="en-US" sz="1400" b="1" dirty="0">
+                <a:latin typeface="Courier New" panose="02070309020205020404" pitchFamily="49" charset="0"/>
+                <a:cs typeface="Courier New" panose="02070309020205020404" pitchFamily="49" charset="0"/>
+              </a:rPr>
+              <a:t>(struct Map* self, char *key, int def)</a:t>
+            </a:r>
+          </a:p>
+          <a:p>
+            <a:r>
+              <a:rPr lang="en-US" sz="1400" b="1" dirty="0">
+                <a:latin typeface="Courier New" panose="02070309020205020404" pitchFamily="49" charset="0"/>
+                <a:cs typeface="Courier New" panose="02070309020205020404" pitchFamily="49" charset="0"/>
+              </a:rPr>
+              <a:t>{</a:t>
+            </a:r>
+          </a:p>
+          <a:p>
+            <a:r>
+              <a:rPr lang="en-US" sz="1400" b="1" dirty="0">
+                <a:latin typeface="Courier New" panose="02070309020205020404" pitchFamily="49" charset="0"/>
+                <a:cs typeface="Courier New" panose="02070309020205020404" pitchFamily="49" charset="0"/>
+              </a:rPr>
+              <a:t>    struct </a:t>
+            </a:r>
+            <a:r>
+              <a:rPr lang="en-US" sz="1400" b="1" dirty="0" err="1">
+                <a:latin typeface="Courier New" panose="02070309020205020404" pitchFamily="49" charset="0"/>
+                <a:cs typeface="Courier New" panose="02070309020205020404" pitchFamily="49" charset="0"/>
+              </a:rPr>
+              <a:t>MapEntry</a:t>
+            </a:r>
+            <a:r>
+              <a:rPr lang="en-US" sz="1400" b="1" dirty="0">
+                <a:latin typeface="Courier New" panose="02070309020205020404" pitchFamily="49" charset="0"/>
+                <a:cs typeface="Courier New" panose="02070309020205020404" pitchFamily="49" charset="0"/>
+              </a:rPr>
+              <a:t> *</a:t>
+            </a:r>
+            <a:r>
+              <a:rPr lang="en-US" sz="1400" b="1" dirty="0" err="1">
+                <a:latin typeface="Courier New" panose="02070309020205020404" pitchFamily="49" charset="0"/>
+                <a:cs typeface="Courier New" panose="02070309020205020404" pitchFamily="49" charset="0"/>
+              </a:rPr>
+              <a:t>retval</a:t>
+            </a:r>
+            <a:r>
+              <a:rPr lang="en-US" sz="1400" b="1" dirty="0">
+                <a:latin typeface="Courier New" panose="02070309020205020404" pitchFamily="49" charset="0"/>
+                <a:cs typeface="Courier New" panose="02070309020205020404" pitchFamily="49" charset="0"/>
+              </a:rPr>
+              <a:t> = </a:t>
+            </a:r>
+            <a:r>
+              <a:rPr lang="en-US" sz="1400" b="1" dirty="0" err="1">
+                <a:latin typeface="Courier New" panose="02070309020205020404" pitchFamily="49" charset="0"/>
+                <a:cs typeface="Courier New" panose="02070309020205020404" pitchFamily="49" charset="0"/>
+              </a:rPr>
+              <a:t>Map_find</a:t>
+            </a:r>
+            <a:r>
+              <a:rPr lang="en-US" sz="1400" b="1" dirty="0">
+                <a:latin typeface="Courier New" panose="02070309020205020404" pitchFamily="49" charset="0"/>
+                <a:cs typeface="Courier New" panose="02070309020205020404" pitchFamily="49" charset="0"/>
+              </a:rPr>
+              <a:t>(self, key);</a:t>
+            </a:r>
+          </a:p>
+          <a:p>
+            <a:r>
+              <a:rPr lang="en-US" sz="1400" b="1" dirty="0">
+                <a:latin typeface="Courier New" panose="02070309020205020404" pitchFamily="49" charset="0"/>
+                <a:cs typeface="Courier New" panose="02070309020205020404" pitchFamily="49" charset="0"/>
+              </a:rPr>
+              <a:t>    if ( </a:t>
+            </a:r>
+            <a:r>
+              <a:rPr lang="en-US" sz="1400" b="1" dirty="0" err="1">
+                <a:latin typeface="Courier New" panose="02070309020205020404" pitchFamily="49" charset="0"/>
+                <a:cs typeface="Courier New" panose="02070309020205020404" pitchFamily="49" charset="0"/>
+              </a:rPr>
+              <a:t>retval</a:t>
+            </a:r>
+            <a:r>
+              <a:rPr lang="en-US" sz="1400" b="1" dirty="0">
+                <a:latin typeface="Courier New" panose="02070309020205020404" pitchFamily="49" charset="0"/>
+                <a:cs typeface="Courier New" panose="02070309020205020404" pitchFamily="49" charset="0"/>
+              </a:rPr>
+              <a:t> == NULL ) return def;</a:t>
+            </a:r>
+          </a:p>
+          <a:p>
+            <a:r>
+              <a:rPr lang="en-US" sz="1400" b="1" dirty="0">
+                <a:latin typeface="Courier New" panose="02070309020205020404" pitchFamily="49" charset="0"/>
+                <a:cs typeface="Courier New" panose="02070309020205020404" pitchFamily="49" charset="0"/>
+              </a:rPr>
+              <a:t>    return </a:t>
+            </a:r>
+            <a:r>
+              <a:rPr lang="en-US" sz="1400" b="1" dirty="0" err="1">
+                <a:latin typeface="Courier New" panose="02070309020205020404" pitchFamily="49" charset="0"/>
+                <a:cs typeface="Courier New" panose="02070309020205020404" pitchFamily="49" charset="0"/>
+              </a:rPr>
+              <a:t>retval</a:t>
+            </a:r>
+            <a:r>
+              <a:rPr lang="en-US" sz="1400" b="1" dirty="0">
+                <a:latin typeface="Courier New" panose="02070309020205020404" pitchFamily="49" charset="0"/>
+                <a:cs typeface="Courier New" panose="02070309020205020404" pitchFamily="49" charset="0"/>
+              </a:rPr>
+              <a:t>-&gt;value;</a:t>
+            </a:r>
+          </a:p>
+          <a:p>
+            <a:r>
+              <a:rPr lang="en-US" sz="1400" b="1" dirty="0">
+                <a:latin typeface="Courier New" panose="02070309020205020404" pitchFamily="49" charset="0"/>
+                <a:cs typeface="Courier New" panose="02070309020205020404" pitchFamily="49" charset="0"/>
+              </a:rPr>
+              <a:t>}</a:t>
+            </a:r>
+          </a:p>
+        </p:txBody>
+      </p:sp>
+      <p:sp>
+        <p:nvSpPr>
+          <p:cNvPr id="6" name="Title 5">
+            <a:extLst>
+              <a:ext uri="{FF2B5EF4-FFF2-40B4-BE49-F238E27FC236}">
+                <a16:creationId xmlns:a16="http://schemas.microsoft.com/office/drawing/2014/main" id="{E4A81157-F1D0-5130-371D-BA8DD965B654}"/>
+              </a:ext>
+            </a:extLst>
+          </p:cNvPr>
+          <p:cNvSpPr>
+            <a:spLocks noGrp="1"/>
+          </p:cNvSpPr>
+          <p:nvPr>
+            <p:ph type="title"/>
+          </p:nvPr>
+        </p:nvSpPr>
+        <p:spPr>
+          <a:xfrm>
+            <a:off x="838200" y="365125"/>
+            <a:ext cx="5257800" cy="1325563"/>
+          </a:xfrm>
+        </p:spPr>
+        <p:txBody>
+          <a:bodyPr/>
+          <a:lstStyle/>
+          <a:p>
+            <a:r>
+              <a:rPr lang="en-US" dirty="0" err="1"/>
+              <a:t>Map_get</a:t>
+            </a:r>
+            <a:endParaRPr lang="en-US" dirty="0"/>
+          </a:p>
+        </p:txBody>
+      </p:sp>
+      <p:sp>
+        <p:nvSpPr>
+          <p:cNvPr id="7" name="Content Placeholder 6">
+            <a:extLst>
+              <a:ext uri="{FF2B5EF4-FFF2-40B4-BE49-F238E27FC236}">
+                <a16:creationId xmlns:a16="http://schemas.microsoft.com/office/drawing/2014/main" id="{4D372547-AA0B-35AD-4AD8-30763CE5DF56}"/>
+              </a:ext>
+            </a:extLst>
+          </p:cNvPr>
+          <p:cNvSpPr>
+            <a:spLocks noGrp="1"/>
+          </p:cNvSpPr>
+          <p:nvPr>
+            <p:ph idx="1"/>
+          </p:nvPr>
+        </p:nvSpPr>
+        <p:spPr>
+          <a:xfrm>
+            <a:off x="838200" y="1825625"/>
+            <a:ext cx="3990474" cy="4351338"/>
+          </a:xfrm>
+        </p:spPr>
+        <p:txBody>
+          <a:bodyPr>
+            <a:normAutofit/>
+          </a:bodyPr>
+          <a:lstStyle/>
+          <a:p>
+            <a:r>
+              <a:rPr lang="en-US" dirty="0"/>
+              <a:t>Returns the value stored at the key or a default value</a:t>
+            </a:r>
+          </a:p>
+          <a:p>
+            <a:r>
+              <a:rPr lang="en-US" dirty="0"/>
+              <a:t>Pretty simple when you can use </a:t>
+            </a:r>
+            <a:r>
+              <a:rPr lang="en-US" dirty="0" err="1"/>
+              <a:t>Map_find</a:t>
+            </a:r>
+            <a:r>
+              <a:rPr lang="en-US" dirty="0"/>
+              <a:t>()</a:t>
+            </a:r>
+          </a:p>
+        </p:txBody>
+      </p:sp>
+    </p:spTree>
+    <p:extLst>
+      <p:ext uri="{BB962C8B-B14F-4D97-AF65-F5344CB8AC3E}">
+        <p14:creationId xmlns:p14="http://schemas.microsoft.com/office/powerpoint/2010/main" val="1284512719"/>
+      </p:ext>
+    </p:extLst>
+  </p:cSld>
+  <p:clrMapOvr>
+    <a:masterClrMapping/>
+  </p:clrMapOvr>
+</p:sld>
+</file>
+
+<file path=ppt/slides/slide17.xml><?xml version="1.0" encoding="utf-8"?>
+<p:sld xmlns:a="http://schemas.openxmlformats.org/drawingml/2006/main" xmlns:r="http://schemas.openxmlformats.org/officeDocument/2006/relationships" xmlns:p="http://schemas.openxmlformats.org/presentationml/2006/main">
+  <p:cSld>
+    <p:spTree>
+      <p:nvGrpSpPr>
+        <p:cNvPr id="1" name=""/>
+        <p:cNvGrpSpPr/>
+        <p:nvPr/>
+      </p:nvGrpSpPr>
+      <p:grpSpPr>
+        <a:xfrm>
+          <a:off x="0" y="0"/>
+          <a:ext cx="0" cy="0"/>
+          <a:chOff x="0" y="0"/>
+          <a:chExt cx="0" cy="0"/>
+        </a:xfrm>
+      </p:grpSpPr>
+      <p:sp>
+        <p:nvSpPr>
+          <p:cNvPr id="2" name="TextBox 1">
+            <a:extLst>
+              <a:ext uri="{FF2B5EF4-FFF2-40B4-BE49-F238E27FC236}">
+                <a16:creationId xmlns:a16="http://schemas.microsoft.com/office/drawing/2014/main" id="{FEEE943B-F994-FF91-EC9C-3774C1CD2051}"/>
+              </a:ext>
+            </a:extLst>
+          </p:cNvPr>
+          <p:cNvSpPr txBox="1"/>
+          <p:nvPr/>
+        </p:nvSpPr>
+        <p:spPr>
+          <a:xfrm>
+            <a:off x="5260428" y="1072674"/>
+            <a:ext cx="6736139" cy="4832092"/>
+          </a:xfrm>
+          <a:prstGeom prst="rect">
+            <a:avLst/>
+          </a:prstGeom>
+          <a:noFill/>
+        </p:spPr>
+        <p:txBody>
+          <a:bodyPr wrap="none" rtlCol="0">
+            <a:spAutoFit/>
+          </a:bodyPr>
+          <a:lstStyle/>
+          <a:p>
+            <a:r>
+              <a:rPr lang="en-US" sz="1400" b="1" dirty="0">
+                <a:latin typeface="Courier New" panose="02070309020205020404" pitchFamily="49" charset="0"/>
+                <a:cs typeface="Courier New" panose="02070309020205020404" pitchFamily="49" charset="0"/>
+              </a:rPr>
+              <a:t>/**</a:t>
+            </a:r>
+          </a:p>
+          <a:p>
+            <a:r>
+              <a:rPr lang="en-US" sz="1400" b="1" dirty="0">
+                <a:latin typeface="Courier New" panose="02070309020205020404" pitchFamily="49" charset="0"/>
+                <a:cs typeface="Courier New" panose="02070309020205020404" pitchFamily="49" charset="0"/>
+              </a:rPr>
+              <a:t> * </a:t>
+            </a:r>
+            <a:r>
+              <a:rPr lang="en-US" sz="1400" b="1" dirty="0" err="1">
+                <a:latin typeface="Courier New" panose="02070309020205020404" pitchFamily="49" charset="0"/>
+                <a:cs typeface="Courier New" panose="02070309020205020404" pitchFamily="49" charset="0"/>
+              </a:rPr>
+              <a:t>Map_put</a:t>
+            </a:r>
+            <a:r>
+              <a:rPr lang="en-US" sz="1400" b="1" dirty="0">
+                <a:latin typeface="Courier New" panose="02070309020205020404" pitchFamily="49" charset="0"/>
+                <a:cs typeface="Courier New" panose="02070309020205020404" pitchFamily="49" charset="0"/>
+              </a:rPr>
+              <a:t> - Add or update an entry in the Map</a:t>
+            </a:r>
+          </a:p>
+          <a:p>
+            <a:r>
+              <a:rPr lang="en-US" sz="1400" b="1" dirty="0">
+                <a:latin typeface="Courier New" panose="02070309020205020404" pitchFamily="49" charset="0"/>
+                <a:cs typeface="Courier New" panose="02070309020205020404" pitchFamily="49" charset="0"/>
+              </a:rPr>
+              <a:t> *</a:t>
+            </a:r>
+          </a:p>
+          <a:p>
+            <a:r>
+              <a:rPr lang="en-US" sz="1400" b="1" dirty="0">
+                <a:latin typeface="Courier New" panose="02070309020205020404" pitchFamily="49" charset="0"/>
+                <a:cs typeface="Courier New" panose="02070309020205020404" pitchFamily="49" charset="0"/>
+              </a:rPr>
+              <a:t> * self - The pointer to the instance of this class.</a:t>
+            </a:r>
+          </a:p>
+          <a:p>
+            <a:r>
+              <a:rPr lang="en-US" sz="1400" b="1" dirty="0">
+                <a:latin typeface="Courier New" panose="02070309020205020404" pitchFamily="49" charset="0"/>
+                <a:cs typeface="Courier New" panose="02070309020205020404" pitchFamily="49" charset="0"/>
+              </a:rPr>
+              <a:t> * key - A character pointer to the key value</a:t>
+            </a:r>
+          </a:p>
+          <a:p>
+            <a:r>
+              <a:rPr lang="en-US" sz="1400" b="1" dirty="0">
+                <a:latin typeface="Courier New" panose="02070309020205020404" pitchFamily="49" charset="0"/>
+                <a:cs typeface="Courier New" panose="02070309020205020404" pitchFamily="49" charset="0"/>
+              </a:rPr>
+              <a:t> * value - The value to be stored with the associated key</a:t>
+            </a:r>
+          </a:p>
+          <a:p>
+            <a:r>
+              <a:rPr lang="en-US" sz="1400" b="1" dirty="0">
+                <a:latin typeface="Courier New" panose="02070309020205020404" pitchFamily="49" charset="0"/>
+                <a:cs typeface="Courier New" panose="02070309020205020404" pitchFamily="49" charset="0"/>
+              </a:rPr>
+              <a:t> *</a:t>
+            </a:r>
+          </a:p>
+          <a:p>
+            <a:r>
+              <a:rPr lang="en-US" sz="1400" b="1" dirty="0">
+                <a:latin typeface="Courier New" panose="02070309020205020404" pitchFamily="49" charset="0"/>
+                <a:cs typeface="Courier New" panose="02070309020205020404" pitchFamily="49" charset="0"/>
+              </a:rPr>
+              <a:t> * If the key is not in the Map, an entry is added.  If there</a:t>
+            </a:r>
+          </a:p>
+          <a:p>
+            <a:r>
+              <a:rPr lang="en-US" sz="1400" b="1" dirty="0">
+                <a:latin typeface="Courier New" panose="02070309020205020404" pitchFamily="49" charset="0"/>
+                <a:cs typeface="Courier New" panose="02070309020205020404" pitchFamily="49" charset="0"/>
+              </a:rPr>
+              <a:t> * is already an entry in the Map for the key, the value</a:t>
+            </a:r>
+          </a:p>
+          <a:p>
+            <a:r>
+              <a:rPr lang="en-US" sz="1400" b="1" dirty="0">
+                <a:latin typeface="Courier New" panose="02070309020205020404" pitchFamily="49" charset="0"/>
+                <a:cs typeface="Courier New" panose="02070309020205020404" pitchFamily="49" charset="0"/>
+              </a:rPr>
+              <a:t> * is updated.</a:t>
+            </a:r>
+          </a:p>
+          <a:p>
+            <a:r>
+              <a:rPr lang="en-US" sz="1400" b="1" dirty="0">
+                <a:latin typeface="Courier New" panose="02070309020205020404" pitchFamily="49" charset="0"/>
+                <a:cs typeface="Courier New" panose="02070309020205020404" pitchFamily="49" charset="0"/>
+              </a:rPr>
+              <a:t> *</a:t>
+            </a:r>
+          </a:p>
+          <a:p>
+            <a:r>
+              <a:rPr lang="en-US" sz="1400" b="1" dirty="0">
+                <a:latin typeface="Courier New" panose="02070309020205020404" pitchFamily="49" charset="0"/>
+                <a:cs typeface="Courier New" panose="02070309020205020404" pitchFamily="49" charset="0"/>
+              </a:rPr>
+              <a:t> * Sample call:</a:t>
+            </a:r>
+          </a:p>
+          <a:p>
+            <a:r>
+              <a:rPr lang="en-US" sz="1400" b="1" dirty="0">
+                <a:latin typeface="Courier New" panose="02070309020205020404" pitchFamily="49" charset="0"/>
+                <a:cs typeface="Courier New" panose="02070309020205020404" pitchFamily="49" charset="0"/>
+              </a:rPr>
+              <a:t> *</a:t>
+            </a:r>
+          </a:p>
+          <a:p>
+            <a:r>
+              <a:rPr lang="en-US" sz="1400" b="1" dirty="0">
+                <a:latin typeface="Courier New" panose="02070309020205020404" pitchFamily="49" charset="0"/>
+                <a:cs typeface="Courier New" panose="02070309020205020404" pitchFamily="49" charset="0"/>
+              </a:rPr>
+              <a:t> *    map-&gt;put(map, "x", 42);</a:t>
+            </a:r>
+          </a:p>
+          <a:p>
+            <a:r>
+              <a:rPr lang="en-US" sz="1400" b="1" dirty="0">
+                <a:latin typeface="Courier New" panose="02070309020205020404" pitchFamily="49" charset="0"/>
+                <a:cs typeface="Courier New" panose="02070309020205020404" pitchFamily="49" charset="0"/>
+              </a:rPr>
+              <a:t> *</a:t>
+            </a:r>
+          </a:p>
+          <a:p>
+            <a:r>
+              <a:rPr lang="en-US" sz="1400" b="1" dirty="0">
+                <a:latin typeface="Courier New" panose="02070309020205020404" pitchFamily="49" charset="0"/>
+                <a:cs typeface="Courier New" panose="02070309020205020404" pitchFamily="49" charset="0"/>
+              </a:rPr>
+              <a:t> * This method takes inspiration from the Python code:</a:t>
+            </a:r>
+          </a:p>
+          <a:p>
+            <a:r>
+              <a:rPr lang="en-US" sz="1400" b="1" dirty="0">
+                <a:latin typeface="Courier New" panose="02070309020205020404" pitchFamily="49" charset="0"/>
+                <a:cs typeface="Courier New" panose="02070309020205020404" pitchFamily="49" charset="0"/>
+              </a:rPr>
+              <a:t> *</a:t>
+            </a:r>
+          </a:p>
+          <a:p>
+            <a:r>
+              <a:rPr lang="en-US" sz="1400" b="1" dirty="0">
+                <a:latin typeface="Courier New" panose="02070309020205020404" pitchFamily="49" charset="0"/>
+                <a:cs typeface="Courier New" panose="02070309020205020404" pitchFamily="49" charset="0"/>
+              </a:rPr>
+              <a:t> *   map["key"] = value</a:t>
+            </a:r>
+          </a:p>
+          <a:p>
+            <a:r>
+              <a:rPr lang="en-US" sz="1400" b="1" dirty="0">
+                <a:latin typeface="Courier New" panose="02070309020205020404" pitchFamily="49" charset="0"/>
+                <a:cs typeface="Courier New" panose="02070309020205020404" pitchFamily="49" charset="0"/>
+              </a:rPr>
+              <a:t> */</a:t>
+            </a:r>
+          </a:p>
+          <a:p>
+            <a:r>
+              <a:rPr lang="en-US" sz="1400" b="1" dirty="0">
+                <a:latin typeface="Courier New" panose="02070309020205020404" pitchFamily="49" charset="0"/>
+                <a:cs typeface="Courier New" panose="02070309020205020404" pitchFamily="49" charset="0"/>
+              </a:rPr>
+              <a:t>void </a:t>
+            </a:r>
+            <a:r>
+              <a:rPr lang="en-US" sz="1400" b="1" dirty="0" err="1">
+                <a:latin typeface="Courier New" panose="02070309020205020404" pitchFamily="49" charset="0"/>
+                <a:cs typeface="Courier New" panose="02070309020205020404" pitchFamily="49" charset="0"/>
+              </a:rPr>
+              <a:t>Map_put</a:t>
+            </a:r>
+            <a:r>
+              <a:rPr lang="en-US" sz="1400" b="1" dirty="0">
+                <a:latin typeface="Courier New" panose="02070309020205020404" pitchFamily="49" charset="0"/>
+                <a:cs typeface="Courier New" panose="02070309020205020404" pitchFamily="49" charset="0"/>
+              </a:rPr>
+              <a:t>(struct Map* self, char *key, int value) {</a:t>
+            </a:r>
+          </a:p>
+          <a:p>
+            <a:r>
+              <a:rPr lang="en-US" sz="1400" b="1" dirty="0">
+                <a:latin typeface="Courier New" panose="02070309020205020404" pitchFamily="49" charset="0"/>
+                <a:cs typeface="Courier New" panose="02070309020205020404" pitchFamily="49" charset="0"/>
+              </a:rPr>
+              <a:t>    ...</a:t>
+            </a:r>
+          </a:p>
+          <a:p>
+            <a:r>
+              <a:rPr lang="en-US" sz="1400" b="1" dirty="0">
+                <a:latin typeface="Courier New" panose="02070309020205020404" pitchFamily="49" charset="0"/>
+                <a:cs typeface="Courier New" panose="02070309020205020404" pitchFamily="49" charset="0"/>
+              </a:rPr>
+              <a:t>}</a:t>
+            </a:r>
+          </a:p>
+        </p:txBody>
+      </p:sp>
+      <p:sp>
+        <p:nvSpPr>
+          <p:cNvPr id="6" name="Title 5">
+            <a:extLst>
+              <a:ext uri="{FF2B5EF4-FFF2-40B4-BE49-F238E27FC236}">
+                <a16:creationId xmlns:a16="http://schemas.microsoft.com/office/drawing/2014/main" id="{E4A81157-F1D0-5130-371D-BA8DD965B654}"/>
+              </a:ext>
+            </a:extLst>
+          </p:cNvPr>
+          <p:cNvSpPr>
+            <a:spLocks noGrp="1"/>
+          </p:cNvSpPr>
+          <p:nvPr>
+            <p:ph type="title"/>
+          </p:nvPr>
+        </p:nvSpPr>
+        <p:spPr>
+          <a:xfrm>
+            <a:off x="838200" y="365125"/>
+            <a:ext cx="5257800" cy="1325563"/>
+          </a:xfrm>
+        </p:spPr>
+        <p:txBody>
+          <a:bodyPr/>
+          <a:lstStyle/>
+          <a:p>
+            <a:r>
+              <a:rPr lang="en-US" dirty="0" err="1"/>
+              <a:t>Map_put</a:t>
+            </a:r>
+            <a:endParaRPr lang="en-US" dirty="0"/>
+          </a:p>
+        </p:txBody>
+      </p:sp>
+      <p:sp>
+        <p:nvSpPr>
+          <p:cNvPr id="7" name="Content Placeholder 6">
+            <a:extLst>
+              <a:ext uri="{FF2B5EF4-FFF2-40B4-BE49-F238E27FC236}">
+                <a16:creationId xmlns:a16="http://schemas.microsoft.com/office/drawing/2014/main" id="{4D372547-AA0B-35AD-4AD8-30763CE5DF56}"/>
+              </a:ext>
+            </a:extLst>
+          </p:cNvPr>
+          <p:cNvSpPr>
+            <a:spLocks noGrp="1"/>
+          </p:cNvSpPr>
+          <p:nvPr>
+            <p:ph idx="1"/>
+          </p:nvPr>
+        </p:nvSpPr>
+        <p:spPr>
+          <a:xfrm>
+            <a:off x="838200" y="1825625"/>
+            <a:ext cx="3990474" cy="4351338"/>
+          </a:xfrm>
+        </p:spPr>
+        <p:txBody>
+          <a:bodyPr>
+            <a:normAutofit/>
+          </a:bodyPr>
+          <a:lstStyle/>
+          <a:p>
+            <a:r>
+              <a:rPr lang="en-US" dirty="0"/>
+              <a:t>This is not used by main() – it is just for in-class use – that is the definition of "private" in OO-speak</a:t>
+            </a:r>
+          </a:p>
+          <a:p>
+            <a:r>
+              <a:rPr lang="en-US" dirty="0"/>
+              <a:t>Uses </a:t>
+            </a:r>
+            <a:r>
+              <a:rPr lang="en-US" dirty="0" err="1"/>
+              <a:t>Map_find</a:t>
+            </a:r>
+            <a:r>
+              <a:rPr lang="en-US" dirty="0"/>
+              <a:t>() to check if the key is already in the map to make sure</a:t>
+            </a:r>
+          </a:p>
+        </p:txBody>
+      </p:sp>
+    </p:spTree>
+    <p:extLst>
+      <p:ext uri="{BB962C8B-B14F-4D97-AF65-F5344CB8AC3E}">
+        <p14:creationId xmlns:p14="http://schemas.microsoft.com/office/powerpoint/2010/main" val="4147279264"/>
+      </p:ext>
+    </p:extLst>
+  </p:cSld>
+  <p:clrMapOvr>
+    <a:masterClrMapping/>
+  </p:clrMapOvr>
+</p:sld>
+</file>
+
+<file path=ppt/slides/slide18.xml><?xml version="1.0" encoding="utf-8"?>
+<p:sld xmlns:a="http://schemas.openxmlformats.org/drawingml/2006/main" xmlns:r="http://schemas.openxmlformats.org/officeDocument/2006/relationships" xmlns:p="http://schemas.openxmlformats.org/presentationml/2006/main">
+  <p:cSld>
+    <p:spTree>
+      <p:nvGrpSpPr>
+        <p:cNvPr id="1" name=""/>
+        <p:cNvGrpSpPr/>
+        <p:nvPr/>
+      </p:nvGrpSpPr>
+      <p:grpSpPr>
+        <a:xfrm>
+          <a:off x="0" y="0"/>
+          <a:ext cx="0" cy="0"/>
+          <a:chOff x="0" y="0"/>
+          <a:chExt cx="0" cy="0"/>
+        </a:xfrm>
+      </p:grpSpPr>
+      <p:sp>
+        <p:nvSpPr>
+          <p:cNvPr id="2" name="TextBox 1">
+            <a:extLst>
+              <a:ext uri="{FF2B5EF4-FFF2-40B4-BE49-F238E27FC236}">
+                <a16:creationId xmlns:a16="http://schemas.microsoft.com/office/drawing/2014/main" id="{FEEE943B-F994-FF91-EC9C-3774C1CD2051}"/>
+              </a:ext>
+            </a:extLst>
+          </p:cNvPr>
+          <p:cNvSpPr txBox="1"/>
+          <p:nvPr/>
+        </p:nvSpPr>
+        <p:spPr>
+          <a:xfrm>
+            <a:off x="5260428" y="1072674"/>
+            <a:ext cx="6950942" cy="3539430"/>
+          </a:xfrm>
+          <a:prstGeom prst="rect">
+            <a:avLst/>
+          </a:prstGeom>
+          <a:noFill/>
+        </p:spPr>
+        <p:txBody>
+          <a:bodyPr wrap="none" rtlCol="0">
+            <a:spAutoFit/>
+          </a:bodyPr>
+          <a:lstStyle/>
+          <a:p>
+            <a:r>
+              <a:rPr lang="en-US" sz="1400" b="1" dirty="0">
+                <a:latin typeface="Courier New" panose="02070309020205020404" pitchFamily="49" charset="0"/>
+                <a:cs typeface="Courier New" panose="02070309020205020404" pitchFamily="49" charset="0"/>
+              </a:rPr>
+              <a:t>/**</a:t>
+            </a:r>
+          </a:p>
+          <a:p>
+            <a:r>
+              <a:rPr lang="en-US" sz="1400" b="1" dirty="0">
+                <a:latin typeface="Courier New" panose="02070309020205020404" pitchFamily="49" charset="0"/>
+                <a:cs typeface="Courier New" panose="02070309020205020404" pitchFamily="49" charset="0"/>
+              </a:rPr>
+              <a:t> * </a:t>
+            </a:r>
+            <a:r>
+              <a:rPr lang="en-US" sz="1400" b="1" dirty="0" err="1">
+                <a:latin typeface="Courier New" panose="02070309020205020404" pitchFamily="49" charset="0"/>
+                <a:cs typeface="Courier New" panose="02070309020205020404" pitchFamily="49" charset="0"/>
+              </a:rPr>
+              <a:t>Map_get</a:t>
+            </a:r>
+            <a:r>
+              <a:rPr lang="en-US" sz="1400" b="1" dirty="0">
+                <a:latin typeface="Courier New" panose="02070309020205020404" pitchFamily="49" charset="0"/>
+                <a:cs typeface="Courier New" panose="02070309020205020404" pitchFamily="49" charset="0"/>
+              </a:rPr>
+              <a:t> - Locate and return the value for the</a:t>
+            </a:r>
+          </a:p>
+          <a:p>
+            <a:r>
+              <a:rPr lang="en-US" sz="1400" b="1" dirty="0">
+                <a:latin typeface="Courier New" panose="02070309020205020404" pitchFamily="49" charset="0"/>
+                <a:cs typeface="Courier New" panose="02070309020205020404" pitchFamily="49" charset="0"/>
+              </a:rPr>
+              <a:t> * corresponding key or a default value</a:t>
+            </a:r>
+          </a:p>
+          <a:p>
+            <a:r>
+              <a:rPr lang="en-US" sz="1400" b="1" dirty="0">
+                <a:latin typeface="Courier New" panose="02070309020205020404" pitchFamily="49" charset="0"/>
+                <a:cs typeface="Courier New" panose="02070309020205020404" pitchFamily="49" charset="0"/>
+              </a:rPr>
+              <a:t> *</a:t>
+            </a:r>
+          </a:p>
+          <a:p>
+            <a:r>
+              <a:rPr lang="en-US" sz="1400" b="1" dirty="0">
+                <a:latin typeface="Courier New" panose="02070309020205020404" pitchFamily="49" charset="0"/>
+                <a:cs typeface="Courier New" panose="02070309020205020404" pitchFamily="49" charset="0"/>
+              </a:rPr>
+              <a:t> * self - The pointer to the instance of this class.</a:t>
+            </a:r>
+          </a:p>
+          <a:p>
+            <a:r>
+              <a:rPr lang="en-US" sz="1400" b="1" dirty="0">
+                <a:latin typeface="Courier New" panose="02070309020205020404" pitchFamily="49" charset="0"/>
+                <a:cs typeface="Courier New" panose="02070309020205020404" pitchFamily="49" charset="0"/>
+              </a:rPr>
+              <a:t> * key - A character pointer to the key value</a:t>
+            </a:r>
+          </a:p>
+          <a:p>
+            <a:r>
+              <a:rPr lang="en-US" sz="1400" b="1" dirty="0">
+                <a:latin typeface="Courier New" panose="02070309020205020404" pitchFamily="49" charset="0"/>
+                <a:cs typeface="Courier New" panose="02070309020205020404" pitchFamily="49" charset="0"/>
+              </a:rPr>
+              <a:t> * def - A default value to return if the key is not in the Map</a:t>
+            </a:r>
+          </a:p>
+          <a:p>
+            <a:r>
+              <a:rPr lang="en-US" sz="1400" b="1" dirty="0">
+                <a:latin typeface="Courier New" panose="02070309020205020404" pitchFamily="49" charset="0"/>
+                <a:cs typeface="Courier New" panose="02070309020205020404" pitchFamily="49" charset="0"/>
+              </a:rPr>
+              <a:t> *</a:t>
+            </a:r>
+          </a:p>
+          <a:p>
+            <a:r>
+              <a:rPr lang="en-US" sz="1400" b="1" dirty="0">
+                <a:latin typeface="Courier New" panose="02070309020205020404" pitchFamily="49" charset="0"/>
+                <a:cs typeface="Courier New" panose="02070309020205020404" pitchFamily="49" charset="0"/>
+              </a:rPr>
+              <a:t> * Returns an integer</a:t>
+            </a:r>
+          </a:p>
+          <a:p>
+            <a:r>
+              <a:rPr lang="en-US" sz="1400" b="1" dirty="0">
+                <a:latin typeface="Courier New" panose="02070309020205020404" pitchFamily="49" charset="0"/>
+                <a:cs typeface="Courier New" panose="02070309020205020404" pitchFamily="49" charset="0"/>
+              </a:rPr>
+              <a:t> *</a:t>
+            </a:r>
+          </a:p>
+          <a:p>
+            <a:r>
+              <a:rPr lang="en-US" sz="1400" b="1" dirty="0">
+                <a:latin typeface="Courier New" panose="02070309020205020404" pitchFamily="49" charset="0"/>
+                <a:cs typeface="Courier New" panose="02070309020205020404" pitchFamily="49" charset="0"/>
+              </a:rPr>
+              <a:t> * This method takes inspiration from the Python code:</a:t>
+            </a:r>
+          </a:p>
+          <a:p>
+            <a:r>
+              <a:rPr lang="en-US" sz="1400" b="1" dirty="0">
+                <a:latin typeface="Courier New" panose="02070309020205020404" pitchFamily="49" charset="0"/>
+                <a:cs typeface="Courier New" panose="02070309020205020404" pitchFamily="49" charset="0"/>
+              </a:rPr>
+              <a:t> *</a:t>
+            </a:r>
+          </a:p>
+          <a:p>
+            <a:r>
+              <a:rPr lang="en-US" sz="1400" b="1" dirty="0">
+                <a:latin typeface="Courier New" panose="02070309020205020404" pitchFamily="49" charset="0"/>
+                <a:cs typeface="Courier New" panose="02070309020205020404" pitchFamily="49" charset="0"/>
+              </a:rPr>
+              <a:t> *   value = </a:t>
+            </a:r>
+            <a:r>
+              <a:rPr lang="en-US" sz="1400" b="1" dirty="0" err="1">
+                <a:latin typeface="Courier New" panose="02070309020205020404" pitchFamily="49" charset="0"/>
+                <a:cs typeface="Courier New" panose="02070309020205020404" pitchFamily="49" charset="0"/>
+              </a:rPr>
+              <a:t>map.get</a:t>
+            </a:r>
+            <a:r>
+              <a:rPr lang="en-US" sz="1400" b="1" dirty="0">
+                <a:latin typeface="Courier New" panose="02070309020205020404" pitchFamily="49" charset="0"/>
+                <a:cs typeface="Courier New" panose="02070309020205020404" pitchFamily="49" charset="0"/>
+              </a:rPr>
+              <a:t>("key", def)</a:t>
+            </a:r>
+          </a:p>
+          <a:p>
+            <a:r>
+              <a:rPr lang="en-US" sz="1400" b="1" dirty="0">
+                <a:latin typeface="Courier New" panose="02070309020205020404" pitchFamily="49" charset="0"/>
+                <a:cs typeface="Courier New" panose="02070309020205020404" pitchFamily="49" charset="0"/>
+              </a:rPr>
+              <a:t> */</a:t>
+            </a:r>
+          </a:p>
+          <a:p>
+            <a:r>
+              <a:rPr lang="en-US" sz="1400" b="1" dirty="0">
+                <a:latin typeface="Courier New" panose="02070309020205020404" pitchFamily="49" charset="0"/>
+                <a:cs typeface="Courier New" panose="02070309020205020404" pitchFamily="49" charset="0"/>
+              </a:rPr>
+              <a:t>int </a:t>
+            </a:r>
+            <a:r>
+              <a:rPr lang="en-US" sz="1400" b="1" dirty="0" err="1">
+                <a:latin typeface="Courier New" panose="02070309020205020404" pitchFamily="49" charset="0"/>
+                <a:cs typeface="Courier New" panose="02070309020205020404" pitchFamily="49" charset="0"/>
+              </a:rPr>
+              <a:t>Map_get</a:t>
+            </a:r>
+            <a:r>
+              <a:rPr lang="en-US" sz="1400" b="1" dirty="0">
+                <a:latin typeface="Courier New" panose="02070309020205020404" pitchFamily="49" charset="0"/>
+                <a:cs typeface="Courier New" panose="02070309020205020404" pitchFamily="49" charset="0"/>
+              </a:rPr>
+              <a:t>(struct Map* self, char *key, int def)</a:t>
+            </a:r>
+          </a:p>
+          <a:p>
+            <a:r>
+              <a:rPr lang="en-US" sz="1400" b="1" dirty="0">
+                <a:latin typeface="Courier New" panose="02070309020205020404" pitchFamily="49" charset="0"/>
+                <a:cs typeface="Courier New" panose="02070309020205020404" pitchFamily="49" charset="0"/>
+              </a:rPr>
+              <a:t>{</a:t>
+            </a:r>
+          </a:p>
+        </p:txBody>
+      </p:sp>
+      <p:sp>
+        <p:nvSpPr>
+          <p:cNvPr id="6" name="Title 5">
+            <a:extLst>
+              <a:ext uri="{FF2B5EF4-FFF2-40B4-BE49-F238E27FC236}">
+                <a16:creationId xmlns:a16="http://schemas.microsoft.com/office/drawing/2014/main" id="{E4A81157-F1D0-5130-371D-BA8DD965B654}"/>
+              </a:ext>
+            </a:extLst>
+          </p:cNvPr>
+          <p:cNvSpPr>
+            <a:spLocks noGrp="1"/>
+          </p:cNvSpPr>
+          <p:nvPr>
+            <p:ph type="title"/>
+          </p:nvPr>
+        </p:nvSpPr>
+        <p:spPr>
+          <a:xfrm>
+            <a:off x="838200" y="365125"/>
+            <a:ext cx="5257800" cy="1325563"/>
+          </a:xfrm>
+        </p:spPr>
+        <p:txBody>
+          <a:bodyPr/>
+          <a:lstStyle/>
+          <a:p>
+            <a:r>
+              <a:rPr lang="en-US" dirty="0" err="1"/>
+              <a:t>Map_get</a:t>
+            </a:r>
+            <a:endParaRPr lang="en-US" dirty="0"/>
+          </a:p>
+        </p:txBody>
+      </p:sp>
+      <p:sp>
+        <p:nvSpPr>
+          <p:cNvPr id="7" name="Content Placeholder 6">
+            <a:extLst>
+              <a:ext uri="{FF2B5EF4-FFF2-40B4-BE49-F238E27FC236}">
+                <a16:creationId xmlns:a16="http://schemas.microsoft.com/office/drawing/2014/main" id="{4D372547-AA0B-35AD-4AD8-30763CE5DF56}"/>
+              </a:ext>
+            </a:extLst>
+          </p:cNvPr>
+          <p:cNvSpPr>
+            <a:spLocks noGrp="1"/>
+          </p:cNvSpPr>
+          <p:nvPr>
+            <p:ph idx="1"/>
+          </p:nvPr>
+        </p:nvSpPr>
+        <p:spPr>
+          <a:xfrm>
+            <a:off x="838200" y="1825625"/>
+            <a:ext cx="3990474" cy="4351338"/>
+          </a:xfrm>
+        </p:spPr>
+        <p:txBody>
+          <a:bodyPr>
+            <a:normAutofit/>
+          </a:bodyPr>
+          <a:lstStyle/>
+          <a:p>
+            <a:r>
+              <a:rPr lang="en-US" dirty="0"/>
+              <a:t>This is not used by main() – it is just for in-class use – that is the definition of "private" in OO-speak</a:t>
+            </a:r>
+          </a:p>
+          <a:p>
+            <a:r>
+              <a:rPr lang="en-US" dirty="0"/>
+              <a:t>Uses </a:t>
+            </a:r>
+            <a:r>
+              <a:rPr lang="en-US" dirty="0" err="1"/>
+              <a:t>Map_find</a:t>
+            </a:r>
+            <a:r>
+              <a:rPr lang="en-US" dirty="0"/>
+              <a:t>() to check if the key is already in the map to make sure</a:t>
+            </a:r>
+          </a:p>
+        </p:txBody>
+      </p:sp>
+    </p:spTree>
+    <p:extLst>
+      <p:ext uri="{BB962C8B-B14F-4D97-AF65-F5344CB8AC3E}">
+        <p14:creationId xmlns:p14="http://schemas.microsoft.com/office/powerpoint/2010/main" val="1103854716"/>
+      </p:ext>
+    </p:extLst>
+  </p:cSld>
+  <p:clrMapOvr>
+    <a:masterClrMapping/>
+  </p:clrMapOvr>
+</p:sld>
+</file>
+
+<file path=ppt/slides/slide19.xml><?xml version="1.0" encoding="utf-8"?>
+<p:sld xmlns:a="http://schemas.openxmlformats.org/drawingml/2006/main" xmlns:r="http://schemas.openxmlformats.org/officeDocument/2006/relationships" xmlns:p="http://schemas.openxmlformats.org/presentationml/2006/main">
+  <p:cSld>
+    <p:spTree>
+      <p:nvGrpSpPr>
+        <p:cNvPr id="1" name=""/>
+        <p:cNvGrpSpPr/>
+        <p:nvPr/>
+      </p:nvGrpSpPr>
+      <p:grpSpPr>
+        <a:xfrm>
+          <a:off x="0" y="0"/>
+          <a:ext cx="0" cy="0"/>
+          <a:chOff x="0" y="0"/>
+          <a:chExt cx="0" cy="0"/>
+        </a:xfrm>
+      </p:grpSpPr>
+      <p:sp>
+        <p:nvSpPr>
+          <p:cNvPr id="4" name="Title 3">
+            <a:extLst>
+              <a:ext uri="{FF2B5EF4-FFF2-40B4-BE49-F238E27FC236}">
+                <a16:creationId xmlns:a16="http://schemas.microsoft.com/office/drawing/2014/main" id="{4130B565-6B06-CD5E-E79C-82E8B157164E}"/>
+              </a:ext>
+            </a:extLst>
+          </p:cNvPr>
+          <p:cNvSpPr>
+            <a:spLocks noGrp="1"/>
+          </p:cNvSpPr>
+          <p:nvPr>
+            <p:ph type="title"/>
+          </p:nvPr>
+        </p:nvSpPr>
+        <p:spPr/>
+        <p:txBody>
+          <a:bodyPr/>
+          <a:lstStyle/>
+          <a:p>
+            <a:r>
+              <a:rPr lang="en-US" dirty="0"/>
+              <a:t>Iterators</a:t>
+            </a:r>
+          </a:p>
+        </p:txBody>
+      </p:sp>
+      <p:sp>
+        <p:nvSpPr>
+          <p:cNvPr id="5" name="Text Placeholder 4">
+            <a:extLst>
+              <a:ext uri="{FF2B5EF4-FFF2-40B4-BE49-F238E27FC236}">
+                <a16:creationId xmlns:a16="http://schemas.microsoft.com/office/drawing/2014/main" id="{57797BAF-31B2-B4EB-44E0-BA635485D5BB}"/>
+              </a:ext>
+            </a:extLst>
+          </p:cNvPr>
+          <p:cNvSpPr>
+            <a:spLocks noGrp="1"/>
+          </p:cNvSpPr>
+          <p:nvPr>
+            <p:ph type="body" idx="1"/>
+          </p:nvPr>
+        </p:nvSpPr>
+        <p:spPr/>
+        <p:txBody>
+          <a:bodyPr/>
+          <a:lstStyle/>
+          <a:p>
+            <a:endParaRPr lang="en-US"/>
+          </a:p>
+        </p:txBody>
+      </p:sp>
+    </p:spTree>
+    <p:extLst>
+      <p:ext uri="{BB962C8B-B14F-4D97-AF65-F5344CB8AC3E}">
+        <p14:creationId xmlns:p14="http://schemas.microsoft.com/office/powerpoint/2010/main" val="3020554051"/>
+      </p:ext>
+    </p:extLst>
+  </p:cSld>
+  <p:clrMapOvr>
+    <a:masterClrMapping/>
+  </p:clrMapOvr>
+</p:sld>
+</file>
+
 <file path=ppt/slides/slide2.xml><?xml version="1.0" encoding="utf-8"?>
 <p:sld xmlns:a="http://schemas.openxmlformats.org/drawingml/2006/main" xmlns:r="http://schemas.openxmlformats.org/officeDocument/2006/relationships" xmlns:p="http://schemas.openxmlformats.org/presentationml/2006/main">
   <p:cSld>
@@ -3485,14 +6744,14 @@
             <a:pPr lvl="1"/>
             <a:r>
               <a:rPr lang="en-US" dirty="0"/>
+              <a:t>Python dictionary</a:t>
+            </a:r>
+          </a:p>
+          <a:p>
+            <a:pPr lvl="1"/>
+            <a:r>
+              <a:rPr lang="en-US" dirty="0"/>
               <a:t>Java Map&lt;String, Integer&gt;</a:t>
-            </a:r>
-          </a:p>
-          <a:p>
-            <a:pPr lvl="1"/>
-            <a:r>
-              <a:rPr lang="en-US" dirty="0"/>
-              <a:t>Python dictionary</a:t>
             </a:r>
           </a:p>
           <a:p>
@@ -3536,13 +6795,8 @@
           <a:p>
             <a:r>
               <a:rPr lang="en-US" dirty="0"/>
-              <a:t>Sort Keys </a:t>
-            </a:r>
-            <a:r>
-              <a:rPr lang="en-US"/>
-              <a:t>/ Sort Values</a:t>
-            </a:r>
-            <a:endParaRPr lang="en-US" dirty="0"/>
+              <a:t>Sort Keys / Sort Values</a:t>
+            </a:r>
           </a:p>
           <a:p>
             <a:endParaRPr lang="en-US" dirty="0"/>
@@ -3553,6 +6807,779 @@
     <p:extLst>
       <p:ext uri="{BB962C8B-B14F-4D97-AF65-F5344CB8AC3E}">
         <p14:creationId xmlns:p14="http://schemas.microsoft.com/office/powerpoint/2010/main" val="4104091593"/>
+      </p:ext>
+    </p:extLst>
+  </p:cSld>
+  <p:clrMapOvr>
+    <a:masterClrMapping/>
+  </p:clrMapOvr>
+</p:sld>
+</file>
+
+<file path=ppt/slides/slide20.xml><?xml version="1.0" encoding="utf-8"?>
+<p:sld xmlns:a="http://schemas.openxmlformats.org/drawingml/2006/main" xmlns:r="http://schemas.openxmlformats.org/officeDocument/2006/relationships" xmlns:p="http://schemas.openxmlformats.org/presentationml/2006/main">
+  <p:cSld>
+    <p:spTree>
+      <p:nvGrpSpPr>
+        <p:cNvPr id="1" name=""/>
+        <p:cNvGrpSpPr/>
+        <p:nvPr/>
+      </p:nvGrpSpPr>
+      <p:grpSpPr>
+        <a:xfrm>
+          <a:off x="0" y="0"/>
+          <a:ext cx="0" cy="0"/>
+          <a:chOff x="0" y="0"/>
+          <a:chExt cx="0" cy="0"/>
+        </a:xfrm>
+      </p:grpSpPr>
+      <p:sp>
+        <p:nvSpPr>
+          <p:cNvPr id="6" name="Title 5">
+            <a:extLst>
+              <a:ext uri="{FF2B5EF4-FFF2-40B4-BE49-F238E27FC236}">
+                <a16:creationId xmlns:a16="http://schemas.microsoft.com/office/drawing/2014/main" id="{DCE3067E-08D0-7482-53CB-83427975FB8D}"/>
+              </a:ext>
+            </a:extLst>
+          </p:cNvPr>
+          <p:cNvSpPr>
+            <a:spLocks noGrp="1"/>
+          </p:cNvSpPr>
+          <p:nvPr>
+            <p:ph type="title"/>
+          </p:nvPr>
+        </p:nvSpPr>
+        <p:spPr/>
+        <p:txBody>
+          <a:bodyPr/>
+          <a:lstStyle/>
+          <a:p>
+            <a:r>
+              <a:rPr lang="en-US" dirty="0"/>
+              <a:t>Separation of Concerns</a:t>
+            </a:r>
+          </a:p>
+        </p:txBody>
+      </p:sp>
+      <p:sp>
+        <p:nvSpPr>
+          <p:cNvPr id="7" name="Content Placeholder 6">
+            <a:extLst>
+              <a:ext uri="{FF2B5EF4-FFF2-40B4-BE49-F238E27FC236}">
+                <a16:creationId xmlns:a16="http://schemas.microsoft.com/office/drawing/2014/main" id="{8FAC7243-D97F-C4CC-1696-A421C969E9A3}"/>
+              </a:ext>
+            </a:extLst>
+          </p:cNvPr>
+          <p:cNvSpPr>
+            <a:spLocks noGrp="1"/>
+          </p:cNvSpPr>
+          <p:nvPr>
+            <p:ph idx="1"/>
+          </p:nvPr>
+        </p:nvSpPr>
+        <p:spPr>
+          <a:xfrm>
+            <a:off x="838200" y="1825625"/>
+            <a:ext cx="6305550" cy="3820795"/>
+          </a:xfrm>
+        </p:spPr>
+        <p:txBody>
+          <a:bodyPr>
+            <a:normAutofit/>
+          </a:bodyPr>
+          <a:lstStyle/>
+          <a:p>
+            <a:r>
+              <a:rPr lang="en-US" dirty="0"/>
+              <a:t>Following the practice or "Separation of concerns", object builders usually make attributes critical to the functioning of the object "private"</a:t>
+            </a:r>
+          </a:p>
+          <a:p>
+            <a:r>
+              <a:rPr lang="en-US" dirty="0"/>
+              <a:t>They do not want the calling code to look directly at head or count – and even worse the object will break badly if the main program starts changing these values</a:t>
+            </a:r>
+          </a:p>
+        </p:txBody>
+      </p:sp>
+      <p:sp>
+        <p:nvSpPr>
+          <p:cNvPr id="9" name="TextBox 8">
+            <a:extLst>
+              <a:ext uri="{FF2B5EF4-FFF2-40B4-BE49-F238E27FC236}">
+                <a16:creationId xmlns:a16="http://schemas.microsoft.com/office/drawing/2014/main" id="{79D18059-B298-D27F-4959-4E4DD31BB3F3}"/>
+              </a:ext>
+            </a:extLst>
+          </p:cNvPr>
+          <p:cNvSpPr txBox="1"/>
+          <p:nvPr/>
+        </p:nvSpPr>
+        <p:spPr>
+          <a:xfrm>
+            <a:off x="3791903" y="6048038"/>
+            <a:ext cx="6097904" cy="369332"/>
+          </a:xfrm>
+          <a:prstGeom prst="rect">
+            <a:avLst/>
+          </a:prstGeom>
+          <a:noFill/>
+        </p:spPr>
+        <p:txBody>
+          <a:bodyPr wrap="square">
+            <a:spAutoFit/>
+          </a:bodyPr>
+          <a:lstStyle/>
+          <a:p>
+            <a:r>
+              <a:rPr lang="en-US" dirty="0"/>
+              <a:t>https://</a:t>
+            </a:r>
+            <a:r>
+              <a:rPr lang="en-US" dirty="0" err="1"/>
+              <a:t>en.wikipedia.org</a:t>
+            </a:r>
+            <a:r>
+              <a:rPr lang="en-US" dirty="0"/>
+              <a:t>/wiki/</a:t>
+            </a:r>
+            <a:r>
+              <a:rPr lang="en-US" dirty="0" err="1"/>
+              <a:t>Separation_of_concerns</a:t>
+            </a:r>
+            <a:endParaRPr lang="en-US" dirty="0"/>
+          </a:p>
+        </p:txBody>
+      </p:sp>
+      <p:sp>
+        <p:nvSpPr>
+          <p:cNvPr id="11" name="TextBox 10">
+            <a:extLst>
+              <a:ext uri="{FF2B5EF4-FFF2-40B4-BE49-F238E27FC236}">
+                <a16:creationId xmlns:a16="http://schemas.microsoft.com/office/drawing/2014/main" id="{3BF73857-6433-EB33-4876-BD41083CB26C}"/>
+              </a:ext>
+            </a:extLst>
+          </p:cNvPr>
+          <p:cNvSpPr txBox="1"/>
+          <p:nvPr/>
+        </p:nvSpPr>
+        <p:spPr>
+          <a:xfrm>
+            <a:off x="7966710" y="2238712"/>
+            <a:ext cx="3084499" cy="2031325"/>
+          </a:xfrm>
+          <a:prstGeom prst="rect">
+            <a:avLst/>
+          </a:prstGeom>
+          <a:noFill/>
+        </p:spPr>
+        <p:txBody>
+          <a:bodyPr wrap="none" rtlCol="0">
+            <a:spAutoFit/>
+          </a:bodyPr>
+          <a:lstStyle/>
+          <a:p>
+            <a:r>
+              <a:rPr lang="en-US" sz="1400" b="1" dirty="0">
+                <a:latin typeface="Courier New" panose="02070309020205020404" pitchFamily="49" charset="0"/>
+                <a:cs typeface="Courier New" panose="02070309020205020404" pitchFamily="49" charset="0"/>
+              </a:rPr>
+              <a:t>struct Map {</a:t>
+            </a:r>
+          </a:p>
+          <a:p>
+            <a:r>
+              <a:rPr lang="en-US" sz="1400" b="1" dirty="0">
+                <a:latin typeface="Courier New" panose="02070309020205020404" pitchFamily="49" charset="0"/>
+                <a:cs typeface="Courier New" panose="02070309020205020404" pitchFamily="49" charset="0"/>
+              </a:rPr>
+              <a:t>  /* Attributes */</a:t>
+            </a:r>
+          </a:p>
+          <a:p>
+            <a:r>
+              <a:rPr lang="en-US" sz="1400" b="1" dirty="0">
+                <a:latin typeface="Courier New" panose="02070309020205020404" pitchFamily="49" charset="0"/>
+                <a:cs typeface="Courier New" panose="02070309020205020404" pitchFamily="49" charset="0"/>
+              </a:rPr>
+              <a:t>  struct </a:t>
+            </a:r>
+            <a:r>
+              <a:rPr lang="en-US" sz="1400" b="1" dirty="0" err="1">
+                <a:latin typeface="Courier New" panose="02070309020205020404" pitchFamily="49" charset="0"/>
+                <a:cs typeface="Courier New" panose="02070309020205020404" pitchFamily="49" charset="0"/>
+              </a:rPr>
+              <a:t>MapEntry</a:t>
+            </a:r>
+            <a:r>
+              <a:rPr lang="en-US" sz="1400" b="1" dirty="0">
+                <a:latin typeface="Courier New" panose="02070309020205020404" pitchFamily="49" charset="0"/>
+                <a:cs typeface="Courier New" panose="02070309020205020404" pitchFamily="49" charset="0"/>
+              </a:rPr>
+              <a:t> *head;</a:t>
+            </a:r>
+          </a:p>
+          <a:p>
+            <a:r>
+              <a:rPr lang="en-US" sz="1400" b="1" dirty="0">
+                <a:latin typeface="Courier New" panose="02070309020205020404" pitchFamily="49" charset="0"/>
+                <a:cs typeface="Courier New" panose="02070309020205020404" pitchFamily="49" charset="0"/>
+              </a:rPr>
+              <a:t>  struct </a:t>
+            </a:r>
+            <a:r>
+              <a:rPr lang="en-US" sz="1400" b="1" dirty="0" err="1">
+                <a:latin typeface="Courier New" panose="02070309020205020404" pitchFamily="49" charset="0"/>
+                <a:cs typeface="Courier New" panose="02070309020205020404" pitchFamily="49" charset="0"/>
+              </a:rPr>
+              <a:t>MapEntry</a:t>
+            </a:r>
+            <a:r>
+              <a:rPr lang="en-US" sz="1400" b="1" dirty="0">
+                <a:latin typeface="Courier New" panose="02070309020205020404" pitchFamily="49" charset="0"/>
+                <a:cs typeface="Courier New" panose="02070309020205020404" pitchFamily="49" charset="0"/>
+              </a:rPr>
+              <a:t> *tail;</a:t>
+            </a:r>
+          </a:p>
+          <a:p>
+            <a:r>
+              <a:rPr lang="en-US" sz="1400" b="1" dirty="0">
+                <a:latin typeface="Courier New" panose="02070309020205020404" pitchFamily="49" charset="0"/>
+                <a:cs typeface="Courier New" panose="02070309020205020404" pitchFamily="49" charset="0"/>
+              </a:rPr>
+              <a:t>  struct </a:t>
+            </a:r>
+            <a:r>
+              <a:rPr lang="en-US" sz="1400" b="1" dirty="0" err="1">
+                <a:latin typeface="Courier New" panose="02070309020205020404" pitchFamily="49" charset="0"/>
+                <a:cs typeface="Courier New" panose="02070309020205020404" pitchFamily="49" charset="0"/>
+              </a:rPr>
+              <a:t>MapEntry</a:t>
+            </a:r>
+            <a:r>
+              <a:rPr lang="en-US" sz="1400" b="1" dirty="0">
+                <a:latin typeface="Courier New" panose="02070309020205020404" pitchFamily="49" charset="0"/>
+                <a:cs typeface="Courier New" panose="02070309020205020404" pitchFamily="49" charset="0"/>
+              </a:rPr>
+              <a:t> *current;</a:t>
+            </a:r>
+          </a:p>
+          <a:p>
+            <a:r>
+              <a:rPr lang="en-US" sz="1400" b="1" dirty="0">
+                <a:latin typeface="Courier New" panose="02070309020205020404" pitchFamily="49" charset="0"/>
+                <a:cs typeface="Courier New" panose="02070309020205020404" pitchFamily="49" charset="0"/>
+              </a:rPr>
+              <a:t>  int count;</a:t>
+            </a:r>
+          </a:p>
+          <a:p>
+            <a:r>
+              <a:rPr lang="en-US" sz="1400" b="1" dirty="0">
+                <a:latin typeface="Courier New" panose="02070309020205020404" pitchFamily="49" charset="0"/>
+                <a:cs typeface="Courier New" panose="02070309020205020404" pitchFamily="49" charset="0"/>
+              </a:rPr>
+              <a:t>  int reverse;</a:t>
+            </a:r>
+          </a:p>
+          <a:p>
+            <a:r>
+              <a:rPr lang="en-US" sz="1400" b="1" dirty="0">
+                <a:latin typeface="Courier New" panose="02070309020205020404" pitchFamily="49" charset="0"/>
+                <a:cs typeface="Courier New" panose="02070309020205020404" pitchFamily="49" charset="0"/>
+              </a:rPr>
+              <a:t>  ...</a:t>
+            </a:r>
+          </a:p>
+          <a:p>
+            <a:r>
+              <a:rPr lang="en-US" sz="1400" b="1" dirty="0">
+                <a:latin typeface="Courier New" panose="02070309020205020404" pitchFamily="49" charset="0"/>
+                <a:cs typeface="Courier New" panose="02070309020205020404" pitchFamily="49" charset="0"/>
+              </a:rPr>
+              <a:t>};</a:t>
+            </a:r>
+          </a:p>
+        </p:txBody>
+      </p:sp>
+    </p:spTree>
+    <p:extLst>
+      <p:ext uri="{BB962C8B-B14F-4D97-AF65-F5344CB8AC3E}">
+        <p14:creationId xmlns:p14="http://schemas.microsoft.com/office/powerpoint/2010/main" val="622083437"/>
+      </p:ext>
+    </p:extLst>
+  </p:cSld>
+  <p:clrMapOvr>
+    <a:masterClrMapping/>
+  </p:clrMapOvr>
+</p:sld>
+</file>
+
+<file path=ppt/slides/slide21.xml><?xml version="1.0" encoding="utf-8"?>
+<p:sld xmlns:a="http://schemas.openxmlformats.org/drawingml/2006/main" xmlns:r="http://schemas.openxmlformats.org/officeDocument/2006/relationships" xmlns:p="http://schemas.openxmlformats.org/presentationml/2006/main">
+  <p:cSld>
+    <p:spTree>
+      <p:nvGrpSpPr>
+        <p:cNvPr id="1" name=""/>
+        <p:cNvGrpSpPr/>
+        <p:nvPr/>
+      </p:nvGrpSpPr>
+      <p:grpSpPr>
+        <a:xfrm>
+          <a:off x="0" y="0"/>
+          <a:ext cx="0" cy="0"/>
+          <a:chOff x="0" y="0"/>
+          <a:chExt cx="0" cy="0"/>
+        </a:xfrm>
+      </p:grpSpPr>
+      <p:sp>
+        <p:nvSpPr>
+          <p:cNvPr id="6" name="Title 5">
+            <a:extLst>
+              <a:ext uri="{FF2B5EF4-FFF2-40B4-BE49-F238E27FC236}">
+                <a16:creationId xmlns:a16="http://schemas.microsoft.com/office/drawing/2014/main" id="{DCE3067E-08D0-7482-53CB-83427975FB8D}"/>
+              </a:ext>
+            </a:extLst>
+          </p:cNvPr>
+          <p:cNvSpPr>
+            <a:spLocks noGrp="1"/>
+          </p:cNvSpPr>
+          <p:nvPr>
+            <p:ph type="title"/>
+          </p:nvPr>
+        </p:nvSpPr>
+        <p:spPr/>
+        <p:txBody>
+          <a:bodyPr/>
+          <a:lstStyle/>
+          <a:p>
+            <a:r>
+              <a:rPr lang="en-US" dirty="0"/>
+              <a:t>About Iterators</a:t>
+            </a:r>
+          </a:p>
+        </p:txBody>
+      </p:sp>
+      <p:sp>
+        <p:nvSpPr>
+          <p:cNvPr id="7" name="Content Placeholder 6">
+            <a:extLst>
+              <a:ext uri="{FF2B5EF4-FFF2-40B4-BE49-F238E27FC236}">
+                <a16:creationId xmlns:a16="http://schemas.microsoft.com/office/drawing/2014/main" id="{8FAC7243-D97F-C4CC-1696-A421C969E9A3}"/>
+              </a:ext>
+            </a:extLst>
+          </p:cNvPr>
+          <p:cNvSpPr>
+            <a:spLocks noGrp="1"/>
+          </p:cNvSpPr>
+          <p:nvPr>
+            <p:ph idx="1"/>
+          </p:nvPr>
+        </p:nvSpPr>
+        <p:spPr>
+          <a:xfrm>
+            <a:off x="838200" y="1825625"/>
+            <a:ext cx="5425440" cy="1500505"/>
+          </a:xfrm>
+        </p:spPr>
+        <p:txBody>
+          <a:bodyPr>
+            <a:normAutofit fontScale="77500" lnSpcReduction="20000"/>
+          </a:bodyPr>
+          <a:lstStyle/>
+          <a:p>
+            <a:r>
+              <a:rPr lang="en-US" dirty="0"/>
+              <a:t>Following the practice or "Separation of concerns", object builders usually make attributes critical to the functioning of the object "private"</a:t>
+            </a:r>
+          </a:p>
+          <a:p>
+            <a:r>
+              <a:rPr lang="en-US" dirty="0"/>
+              <a:t> </a:t>
+            </a:r>
+          </a:p>
+        </p:txBody>
+      </p:sp>
+      <p:sp>
+        <p:nvSpPr>
+          <p:cNvPr id="9" name="TextBox 8">
+            <a:extLst>
+              <a:ext uri="{FF2B5EF4-FFF2-40B4-BE49-F238E27FC236}">
+                <a16:creationId xmlns:a16="http://schemas.microsoft.com/office/drawing/2014/main" id="{79D18059-B298-D27F-4959-4E4DD31BB3F3}"/>
+              </a:ext>
+            </a:extLst>
+          </p:cNvPr>
+          <p:cNvSpPr txBox="1"/>
+          <p:nvPr/>
+        </p:nvSpPr>
+        <p:spPr>
+          <a:xfrm>
+            <a:off x="3300413" y="5846544"/>
+            <a:ext cx="6097904" cy="646331"/>
+          </a:xfrm>
+          <a:prstGeom prst="rect">
+            <a:avLst/>
+          </a:prstGeom>
+          <a:noFill/>
+        </p:spPr>
+        <p:txBody>
+          <a:bodyPr wrap="square">
+            <a:spAutoFit/>
+          </a:bodyPr>
+          <a:lstStyle/>
+          <a:p>
+            <a:r>
+              <a:rPr lang="en-US" dirty="0"/>
+              <a:t>https://</a:t>
+            </a:r>
+            <a:r>
+              <a:rPr lang="en-US" dirty="0" err="1"/>
+              <a:t>en.wikipedia.org</a:t>
+            </a:r>
+            <a:r>
+              <a:rPr lang="en-US" dirty="0"/>
+              <a:t>/wiki/</a:t>
+            </a:r>
+            <a:r>
+              <a:rPr lang="en-US" dirty="0" err="1"/>
+              <a:t>Separation_of_concerns</a:t>
+            </a:r>
+            <a:endParaRPr lang="en-US" dirty="0"/>
+          </a:p>
+          <a:p>
+            <a:r>
+              <a:rPr lang="en-US" dirty="0"/>
+              <a:t>https://</a:t>
+            </a:r>
+            <a:r>
+              <a:rPr lang="en-US" dirty="0" err="1"/>
+              <a:t>en.wikipedia.org</a:t>
+            </a:r>
+            <a:r>
+              <a:rPr lang="en-US" dirty="0"/>
+              <a:t>/wiki/Iterator</a:t>
+            </a:r>
+          </a:p>
+        </p:txBody>
+      </p:sp>
+      <p:sp>
+        <p:nvSpPr>
+          <p:cNvPr id="10" name="TextBox 9">
+            <a:extLst>
+              <a:ext uri="{FF2B5EF4-FFF2-40B4-BE49-F238E27FC236}">
+                <a16:creationId xmlns:a16="http://schemas.microsoft.com/office/drawing/2014/main" id="{3B53622E-6254-D861-DE7F-4CE3AF35E6EA}"/>
+              </a:ext>
+            </a:extLst>
+          </p:cNvPr>
+          <p:cNvSpPr txBox="1"/>
+          <p:nvPr/>
+        </p:nvSpPr>
+        <p:spPr>
+          <a:xfrm>
+            <a:off x="6835756" y="4186237"/>
+            <a:ext cx="3843337" cy="923330"/>
+          </a:xfrm>
+          <a:prstGeom prst="rect">
+            <a:avLst/>
+          </a:prstGeom>
+          <a:noFill/>
+        </p:spPr>
+        <p:txBody>
+          <a:bodyPr wrap="square" rtlCol="0">
+            <a:spAutoFit/>
+          </a:bodyPr>
+          <a:lstStyle/>
+          <a:p>
+            <a:r>
+              <a:rPr lang="en-US" dirty="0"/>
+              <a:t>In computer programming, an iterator is an object that enables a programmer to traverse a container, particularly lists</a:t>
+            </a:r>
+          </a:p>
+        </p:txBody>
+      </p:sp>
+      <p:sp>
+        <p:nvSpPr>
+          <p:cNvPr id="11" name="TextBox 10">
+            <a:extLst>
+              <a:ext uri="{FF2B5EF4-FFF2-40B4-BE49-F238E27FC236}">
+                <a16:creationId xmlns:a16="http://schemas.microsoft.com/office/drawing/2014/main" id="{3BF73857-6433-EB33-4876-BD41083CB26C}"/>
+              </a:ext>
+            </a:extLst>
+          </p:cNvPr>
+          <p:cNvSpPr txBox="1"/>
+          <p:nvPr/>
+        </p:nvSpPr>
+        <p:spPr>
+          <a:xfrm>
+            <a:off x="6835756" y="987047"/>
+            <a:ext cx="5125121" cy="2462213"/>
+          </a:xfrm>
+          <a:prstGeom prst="rect">
+            <a:avLst/>
+          </a:prstGeom>
+          <a:noFill/>
+        </p:spPr>
+        <p:txBody>
+          <a:bodyPr wrap="none" rtlCol="0">
+            <a:spAutoFit/>
+          </a:bodyPr>
+          <a:lstStyle/>
+          <a:p>
+            <a:r>
+              <a:rPr lang="en-US" sz="1400" b="1" dirty="0">
+                <a:latin typeface="Courier New" panose="02070309020205020404" pitchFamily="49" charset="0"/>
+                <a:cs typeface="Courier New" panose="02070309020205020404" pitchFamily="49" charset="0"/>
+              </a:rPr>
+              <a:t>struct Map {</a:t>
+            </a:r>
+          </a:p>
+          <a:p>
+            <a:r>
+              <a:rPr lang="en-US" sz="1400" b="1" dirty="0">
+                <a:latin typeface="Courier New" panose="02070309020205020404" pitchFamily="49" charset="0"/>
+                <a:cs typeface="Courier New" panose="02070309020205020404" pitchFamily="49" charset="0"/>
+              </a:rPr>
+              <a:t>  /* Attributes */</a:t>
+            </a:r>
+          </a:p>
+          <a:p>
+            <a:r>
+              <a:rPr lang="en-US" sz="1400" b="1" dirty="0">
+                <a:latin typeface="Courier New" panose="02070309020205020404" pitchFamily="49" charset="0"/>
+                <a:cs typeface="Courier New" panose="02070309020205020404" pitchFamily="49" charset="0"/>
+              </a:rPr>
+              <a:t>  struct </a:t>
+            </a:r>
+            <a:r>
+              <a:rPr lang="en-US" sz="1400" b="1" dirty="0" err="1">
+                <a:latin typeface="Courier New" panose="02070309020205020404" pitchFamily="49" charset="0"/>
+                <a:cs typeface="Courier New" panose="02070309020205020404" pitchFamily="49" charset="0"/>
+              </a:rPr>
+              <a:t>MapEntry</a:t>
+            </a:r>
+            <a:r>
+              <a:rPr lang="en-US" sz="1400" b="1" dirty="0">
+                <a:latin typeface="Courier New" panose="02070309020205020404" pitchFamily="49" charset="0"/>
+                <a:cs typeface="Courier New" panose="02070309020205020404" pitchFamily="49" charset="0"/>
+              </a:rPr>
+              <a:t> *head;</a:t>
+            </a:r>
+          </a:p>
+          <a:p>
+            <a:r>
+              <a:rPr lang="en-US" sz="1400" b="1" dirty="0">
+                <a:latin typeface="Courier New" panose="02070309020205020404" pitchFamily="49" charset="0"/>
+                <a:cs typeface="Courier New" panose="02070309020205020404" pitchFamily="49" charset="0"/>
+              </a:rPr>
+              <a:t>  struct </a:t>
+            </a:r>
+            <a:r>
+              <a:rPr lang="en-US" sz="1400" b="1" dirty="0" err="1">
+                <a:latin typeface="Courier New" panose="02070309020205020404" pitchFamily="49" charset="0"/>
+                <a:cs typeface="Courier New" panose="02070309020205020404" pitchFamily="49" charset="0"/>
+              </a:rPr>
+              <a:t>MapEntry</a:t>
+            </a:r>
+            <a:r>
+              <a:rPr lang="en-US" sz="1400" b="1" dirty="0">
+                <a:latin typeface="Courier New" panose="02070309020205020404" pitchFamily="49" charset="0"/>
+                <a:cs typeface="Courier New" panose="02070309020205020404" pitchFamily="49" charset="0"/>
+              </a:rPr>
+              <a:t> *tail;</a:t>
+            </a:r>
+          </a:p>
+          <a:p>
+            <a:r>
+              <a:rPr lang="en-US" sz="1400" b="1" dirty="0">
+                <a:latin typeface="Courier New" panose="02070309020205020404" pitchFamily="49" charset="0"/>
+                <a:cs typeface="Courier New" panose="02070309020205020404" pitchFamily="49" charset="0"/>
+              </a:rPr>
+              <a:t>  struct </a:t>
+            </a:r>
+            <a:r>
+              <a:rPr lang="en-US" sz="1400" b="1" dirty="0" err="1">
+                <a:latin typeface="Courier New" panose="02070309020205020404" pitchFamily="49" charset="0"/>
+                <a:cs typeface="Courier New" panose="02070309020205020404" pitchFamily="49" charset="0"/>
+              </a:rPr>
+              <a:t>MapEntry</a:t>
+            </a:r>
+            <a:r>
+              <a:rPr lang="en-US" sz="1400" b="1" dirty="0">
+                <a:latin typeface="Courier New" panose="02070309020205020404" pitchFamily="49" charset="0"/>
+                <a:cs typeface="Courier New" panose="02070309020205020404" pitchFamily="49" charset="0"/>
+              </a:rPr>
+              <a:t> *current;</a:t>
+            </a:r>
+          </a:p>
+          <a:p>
+            <a:r>
+              <a:rPr lang="en-US" sz="1400" b="1" dirty="0">
+                <a:latin typeface="Courier New" panose="02070309020205020404" pitchFamily="49" charset="0"/>
+                <a:cs typeface="Courier New" panose="02070309020205020404" pitchFamily="49" charset="0"/>
+              </a:rPr>
+              <a:t>  int count;</a:t>
+            </a:r>
+          </a:p>
+          <a:p>
+            <a:r>
+              <a:rPr lang="en-US" sz="1400" b="1" dirty="0">
+                <a:latin typeface="Courier New" panose="02070309020205020404" pitchFamily="49" charset="0"/>
+                <a:cs typeface="Courier New" panose="02070309020205020404" pitchFamily="49" charset="0"/>
+              </a:rPr>
+              <a:t>  int reverse;</a:t>
+            </a:r>
+          </a:p>
+          <a:p>
+            <a:r>
+              <a:rPr lang="en-US" sz="1400" b="1" dirty="0">
+                <a:latin typeface="Courier New" panose="02070309020205020404" pitchFamily="49" charset="0"/>
+                <a:cs typeface="Courier New" panose="02070309020205020404" pitchFamily="49" charset="0"/>
+              </a:rPr>
+              <a:t>  ...</a:t>
+            </a:r>
+          </a:p>
+          <a:p>
+            <a:r>
+              <a:rPr lang="en-US" sz="1400" b="1" dirty="0">
+                <a:latin typeface="Courier New" panose="02070309020205020404" pitchFamily="49" charset="0"/>
+                <a:cs typeface="Courier New" panose="02070309020205020404" pitchFamily="49" charset="0"/>
+              </a:rPr>
+              <a:t>  struct </a:t>
+            </a:r>
+            <a:r>
+              <a:rPr lang="en-US" sz="1400" b="1" dirty="0" err="1">
+                <a:latin typeface="Courier New" panose="02070309020205020404" pitchFamily="49" charset="0"/>
+                <a:cs typeface="Courier New" panose="02070309020205020404" pitchFamily="49" charset="0"/>
+              </a:rPr>
+              <a:t>MapEntry</a:t>
+            </a:r>
+            <a:r>
+              <a:rPr lang="en-US" sz="1400" b="1" dirty="0">
+                <a:latin typeface="Courier New" panose="02070309020205020404" pitchFamily="49" charset="0"/>
+                <a:cs typeface="Courier New" panose="02070309020205020404" pitchFamily="49" charset="0"/>
+              </a:rPr>
+              <a:t>* (*first)(struct Map* self);</a:t>
+            </a:r>
+          </a:p>
+          <a:p>
+            <a:r>
+              <a:rPr lang="en-US" sz="1400" b="1" dirty="0">
+                <a:latin typeface="Courier New" panose="02070309020205020404" pitchFamily="49" charset="0"/>
+                <a:cs typeface="Courier New" panose="02070309020205020404" pitchFamily="49" charset="0"/>
+              </a:rPr>
+              <a:t>  struct </a:t>
+            </a:r>
+            <a:r>
+              <a:rPr lang="en-US" sz="1400" b="1" dirty="0" err="1">
+                <a:latin typeface="Courier New" panose="02070309020205020404" pitchFamily="49" charset="0"/>
+                <a:cs typeface="Courier New" panose="02070309020205020404" pitchFamily="49" charset="0"/>
+              </a:rPr>
+              <a:t>MapEntry</a:t>
+            </a:r>
+            <a:r>
+              <a:rPr lang="en-US" sz="1400" b="1" dirty="0">
+                <a:latin typeface="Courier New" panose="02070309020205020404" pitchFamily="49" charset="0"/>
+                <a:cs typeface="Courier New" panose="02070309020205020404" pitchFamily="49" charset="0"/>
+              </a:rPr>
+              <a:t>* (*next)(struct Map* self);</a:t>
+            </a:r>
+          </a:p>
+          <a:p>
+            <a:r>
+              <a:rPr lang="en-US" sz="1400" b="1" dirty="0">
+                <a:latin typeface="Courier New" panose="02070309020205020404" pitchFamily="49" charset="0"/>
+                <a:cs typeface="Courier New" panose="02070309020205020404" pitchFamily="49" charset="0"/>
+              </a:rPr>
+              <a:t>};</a:t>
+            </a:r>
+          </a:p>
+        </p:txBody>
+      </p:sp>
+    </p:spTree>
+    <p:extLst>
+      <p:ext uri="{BB962C8B-B14F-4D97-AF65-F5344CB8AC3E}">
+        <p14:creationId xmlns:p14="http://schemas.microsoft.com/office/powerpoint/2010/main" val="3238148081"/>
+      </p:ext>
+    </p:extLst>
+  </p:cSld>
+  <p:clrMapOvr>
+    <a:masterClrMapping/>
+  </p:clrMapOvr>
+</p:sld>
+</file>
+
+<file path=ppt/slides/slide22.xml><?xml version="1.0" encoding="utf-8"?>
+<p:sld xmlns:a="http://schemas.openxmlformats.org/drawingml/2006/main" xmlns:r="http://schemas.openxmlformats.org/officeDocument/2006/relationships" xmlns:p="http://schemas.openxmlformats.org/presentationml/2006/main">
+  <p:cSld>
+    <p:spTree>
+      <p:nvGrpSpPr>
+        <p:cNvPr id="1" name=""/>
+        <p:cNvGrpSpPr/>
+        <p:nvPr/>
+      </p:nvGrpSpPr>
+      <p:grpSpPr>
+        <a:xfrm>
+          <a:off x="0" y="0"/>
+          <a:ext cx="0" cy="0"/>
+          <a:chOff x="0" y="0"/>
+          <a:chExt cx="0" cy="0"/>
+        </a:xfrm>
+      </p:grpSpPr>
+      <p:sp>
+        <p:nvSpPr>
+          <p:cNvPr id="2" name="Title 1">
+            <a:extLst>
+              <a:ext uri="{FF2B5EF4-FFF2-40B4-BE49-F238E27FC236}">
+                <a16:creationId xmlns:a16="http://schemas.microsoft.com/office/drawing/2014/main" id="{E74DD39C-06B8-60B9-6AAB-27098B69C579}"/>
+              </a:ext>
+            </a:extLst>
+          </p:cNvPr>
+          <p:cNvSpPr>
+            <a:spLocks noGrp="1"/>
+          </p:cNvSpPr>
+          <p:nvPr>
+            <p:ph type="title"/>
+          </p:nvPr>
+        </p:nvSpPr>
+        <p:spPr/>
+        <p:txBody>
+          <a:bodyPr/>
+          <a:lstStyle/>
+          <a:p>
+            <a:endParaRPr lang="en-US"/>
+          </a:p>
+        </p:txBody>
+      </p:sp>
+      <p:sp>
+        <p:nvSpPr>
+          <p:cNvPr id="3" name="Content Placeholder 2">
+            <a:extLst>
+              <a:ext uri="{FF2B5EF4-FFF2-40B4-BE49-F238E27FC236}">
+                <a16:creationId xmlns:a16="http://schemas.microsoft.com/office/drawing/2014/main" id="{D3A8DDF1-6EB3-B010-F62E-730A5A256065}"/>
+              </a:ext>
+            </a:extLst>
+          </p:cNvPr>
+          <p:cNvSpPr>
+            <a:spLocks noGrp="1"/>
+          </p:cNvSpPr>
+          <p:nvPr>
+            <p:ph idx="1"/>
+          </p:nvPr>
+        </p:nvSpPr>
+        <p:spPr/>
+        <p:txBody>
+          <a:bodyPr/>
+          <a:lstStyle/>
+          <a:p>
+            <a:endParaRPr lang="en-US"/>
+          </a:p>
+        </p:txBody>
+      </p:sp>
+    </p:spTree>
+    <p:extLst>
+      <p:ext uri="{BB962C8B-B14F-4D97-AF65-F5344CB8AC3E}">
+        <p14:creationId xmlns:p14="http://schemas.microsoft.com/office/powerpoint/2010/main" val="1286486154"/>
       </p:ext>
     </p:extLst>
   </p:cSld>
@@ -3581,67 +7608,10 @@
       </p:grpSpPr>
       <p:sp>
         <p:nvSpPr>
-          <p:cNvPr id="2" name="Title 1">
-            <a:extLst>
-              <a:ext uri="{FF2B5EF4-FFF2-40B4-BE49-F238E27FC236}">
-                <a16:creationId xmlns:a16="http://schemas.microsoft.com/office/drawing/2014/main" id="{8479F607-1B8F-F245-F40F-DA746BF5AB60}"/>
-              </a:ext>
-            </a:extLst>
-          </p:cNvPr>
-          <p:cNvSpPr>
-            <a:spLocks noGrp="1"/>
-          </p:cNvSpPr>
-          <p:nvPr>
-            <p:ph type="title"/>
-          </p:nvPr>
-        </p:nvSpPr>
-        <p:spPr/>
-        <p:txBody>
-          <a:bodyPr/>
-          <a:lstStyle/>
-          <a:p>
-            <a:r>
-              <a:rPr lang="en-US" dirty="0"/>
-              <a:t>Java Map&lt;Integer, String&gt;</a:t>
-            </a:r>
-          </a:p>
-        </p:txBody>
-      </p:sp>
-      <p:pic>
-        <p:nvPicPr>
-          <p:cNvPr id="7" name="Content Placeholder 6" descr="A screen shot of the Java Map class.">
-            <a:extLst>
-              <a:ext uri="{FF2B5EF4-FFF2-40B4-BE49-F238E27FC236}">
-                <a16:creationId xmlns:a16="http://schemas.microsoft.com/office/drawing/2014/main" id="{3E13620C-F5B1-1FF7-0810-B43314B57AC5}"/>
-              </a:ext>
-            </a:extLst>
-          </p:cNvPr>
-          <p:cNvPicPr>
-            <a:picLocks noGrp="1" noChangeAspect="1"/>
-          </p:cNvPicPr>
-          <p:nvPr>
-            <p:ph idx="1"/>
-          </p:nvPr>
-        </p:nvPicPr>
-        <p:blipFill>
-          <a:blip r:embed="rId2"/>
-          <a:stretch>
-            <a:fillRect/>
-          </a:stretch>
-        </p:blipFill>
-        <p:spPr>
-          <a:xfrm>
-            <a:off x="1640508" y="1543237"/>
-            <a:ext cx="8910984" cy="4351338"/>
-          </a:xfrm>
-        </p:spPr>
-      </p:pic>
-      <p:sp>
-        <p:nvSpPr>
-          <p:cNvPr id="5" name="TextBox 4">
-            <a:extLst>
-              <a:ext uri="{FF2B5EF4-FFF2-40B4-BE49-F238E27FC236}">
-                <a16:creationId xmlns:a16="http://schemas.microsoft.com/office/drawing/2014/main" id="{7430B9AD-25B0-E6C0-A9E0-E05FB58DAFF1}"/>
+          <p:cNvPr id="4" name="TextBox 3">
+            <a:extLst>
+              <a:ext uri="{FF2B5EF4-FFF2-40B4-BE49-F238E27FC236}">
+                <a16:creationId xmlns:a16="http://schemas.microsoft.com/office/drawing/2014/main" id="{996E046E-ECF6-7340-52D5-5F19C9B73FEF}"/>
               </a:ext>
             </a:extLst>
           </p:cNvPr>
@@ -3650,8 +7620,535 @@
         </p:nvSpPr>
         <p:spPr>
           <a:xfrm>
-            <a:off x="2905760" y="6311900"/>
-            <a:ext cx="6096000" cy="369332"/>
+            <a:off x="1337387" y="407637"/>
+            <a:ext cx="6413935" cy="5478423"/>
+          </a:xfrm>
+          <a:prstGeom prst="rect">
+            <a:avLst/>
+          </a:prstGeom>
+          <a:noFill/>
+        </p:spPr>
+        <p:txBody>
+          <a:bodyPr wrap="none" rtlCol="0">
+            <a:spAutoFit/>
+          </a:bodyPr>
+          <a:lstStyle/>
+          <a:p>
+            <a:r>
+              <a:rPr lang="en-US" sz="1400" b="1" dirty="0">
+                <a:latin typeface="Courier New" panose="02070309020205020404" pitchFamily="49" charset="0"/>
+                <a:cs typeface="Courier New" panose="02070309020205020404" pitchFamily="49" charset="0"/>
+              </a:rPr>
+              <a:t>d = </a:t>
+            </a:r>
+            <a:r>
+              <a:rPr lang="en-US" sz="1400" b="1" dirty="0" err="1">
+                <a:latin typeface="Courier New" panose="02070309020205020404" pitchFamily="49" charset="0"/>
+                <a:cs typeface="Courier New" panose="02070309020205020404" pitchFamily="49" charset="0"/>
+              </a:rPr>
+              <a:t>dict</a:t>
+            </a:r>
+            <a:r>
+              <a:rPr lang="en-US" sz="1400" b="1" dirty="0">
+                <a:latin typeface="Courier New" panose="02070309020205020404" pitchFamily="49" charset="0"/>
+                <a:cs typeface="Courier New" panose="02070309020205020404" pitchFamily="49" charset="0"/>
+              </a:rPr>
+              <a:t>()</a:t>
+            </a:r>
+          </a:p>
+          <a:p>
+            <a:endParaRPr lang="en-US" sz="1400" b="1" dirty="0">
+              <a:latin typeface="Courier New" panose="02070309020205020404" pitchFamily="49" charset="0"/>
+              <a:cs typeface="Courier New" panose="02070309020205020404" pitchFamily="49" charset="0"/>
+            </a:endParaRPr>
+          </a:p>
+          <a:p>
+            <a:r>
+              <a:rPr lang="en-US" sz="1400" b="1" dirty="0">
+                <a:latin typeface="Courier New" panose="02070309020205020404" pitchFamily="49" charset="0"/>
+                <a:cs typeface="Courier New" panose="02070309020205020404" pitchFamily="49" charset="0"/>
+              </a:rPr>
+              <a:t>print("Testing </a:t>
+            </a:r>
+            <a:r>
+              <a:rPr lang="en-US" sz="1400" b="1" dirty="0" err="1">
+                <a:latin typeface="Courier New" panose="02070309020205020404" pitchFamily="49" charset="0"/>
+                <a:cs typeface="Courier New" panose="02070309020205020404" pitchFamily="49" charset="0"/>
+              </a:rPr>
+              <a:t>dict</a:t>
+            </a:r>
+            <a:r>
+              <a:rPr lang="en-US" sz="1400" b="1" dirty="0">
+                <a:latin typeface="Courier New" panose="02070309020205020404" pitchFamily="49" charset="0"/>
+                <a:cs typeface="Courier New" panose="02070309020205020404" pitchFamily="49" charset="0"/>
+              </a:rPr>
+              <a:t> class\n");</a:t>
+            </a:r>
+          </a:p>
+          <a:p>
+            <a:r>
+              <a:rPr lang="en-US" sz="1400" b="1" dirty="0">
+                <a:latin typeface="Courier New" panose="02070309020205020404" pitchFamily="49" charset="0"/>
+                <a:cs typeface="Courier New" panose="02070309020205020404" pitchFamily="49" charset="0"/>
+              </a:rPr>
+              <a:t>d["z"] = 8</a:t>
+            </a:r>
+          </a:p>
+          <a:p>
+            <a:r>
+              <a:rPr lang="en-US" sz="1400" b="1" dirty="0">
+                <a:latin typeface="Courier New" panose="02070309020205020404" pitchFamily="49" charset="0"/>
+                <a:cs typeface="Courier New" panose="02070309020205020404" pitchFamily="49" charset="0"/>
+              </a:rPr>
+              <a:t>d["z"] = 1</a:t>
+            </a:r>
+          </a:p>
+          <a:p>
+            <a:r>
+              <a:rPr lang="en-US" sz="1400" b="1" dirty="0">
+                <a:latin typeface="Courier New" panose="02070309020205020404" pitchFamily="49" charset="0"/>
+                <a:cs typeface="Courier New" panose="02070309020205020404" pitchFamily="49" charset="0"/>
+              </a:rPr>
+              <a:t>d["y"] = 9</a:t>
+            </a:r>
+          </a:p>
+          <a:p>
+            <a:r>
+              <a:rPr lang="en-US" sz="1400" b="1" dirty="0">
+                <a:latin typeface="Courier New" panose="02070309020205020404" pitchFamily="49" charset="0"/>
+                <a:cs typeface="Courier New" panose="02070309020205020404" pitchFamily="49" charset="0"/>
+              </a:rPr>
+              <a:t>d["b"] = 3</a:t>
+            </a:r>
+          </a:p>
+          <a:p>
+            <a:r>
+              <a:rPr lang="en-US" sz="1400" b="1" dirty="0">
+                <a:latin typeface="Courier New" panose="02070309020205020404" pitchFamily="49" charset="0"/>
+                <a:cs typeface="Courier New" panose="02070309020205020404" pitchFamily="49" charset="0"/>
+              </a:rPr>
+              <a:t>d["a"] = 4</a:t>
+            </a:r>
+          </a:p>
+          <a:p>
+            <a:r>
+              <a:rPr lang="en-US" sz="1400" b="1" dirty="0">
+                <a:latin typeface="Courier New" panose="02070309020205020404" pitchFamily="49" charset="0"/>
+                <a:cs typeface="Courier New" panose="02070309020205020404" pitchFamily="49" charset="0"/>
+              </a:rPr>
+              <a:t>print(d);</a:t>
+            </a:r>
+          </a:p>
+          <a:p>
+            <a:endParaRPr lang="en-US" sz="1400" b="1" dirty="0">
+              <a:latin typeface="Courier New" panose="02070309020205020404" pitchFamily="49" charset="0"/>
+              <a:cs typeface="Courier New" panose="02070309020205020404" pitchFamily="49" charset="0"/>
+            </a:endParaRPr>
+          </a:p>
+          <a:p>
+            <a:r>
+              <a:rPr lang="en-US" sz="1400" b="1" dirty="0">
+                <a:latin typeface="Courier New" panose="02070309020205020404" pitchFamily="49" charset="0"/>
+                <a:cs typeface="Courier New" panose="02070309020205020404" pitchFamily="49" charset="0"/>
+              </a:rPr>
+              <a:t>print("z=%d" % (</a:t>
+            </a:r>
+            <a:r>
+              <a:rPr lang="en-US" sz="1400" b="1" dirty="0" err="1">
+                <a:latin typeface="Courier New" panose="02070309020205020404" pitchFamily="49" charset="0"/>
+                <a:cs typeface="Courier New" panose="02070309020205020404" pitchFamily="49" charset="0"/>
+              </a:rPr>
+              <a:t>d.get</a:t>
+            </a:r>
+            <a:r>
+              <a:rPr lang="en-US" sz="1400" b="1" dirty="0">
+                <a:latin typeface="Courier New" panose="02070309020205020404" pitchFamily="49" charset="0"/>
+                <a:cs typeface="Courier New" panose="02070309020205020404" pitchFamily="49" charset="0"/>
+              </a:rPr>
+              <a:t>("z", 42), ));</a:t>
+            </a:r>
+          </a:p>
+          <a:p>
+            <a:r>
+              <a:rPr lang="en-US" sz="1400" b="1" dirty="0">
+                <a:latin typeface="Courier New" panose="02070309020205020404" pitchFamily="49" charset="0"/>
+                <a:cs typeface="Courier New" panose="02070309020205020404" pitchFamily="49" charset="0"/>
+              </a:rPr>
+              <a:t>print("x=%d" %  (</a:t>
+            </a:r>
+            <a:r>
+              <a:rPr lang="en-US" sz="1400" b="1" dirty="0" err="1">
+                <a:latin typeface="Courier New" panose="02070309020205020404" pitchFamily="49" charset="0"/>
+                <a:cs typeface="Courier New" panose="02070309020205020404" pitchFamily="49" charset="0"/>
+              </a:rPr>
+              <a:t>d.get</a:t>
+            </a:r>
+            <a:r>
+              <a:rPr lang="en-US" sz="1400" b="1" dirty="0">
+                <a:latin typeface="Courier New" panose="02070309020205020404" pitchFamily="49" charset="0"/>
+                <a:cs typeface="Courier New" panose="02070309020205020404" pitchFamily="49" charset="0"/>
+              </a:rPr>
+              <a:t>("x", 42), ));</a:t>
+            </a:r>
+          </a:p>
+          <a:p>
+            <a:endParaRPr lang="en-US" sz="1400" b="1" dirty="0">
+              <a:latin typeface="Courier New" panose="02070309020205020404" pitchFamily="49" charset="0"/>
+              <a:cs typeface="Courier New" panose="02070309020205020404" pitchFamily="49" charset="0"/>
+            </a:endParaRPr>
+          </a:p>
+          <a:p>
+            <a:r>
+              <a:rPr lang="en-US" sz="1400" b="1" dirty="0">
+                <a:latin typeface="Courier New" panose="02070309020205020404" pitchFamily="49" charset="0"/>
+                <a:cs typeface="Courier New" panose="02070309020205020404" pitchFamily="49" charset="0"/>
+              </a:rPr>
+              <a:t>items = </a:t>
+            </a:r>
+            <a:r>
+              <a:rPr lang="en-US" sz="1400" b="1" dirty="0" err="1">
+                <a:latin typeface="Courier New" panose="02070309020205020404" pitchFamily="49" charset="0"/>
+                <a:cs typeface="Courier New" panose="02070309020205020404" pitchFamily="49" charset="0"/>
+              </a:rPr>
+              <a:t>iter</a:t>
+            </a:r>
+            <a:r>
+              <a:rPr lang="en-US" sz="1400" b="1" dirty="0">
+                <a:latin typeface="Courier New" panose="02070309020205020404" pitchFamily="49" charset="0"/>
+                <a:cs typeface="Courier New" panose="02070309020205020404" pitchFamily="49" charset="0"/>
+              </a:rPr>
+              <a:t>(</a:t>
+            </a:r>
+            <a:r>
+              <a:rPr lang="en-US" sz="1400" b="1" dirty="0" err="1">
+                <a:latin typeface="Courier New" panose="02070309020205020404" pitchFamily="49" charset="0"/>
+                <a:cs typeface="Courier New" panose="02070309020205020404" pitchFamily="49" charset="0"/>
+              </a:rPr>
+              <a:t>d.items</a:t>
+            </a:r>
+            <a:r>
+              <a:rPr lang="en-US" sz="1400" b="1" dirty="0">
+                <a:latin typeface="Courier New" panose="02070309020205020404" pitchFamily="49" charset="0"/>
+                <a:cs typeface="Courier New" panose="02070309020205020404" pitchFamily="49" charset="0"/>
+              </a:rPr>
+              <a:t>())</a:t>
+            </a:r>
+          </a:p>
+          <a:p>
+            <a:r>
+              <a:rPr lang="en-US" sz="1400" b="1" dirty="0">
+                <a:latin typeface="Courier New" panose="02070309020205020404" pitchFamily="49" charset="0"/>
+                <a:cs typeface="Courier New" panose="02070309020205020404" pitchFamily="49" charset="0"/>
+              </a:rPr>
+              <a:t>print(type(items));</a:t>
+            </a:r>
+          </a:p>
+          <a:p>
+            <a:endParaRPr lang="en-US" sz="1400" b="1" dirty="0">
+              <a:latin typeface="Courier New" panose="02070309020205020404" pitchFamily="49" charset="0"/>
+              <a:cs typeface="Courier New" panose="02070309020205020404" pitchFamily="49" charset="0"/>
+            </a:endParaRPr>
+          </a:p>
+          <a:p>
+            <a:r>
+              <a:rPr lang="en-US" sz="1400" b="1" dirty="0">
+                <a:latin typeface="Courier New" panose="02070309020205020404" pitchFamily="49" charset="0"/>
+                <a:cs typeface="Courier New" panose="02070309020205020404" pitchFamily="49" charset="0"/>
+              </a:rPr>
+              <a:t>entry = next(items, False)</a:t>
+            </a:r>
+          </a:p>
+          <a:p>
+            <a:r>
+              <a:rPr lang="en-US" sz="1400" b="1" dirty="0">
+                <a:latin typeface="Courier New" panose="02070309020205020404" pitchFamily="49" charset="0"/>
+                <a:cs typeface="Courier New" panose="02070309020205020404" pitchFamily="49" charset="0"/>
+              </a:rPr>
+              <a:t>while (entry) :</a:t>
+            </a:r>
+          </a:p>
+          <a:p>
+            <a:r>
+              <a:rPr lang="en-US" sz="1400" b="1" dirty="0">
+                <a:latin typeface="Courier New" panose="02070309020205020404" pitchFamily="49" charset="0"/>
+                <a:cs typeface="Courier New" panose="02070309020205020404" pitchFamily="49" charset="0"/>
+              </a:rPr>
+              <a:t>    print(entry)</a:t>
+            </a:r>
+          </a:p>
+          <a:p>
+            <a:r>
+              <a:rPr lang="en-US" sz="1400" b="1" dirty="0">
+                <a:latin typeface="Courier New" panose="02070309020205020404" pitchFamily="49" charset="0"/>
+                <a:cs typeface="Courier New" panose="02070309020205020404" pitchFamily="49" charset="0"/>
+              </a:rPr>
+              <a:t>    entry = next(items, False)</a:t>
+            </a:r>
+          </a:p>
+          <a:p>
+            <a:endParaRPr lang="en-US" sz="1400" b="1" dirty="0">
+              <a:latin typeface="Courier New" panose="02070309020205020404" pitchFamily="49" charset="0"/>
+              <a:cs typeface="Courier New" panose="02070309020205020404" pitchFamily="49" charset="0"/>
+            </a:endParaRPr>
+          </a:p>
+          <a:p>
+            <a:r>
+              <a:rPr lang="en-US" sz="1400" b="1" dirty="0" err="1">
+                <a:latin typeface="Courier New" panose="02070309020205020404" pitchFamily="49" charset="0"/>
+                <a:cs typeface="Courier New" panose="02070309020205020404" pitchFamily="49" charset="0"/>
+              </a:rPr>
+              <a:t>sd</a:t>
+            </a:r>
+            <a:r>
+              <a:rPr lang="en-US" sz="1400" b="1" dirty="0">
+                <a:latin typeface="Courier New" panose="02070309020205020404" pitchFamily="49" charset="0"/>
+                <a:cs typeface="Courier New" panose="02070309020205020404" pitchFamily="49" charset="0"/>
+              </a:rPr>
+              <a:t> = reversed(sorted(</a:t>
+            </a:r>
+            <a:r>
+              <a:rPr lang="en-US" sz="1400" b="1" dirty="0" err="1">
+                <a:latin typeface="Courier New" panose="02070309020205020404" pitchFamily="49" charset="0"/>
+                <a:cs typeface="Courier New" panose="02070309020205020404" pitchFamily="49" charset="0"/>
+              </a:rPr>
+              <a:t>d.items</a:t>
+            </a:r>
+            <a:r>
+              <a:rPr lang="en-US" sz="1400" b="1" dirty="0">
+                <a:latin typeface="Courier New" panose="02070309020205020404" pitchFamily="49" charset="0"/>
+                <a:cs typeface="Courier New" panose="02070309020205020404" pitchFamily="49" charset="0"/>
+              </a:rPr>
+              <a:t>(), key=lambda item: item[1]))</a:t>
+            </a:r>
+          </a:p>
+          <a:p>
+            <a:endParaRPr lang="en-US" sz="1400" b="1" dirty="0">
+              <a:latin typeface="Courier New" panose="02070309020205020404" pitchFamily="49" charset="0"/>
+              <a:cs typeface="Courier New" panose="02070309020205020404" pitchFamily="49" charset="0"/>
+            </a:endParaRPr>
+          </a:p>
+          <a:p>
+            <a:r>
+              <a:rPr lang="en-US" sz="1400" b="1" dirty="0">
+                <a:latin typeface="Courier New" panose="02070309020205020404" pitchFamily="49" charset="0"/>
+                <a:cs typeface="Courier New" panose="02070309020205020404" pitchFamily="49" charset="0"/>
+              </a:rPr>
+              <a:t>first = next(</a:t>
+            </a:r>
+            <a:r>
+              <a:rPr lang="en-US" sz="1400" b="1" dirty="0" err="1">
+                <a:latin typeface="Courier New" panose="02070309020205020404" pitchFamily="49" charset="0"/>
+                <a:cs typeface="Courier New" panose="02070309020205020404" pitchFamily="49" charset="0"/>
+              </a:rPr>
+              <a:t>iter</a:t>
+            </a:r>
+            <a:r>
+              <a:rPr lang="en-US" sz="1400" b="1" dirty="0">
+                <a:latin typeface="Courier New" panose="02070309020205020404" pitchFamily="49" charset="0"/>
+                <a:cs typeface="Courier New" panose="02070309020205020404" pitchFamily="49" charset="0"/>
+              </a:rPr>
+              <a:t>(</a:t>
+            </a:r>
+            <a:r>
+              <a:rPr lang="en-US" sz="1400" b="1" dirty="0" err="1">
+                <a:latin typeface="Courier New" panose="02070309020205020404" pitchFamily="49" charset="0"/>
+                <a:cs typeface="Courier New" panose="02070309020205020404" pitchFamily="49" charset="0"/>
+              </a:rPr>
+              <a:t>sd</a:t>
+            </a:r>
+            <a:r>
+              <a:rPr lang="en-US" sz="1400" b="1" dirty="0">
+                <a:latin typeface="Courier New" panose="02070309020205020404" pitchFamily="49" charset="0"/>
+                <a:cs typeface="Courier New" panose="02070309020205020404" pitchFamily="49" charset="0"/>
+              </a:rPr>
+              <a:t>))</a:t>
+            </a:r>
+          </a:p>
+          <a:p>
+            <a:r>
+              <a:rPr lang="en-US" sz="1400" b="1" dirty="0">
+                <a:latin typeface="Courier New" panose="02070309020205020404" pitchFamily="49" charset="0"/>
+                <a:cs typeface="Courier New" panose="02070309020205020404" pitchFamily="49" charset="0"/>
+              </a:rPr>
+              <a:t>print('The largest value', first)</a:t>
+            </a:r>
+          </a:p>
+        </p:txBody>
+      </p:sp>
+      <p:sp>
+        <p:nvSpPr>
+          <p:cNvPr id="5" name="TextBox 4">
+            <a:extLst>
+              <a:ext uri="{FF2B5EF4-FFF2-40B4-BE49-F238E27FC236}">
+                <a16:creationId xmlns:a16="http://schemas.microsoft.com/office/drawing/2014/main" id="{0A1F66FC-D917-3925-AED2-B0917D657EE9}"/>
+              </a:ext>
+            </a:extLst>
+          </p:cNvPr>
+          <p:cNvSpPr txBox="1"/>
+          <p:nvPr/>
+        </p:nvSpPr>
+        <p:spPr>
+          <a:xfrm>
+            <a:off x="8136359" y="643962"/>
+            <a:ext cx="3159839" cy="2123658"/>
+          </a:xfrm>
+          <a:prstGeom prst="rect">
+            <a:avLst/>
+          </a:prstGeom>
+          <a:noFill/>
+          <a:ln w="28575">
+            <a:solidFill>
+              <a:schemeClr val="accent1"/>
+            </a:solidFill>
+          </a:ln>
+        </p:spPr>
+        <p:txBody>
+          <a:bodyPr wrap="none" rtlCol="0">
+            <a:spAutoFit/>
+          </a:bodyPr>
+          <a:lstStyle/>
+          <a:p>
+            <a:r>
+              <a:rPr lang="en-US" sz="1200" b="1" dirty="0">
+                <a:latin typeface="Courier New" panose="02070309020205020404" pitchFamily="49" charset="0"/>
+                <a:cs typeface="Courier New" panose="02070309020205020404" pitchFamily="49" charset="0"/>
+              </a:rPr>
+              <a:t>Testing </a:t>
+            </a:r>
+            <a:r>
+              <a:rPr lang="en-US" sz="1200" b="1" dirty="0" err="1">
+                <a:latin typeface="Courier New" panose="02070309020205020404" pitchFamily="49" charset="0"/>
+                <a:cs typeface="Courier New" panose="02070309020205020404" pitchFamily="49" charset="0"/>
+              </a:rPr>
+              <a:t>dict</a:t>
+            </a:r>
+            <a:r>
+              <a:rPr lang="en-US" sz="1200" b="1" dirty="0">
+                <a:latin typeface="Courier New" panose="02070309020205020404" pitchFamily="49" charset="0"/>
+                <a:cs typeface="Courier New" panose="02070309020205020404" pitchFamily="49" charset="0"/>
+              </a:rPr>
+              <a:t> class</a:t>
+            </a:r>
+          </a:p>
+          <a:p>
+            <a:endParaRPr lang="en-US" sz="1200" b="1" dirty="0">
+              <a:latin typeface="Courier New" panose="02070309020205020404" pitchFamily="49" charset="0"/>
+              <a:cs typeface="Courier New" panose="02070309020205020404" pitchFamily="49" charset="0"/>
+            </a:endParaRPr>
+          </a:p>
+          <a:p>
+            <a:r>
+              <a:rPr lang="en-US" sz="1200" b="1" dirty="0">
+                <a:latin typeface="Courier New" panose="02070309020205020404" pitchFamily="49" charset="0"/>
+                <a:cs typeface="Courier New" panose="02070309020205020404" pitchFamily="49" charset="0"/>
+              </a:rPr>
+              <a:t>{'z': 1, 'y': 9, 'b': 3, 'a': 4}</a:t>
+            </a:r>
+          </a:p>
+          <a:p>
+            <a:r>
+              <a:rPr lang="en-US" sz="1200" b="1" dirty="0">
+                <a:latin typeface="Courier New" panose="02070309020205020404" pitchFamily="49" charset="0"/>
+                <a:cs typeface="Courier New" panose="02070309020205020404" pitchFamily="49" charset="0"/>
+              </a:rPr>
+              <a:t>z=1</a:t>
+            </a:r>
+          </a:p>
+          <a:p>
+            <a:r>
+              <a:rPr lang="en-US" sz="1200" b="1" dirty="0">
+                <a:latin typeface="Courier New" panose="02070309020205020404" pitchFamily="49" charset="0"/>
+                <a:cs typeface="Courier New" panose="02070309020205020404" pitchFamily="49" charset="0"/>
+              </a:rPr>
+              <a:t>x=42</a:t>
+            </a:r>
+          </a:p>
+          <a:p>
+            <a:r>
+              <a:rPr lang="en-US" sz="1200" b="1" dirty="0">
+                <a:latin typeface="Courier New" panose="02070309020205020404" pitchFamily="49" charset="0"/>
+                <a:cs typeface="Courier New" panose="02070309020205020404" pitchFamily="49" charset="0"/>
+              </a:rPr>
+              <a:t>&lt;class '</a:t>
+            </a:r>
+            <a:r>
+              <a:rPr lang="en-US" sz="1200" b="1" dirty="0" err="1">
+                <a:latin typeface="Courier New" panose="02070309020205020404" pitchFamily="49" charset="0"/>
+                <a:cs typeface="Courier New" panose="02070309020205020404" pitchFamily="49" charset="0"/>
+              </a:rPr>
+              <a:t>dict_itemiterator</a:t>
+            </a:r>
+            <a:r>
+              <a:rPr lang="en-US" sz="1200" b="1" dirty="0">
+                <a:latin typeface="Courier New" panose="02070309020205020404" pitchFamily="49" charset="0"/>
+                <a:cs typeface="Courier New" panose="02070309020205020404" pitchFamily="49" charset="0"/>
+              </a:rPr>
+              <a:t>'&gt;</a:t>
+            </a:r>
+          </a:p>
+          <a:p>
+            <a:r>
+              <a:rPr lang="en-US" sz="1200" b="1" dirty="0">
+                <a:latin typeface="Courier New" panose="02070309020205020404" pitchFamily="49" charset="0"/>
+                <a:cs typeface="Courier New" panose="02070309020205020404" pitchFamily="49" charset="0"/>
+              </a:rPr>
+              <a:t>('z', 1)</a:t>
+            </a:r>
+          </a:p>
+          <a:p>
+            <a:r>
+              <a:rPr lang="en-US" sz="1200" b="1" dirty="0">
+                <a:latin typeface="Courier New" panose="02070309020205020404" pitchFamily="49" charset="0"/>
+                <a:cs typeface="Courier New" panose="02070309020205020404" pitchFamily="49" charset="0"/>
+              </a:rPr>
+              <a:t>('y', 9)</a:t>
+            </a:r>
+          </a:p>
+          <a:p>
+            <a:r>
+              <a:rPr lang="en-US" sz="1200" b="1" dirty="0">
+                <a:latin typeface="Courier New" panose="02070309020205020404" pitchFamily="49" charset="0"/>
+                <a:cs typeface="Courier New" panose="02070309020205020404" pitchFamily="49" charset="0"/>
+              </a:rPr>
+              <a:t>('b', 3)</a:t>
+            </a:r>
+          </a:p>
+          <a:p>
+            <a:r>
+              <a:rPr lang="en-US" sz="1200" b="1" dirty="0">
+                <a:latin typeface="Courier New" panose="02070309020205020404" pitchFamily="49" charset="0"/>
+                <a:cs typeface="Courier New" panose="02070309020205020404" pitchFamily="49" charset="0"/>
+              </a:rPr>
+              <a:t>('a', 4)</a:t>
+            </a:r>
+          </a:p>
+          <a:p>
+            <a:r>
+              <a:rPr lang="en-US" sz="1200" b="1" dirty="0">
+                <a:latin typeface="Courier New" panose="02070309020205020404" pitchFamily="49" charset="0"/>
+                <a:cs typeface="Courier New" panose="02070309020205020404" pitchFamily="49" charset="0"/>
+              </a:rPr>
+              <a:t>The largest value ('y', 9)</a:t>
+            </a:r>
+          </a:p>
+        </p:txBody>
+      </p:sp>
+      <p:sp>
+        <p:nvSpPr>
+          <p:cNvPr id="6" name="TextBox 5">
+            <a:extLst>
+              <a:ext uri="{FF2B5EF4-FFF2-40B4-BE49-F238E27FC236}">
+                <a16:creationId xmlns:a16="http://schemas.microsoft.com/office/drawing/2014/main" id="{6F370932-4D8E-9923-8009-A4771C8364AD}"/>
+              </a:ext>
+            </a:extLst>
+          </p:cNvPr>
+          <p:cNvSpPr txBox="1"/>
+          <p:nvPr/>
+        </p:nvSpPr>
+        <p:spPr>
+          <a:xfrm>
+            <a:off x="10463350" y="6338986"/>
+            <a:ext cx="1665696" cy="307777"/>
           </a:xfrm>
           <a:prstGeom prst="rect">
             <a:avLst/>
@@ -3665,45 +8162,21 @@
           <a:lstStyle/>
           <a:p>
             <a:r>
-              <a:rPr lang="en-US" dirty="0"/>
-              <a:t>https://</a:t>
-            </a:r>
-            <a:r>
-              <a:rPr lang="en-US" dirty="0" err="1"/>
-              <a:t>docs.oracle.com</a:t>
-            </a:r>
-            <a:r>
-              <a:rPr lang="en-US" dirty="0"/>
-              <a:t>/</a:t>
-            </a:r>
-            <a:r>
-              <a:rPr lang="en-US" dirty="0" err="1"/>
-              <a:t>javase</a:t>
-            </a:r>
-            <a:r>
-              <a:rPr lang="en-US" dirty="0"/>
-              <a:t>/8/docs/</a:t>
-            </a:r>
-            <a:r>
-              <a:rPr lang="en-US" dirty="0" err="1"/>
-              <a:t>api</a:t>
-            </a:r>
-            <a:r>
-              <a:rPr lang="en-US" dirty="0"/>
-              <a:t>/java/util/</a:t>
-            </a:r>
-            <a:r>
-              <a:rPr lang="en-US" dirty="0" err="1"/>
-              <a:t>Map.html</a:t>
-            </a:r>
-            <a:endParaRPr lang="en-US" dirty="0"/>
+              <a:rPr lang="en-US" sz="1400" b="1" dirty="0">
+                <a:solidFill>
+                  <a:srgbClr val="000000"/>
+                </a:solidFill>
+                <a:latin typeface="Menlo" panose="020B0609030804020204" pitchFamily="49" charset="0"/>
+              </a:rPr>
+              <a:t>cc_04_01.py</a:t>
+            </a:r>
           </a:p>
         </p:txBody>
       </p:sp>
     </p:spTree>
     <p:extLst>
       <p:ext uri="{BB962C8B-B14F-4D97-AF65-F5344CB8AC3E}">
-        <p14:creationId xmlns:p14="http://schemas.microsoft.com/office/powerpoint/2010/main" val="1248617522"/>
+        <p14:creationId xmlns:p14="http://schemas.microsoft.com/office/powerpoint/2010/main" val="1992000381"/>
       </p:ext>
     </p:extLst>
   </p:cSld>
@@ -3732,10 +8205,67 @@
       </p:grpSpPr>
       <p:sp>
         <p:nvSpPr>
-          <p:cNvPr id="4" name="TextBox 3">
-            <a:extLst>
-              <a:ext uri="{FF2B5EF4-FFF2-40B4-BE49-F238E27FC236}">
-                <a16:creationId xmlns:a16="http://schemas.microsoft.com/office/drawing/2014/main" id="{996E046E-ECF6-7340-52D5-5F19C9B73FEF}"/>
+          <p:cNvPr id="2" name="Title 1">
+            <a:extLst>
+              <a:ext uri="{FF2B5EF4-FFF2-40B4-BE49-F238E27FC236}">
+                <a16:creationId xmlns:a16="http://schemas.microsoft.com/office/drawing/2014/main" id="{8479F607-1B8F-F245-F40F-DA746BF5AB60}"/>
+              </a:ext>
+            </a:extLst>
+          </p:cNvPr>
+          <p:cNvSpPr>
+            <a:spLocks noGrp="1"/>
+          </p:cNvSpPr>
+          <p:nvPr>
+            <p:ph type="title"/>
+          </p:nvPr>
+        </p:nvSpPr>
+        <p:spPr/>
+        <p:txBody>
+          <a:bodyPr/>
+          <a:lstStyle/>
+          <a:p>
+            <a:r>
+              <a:rPr lang="en-US" dirty="0"/>
+              <a:t>Java Map&lt;Integer, String&gt;</a:t>
+            </a:r>
+          </a:p>
+        </p:txBody>
+      </p:sp>
+      <p:pic>
+        <p:nvPicPr>
+          <p:cNvPr id="7" name="Content Placeholder 6" descr="A screen shot of the Java Map class.">
+            <a:extLst>
+              <a:ext uri="{FF2B5EF4-FFF2-40B4-BE49-F238E27FC236}">
+                <a16:creationId xmlns:a16="http://schemas.microsoft.com/office/drawing/2014/main" id="{3E13620C-F5B1-1FF7-0810-B43314B57AC5}"/>
+              </a:ext>
+            </a:extLst>
+          </p:cNvPr>
+          <p:cNvPicPr>
+            <a:picLocks noGrp="1" noChangeAspect="1"/>
+          </p:cNvPicPr>
+          <p:nvPr>
+            <p:ph idx="1"/>
+          </p:nvPr>
+        </p:nvPicPr>
+        <p:blipFill>
+          <a:blip r:embed="rId2"/>
+          <a:stretch>
+            <a:fillRect/>
+          </a:stretch>
+        </p:blipFill>
+        <p:spPr>
+          <a:xfrm>
+            <a:off x="1640508" y="1543237"/>
+            <a:ext cx="8910984" cy="4351338"/>
+          </a:xfrm>
+        </p:spPr>
+      </p:pic>
+      <p:sp>
+        <p:nvSpPr>
+          <p:cNvPr id="5" name="TextBox 4">
+            <a:extLst>
+              <a:ext uri="{FF2B5EF4-FFF2-40B4-BE49-F238E27FC236}">
+                <a16:creationId xmlns:a16="http://schemas.microsoft.com/office/drawing/2014/main" id="{7430B9AD-25B0-E6C0-A9E0-E05FB58DAFF1}"/>
               </a:ext>
             </a:extLst>
           </p:cNvPr>
@@ -3744,950 +8274,8 @@
         </p:nvSpPr>
         <p:spPr>
           <a:xfrm>
-            <a:off x="468035" y="291177"/>
-            <a:ext cx="6301725" cy="6524863"/>
-          </a:xfrm>
-          <a:prstGeom prst="rect">
-            <a:avLst/>
-          </a:prstGeom>
-          <a:noFill/>
-        </p:spPr>
-        <p:txBody>
-          <a:bodyPr wrap="none" rtlCol="0">
-            <a:spAutoFit/>
-          </a:bodyPr>
-          <a:lstStyle/>
-          <a:p>
-            <a:r>
-              <a:rPr lang="en-US" sz="1100" b="1" dirty="0">
-                <a:latin typeface="Courier New" panose="02070309020205020404" pitchFamily="49" charset="0"/>
-                <a:cs typeface="Courier New" panose="02070309020205020404" pitchFamily="49" charset="0"/>
-              </a:rPr>
-              <a:t>import </a:t>
-            </a:r>
-            <a:r>
-              <a:rPr lang="en-US" sz="1100" b="1" dirty="0" err="1">
-                <a:latin typeface="Courier New" panose="02070309020205020404" pitchFamily="49" charset="0"/>
-                <a:cs typeface="Courier New" panose="02070309020205020404" pitchFamily="49" charset="0"/>
-              </a:rPr>
-              <a:t>java.util.Map</a:t>
-            </a:r>
-            <a:r>
-              <a:rPr lang="en-US" sz="1100" b="1" dirty="0">
-                <a:latin typeface="Courier New" panose="02070309020205020404" pitchFamily="49" charset="0"/>
-                <a:cs typeface="Courier New" panose="02070309020205020404" pitchFamily="49" charset="0"/>
-              </a:rPr>
-              <a:t>;</a:t>
-            </a:r>
-          </a:p>
-          <a:p>
-            <a:r>
-              <a:rPr lang="en-US" sz="1100" b="1" dirty="0">
-                <a:latin typeface="Courier New" panose="02070309020205020404" pitchFamily="49" charset="0"/>
-                <a:cs typeface="Courier New" panose="02070309020205020404" pitchFamily="49" charset="0"/>
-              </a:rPr>
-              <a:t>import </a:t>
-            </a:r>
-            <a:r>
-              <a:rPr lang="en-US" sz="1100" b="1" dirty="0" err="1">
-                <a:latin typeface="Courier New" panose="02070309020205020404" pitchFamily="49" charset="0"/>
-                <a:cs typeface="Courier New" panose="02070309020205020404" pitchFamily="49" charset="0"/>
-              </a:rPr>
-              <a:t>java.util.TreeMap</a:t>
-            </a:r>
-            <a:r>
-              <a:rPr lang="en-US" sz="1100" b="1" dirty="0">
-                <a:latin typeface="Courier New" panose="02070309020205020404" pitchFamily="49" charset="0"/>
-                <a:cs typeface="Courier New" panose="02070309020205020404" pitchFamily="49" charset="0"/>
-              </a:rPr>
-              <a:t>;</a:t>
-            </a:r>
-          </a:p>
-          <a:p>
-            <a:endParaRPr lang="en-US" sz="1100" b="1" dirty="0">
-              <a:latin typeface="Courier New" panose="02070309020205020404" pitchFamily="49" charset="0"/>
-              <a:cs typeface="Courier New" panose="02070309020205020404" pitchFamily="49" charset="0"/>
-            </a:endParaRPr>
-          </a:p>
-          <a:p>
-            <a:r>
-              <a:rPr lang="en-US" sz="1100" b="1" dirty="0">
-                <a:latin typeface="Courier New" panose="02070309020205020404" pitchFamily="49" charset="0"/>
-                <a:cs typeface="Courier New" panose="02070309020205020404" pitchFamily="49" charset="0"/>
-              </a:rPr>
-              <a:t>public class cc_04_01 {</a:t>
-            </a:r>
-          </a:p>
-          <a:p>
-            <a:endParaRPr lang="en-US" sz="1100" b="1" dirty="0">
-              <a:latin typeface="Courier New" panose="02070309020205020404" pitchFamily="49" charset="0"/>
-              <a:cs typeface="Courier New" panose="02070309020205020404" pitchFamily="49" charset="0"/>
-            </a:endParaRPr>
-          </a:p>
-          <a:p>
-            <a:r>
-              <a:rPr lang="en-US" sz="1100" b="1" dirty="0">
-                <a:latin typeface="Courier New" panose="02070309020205020404" pitchFamily="49" charset="0"/>
-                <a:cs typeface="Courier New" panose="02070309020205020404" pitchFamily="49" charset="0"/>
-              </a:rPr>
-              <a:t>    public static void main(String[] </a:t>
-            </a:r>
-            <a:r>
-              <a:rPr lang="en-US" sz="1100" b="1" dirty="0" err="1">
-                <a:latin typeface="Courier New" panose="02070309020205020404" pitchFamily="49" charset="0"/>
-                <a:cs typeface="Courier New" panose="02070309020205020404" pitchFamily="49" charset="0"/>
-              </a:rPr>
-              <a:t>args</a:t>
-            </a:r>
-            <a:r>
-              <a:rPr lang="en-US" sz="1100" b="1" dirty="0">
-                <a:latin typeface="Courier New" panose="02070309020205020404" pitchFamily="49" charset="0"/>
-                <a:cs typeface="Courier New" panose="02070309020205020404" pitchFamily="49" charset="0"/>
-              </a:rPr>
-              <a:t>)</a:t>
-            </a:r>
-          </a:p>
-          <a:p>
-            <a:r>
-              <a:rPr lang="en-US" sz="1100" b="1" dirty="0">
-                <a:latin typeface="Courier New" panose="02070309020205020404" pitchFamily="49" charset="0"/>
-                <a:cs typeface="Courier New" panose="02070309020205020404" pitchFamily="49" charset="0"/>
-              </a:rPr>
-              <a:t>    {   </a:t>
-            </a:r>
-          </a:p>
-          <a:p>
-            <a:r>
-              <a:rPr lang="en-US" sz="1100" b="1" dirty="0">
-                <a:latin typeface="Courier New" panose="02070309020205020404" pitchFamily="49" charset="0"/>
-                <a:cs typeface="Courier New" panose="02070309020205020404" pitchFamily="49" charset="0"/>
-              </a:rPr>
-              <a:t>        Map&lt;String, Integer&gt; map = new </a:t>
-            </a:r>
-            <a:r>
-              <a:rPr lang="en-US" sz="1100" b="1" dirty="0" err="1">
-                <a:latin typeface="Courier New" panose="02070309020205020404" pitchFamily="49" charset="0"/>
-                <a:cs typeface="Courier New" panose="02070309020205020404" pitchFamily="49" charset="0"/>
-              </a:rPr>
-              <a:t>TreeMap</a:t>
-            </a:r>
-            <a:r>
-              <a:rPr lang="en-US" sz="1100" b="1" dirty="0">
-                <a:latin typeface="Courier New" panose="02070309020205020404" pitchFamily="49" charset="0"/>
-                <a:cs typeface="Courier New" panose="02070309020205020404" pitchFamily="49" charset="0"/>
-              </a:rPr>
-              <a:t>&lt;String, Integer&gt; ();</a:t>
-            </a:r>
-          </a:p>
-          <a:p>
-            <a:endParaRPr lang="en-US" sz="1100" b="1" dirty="0">
-              <a:latin typeface="Courier New" panose="02070309020205020404" pitchFamily="49" charset="0"/>
-              <a:cs typeface="Courier New" panose="02070309020205020404" pitchFamily="49" charset="0"/>
-            </a:endParaRPr>
-          </a:p>
-          <a:p>
-            <a:r>
-              <a:rPr lang="en-US" sz="1100" b="1" dirty="0">
-                <a:latin typeface="Courier New" panose="02070309020205020404" pitchFamily="49" charset="0"/>
-                <a:cs typeface="Courier New" panose="02070309020205020404" pitchFamily="49" charset="0"/>
-              </a:rPr>
-              <a:t>        </a:t>
-            </a:r>
-            <a:r>
-              <a:rPr lang="en-US" sz="1100" b="1" dirty="0" err="1">
-                <a:latin typeface="Courier New" panose="02070309020205020404" pitchFamily="49" charset="0"/>
-                <a:cs typeface="Courier New" panose="02070309020205020404" pitchFamily="49" charset="0"/>
-              </a:rPr>
-              <a:t>System.out.printf</a:t>
-            </a:r>
-            <a:r>
-              <a:rPr lang="en-US" sz="1100" b="1" dirty="0">
-                <a:latin typeface="Courier New" panose="02070309020205020404" pitchFamily="49" charset="0"/>
-                <a:cs typeface="Courier New" panose="02070309020205020404" pitchFamily="49" charset="0"/>
-              </a:rPr>
-              <a:t>("Testing Map class\n");</a:t>
-            </a:r>
-          </a:p>
-          <a:p>
-            <a:r>
-              <a:rPr lang="en-US" sz="1100" b="1" dirty="0">
-                <a:latin typeface="Courier New" panose="02070309020205020404" pitchFamily="49" charset="0"/>
-                <a:cs typeface="Courier New" panose="02070309020205020404" pitchFamily="49" charset="0"/>
-              </a:rPr>
-              <a:t>        </a:t>
-            </a:r>
-            <a:r>
-              <a:rPr lang="en-US" sz="1100" b="1" dirty="0" err="1">
-                <a:latin typeface="Courier New" panose="02070309020205020404" pitchFamily="49" charset="0"/>
-                <a:cs typeface="Courier New" panose="02070309020205020404" pitchFamily="49" charset="0"/>
-              </a:rPr>
-              <a:t>map.put</a:t>
-            </a:r>
-            <a:r>
-              <a:rPr lang="en-US" sz="1100" b="1" dirty="0">
-                <a:latin typeface="Courier New" panose="02070309020205020404" pitchFamily="49" charset="0"/>
-                <a:cs typeface="Courier New" panose="02070309020205020404" pitchFamily="49" charset="0"/>
-              </a:rPr>
-              <a:t>("z", 8);</a:t>
-            </a:r>
-          </a:p>
-          <a:p>
-            <a:r>
-              <a:rPr lang="en-US" sz="1100" b="1" dirty="0">
-                <a:latin typeface="Courier New" panose="02070309020205020404" pitchFamily="49" charset="0"/>
-                <a:cs typeface="Courier New" panose="02070309020205020404" pitchFamily="49" charset="0"/>
-              </a:rPr>
-              <a:t>        </a:t>
-            </a:r>
-            <a:r>
-              <a:rPr lang="en-US" sz="1100" b="1" dirty="0" err="1">
-                <a:latin typeface="Courier New" panose="02070309020205020404" pitchFamily="49" charset="0"/>
-                <a:cs typeface="Courier New" panose="02070309020205020404" pitchFamily="49" charset="0"/>
-              </a:rPr>
-              <a:t>map.put</a:t>
-            </a:r>
-            <a:r>
-              <a:rPr lang="en-US" sz="1100" b="1" dirty="0">
-                <a:latin typeface="Courier New" panose="02070309020205020404" pitchFamily="49" charset="0"/>
-                <a:cs typeface="Courier New" panose="02070309020205020404" pitchFamily="49" charset="0"/>
-              </a:rPr>
-              <a:t>("z", 1);</a:t>
-            </a:r>
-          </a:p>
-          <a:p>
-            <a:r>
-              <a:rPr lang="en-US" sz="1100" b="1" dirty="0">
-                <a:latin typeface="Courier New" panose="02070309020205020404" pitchFamily="49" charset="0"/>
-                <a:cs typeface="Courier New" panose="02070309020205020404" pitchFamily="49" charset="0"/>
-              </a:rPr>
-              <a:t>        </a:t>
-            </a:r>
-            <a:r>
-              <a:rPr lang="en-US" sz="1100" b="1" dirty="0" err="1">
-                <a:latin typeface="Courier New" panose="02070309020205020404" pitchFamily="49" charset="0"/>
-                <a:cs typeface="Courier New" panose="02070309020205020404" pitchFamily="49" charset="0"/>
-              </a:rPr>
-              <a:t>map.put</a:t>
-            </a:r>
-            <a:r>
-              <a:rPr lang="en-US" sz="1100" b="1" dirty="0">
-                <a:latin typeface="Courier New" panose="02070309020205020404" pitchFamily="49" charset="0"/>
-                <a:cs typeface="Courier New" panose="02070309020205020404" pitchFamily="49" charset="0"/>
-              </a:rPr>
-              <a:t>("y", 2);</a:t>
-            </a:r>
-          </a:p>
-          <a:p>
-            <a:r>
-              <a:rPr lang="en-US" sz="1100" b="1" dirty="0">
-                <a:latin typeface="Courier New" panose="02070309020205020404" pitchFamily="49" charset="0"/>
-                <a:cs typeface="Courier New" panose="02070309020205020404" pitchFamily="49" charset="0"/>
-              </a:rPr>
-              <a:t>        </a:t>
-            </a:r>
-            <a:r>
-              <a:rPr lang="en-US" sz="1100" b="1" dirty="0" err="1">
-                <a:latin typeface="Courier New" panose="02070309020205020404" pitchFamily="49" charset="0"/>
-                <a:cs typeface="Courier New" panose="02070309020205020404" pitchFamily="49" charset="0"/>
-              </a:rPr>
-              <a:t>map.put</a:t>
-            </a:r>
-            <a:r>
-              <a:rPr lang="en-US" sz="1100" b="1" dirty="0">
-                <a:latin typeface="Courier New" panose="02070309020205020404" pitchFamily="49" charset="0"/>
-                <a:cs typeface="Courier New" panose="02070309020205020404" pitchFamily="49" charset="0"/>
-              </a:rPr>
-              <a:t>("b", 3);</a:t>
-            </a:r>
-          </a:p>
-          <a:p>
-            <a:r>
-              <a:rPr lang="en-US" sz="1100" b="1" dirty="0">
-                <a:latin typeface="Courier New" panose="02070309020205020404" pitchFamily="49" charset="0"/>
-                <a:cs typeface="Courier New" panose="02070309020205020404" pitchFamily="49" charset="0"/>
-              </a:rPr>
-              <a:t>        </a:t>
-            </a:r>
-            <a:r>
-              <a:rPr lang="en-US" sz="1100" b="1" dirty="0" err="1">
-                <a:latin typeface="Courier New" panose="02070309020205020404" pitchFamily="49" charset="0"/>
-                <a:cs typeface="Courier New" panose="02070309020205020404" pitchFamily="49" charset="0"/>
-              </a:rPr>
-              <a:t>map.put</a:t>
-            </a:r>
-            <a:r>
-              <a:rPr lang="en-US" sz="1100" b="1" dirty="0">
-                <a:latin typeface="Courier New" panose="02070309020205020404" pitchFamily="49" charset="0"/>
-                <a:cs typeface="Courier New" panose="02070309020205020404" pitchFamily="49" charset="0"/>
-              </a:rPr>
-              <a:t>("a", 4);</a:t>
-            </a:r>
-          </a:p>
-          <a:p>
-            <a:r>
-              <a:rPr lang="en-US" sz="1100" b="1" dirty="0">
-                <a:latin typeface="Courier New" panose="02070309020205020404" pitchFamily="49" charset="0"/>
-                <a:cs typeface="Courier New" panose="02070309020205020404" pitchFamily="49" charset="0"/>
-              </a:rPr>
-              <a:t>        </a:t>
-            </a:r>
-            <a:r>
-              <a:rPr lang="en-US" sz="1100" b="1" dirty="0" err="1">
-                <a:latin typeface="Courier New" panose="02070309020205020404" pitchFamily="49" charset="0"/>
-                <a:cs typeface="Courier New" panose="02070309020205020404" pitchFamily="49" charset="0"/>
-              </a:rPr>
-              <a:t>System.out.println</a:t>
-            </a:r>
-            <a:r>
-              <a:rPr lang="en-US" sz="1100" b="1" dirty="0">
-                <a:latin typeface="Courier New" panose="02070309020205020404" pitchFamily="49" charset="0"/>
-                <a:cs typeface="Courier New" panose="02070309020205020404" pitchFamily="49" charset="0"/>
-              </a:rPr>
-              <a:t>(map);</a:t>
-            </a:r>
-          </a:p>
-          <a:p>
-            <a:endParaRPr lang="en-US" sz="1100" b="1" dirty="0">
-              <a:latin typeface="Courier New" panose="02070309020205020404" pitchFamily="49" charset="0"/>
-              <a:cs typeface="Courier New" panose="02070309020205020404" pitchFamily="49" charset="0"/>
-            </a:endParaRPr>
-          </a:p>
-          <a:p>
-            <a:r>
-              <a:rPr lang="en-US" sz="1100" b="1" dirty="0">
-                <a:latin typeface="Courier New" panose="02070309020205020404" pitchFamily="49" charset="0"/>
-                <a:cs typeface="Courier New" panose="02070309020205020404" pitchFamily="49" charset="0"/>
-              </a:rPr>
-              <a:t>        </a:t>
-            </a:r>
-            <a:r>
-              <a:rPr lang="en-US" sz="1100" b="1" dirty="0" err="1">
-                <a:latin typeface="Courier New" panose="02070309020205020404" pitchFamily="49" charset="0"/>
-                <a:cs typeface="Courier New" panose="02070309020205020404" pitchFamily="49" charset="0"/>
-              </a:rPr>
-              <a:t>System.out.println</a:t>
-            </a:r>
-            <a:r>
-              <a:rPr lang="en-US" sz="1100" b="1" dirty="0">
-                <a:latin typeface="Courier New" panose="02070309020205020404" pitchFamily="49" charset="0"/>
-                <a:cs typeface="Courier New" panose="02070309020205020404" pitchFamily="49" charset="0"/>
-              </a:rPr>
-              <a:t>("z="+</a:t>
-            </a:r>
-            <a:r>
-              <a:rPr lang="en-US" sz="1100" b="1" dirty="0" err="1">
-                <a:latin typeface="Courier New" panose="02070309020205020404" pitchFamily="49" charset="0"/>
-                <a:cs typeface="Courier New" panose="02070309020205020404" pitchFamily="49" charset="0"/>
-              </a:rPr>
-              <a:t>map.getOrDefault</a:t>
-            </a:r>
-            <a:r>
-              <a:rPr lang="en-US" sz="1100" b="1" dirty="0">
-                <a:latin typeface="Courier New" panose="02070309020205020404" pitchFamily="49" charset="0"/>
-                <a:cs typeface="Courier New" panose="02070309020205020404" pitchFamily="49" charset="0"/>
-              </a:rPr>
-              <a:t>("z", 42));</a:t>
-            </a:r>
-          </a:p>
-          <a:p>
-            <a:r>
-              <a:rPr lang="en-US" sz="1100" b="1" dirty="0">
-                <a:latin typeface="Courier New" panose="02070309020205020404" pitchFamily="49" charset="0"/>
-                <a:cs typeface="Courier New" panose="02070309020205020404" pitchFamily="49" charset="0"/>
-              </a:rPr>
-              <a:t>        </a:t>
-            </a:r>
-            <a:r>
-              <a:rPr lang="en-US" sz="1100" b="1" dirty="0" err="1">
-                <a:latin typeface="Courier New" panose="02070309020205020404" pitchFamily="49" charset="0"/>
-                <a:cs typeface="Courier New" panose="02070309020205020404" pitchFamily="49" charset="0"/>
-              </a:rPr>
-              <a:t>System.out.println</a:t>
-            </a:r>
-            <a:r>
-              <a:rPr lang="en-US" sz="1100" b="1" dirty="0">
-                <a:latin typeface="Courier New" panose="02070309020205020404" pitchFamily="49" charset="0"/>
-                <a:cs typeface="Courier New" panose="02070309020205020404" pitchFamily="49" charset="0"/>
-              </a:rPr>
-              <a:t>("x="+</a:t>
-            </a:r>
-            <a:r>
-              <a:rPr lang="en-US" sz="1100" b="1" dirty="0" err="1">
-                <a:latin typeface="Courier New" panose="02070309020205020404" pitchFamily="49" charset="0"/>
-                <a:cs typeface="Courier New" panose="02070309020205020404" pitchFamily="49" charset="0"/>
-              </a:rPr>
-              <a:t>map.getOrDefault</a:t>
-            </a:r>
-            <a:r>
-              <a:rPr lang="en-US" sz="1100" b="1" dirty="0">
-                <a:latin typeface="Courier New" panose="02070309020205020404" pitchFamily="49" charset="0"/>
-                <a:cs typeface="Courier New" panose="02070309020205020404" pitchFamily="49" charset="0"/>
-              </a:rPr>
-              <a:t>("x", 42));</a:t>
-            </a:r>
-          </a:p>
-          <a:p>
-            <a:endParaRPr lang="en-US" sz="1100" b="1" dirty="0">
-              <a:latin typeface="Courier New" panose="02070309020205020404" pitchFamily="49" charset="0"/>
-              <a:cs typeface="Courier New" panose="02070309020205020404" pitchFamily="49" charset="0"/>
-            </a:endParaRPr>
-          </a:p>
-          <a:p>
-            <a:r>
-              <a:rPr lang="en-US" sz="1100" b="1" dirty="0">
-                <a:latin typeface="Courier New" panose="02070309020205020404" pitchFamily="49" charset="0"/>
-                <a:cs typeface="Courier New" panose="02070309020205020404" pitchFamily="49" charset="0"/>
-              </a:rPr>
-              <a:t>        </a:t>
-            </a:r>
-            <a:r>
-              <a:rPr lang="en-US" sz="1100" b="1" dirty="0" err="1">
-                <a:latin typeface="Courier New" panose="02070309020205020404" pitchFamily="49" charset="0"/>
-                <a:cs typeface="Courier New" panose="02070309020205020404" pitchFamily="49" charset="0"/>
-              </a:rPr>
-              <a:t>System.out.printf</a:t>
-            </a:r>
-            <a:r>
-              <a:rPr lang="en-US" sz="1100" b="1" dirty="0">
-                <a:latin typeface="Courier New" panose="02070309020205020404" pitchFamily="49" charset="0"/>
-                <a:cs typeface="Courier New" panose="02070309020205020404" pitchFamily="49" charset="0"/>
-              </a:rPr>
-              <a:t>("\</a:t>
-            </a:r>
-            <a:r>
-              <a:rPr lang="en-US" sz="1100" b="1" dirty="0" err="1">
-                <a:latin typeface="Courier New" panose="02070309020205020404" pitchFamily="49" charset="0"/>
-                <a:cs typeface="Courier New" panose="02070309020205020404" pitchFamily="49" charset="0"/>
-              </a:rPr>
-              <a:t>nIterate</a:t>
-            </a:r>
-            <a:r>
-              <a:rPr lang="en-US" sz="1100" b="1" dirty="0">
-                <a:latin typeface="Courier New" panose="02070309020205020404" pitchFamily="49" charset="0"/>
-                <a:cs typeface="Courier New" panose="02070309020205020404" pitchFamily="49" charset="0"/>
-              </a:rPr>
-              <a:t> forwards\n");</a:t>
-            </a:r>
-          </a:p>
-          <a:p>
-            <a:r>
-              <a:rPr lang="en-US" sz="1100" b="1" dirty="0">
-                <a:latin typeface="Courier New" panose="02070309020205020404" pitchFamily="49" charset="0"/>
-                <a:cs typeface="Courier New" panose="02070309020205020404" pitchFamily="49" charset="0"/>
-              </a:rPr>
-              <a:t>        for (</a:t>
-            </a:r>
-            <a:r>
-              <a:rPr lang="en-US" sz="1100" b="1" dirty="0" err="1">
-                <a:latin typeface="Courier New" panose="02070309020205020404" pitchFamily="49" charset="0"/>
-                <a:cs typeface="Courier New" panose="02070309020205020404" pitchFamily="49" charset="0"/>
-              </a:rPr>
-              <a:t>Map.Entry</a:t>
-            </a:r>
-            <a:r>
-              <a:rPr lang="en-US" sz="1100" b="1" dirty="0">
-                <a:latin typeface="Courier New" panose="02070309020205020404" pitchFamily="49" charset="0"/>
-                <a:cs typeface="Courier New" panose="02070309020205020404" pitchFamily="49" charset="0"/>
-              </a:rPr>
-              <a:t>&lt;</a:t>
-            </a:r>
-            <a:r>
-              <a:rPr lang="en-US" sz="1100" b="1" dirty="0" err="1">
-                <a:latin typeface="Courier New" panose="02070309020205020404" pitchFamily="49" charset="0"/>
-                <a:cs typeface="Courier New" panose="02070309020205020404" pitchFamily="49" charset="0"/>
-              </a:rPr>
-              <a:t>String,Integer</a:t>
-            </a:r>
-            <a:r>
-              <a:rPr lang="en-US" sz="1100" b="1" dirty="0">
-                <a:latin typeface="Courier New" panose="02070309020205020404" pitchFamily="49" charset="0"/>
-                <a:cs typeface="Courier New" panose="02070309020205020404" pitchFamily="49" charset="0"/>
-              </a:rPr>
-              <a:t>&gt; entry : </a:t>
-            </a:r>
-            <a:r>
-              <a:rPr lang="en-US" sz="1100" b="1" dirty="0" err="1">
-                <a:latin typeface="Courier New" panose="02070309020205020404" pitchFamily="49" charset="0"/>
-                <a:cs typeface="Courier New" panose="02070309020205020404" pitchFamily="49" charset="0"/>
-              </a:rPr>
-              <a:t>map.entrySet</a:t>
-            </a:r>
-            <a:r>
-              <a:rPr lang="en-US" sz="1100" b="1" dirty="0">
-                <a:latin typeface="Courier New" panose="02070309020205020404" pitchFamily="49" charset="0"/>
-                <a:cs typeface="Courier New" panose="02070309020205020404" pitchFamily="49" charset="0"/>
-              </a:rPr>
-              <a:t>()) {</a:t>
-            </a:r>
-          </a:p>
-          <a:p>
-            <a:r>
-              <a:rPr lang="en-US" sz="1100" b="1" dirty="0">
-                <a:latin typeface="Courier New" panose="02070309020205020404" pitchFamily="49" charset="0"/>
-                <a:cs typeface="Courier New" panose="02070309020205020404" pitchFamily="49" charset="0"/>
-              </a:rPr>
-              <a:t>                </a:t>
-            </a:r>
-            <a:r>
-              <a:rPr lang="en-US" sz="1100" b="1" dirty="0" err="1">
-                <a:latin typeface="Courier New" panose="02070309020205020404" pitchFamily="49" charset="0"/>
-                <a:cs typeface="Courier New" panose="02070309020205020404" pitchFamily="49" charset="0"/>
-              </a:rPr>
-              <a:t>System.out.println</a:t>
-            </a:r>
-            <a:r>
-              <a:rPr lang="en-US" sz="1100" b="1" dirty="0">
-                <a:latin typeface="Courier New" panose="02070309020205020404" pitchFamily="49" charset="0"/>
-                <a:cs typeface="Courier New" panose="02070309020205020404" pitchFamily="49" charset="0"/>
-              </a:rPr>
-              <a:t>("Key = " + </a:t>
-            </a:r>
-            <a:r>
-              <a:rPr lang="en-US" sz="1100" b="1" dirty="0" err="1">
-                <a:latin typeface="Courier New" panose="02070309020205020404" pitchFamily="49" charset="0"/>
-                <a:cs typeface="Courier New" panose="02070309020205020404" pitchFamily="49" charset="0"/>
-              </a:rPr>
-              <a:t>entry.getKey</a:t>
-            </a:r>
-            <a:r>
-              <a:rPr lang="en-US" sz="1100" b="1" dirty="0">
-                <a:latin typeface="Courier New" panose="02070309020205020404" pitchFamily="49" charset="0"/>
-                <a:cs typeface="Courier New" panose="02070309020205020404" pitchFamily="49" charset="0"/>
-              </a:rPr>
-              <a:t>() + ", </a:t>
-            </a:r>
-          </a:p>
-          <a:p>
-            <a:r>
-              <a:rPr lang="en-US" sz="1100" b="1" dirty="0">
-                <a:latin typeface="Courier New" panose="02070309020205020404" pitchFamily="49" charset="0"/>
-                <a:cs typeface="Courier New" panose="02070309020205020404" pitchFamily="49" charset="0"/>
-              </a:rPr>
-              <a:t>                     Value = " + </a:t>
-            </a:r>
-            <a:r>
-              <a:rPr lang="en-US" sz="1100" b="1" dirty="0" err="1">
-                <a:latin typeface="Courier New" panose="02070309020205020404" pitchFamily="49" charset="0"/>
-                <a:cs typeface="Courier New" panose="02070309020205020404" pitchFamily="49" charset="0"/>
-              </a:rPr>
-              <a:t>entry.getValue</a:t>
-            </a:r>
-            <a:r>
-              <a:rPr lang="en-US" sz="1100" b="1" dirty="0">
-                <a:latin typeface="Courier New" panose="02070309020205020404" pitchFamily="49" charset="0"/>
-                <a:cs typeface="Courier New" panose="02070309020205020404" pitchFamily="49" charset="0"/>
-              </a:rPr>
-              <a:t>());</a:t>
-            </a:r>
-          </a:p>
-          <a:p>
-            <a:r>
-              <a:rPr lang="en-US" sz="1100" b="1" dirty="0">
-                <a:latin typeface="Courier New" panose="02070309020205020404" pitchFamily="49" charset="0"/>
-                <a:cs typeface="Courier New" panose="02070309020205020404" pitchFamily="49" charset="0"/>
-              </a:rPr>
-              <a:t>        }</a:t>
-            </a:r>
-          </a:p>
-          <a:p>
-            <a:endParaRPr lang="en-US" sz="1100" b="1" dirty="0">
-              <a:latin typeface="Courier New" panose="02070309020205020404" pitchFamily="49" charset="0"/>
-              <a:cs typeface="Courier New" panose="02070309020205020404" pitchFamily="49" charset="0"/>
-            </a:endParaRPr>
-          </a:p>
-          <a:p>
-            <a:r>
-              <a:rPr lang="en-US" sz="1100" b="1" dirty="0">
-                <a:latin typeface="Courier New" panose="02070309020205020404" pitchFamily="49" charset="0"/>
-                <a:cs typeface="Courier New" panose="02070309020205020404" pitchFamily="49" charset="0"/>
-              </a:rPr>
-              <a:t>        Integer max = null;</a:t>
-            </a:r>
-          </a:p>
-          <a:p>
-            <a:r>
-              <a:rPr lang="en-US" sz="1100" b="1" dirty="0">
-                <a:latin typeface="Courier New" panose="02070309020205020404" pitchFamily="49" charset="0"/>
-                <a:cs typeface="Courier New" panose="02070309020205020404" pitchFamily="49" charset="0"/>
-              </a:rPr>
-              <a:t>        String </a:t>
-            </a:r>
-            <a:r>
-              <a:rPr lang="en-US" sz="1100" b="1" dirty="0" err="1">
-                <a:latin typeface="Courier New" panose="02070309020205020404" pitchFamily="49" charset="0"/>
-                <a:cs typeface="Courier New" panose="02070309020205020404" pitchFamily="49" charset="0"/>
-              </a:rPr>
-              <a:t>max_key</a:t>
-            </a:r>
-            <a:r>
-              <a:rPr lang="en-US" sz="1100" b="1" dirty="0">
-                <a:latin typeface="Courier New" panose="02070309020205020404" pitchFamily="49" charset="0"/>
-                <a:cs typeface="Courier New" panose="02070309020205020404" pitchFamily="49" charset="0"/>
-              </a:rPr>
-              <a:t> = null;</a:t>
-            </a:r>
-          </a:p>
-          <a:p>
-            <a:r>
-              <a:rPr lang="en-US" sz="1100" b="1" dirty="0">
-                <a:latin typeface="Courier New" panose="02070309020205020404" pitchFamily="49" charset="0"/>
-                <a:cs typeface="Courier New" panose="02070309020205020404" pitchFamily="49" charset="0"/>
-              </a:rPr>
-              <a:t>        for (</a:t>
-            </a:r>
-            <a:r>
-              <a:rPr lang="en-US" sz="1100" b="1" dirty="0" err="1">
-                <a:latin typeface="Courier New" panose="02070309020205020404" pitchFamily="49" charset="0"/>
-                <a:cs typeface="Courier New" panose="02070309020205020404" pitchFamily="49" charset="0"/>
-              </a:rPr>
-              <a:t>Map.Entry</a:t>
-            </a:r>
-            <a:r>
-              <a:rPr lang="en-US" sz="1100" b="1" dirty="0">
-                <a:latin typeface="Courier New" panose="02070309020205020404" pitchFamily="49" charset="0"/>
-                <a:cs typeface="Courier New" panose="02070309020205020404" pitchFamily="49" charset="0"/>
-              </a:rPr>
-              <a:t>&lt;</a:t>
-            </a:r>
-            <a:r>
-              <a:rPr lang="en-US" sz="1100" b="1" dirty="0" err="1">
-                <a:latin typeface="Courier New" panose="02070309020205020404" pitchFamily="49" charset="0"/>
-                <a:cs typeface="Courier New" panose="02070309020205020404" pitchFamily="49" charset="0"/>
-              </a:rPr>
-              <a:t>String,Integer</a:t>
-            </a:r>
-            <a:r>
-              <a:rPr lang="en-US" sz="1100" b="1" dirty="0">
-                <a:latin typeface="Courier New" panose="02070309020205020404" pitchFamily="49" charset="0"/>
-                <a:cs typeface="Courier New" panose="02070309020205020404" pitchFamily="49" charset="0"/>
-              </a:rPr>
-              <a:t>&gt; entry : </a:t>
-            </a:r>
-            <a:r>
-              <a:rPr lang="en-US" sz="1100" b="1" dirty="0" err="1">
-                <a:latin typeface="Courier New" panose="02070309020205020404" pitchFamily="49" charset="0"/>
-                <a:cs typeface="Courier New" panose="02070309020205020404" pitchFamily="49" charset="0"/>
-              </a:rPr>
-              <a:t>map.entrySet</a:t>
-            </a:r>
-            <a:r>
-              <a:rPr lang="en-US" sz="1100" b="1" dirty="0">
-                <a:latin typeface="Courier New" panose="02070309020205020404" pitchFamily="49" charset="0"/>
-                <a:cs typeface="Courier New" panose="02070309020205020404" pitchFamily="49" charset="0"/>
-              </a:rPr>
-              <a:t>()) {</a:t>
-            </a:r>
-          </a:p>
-          <a:p>
-            <a:r>
-              <a:rPr lang="en-US" sz="1100" b="1" dirty="0">
-                <a:latin typeface="Courier New" panose="02070309020205020404" pitchFamily="49" charset="0"/>
-                <a:cs typeface="Courier New" panose="02070309020205020404" pitchFamily="49" charset="0"/>
-              </a:rPr>
-              <a:t>                if ( max == null || </a:t>
-            </a:r>
-            <a:r>
-              <a:rPr lang="en-US" sz="1100" b="1" dirty="0" err="1">
-                <a:latin typeface="Courier New" panose="02070309020205020404" pitchFamily="49" charset="0"/>
-                <a:cs typeface="Courier New" panose="02070309020205020404" pitchFamily="49" charset="0"/>
-              </a:rPr>
-              <a:t>entry.getValue</a:t>
-            </a:r>
-            <a:r>
-              <a:rPr lang="en-US" sz="1100" b="1" dirty="0">
-                <a:latin typeface="Courier New" panose="02070309020205020404" pitchFamily="49" charset="0"/>
-                <a:cs typeface="Courier New" panose="02070309020205020404" pitchFamily="49" charset="0"/>
-              </a:rPr>
-              <a:t>() &gt; max ) {</a:t>
-            </a:r>
-          </a:p>
-          <a:p>
-            <a:r>
-              <a:rPr lang="en-US" sz="1100" b="1" dirty="0">
-                <a:latin typeface="Courier New" panose="02070309020205020404" pitchFamily="49" charset="0"/>
-                <a:cs typeface="Courier New" panose="02070309020205020404" pitchFamily="49" charset="0"/>
-              </a:rPr>
-              <a:t>                    max = </a:t>
-            </a:r>
-            <a:r>
-              <a:rPr lang="en-US" sz="1100" b="1" dirty="0" err="1">
-                <a:latin typeface="Courier New" panose="02070309020205020404" pitchFamily="49" charset="0"/>
-                <a:cs typeface="Courier New" panose="02070309020205020404" pitchFamily="49" charset="0"/>
-              </a:rPr>
-              <a:t>entry.getValue</a:t>
-            </a:r>
-            <a:r>
-              <a:rPr lang="en-US" sz="1100" b="1" dirty="0">
-                <a:latin typeface="Courier New" panose="02070309020205020404" pitchFamily="49" charset="0"/>
-                <a:cs typeface="Courier New" panose="02070309020205020404" pitchFamily="49" charset="0"/>
-              </a:rPr>
-              <a:t>();</a:t>
-            </a:r>
-          </a:p>
-          <a:p>
-            <a:r>
-              <a:rPr lang="en-US" sz="1100" b="1" dirty="0">
-                <a:latin typeface="Courier New" panose="02070309020205020404" pitchFamily="49" charset="0"/>
-                <a:cs typeface="Courier New" panose="02070309020205020404" pitchFamily="49" charset="0"/>
-              </a:rPr>
-              <a:t>                    </a:t>
-            </a:r>
-            <a:r>
-              <a:rPr lang="en-US" sz="1100" b="1" dirty="0" err="1">
-                <a:latin typeface="Courier New" panose="02070309020205020404" pitchFamily="49" charset="0"/>
-                <a:cs typeface="Courier New" panose="02070309020205020404" pitchFamily="49" charset="0"/>
-              </a:rPr>
-              <a:t>max_key</a:t>
-            </a:r>
-            <a:r>
-              <a:rPr lang="en-US" sz="1100" b="1" dirty="0">
-                <a:latin typeface="Courier New" panose="02070309020205020404" pitchFamily="49" charset="0"/>
-                <a:cs typeface="Courier New" panose="02070309020205020404" pitchFamily="49" charset="0"/>
-              </a:rPr>
-              <a:t> = </a:t>
-            </a:r>
-            <a:r>
-              <a:rPr lang="en-US" sz="1100" b="1" dirty="0" err="1">
-                <a:latin typeface="Courier New" panose="02070309020205020404" pitchFamily="49" charset="0"/>
-                <a:cs typeface="Courier New" panose="02070309020205020404" pitchFamily="49" charset="0"/>
-              </a:rPr>
-              <a:t>entry.getKey</a:t>
-            </a:r>
-            <a:r>
-              <a:rPr lang="en-US" sz="1100" b="1" dirty="0">
-                <a:latin typeface="Courier New" panose="02070309020205020404" pitchFamily="49" charset="0"/>
-                <a:cs typeface="Courier New" panose="02070309020205020404" pitchFamily="49" charset="0"/>
-              </a:rPr>
-              <a:t>();</a:t>
-            </a:r>
-          </a:p>
-          <a:p>
-            <a:r>
-              <a:rPr lang="en-US" sz="1100" b="1" dirty="0">
-                <a:latin typeface="Courier New" panose="02070309020205020404" pitchFamily="49" charset="0"/>
-                <a:cs typeface="Courier New" panose="02070309020205020404" pitchFamily="49" charset="0"/>
-              </a:rPr>
-              <a:t>                }</a:t>
-            </a:r>
-          </a:p>
-          <a:p>
-            <a:r>
-              <a:rPr lang="en-US" sz="1100" b="1" dirty="0">
-                <a:latin typeface="Courier New" panose="02070309020205020404" pitchFamily="49" charset="0"/>
-                <a:cs typeface="Courier New" panose="02070309020205020404" pitchFamily="49" charset="0"/>
-              </a:rPr>
-              <a:t>        }</a:t>
-            </a:r>
-          </a:p>
-          <a:p>
-            <a:endParaRPr lang="en-US" sz="1100" b="1" dirty="0">
-              <a:latin typeface="Courier New" panose="02070309020205020404" pitchFamily="49" charset="0"/>
-              <a:cs typeface="Courier New" panose="02070309020205020404" pitchFamily="49" charset="0"/>
-            </a:endParaRPr>
-          </a:p>
-          <a:p>
-            <a:r>
-              <a:rPr lang="en-US" sz="1100" b="1" dirty="0">
-                <a:latin typeface="Courier New" panose="02070309020205020404" pitchFamily="49" charset="0"/>
-                <a:cs typeface="Courier New" panose="02070309020205020404" pitchFamily="49" charset="0"/>
-              </a:rPr>
-              <a:t>        </a:t>
-            </a:r>
-            <a:r>
-              <a:rPr lang="en-US" sz="1100" b="1" dirty="0" err="1">
-                <a:latin typeface="Courier New" panose="02070309020205020404" pitchFamily="49" charset="0"/>
-                <a:cs typeface="Courier New" panose="02070309020205020404" pitchFamily="49" charset="0"/>
-              </a:rPr>
-              <a:t>System.out.printf</a:t>
-            </a:r>
-            <a:r>
-              <a:rPr lang="en-US" sz="1100" b="1" dirty="0">
-                <a:latin typeface="Courier New" panose="02070309020205020404" pitchFamily="49" charset="0"/>
-                <a:cs typeface="Courier New" panose="02070309020205020404" pitchFamily="49" charset="0"/>
-              </a:rPr>
-              <a:t>("The largest value is %s=%d\n", </a:t>
-            </a:r>
-            <a:r>
-              <a:rPr lang="en-US" sz="1100" b="1" dirty="0" err="1">
-                <a:latin typeface="Courier New" panose="02070309020205020404" pitchFamily="49" charset="0"/>
-                <a:cs typeface="Courier New" panose="02070309020205020404" pitchFamily="49" charset="0"/>
-              </a:rPr>
-              <a:t>max_key</a:t>
-            </a:r>
-            <a:r>
-              <a:rPr lang="en-US" sz="1100" b="1" dirty="0">
-                <a:latin typeface="Courier New" panose="02070309020205020404" pitchFamily="49" charset="0"/>
-                <a:cs typeface="Courier New" panose="02070309020205020404" pitchFamily="49" charset="0"/>
-              </a:rPr>
-              <a:t>, max);</a:t>
-            </a:r>
-          </a:p>
-          <a:p>
-            <a:r>
-              <a:rPr lang="en-US" sz="1100" b="1" dirty="0">
-                <a:latin typeface="Courier New" panose="02070309020205020404" pitchFamily="49" charset="0"/>
-                <a:cs typeface="Courier New" panose="02070309020205020404" pitchFamily="49" charset="0"/>
-              </a:rPr>
-              <a:t>    }</a:t>
-            </a:r>
-          </a:p>
-          <a:p>
-            <a:r>
-              <a:rPr lang="en-US" sz="1100" b="1" dirty="0">
-                <a:latin typeface="Courier New" panose="02070309020205020404" pitchFamily="49" charset="0"/>
-                <a:cs typeface="Courier New" panose="02070309020205020404" pitchFamily="49" charset="0"/>
-              </a:rPr>
-              <a:t>}</a:t>
-            </a:r>
-          </a:p>
-        </p:txBody>
-      </p:sp>
-      <p:sp>
-        <p:nvSpPr>
-          <p:cNvPr id="5" name="TextBox 4">
-            <a:extLst>
-              <a:ext uri="{FF2B5EF4-FFF2-40B4-BE49-F238E27FC236}">
-                <a16:creationId xmlns:a16="http://schemas.microsoft.com/office/drawing/2014/main" id="{0A1F66FC-D917-3925-AED2-B0917D657EE9}"/>
-              </a:ext>
-            </a:extLst>
-          </p:cNvPr>
-          <p:cNvSpPr txBox="1"/>
-          <p:nvPr/>
-        </p:nvSpPr>
-        <p:spPr>
-          <a:xfrm>
-            <a:off x="7658664" y="628233"/>
-            <a:ext cx="3147015" cy="2800767"/>
-          </a:xfrm>
-          <a:prstGeom prst="rect">
-            <a:avLst/>
-          </a:prstGeom>
-          <a:noFill/>
-          <a:ln w="28575">
-            <a:solidFill>
-              <a:schemeClr val="accent1"/>
-            </a:solidFill>
-          </a:ln>
-        </p:spPr>
-        <p:txBody>
-          <a:bodyPr wrap="none" rtlCol="0">
-            <a:spAutoFit/>
-          </a:bodyPr>
-          <a:lstStyle/>
-          <a:p>
-            <a:r>
-              <a:rPr lang="en-US" sz="1600" b="1" dirty="0">
-                <a:latin typeface="Courier New" panose="02070309020205020404" pitchFamily="49" charset="0"/>
-                <a:cs typeface="Courier New" panose="02070309020205020404" pitchFamily="49" charset="0"/>
-              </a:rPr>
-              <a:t>Testing Map class</a:t>
-            </a:r>
-          </a:p>
-          <a:p>
-            <a:r>
-              <a:rPr lang="en-US" sz="1600" b="1" dirty="0">
-                <a:latin typeface="Courier New" panose="02070309020205020404" pitchFamily="49" charset="0"/>
-                <a:cs typeface="Courier New" panose="02070309020205020404" pitchFamily="49" charset="0"/>
-              </a:rPr>
-              <a:t>{a=4, b=3, y=2, z=1}</a:t>
-            </a:r>
-          </a:p>
-          <a:p>
-            <a:r>
-              <a:rPr lang="en-US" sz="1600" b="1" dirty="0">
-                <a:latin typeface="Courier New" panose="02070309020205020404" pitchFamily="49" charset="0"/>
-                <a:cs typeface="Courier New" panose="02070309020205020404" pitchFamily="49" charset="0"/>
-              </a:rPr>
-              <a:t>z=1</a:t>
-            </a:r>
-          </a:p>
-          <a:p>
-            <a:r>
-              <a:rPr lang="en-US" sz="1600" b="1" dirty="0">
-                <a:latin typeface="Courier New" panose="02070309020205020404" pitchFamily="49" charset="0"/>
-                <a:cs typeface="Courier New" panose="02070309020205020404" pitchFamily="49" charset="0"/>
-              </a:rPr>
-              <a:t>x=42</a:t>
-            </a:r>
-          </a:p>
-          <a:p>
-            <a:endParaRPr lang="en-US" sz="1600" b="1" dirty="0">
-              <a:latin typeface="Courier New" panose="02070309020205020404" pitchFamily="49" charset="0"/>
-              <a:cs typeface="Courier New" panose="02070309020205020404" pitchFamily="49" charset="0"/>
-            </a:endParaRPr>
-          </a:p>
-          <a:p>
-            <a:r>
-              <a:rPr lang="en-US" sz="1600" b="1" dirty="0">
-                <a:latin typeface="Courier New" panose="02070309020205020404" pitchFamily="49" charset="0"/>
-                <a:cs typeface="Courier New" panose="02070309020205020404" pitchFamily="49" charset="0"/>
-              </a:rPr>
-              <a:t>Iterate forwards</a:t>
-            </a:r>
-          </a:p>
-          <a:p>
-            <a:r>
-              <a:rPr lang="en-US" sz="1600" b="1" dirty="0">
-                <a:latin typeface="Courier New" panose="02070309020205020404" pitchFamily="49" charset="0"/>
-                <a:cs typeface="Courier New" panose="02070309020205020404" pitchFamily="49" charset="0"/>
-              </a:rPr>
-              <a:t>Key = a, Value = 4</a:t>
-            </a:r>
-          </a:p>
-          <a:p>
-            <a:r>
-              <a:rPr lang="en-US" sz="1600" b="1" dirty="0">
-                <a:latin typeface="Courier New" panose="02070309020205020404" pitchFamily="49" charset="0"/>
-                <a:cs typeface="Courier New" panose="02070309020205020404" pitchFamily="49" charset="0"/>
-              </a:rPr>
-              <a:t>Key = b, Value = 3</a:t>
-            </a:r>
-          </a:p>
-          <a:p>
-            <a:r>
-              <a:rPr lang="en-US" sz="1600" b="1" dirty="0">
-                <a:latin typeface="Courier New" panose="02070309020205020404" pitchFamily="49" charset="0"/>
-                <a:cs typeface="Courier New" panose="02070309020205020404" pitchFamily="49" charset="0"/>
-              </a:rPr>
-              <a:t>Key = y, Value = 2</a:t>
-            </a:r>
-          </a:p>
-          <a:p>
-            <a:r>
-              <a:rPr lang="en-US" sz="1600" b="1" dirty="0">
-                <a:latin typeface="Courier New" panose="02070309020205020404" pitchFamily="49" charset="0"/>
-                <a:cs typeface="Courier New" panose="02070309020205020404" pitchFamily="49" charset="0"/>
-              </a:rPr>
-              <a:t>Key = z, Value = 1</a:t>
-            </a:r>
-          </a:p>
-          <a:p>
-            <a:r>
-              <a:rPr lang="en-US" sz="1600" b="1" dirty="0">
-                <a:latin typeface="Courier New" panose="02070309020205020404" pitchFamily="49" charset="0"/>
-                <a:cs typeface="Courier New" panose="02070309020205020404" pitchFamily="49" charset="0"/>
-              </a:rPr>
-              <a:t>The largest value is a=4</a:t>
-            </a:r>
-          </a:p>
-        </p:txBody>
-      </p:sp>
-      <p:sp>
-        <p:nvSpPr>
-          <p:cNvPr id="6" name="TextBox 5">
-            <a:extLst>
-              <a:ext uri="{FF2B5EF4-FFF2-40B4-BE49-F238E27FC236}">
-                <a16:creationId xmlns:a16="http://schemas.microsoft.com/office/drawing/2014/main" id="{6F370932-4D8E-9923-8009-A4771C8364AD}"/>
-              </a:ext>
-            </a:extLst>
-          </p:cNvPr>
-          <p:cNvSpPr txBox="1"/>
-          <p:nvPr/>
-        </p:nvSpPr>
-        <p:spPr>
-          <a:xfrm>
-            <a:off x="10463350" y="6338986"/>
-            <a:ext cx="1665696" cy="307777"/>
+            <a:off x="2905760" y="6311900"/>
+            <a:ext cx="6096000" cy="369332"/>
           </a:xfrm>
           <a:prstGeom prst="rect">
             <a:avLst/>
@@ -4701,56 +8289,45 @@
           <a:lstStyle/>
           <a:p>
             <a:r>
-              <a:rPr lang="en-US" sz="1400" b="1" dirty="0">
-                <a:solidFill>
-                  <a:srgbClr val="000000"/>
-                </a:solidFill>
-                <a:latin typeface="Menlo" panose="020B0609030804020204" pitchFamily="49" charset="0"/>
-              </a:rPr>
-              <a:t>cc_04_01.java</a:t>
-            </a:r>
-          </a:p>
-        </p:txBody>
-      </p:sp>
-      <p:sp>
-        <p:nvSpPr>
-          <p:cNvPr id="7" name="TextBox 6">
-            <a:extLst>
-              <a:ext uri="{FF2B5EF4-FFF2-40B4-BE49-F238E27FC236}">
-                <a16:creationId xmlns:a16="http://schemas.microsoft.com/office/drawing/2014/main" id="{375A7327-6709-E446-2854-C719E46D072A}"/>
-              </a:ext>
-            </a:extLst>
-          </p:cNvPr>
-          <p:cNvSpPr txBox="1"/>
-          <p:nvPr/>
-        </p:nvSpPr>
-        <p:spPr>
-          <a:xfrm>
-            <a:off x="7701342" y="3972863"/>
-            <a:ext cx="4490658" cy="1477328"/>
-          </a:xfrm>
-          <a:prstGeom prst="rect">
-            <a:avLst/>
-          </a:prstGeom>
-          <a:noFill/>
-        </p:spPr>
-        <p:txBody>
-          <a:bodyPr wrap="square" rtlCol="0">
-            <a:spAutoFit/>
-          </a:bodyPr>
-          <a:lstStyle/>
-          <a:p>
-            <a:r>
               <a:rPr lang="en-US" dirty="0"/>
-              <a:t>C++ was initially implemented as a pre-processing pass that did textual transformations and then passed the code into the C compiler.  There is no concept of "self" or "this".</a:t>
-            </a:r>
+              <a:t>https://</a:t>
+            </a:r>
+            <a:r>
+              <a:rPr lang="en-US" dirty="0" err="1"/>
+              <a:t>docs.oracle.com</a:t>
+            </a:r>
+            <a:r>
+              <a:rPr lang="en-US" dirty="0"/>
+              <a:t>/</a:t>
+            </a:r>
+            <a:r>
+              <a:rPr lang="en-US" dirty="0" err="1"/>
+              <a:t>javase</a:t>
+            </a:r>
+            <a:r>
+              <a:rPr lang="en-US" dirty="0"/>
+              <a:t>/8/docs/</a:t>
+            </a:r>
+            <a:r>
+              <a:rPr lang="en-US" dirty="0" err="1"/>
+              <a:t>api</a:t>
+            </a:r>
+            <a:r>
+              <a:rPr lang="en-US" dirty="0"/>
+              <a:t>/java/util/</a:t>
+            </a:r>
+            <a:r>
+              <a:rPr lang="en-US" dirty="0" err="1"/>
+              <a:t>Map.html</a:t>
+            </a:r>
+            <a:endParaRPr lang="en-US" dirty="0"/>
           </a:p>
         </p:txBody>
       </p:sp>
     </p:spTree>
     <p:extLst>
       <p:ext uri="{BB962C8B-B14F-4D97-AF65-F5344CB8AC3E}">
-        <p14:creationId xmlns:p14="http://schemas.microsoft.com/office/powerpoint/2010/main" val="2979443428"/>
+        <p14:creationId xmlns:p14="http://schemas.microsoft.com/office/powerpoint/2010/main" val="1248617522"/>
       </p:ext>
     </p:extLst>
   </p:cSld>
@@ -4791,8 +8368,8 @@
         </p:nvSpPr>
         <p:spPr>
           <a:xfrm>
-            <a:off x="1005917" y="316197"/>
-            <a:ext cx="4910319" cy="6124754"/>
+            <a:off x="468035" y="291177"/>
+            <a:ext cx="6301725" cy="6524863"/>
           </a:xfrm>
           <a:prstGeom prst="rect">
             <a:avLst/>
@@ -4806,397 +8383,785 @@
           <a:lstStyle/>
           <a:p>
             <a:r>
-              <a:rPr lang="en-US" sz="1400" b="1" dirty="0">
-                <a:latin typeface="Courier New" panose="02070309020205020404" pitchFamily="49" charset="0"/>
-                <a:cs typeface="Courier New" panose="02070309020205020404" pitchFamily="49" charset="0"/>
-              </a:rPr>
-              <a:t>$a = array();</a:t>
-            </a:r>
-          </a:p>
-          <a:p>
-            <a:endParaRPr lang="en-US" sz="1400" b="1" dirty="0">
+              <a:rPr lang="en-US" sz="1100" b="1" dirty="0">
+                <a:latin typeface="Courier New" panose="02070309020205020404" pitchFamily="49" charset="0"/>
+                <a:cs typeface="Courier New" panose="02070309020205020404" pitchFamily="49" charset="0"/>
+              </a:rPr>
+              <a:t>import </a:t>
+            </a:r>
+            <a:r>
+              <a:rPr lang="en-US" sz="1100" b="1" dirty="0" err="1">
+                <a:latin typeface="Courier New" panose="02070309020205020404" pitchFamily="49" charset="0"/>
+                <a:cs typeface="Courier New" panose="02070309020205020404" pitchFamily="49" charset="0"/>
+              </a:rPr>
+              <a:t>java.util.Map</a:t>
+            </a:r>
+            <a:r>
+              <a:rPr lang="en-US" sz="1100" b="1" dirty="0">
+                <a:latin typeface="Courier New" panose="02070309020205020404" pitchFamily="49" charset="0"/>
+                <a:cs typeface="Courier New" panose="02070309020205020404" pitchFamily="49" charset="0"/>
+              </a:rPr>
+              <a:t>;</a:t>
+            </a:r>
+          </a:p>
+          <a:p>
+            <a:r>
+              <a:rPr lang="en-US" sz="1100" b="1" dirty="0">
+                <a:latin typeface="Courier New" panose="02070309020205020404" pitchFamily="49" charset="0"/>
+                <a:cs typeface="Courier New" panose="02070309020205020404" pitchFamily="49" charset="0"/>
+              </a:rPr>
+              <a:t>import </a:t>
+            </a:r>
+            <a:r>
+              <a:rPr lang="en-US" sz="1100" b="1" dirty="0" err="1">
+                <a:latin typeface="Courier New" panose="02070309020205020404" pitchFamily="49" charset="0"/>
+                <a:cs typeface="Courier New" panose="02070309020205020404" pitchFamily="49" charset="0"/>
+              </a:rPr>
+              <a:t>java.util.TreeMap</a:t>
+            </a:r>
+            <a:r>
+              <a:rPr lang="en-US" sz="1100" b="1" dirty="0">
+                <a:latin typeface="Courier New" panose="02070309020205020404" pitchFamily="49" charset="0"/>
+                <a:cs typeface="Courier New" panose="02070309020205020404" pitchFamily="49" charset="0"/>
+              </a:rPr>
+              <a:t>;</a:t>
+            </a:r>
+          </a:p>
+          <a:p>
+            <a:endParaRPr lang="en-US" sz="1100" b="1" dirty="0">
               <a:latin typeface="Courier New" panose="02070309020205020404" pitchFamily="49" charset="0"/>
               <a:cs typeface="Courier New" panose="02070309020205020404" pitchFamily="49" charset="0"/>
             </a:endParaRPr>
           </a:p>
           <a:p>
             <a:r>
-              <a:rPr lang="en-US" sz="1400" b="1" dirty="0">
-                <a:latin typeface="Courier New" panose="02070309020205020404" pitchFamily="49" charset="0"/>
-                <a:cs typeface="Courier New" panose="02070309020205020404" pitchFamily="49" charset="0"/>
-              </a:rPr>
-              <a:t>print("Testing </a:t>
-            </a:r>
-            <a:r>
-              <a:rPr lang="en-US" sz="1400" b="1" dirty="0" err="1">
-                <a:latin typeface="Courier New" panose="02070309020205020404" pitchFamily="49" charset="0"/>
-                <a:cs typeface="Courier New" panose="02070309020205020404" pitchFamily="49" charset="0"/>
-              </a:rPr>
-              <a:t>php</a:t>
-            </a:r>
-            <a:r>
-              <a:rPr lang="en-US" sz="1400" b="1" dirty="0">
-                <a:latin typeface="Courier New" panose="02070309020205020404" pitchFamily="49" charset="0"/>
-                <a:cs typeface="Courier New" panose="02070309020205020404" pitchFamily="49" charset="0"/>
-              </a:rPr>
-              <a:t> arrays\n");</a:t>
-            </a:r>
-          </a:p>
-          <a:p>
-            <a:r>
-              <a:rPr lang="en-US" sz="1400" b="1" dirty="0">
-                <a:latin typeface="Courier New" panose="02070309020205020404" pitchFamily="49" charset="0"/>
-                <a:cs typeface="Courier New" panose="02070309020205020404" pitchFamily="49" charset="0"/>
-              </a:rPr>
-              <a:t>$a["z"] = 8;</a:t>
-            </a:r>
-          </a:p>
-          <a:p>
-            <a:r>
-              <a:rPr lang="en-US" sz="1400" b="1" dirty="0">
-                <a:latin typeface="Courier New" panose="02070309020205020404" pitchFamily="49" charset="0"/>
-                <a:cs typeface="Courier New" panose="02070309020205020404" pitchFamily="49" charset="0"/>
-              </a:rPr>
-              <a:t>$a["z"] = 1;</a:t>
-            </a:r>
-          </a:p>
-          <a:p>
-            <a:r>
-              <a:rPr lang="en-US" sz="1400" b="1" dirty="0">
-                <a:latin typeface="Courier New" panose="02070309020205020404" pitchFamily="49" charset="0"/>
-                <a:cs typeface="Courier New" panose="02070309020205020404" pitchFamily="49" charset="0"/>
-              </a:rPr>
-              <a:t>$a["y"] = 9;</a:t>
-            </a:r>
-          </a:p>
-          <a:p>
-            <a:r>
-              <a:rPr lang="en-US" sz="1400" b="1" dirty="0">
-                <a:latin typeface="Courier New" panose="02070309020205020404" pitchFamily="49" charset="0"/>
-                <a:cs typeface="Courier New" panose="02070309020205020404" pitchFamily="49" charset="0"/>
-              </a:rPr>
-              <a:t>$a["b"] = 3;</a:t>
-            </a:r>
-          </a:p>
-          <a:p>
-            <a:r>
-              <a:rPr lang="en-US" sz="1400" b="1" dirty="0">
-                <a:latin typeface="Courier New" panose="02070309020205020404" pitchFamily="49" charset="0"/>
-                <a:cs typeface="Courier New" panose="02070309020205020404" pitchFamily="49" charset="0"/>
-              </a:rPr>
-              <a:t>$a["a"] = 4;</a:t>
-            </a:r>
-          </a:p>
-          <a:p>
-            <a:r>
-              <a:rPr lang="en-US" sz="1400" b="1" dirty="0" err="1">
-                <a:latin typeface="Courier New" panose="02070309020205020404" pitchFamily="49" charset="0"/>
-                <a:cs typeface="Courier New" panose="02070309020205020404" pitchFamily="49" charset="0"/>
-              </a:rPr>
-              <a:t>print_r</a:t>
-            </a:r>
-            <a:r>
-              <a:rPr lang="en-US" sz="1400" b="1" dirty="0">
-                <a:latin typeface="Courier New" panose="02070309020205020404" pitchFamily="49" charset="0"/>
-                <a:cs typeface="Courier New" panose="02070309020205020404" pitchFamily="49" charset="0"/>
-              </a:rPr>
-              <a:t>($a);</a:t>
-            </a:r>
-          </a:p>
-          <a:p>
-            <a:endParaRPr lang="en-US" sz="1400" b="1" dirty="0">
+              <a:rPr lang="en-US" sz="1100" b="1" dirty="0">
+                <a:latin typeface="Courier New" panose="02070309020205020404" pitchFamily="49" charset="0"/>
+                <a:cs typeface="Courier New" panose="02070309020205020404" pitchFamily="49" charset="0"/>
+              </a:rPr>
+              <a:t>public class cc_04_01 {</a:t>
+            </a:r>
+          </a:p>
+          <a:p>
+            <a:endParaRPr lang="en-US" sz="1100" b="1" dirty="0">
               <a:latin typeface="Courier New" panose="02070309020205020404" pitchFamily="49" charset="0"/>
               <a:cs typeface="Courier New" panose="02070309020205020404" pitchFamily="49" charset="0"/>
             </a:endParaRPr>
           </a:p>
           <a:p>
             <a:r>
-              <a:rPr lang="en-US" sz="1400" b="1" dirty="0" err="1">
-                <a:latin typeface="Courier New" panose="02070309020205020404" pitchFamily="49" charset="0"/>
-                <a:cs typeface="Courier New" panose="02070309020205020404" pitchFamily="49" charset="0"/>
-              </a:rPr>
-              <a:t>printf</a:t>
-            </a:r>
-            <a:r>
-              <a:rPr lang="en-US" sz="1400" b="1" dirty="0">
-                <a:latin typeface="Courier New" panose="02070309020205020404" pitchFamily="49" charset="0"/>
-                <a:cs typeface="Courier New" panose="02070309020205020404" pitchFamily="49" charset="0"/>
-              </a:rPr>
-              <a:t>("z=%d\n", $a["z"] ?? 42);</a:t>
-            </a:r>
-          </a:p>
-          <a:p>
-            <a:r>
-              <a:rPr lang="en-US" sz="1400" b="1" dirty="0" err="1">
-                <a:latin typeface="Courier New" panose="02070309020205020404" pitchFamily="49" charset="0"/>
-                <a:cs typeface="Courier New" panose="02070309020205020404" pitchFamily="49" charset="0"/>
-              </a:rPr>
-              <a:t>printf</a:t>
-            </a:r>
-            <a:r>
-              <a:rPr lang="en-US" sz="1400" b="1" dirty="0">
-                <a:latin typeface="Courier New" panose="02070309020205020404" pitchFamily="49" charset="0"/>
-                <a:cs typeface="Courier New" panose="02070309020205020404" pitchFamily="49" charset="0"/>
-              </a:rPr>
-              <a:t>("x=%d\n", $a["x"] ?? 42);</a:t>
-            </a:r>
-          </a:p>
-          <a:p>
-            <a:endParaRPr lang="en-US" sz="1400" b="1" dirty="0">
+              <a:rPr lang="en-US" sz="1100" b="1" dirty="0">
+                <a:latin typeface="Courier New" panose="02070309020205020404" pitchFamily="49" charset="0"/>
+                <a:cs typeface="Courier New" panose="02070309020205020404" pitchFamily="49" charset="0"/>
+              </a:rPr>
+              <a:t>    public static void main(String[] </a:t>
+            </a:r>
+            <a:r>
+              <a:rPr lang="en-US" sz="1100" b="1" dirty="0" err="1">
+                <a:latin typeface="Courier New" panose="02070309020205020404" pitchFamily="49" charset="0"/>
+                <a:cs typeface="Courier New" panose="02070309020205020404" pitchFamily="49" charset="0"/>
+              </a:rPr>
+              <a:t>args</a:t>
+            </a:r>
+            <a:r>
+              <a:rPr lang="en-US" sz="1100" b="1" dirty="0">
+                <a:latin typeface="Courier New" panose="02070309020205020404" pitchFamily="49" charset="0"/>
+                <a:cs typeface="Courier New" panose="02070309020205020404" pitchFamily="49" charset="0"/>
+              </a:rPr>
+              <a:t>)</a:t>
+            </a:r>
+          </a:p>
+          <a:p>
+            <a:r>
+              <a:rPr lang="en-US" sz="1100" b="1" dirty="0">
+                <a:latin typeface="Courier New" panose="02070309020205020404" pitchFamily="49" charset="0"/>
+                <a:cs typeface="Courier New" panose="02070309020205020404" pitchFamily="49" charset="0"/>
+              </a:rPr>
+              <a:t>    {   </a:t>
+            </a:r>
+          </a:p>
+          <a:p>
+            <a:r>
+              <a:rPr lang="en-US" sz="1100" b="1" dirty="0">
+                <a:latin typeface="Courier New" panose="02070309020205020404" pitchFamily="49" charset="0"/>
+                <a:cs typeface="Courier New" panose="02070309020205020404" pitchFamily="49" charset="0"/>
+              </a:rPr>
+              <a:t>        Map&lt;String, Integer&gt; map = new </a:t>
+            </a:r>
+            <a:r>
+              <a:rPr lang="en-US" sz="1100" b="1" dirty="0" err="1">
+                <a:latin typeface="Courier New" panose="02070309020205020404" pitchFamily="49" charset="0"/>
+                <a:cs typeface="Courier New" panose="02070309020205020404" pitchFamily="49" charset="0"/>
+              </a:rPr>
+              <a:t>TreeMap</a:t>
+            </a:r>
+            <a:r>
+              <a:rPr lang="en-US" sz="1100" b="1" dirty="0">
+                <a:latin typeface="Courier New" panose="02070309020205020404" pitchFamily="49" charset="0"/>
+                <a:cs typeface="Courier New" panose="02070309020205020404" pitchFamily="49" charset="0"/>
+              </a:rPr>
+              <a:t>&lt;String, Integer&gt; ();</a:t>
+            </a:r>
+          </a:p>
+          <a:p>
+            <a:endParaRPr lang="en-US" sz="1100" b="1" dirty="0">
               <a:latin typeface="Courier New" panose="02070309020205020404" pitchFamily="49" charset="0"/>
               <a:cs typeface="Courier New" panose="02070309020205020404" pitchFamily="49" charset="0"/>
             </a:endParaRPr>
           </a:p>
           <a:p>
             <a:r>
-              <a:rPr lang="en-US" sz="1400" b="1" dirty="0" err="1">
-                <a:latin typeface="Courier New" panose="02070309020205020404" pitchFamily="49" charset="0"/>
-                <a:cs typeface="Courier New" panose="02070309020205020404" pitchFamily="49" charset="0"/>
-              </a:rPr>
-              <a:t>printf</a:t>
-            </a:r>
-            <a:r>
-              <a:rPr lang="en-US" sz="1400" b="1" dirty="0">
-                <a:latin typeface="Courier New" panose="02070309020205020404" pitchFamily="49" charset="0"/>
-                <a:cs typeface="Courier New" panose="02070309020205020404" pitchFamily="49" charset="0"/>
-              </a:rPr>
-              <a:t>("\</a:t>
-            </a:r>
-            <a:r>
-              <a:rPr lang="en-US" sz="1400" b="1" dirty="0" err="1">
-                <a:latin typeface="Courier New" panose="02070309020205020404" pitchFamily="49" charset="0"/>
-                <a:cs typeface="Courier New" panose="02070309020205020404" pitchFamily="49" charset="0"/>
-              </a:rPr>
-              <a:t>nIterate</a:t>
-            </a:r>
-            <a:r>
-              <a:rPr lang="en-US" sz="1400" b="1" dirty="0">
-                <a:latin typeface="Courier New" panose="02070309020205020404" pitchFamily="49" charset="0"/>
-                <a:cs typeface="Courier New" panose="02070309020205020404" pitchFamily="49" charset="0"/>
-              </a:rPr>
-              <a:t>\n");</a:t>
-            </a:r>
-          </a:p>
-          <a:p>
-            <a:r>
-              <a:rPr lang="en-US" sz="1400" b="1" dirty="0">
-                <a:latin typeface="Courier New" panose="02070309020205020404" pitchFamily="49" charset="0"/>
-                <a:cs typeface="Courier New" panose="02070309020205020404" pitchFamily="49" charset="0"/>
-              </a:rPr>
-              <a:t>foreach( $a as $k =&gt; $v ) {</a:t>
-            </a:r>
-          </a:p>
-          <a:p>
-            <a:r>
-              <a:rPr lang="en-US" sz="1400" b="1" dirty="0">
-                <a:latin typeface="Courier New" panose="02070309020205020404" pitchFamily="49" charset="0"/>
-                <a:cs typeface="Courier New" panose="02070309020205020404" pitchFamily="49" charset="0"/>
-              </a:rPr>
-              <a:t>    </a:t>
-            </a:r>
-            <a:r>
-              <a:rPr lang="en-US" sz="1400" b="1" dirty="0" err="1">
-                <a:latin typeface="Courier New" panose="02070309020205020404" pitchFamily="49" charset="0"/>
-                <a:cs typeface="Courier New" panose="02070309020205020404" pitchFamily="49" charset="0"/>
-              </a:rPr>
-              <a:t>printf</a:t>
-            </a:r>
-            <a:r>
-              <a:rPr lang="en-US" sz="1400" b="1" dirty="0">
-                <a:latin typeface="Courier New" panose="02070309020205020404" pitchFamily="49" charset="0"/>
-                <a:cs typeface="Courier New" panose="02070309020205020404" pitchFamily="49" charset="0"/>
-              </a:rPr>
-              <a:t>(" %s=%d\n", $k, $v);</a:t>
-            </a:r>
-          </a:p>
-          <a:p>
-            <a:r>
-              <a:rPr lang="en-US" sz="1400" b="1" dirty="0">
-                <a:latin typeface="Courier New" panose="02070309020205020404" pitchFamily="49" charset="0"/>
-                <a:cs typeface="Courier New" panose="02070309020205020404" pitchFamily="49" charset="0"/>
-              </a:rPr>
-              <a:t>}</a:t>
-            </a:r>
-          </a:p>
-          <a:p>
-            <a:endParaRPr lang="en-US" sz="1400" b="1" dirty="0">
+              <a:rPr lang="en-US" sz="1100" b="1" dirty="0">
+                <a:latin typeface="Courier New" panose="02070309020205020404" pitchFamily="49" charset="0"/>
+                <a:cs typeface="Courier New" panose="02070309020205020404" pitchFamily="49" charset="0"/>
+              </a:rPr>
+              <a:t>        </a:t>
+            </a:r>
+            <a:r>
+              <a:rPr lang="en-US" sz="1100" b="1" dirty="0" err="1">
+                <a:latin typeface="Courier New" panose="02070309020205020404" pitchFamily="49" charset="0"/>
+                <a:cs typeface="Courier New" panose="02070309020205020404" pitchFamily="49" charset="0"/>
+              </a:rPr>
+              <a:t>System.out.printf</a:t>
+            </a:r>
+            <a:r>
+              <a:rPr lang="en-US" sz="1100" b="1" dirty="0">
+                <a:latin typeface="Courier New" panose="02070309020205020404" pitchFamily="49" charset="0"/>
+                <a:cs typeface="Courier New" panose="02070309020205020404" pitchFamily="49" charset="0"/>
+              </a:rPr>
+              <a:t>("Testing Map class\n");</a:t>
+            </a:r>
+          </a:p>
+          <a:p>
+            <a:r>
+              <a:rPr lang="en-US" sz="1100" b="1" dirty="0">
+                <a:latin typeface="Courier New" panose="02070309020205020404" pitchFamily="49" charset="0"/>
+                <a:cs typeface="Courier New" panose="02070309020205020404" pitchFamily="49" charset="0"/>
+              </a:rPr>
+              <a:t>        </a:t>
+            </a:r>
+            <a:r>
+              <a:rPr lang="en-US" sz="1100" b="1" dirty="0" err="1">
+                <a:latin typeface="Courier New" panose="02070309020205020404" pitchFamily="49" charset="0"/>
+                <a:cs typeface="Courier New" panose="02070309020205020404" pitchFamily="49" charset="0"/>
+              </a:rPr>
+              <a:t>map.put</a:t>
+            </a:r>
+            <a:r>
+              <a:rPr lang="en-US" sz="1100" b="1" dirty="0">
+                <a:latin typeface="Courier New" panose="02070309020205020404" pitchFamily="49" charset="0"/>
+                <a:cs typeface="Courier New" panose="02070309020205020404" pitchFamily="49" charset="0"/>
+              </a:rPr>
+              <a:t>("z", 8);</a:t>
+            </a:r>
+          </a:p>
+          <a:p>
+            <a:r>
+              <a:rPr lang="en-US" sz="1100" b="1" dirty="0">
+                <a:latin typeface="Courier New" panose="02070309020205020404" pitchFamily="49" charset="0"/>
+                <a:cs typeface="Courier New" panose="02070309020205020404" pitchFamily="49" charset="0"/>
+              </a:rPr>
+              <a:t>        </a:t>
+            </a:r>
+            <a:r>
+              <a:rPr lang="en-US" sz="1100" b="1" dirty="0" err="1">
+                <a:latin typeface="Courier New" panose="02070309020205020404" pitchFamily="49" charset="0"/>
+                <a:cs typeface="Courier New" panose="02070309020205020404" pitchFamily="49" charset="0"/>
+              </a:rPr>
+              <a:t>map.put</a:t>
+            </a:r>
+            <a:r>
+              <a:rPr lang="en-US" sz="1100" b="1" dirty="0">
+                <a:latin typeface="Courier New" panose="02070309020205020404" pitchFamily="49" charset="0"/>
+                <a:cs typeface="Courier New" panose="02070309020205020404" pitchFamily="49" charset="0"/>
+              </a:rPr>
+              <a:t>("z", 1);</a:t>
+            </a:r>
+          </a:p>
+          <a:p>
+            <a:r>
+              <a:rPr lang="en-US" sz="1100" b="1" dirty="0">
+                <a:latin typeface="Courier New" panose="02070309020205020404" pitchFamily="49" charset="0"/>
+                <a:cs typeface="Courier New" panose="02070309020205020404" pitchFamily="49" charset="0"/>
+              </a:rPr>
+              <a:t>        </a:t>
+            </a:r>
+            <a:r>
+              <a:rPr lang="en-US" sz="1100" b="1" dirty="0" err="1">
+                <a:latin typeface="Courier New" panose="02070309020205020404" pitchFamily="49" charset="0"/>
+                <a:cs typeface="Courier New" panose="02070309020205020404" pitchFamily="49" charset="0"/>
+              </a:rPr>
+              <a:t>map.put</a:t>
+            </a:r>
+            <a:r>
+              <a:rPr lang="en-US" sz="1100" b="1" dirty="0">
+                <a:latin typeface="Courier New" panose="02070309020205020404" pitchFamily="49" charset="0"/>
+                <a:cs typeface="Courier New" panose="02070309020205020404" pitchFamily="49" charset="0"/>
+              </a:rPr>
+              <a:t>("y", 2);</a:t>
+            </a:r>
+          </a:p>
+          <a:p>
+            <a:r>
+              <a:rPr lang="en-US" sz="1100" b="1" dirty="0">
+                <a:latin typeface="Courier New" panose="02070309020205020404" pitchFamily="49" charset="0"/>
+                <a:cs typeface="Courier New" panose="02070309020205020404" pitchFamily="49" charset="0"/>
+              </a:rPr>
+              <a:t>        </a:t>
+            </a:r>
+            <a:r>
+              <a:rPr lang="en-US" sz="1100" b="1" dirty="0" err="1">
+                <a:latin typeface="Courier New" panose="02070309020205020404" pitchFamily="49" charset="0"/>
+                <a:cs typeface="Courier New" panose="02070309020205020404" pitchFamily="49" charset="0"/>
+              </a:rPr>
+              <a:t>map.put</a:t>
+            </a:r>
+            <a:r>
+              <a:rPr lang="en-US" sz="1100" b="1" dirty="0">
+                <a:latin typeface="Courier New" panose="02070309020205020404" pitchFamily="49" charset="0"/>
+                <a:cs typeface="Courier New" panose="02070309020205020404" pitchFamily="49" charset="0"/>
+              </a:rPr>
+              <a:t>("b", 3);</a:t>
+            </a:r>
+          </a:p>
+          <a:p>
+            <a:r>
+              <a:rPr lang="en-US" sz="1100" b="1" dirty="0">
+                <a:latin typeface="Courier New" panose="02070309020205020404" pitchFamily="49" charset="0"/>
+                <a:cs typeface="Courier New" panose="02070309020205020404" pitchFamily="49" charset="0"/>
+              </a:rPr>
+              <a:t>        </a:t>
+            </a:r>
+            <a:r>
+              <a:rPr lang="en-US" sz="1100" b="1" dirty="0" err="1">
+                <a:latin typeface="Courier New" panose="02070309020205020404" pitchFamily="49" charset="0"/>
+                <a:cs typeface="Courier New" panose="02070309020205020404" pitchFamily="49" charset="0"/>
+              </a:rPr>
+              <a:t>map.put</a:t>
+            </a:r>
+            <a:r>
+              <a:rPr lang="en-US" sz="1100" b="1" dirty="0">
+                <a:latin typeface="Courier New" panose="02070309020205020404" pitchFamily="49" charset="0"/>
+                <a:cs typeface="Courier New" panose="02070309020205020404" pitchFamily="49" charset="0"/>
+              </a:rPr>
+              <a:t>("a", 4);</a:t>
+            </a:r>
+          </a:p>
+          <a:p>
+            <a:r>
+              <a:rPr lang="en-US" sz="1100" b="1" dirty="0">
+                <a:latin typeface="Courier New" panose="02070309020205020404" pitchFamily="49" charset="0"/>
+                <a:cs typeface="Courier New" panose="02070309020205020404" pitchFamily="49" charset="0"/>
+              </a:rPr>
+              <a:t>        </a:t>
+            </a:r>
+            <a:r>
+              <a:rPr lang="en-US" sz="1100" b="1" dirty="0" err="1">
+                <a:latin typeface="Courier New" panose="02070309020205020404" pitchFamily="49" charset="0"/>
+                <a:cs typeface="Courier New" panose="02070309020205020404" pitchFamily="49" charset="0"/>
+              </a:rPr>
+              <a:t>System.out.println</a:t>
+            </a:r>
+            <a:r>
+              <a:rPr lang="en-US" sz="1100" b="1" dirty="0">
+                <a:latin typeface="Courier New" panose="02070309020205020404" pitchFamily="49" charset="0"/>
+                <a:cs typeface="Courier New" panose="02070309020205020404" pitchFamily="49" charset="0"/>
+              </a:rPr>
+              <a:t>(map);</a:t>
+            </a:r>
+          </a:p>
+          <a:p>
+            <a:endParaRPr lang="en-US" sz="1100" b="1" dirty="0">
               <a:latin typeface="Courier New" panose="02070309020205020404" pitchFamily="49" charset="0"/>
               <a:cs typeface="Courier New" panose="02070309020205020404" pitchFamily="49" charset="0"/>
             </a:endParaRPr>
           </a:p>
           <a:p>
             <a:r>
-              <a:rPr lang="en-US" sz="1400" b="1" dirty="0" err="1">
-                <a:latin typeface="Courier New" panose="02070309020205020404" pitchFamily="49" charset="0"/>
-                <a:cs typeface="Courier New" panose="02070309020205020404" pitchFamily="49" charset="0"/>
-              </a:rPr>
-              <a:t>ksort</a:t>
-            </a:r>
-            <a:r>
-              <a:rPr lang="en-US" sz="1400" b="1" dirty="0">
-                <a:latin typeface="Courier New" panose="02070309020205020404" pitchFamily="49" charset="0"/>
-                <a:cs typeface="Courier New" panose="02070309020205020404" pitchFamily="49" charset="0"/>
-              </a:rPr>
-              <a:t>($a);</a:t>
-            </a:r>
-          </a:p>
-          <a:p>
-            <a:r>
-              <a:rPr lang="en-US" sz="1400" b="1" dirty="0" err="1">
-                <a:latin typeface="Courier New" panose="02070309020205020404" pitchFamily="49" charset="0"/>
-                <a:cs typeface="Courier New" panose="02070309020205020404" pitchFamily="49" charset="0"/>
-              </a:rPr>
-              <a:t>printf</a:t>
-            </a:r>
-            <a:r>
-              <a:rPr lang="en-US" sz="1400" b="1" dirty="0">
-                <a:latin typeface="Courier New" panose="02070309020205020404" pitchFamily="49" charset="0"/>
-                <a:cs typeface="Courier New" panose="02070309020205020404" pitchFamily="49" charset="0"/>
-              </a:rPr>
-              <a:t>("\</a:t>
-            </a:r>
-            <a:r>
-              <a:rPr lang="en-US" sz="1400" b="1" dirty="0" err="1">
-                <a:latin typeface="Courier New" panose="02070309020205020404" pitchFamily="49" charset="0"/>
-                <a:cs typeface="Courier New" panose="02070309020205020404" pitchFamily="49" charset="0"/>
-              </a:rPr>
-              <a:t>nSort</a:t>
-            </a:r>
-            <a:r>
-              <a:rPr lang="en-US" sz="1400" b="1" dirty="0">
-                <a:latin typeface="Courier New" panose="02070309020205020404" pitchFamily="49" charset="0"/>
-                <a:cs typeface="Courier New" panose="02070309020205020404" pitchFamily="49" charset="0"/>
-              </a:rPr>
-              <a:t> by key\n");</a:t>
-            </a:r>
-          </a:p>
-          <a:p>
-            <a:r>
-              <a:rPr lang="en-US" sz="1400" b="1" dirty="0" err="1">
-                <a:latin typeface="Courier New" panose="02070309020205020404" pitchFamily="49" charset="0"/>
-                <a:cs typeface="Courier New" panose="02070309020205020404" pitchFamily="49" charset="0"/>
-              </a:rPr>
-              <a:t>print_r</a:t>
-            </a:r>
-            <a:r>
-              <a:rPr lang="en-US" sz="1400" b="1" dirty="0">
-                <a:latin typeface="Courier New" panose="02070309020205020404" pitchFamily="49" charset="0"/>
-                <a:cs typeface="Courier New" panose="02070309020205020404" pitchFamily="49" charset="0"/>
-              </a:rPr>
-              <a:t>($a);</a:t>
-            </a:r>
-          </a:p>
-          <a:p>
-            <a:endParaRPr lang="en-US" sz="1400" b="1" dirty="0">
+              <a:rPr lang="en-US" sz="1100" b="1" dirty="0">
+                <a:latin typeface="Courier New" panose="02070309020205020404" pitchFamily="49" charset="0"/>
+                <a:cs typeface="Courier New" panose="02070309020205020404" pitchFamily="49" charset="0"/>
+              </a:rPr>
+              <a:t>        </a:t>
+            </a:r>
+            <a:r>
+              <a:rPr lang="en-US" sz="1100" b="1" dirty="0" err="1">
+                <a:latin typeface="Courier New" panose="02070309020205020404" pitchFamily="49" charset="0"/>
+                <a:cs typeface="Courier New" panose="02070309020205020404" pitchFamily="49" charset="0"/>
+              </a:rPr>
+              <a:t>System.out.println</a:t>
+            </a:r>
+            <a:r>
+              <a:rPr lang="en-US" sz="1100" b="1" dirty="0">
+                <a:latin typeface="Courier New" panose="02070309020205020404" pitchFamily="49" charset="0"/>
+                <a:cs typeface="Courier New" panose="02070309020205020404" pitchFamily="49" charset="0"/>
+              </a:rPr>
+              <a:t>("z="+</a:t>
+            </a:r>
+            <a:r>
+              <a:rPr lang="en-US" sz="1100" b="1" dirty="0" err="1">
+                <a:latin typeface="Courier New" panose="02070309020205020404" pitchFamily="49" charset="0"/>
+                <a:cs typeface="Courier New" panose="02070309020205020404" pitchFamily="49" charset="0"/>
+              </a:rPr>
+              <a:t>map.getOrDefault</a:t>
+            </a:r>
+            <a:r>
+              <a:rPr lang="en-US" sz="1100" b="1" dirty="0">
+                <a:latin typeface="Courier New" panose="02070309020205020404" pitchFamily="49" charset="0"/>
+                <a:cs typeface="Courier New" panose="02070309020205020404" pitchFamily="49" charset="0"/>
+              </a:rPr>
+              <a:t>("z", 42));</a:t>
+            </a:r>
+          </a:p>
+          <a:p>
+            <a:r>
+              <a:rPr lang="en-US" sz="1100" b="1" dirty="0">
+                <a:latin typeface="Courier New" panose="02070309020205020404" pitchFamily="49" charset="0"/>
+                <a:cs typeface="Courier New" panose="02070309020205020404" pitchFamily="49" charset="0"/>
+              </a:rPr>
+              <a:t>        </a:t>
+            </a:r>
+            <a:r>
+              <a:rPr lang="en-US" sz="1100" b="1" dirty="0" err="1">
+                <a:latin typeface="Courier New" panose="02070309020205020404" pitchFamily="49" charset="0"/>
+                <a:cs typeface="Courier New" panose="02070309020205020404" pitchFamily="49" charset="0"/>
+              </a:rPr>
+              <a:t>System.out.println</a:t>
+            </a:r>
+            <a:r>
+              <a:rPr lang="en-US" sz="1100" b="1" dirty="0">
+                <a:latin typeface="Courier New" panose="02070309020205020404" pitchFamily="49" charset="0"/>
+                <a:cs typeface="Courier New" panose="02070309020205020404" pitchFamily="49" charset="0"/>
+              </a:rPr>
+              <a:t>("x="+</a:t>
+            </a:r>
+            <a:r>
+              <a:rPr lang="en-US" sz="1100" b="1" dirty="0" err="1">
+                <a:latin typeface="Courier New" panose="02070309020205020404" pitchFamily="49" charset="0"/>
+                <a:cs typeface="Courier New" panose="02070309020205020404" pitchFamily="49" charset="0"/>
+              </a:rPr>
+              <a:t>map.getOrDefault</a:t>
+            </a:r>
+            <a:r>
+              <a:rPr lang="en-US" sz="1100" b="1" dirty="0">
+                <a:latin typeface="Courier New" panose="02070309020205020404" pitchFamily="49" charset="0"/>
+                <a:cs typeface="Courier New" panose="02070309020205020404" pitchFamily="49" charset="0"/>
+              </a:rPr>
+              <a:t>("x", 42));</a:t>
+            </a:r>
+          </a:p>
+          <a:p>
+            <a:endParaRPr lang="en-US" sz="1100" b="1" dirty="0">
               <a:latin typeface="Courier New" panose="02070309020205020404" pitchFamily="49" charset="0"/>
               <a:cs typeface="Courier New" panose="02070309020205020404" pitchFamily="49" charset="0"/>
             </a:endParaRPr>
           </a:p>
           <a:p>
             <a:r>
-              <a:rPr lang="en-US" sz="1400" b="1" dirty="0" err="1">
-                <a:latin typeface="Courier New" panose="02070309020205020404" pitchFamily="49" charset="0"/>
-                <a:cs typeface="Courier New" panose="02070309020205020404" pitchFamily="49" charset="0"/>
-              </a:rPr>
-              <a:t>arsort</a:t>
-            </a:r>
-            <a:r>
-              <a:rPr lang="en-US" sz="1400" b="1" dirty="0">
-                <a:latin typeface="Courier New" panose="02070309020205020404" pitchFamily="49" charset="0"/>
-                <a:cs typeface="Courier New" panose="02070309020205020404" pitchFamily="49" charset="0"/>
-              </a:rPr>
-              <a:t>($a);</a:t>
-            </a:r>
-          </a:p>
-          <a:p>
-            <a:r>
-              <a:rPr lang="en-US" sz="1400" b="1" dirty="0" err="1">
-                <a:latin typeface="Courier New" panose="02070309020205020404" pitchFamily="49" charset="0"/>
-                <a:cs typeface="Courier New" panose="02070309020205020404" pitchFamily="49" charset="0"/>
-              </a:rPr>
-              <a:t>printf</a:t>
-            </a:r>
-            <a:r>
-              <a:rPr lang="en-US" sz="1400" b="1" dirty="0">
+              <a:rPr lang="en-US" sz="1100" b="1" dirty="0">
+                <a:latin typeface="Courier New" panose="02070309020205020404" pitchFamily="49" charset="0"/>
+                <a:cs typeface="Courier New" panose="02070309020205020404" pitchFamily="49" charset="0"/>
+              </a:rPr>
+              <a:t>        </a:t>
+            </a:r>
+            <a:r>
+              <a:rPr lang="en-US" sz="1100" b="1" dirty="0" err="1">
+                <a:latin typeface="Courier New" panose="02070309020205020404" pitchFamily="49" charset="0"/>
+                <a:cs typeface="Courier New" panose="02070309020205020404" pitchFamily="49" charset="0"/>
+              </a:rPr>
+              <a:t>System.out.printf</a:t>
+            </a:r>
+            <a:r>
+              <a:rPr lang="en-US" sz="1100" b="1" dirty="0">
                 <a:latin typeface="Courier New" panose="02070309020205020404" pitchFamily="49" charset="0"/>
                 <a:cs typeface="Courier New" panose="02070309020205020404" pitchFamily="49" charset="0"/>
               </a:rPr>
               <a:t>("\</a:t>
             </a:r>
             <a:r>
-              <a:rPr lang="en-US" sz="1400" b="1" dirty="0" err="1">
-                <a:latin typeface="Courier New" panose="02070309020205020404" pitchFamily="49" charset="0"/>
-                <a:cs typeface="Courier New" panose="02070309020205020404" pitchFamily="49" charset="0"/>
-              </a:rPr>
-              <a:t>nSort</a:t>
-            </a:r>
-            <a:r>
-              <a:rPr lang="en-US" sz="1400" b="1" dirty="0">
-                <a:latin typeface="Courier New" panose="02070309020205020404" pitchFamily="49" charset="0"/>
-                <a:cs typeface="Courier New" panose="02070309020205020404" pitchFamily="49" charset="0"/>
-              </a:rPr>
-              <a:t> by value in reverse\n");</a:t>
-            </a:r>
-          </a:p>
-          <a:p>
-            <a:r>
-              <a:rPr lang="en-US" sz="1400" b="1" dirty="0" err="1">
-                <a:latin typeface="Courier New" panose="02070309020205020404" pitchFamily="49" charset="0"/>
-                <a:cs typeface="Courier New" panose="02070309020205020404" pitchFamily="49" charset="0"/>
-              </a:rPr>
-              <a:t>print_r</a:t>
-            </a:r>
-            <a:r>
-              <a:rPr lang="en-US" sz="1400" b="1" dirty="0">
-                <a:latin typeface="Courier New" panose="02070309020205020404" pitchFamily="49" charset="0"/>
-                <a:cs typeface="Courier New" panose="02070309020205020404" pitchFamily="49" charset="0"/>
-              </a:rPr>
-              <a:t>($a);</a:t>
-            </a:r>
-          </a:p>
-          <a:p>
-            <a:endParaRPr lang="en-US" sz="1400" b="1" dirty="0">
+              <a:rPr lang="en-US" sz="1100" b="1" dirty="0" err="1">
+                <a:latin typeface="Courier New" panose="02070309020205020404" pitchFamily="49" charset="0"/>
+                <a:cs typeface="Courier New" panose="02070309020205020404" pitchFamily="49" charset="0"/>
+              </a:rPr>
+              <a:t>nIterate</a:t>
+            </a:r>
+            <a:r>
+              <a:rPr lang="en-US" sz="1100" b="1" dirty="0">
+                <a:latin typeface="Courier New" panose="02070309020205020404" pitchFamily="49" charset="0"/>
+                <a:cs typeface="Courier New" panose="02070309020205020404" pitchFamily="49" charset="0"/>
+              </a:rPr>
+              <a:t> forwards\n");</a:t>
+            </a:r>
+          </a:p>
+          <a:p>
+            <a:r>
+              <a:rPr lang="en-US" sz="1100" b="1" dirty="0">
+                <a:latin typeface="Courier New" panose="02070309020205020404" pitchFamily="49" charset="0"/>
+                <a:cs typeface="Courier New" panose="02070309020205020404" pitchFamily="49" charset="0"/>
+              </a:rPr>
+              <a:t>        for (</a:t>
+            </a:r>
+            <a:r>
+              <a:rPr lang="en-US" sz="1100" b="1" dirty="0" err="1">
+                <a:latin typeface="Courier New" panose="02070309020205020404" pitchFamily="49" charset="0"/>
+                <a:cs typeface="Courier New" panose="02070309020205020404" pitchFamily="49" charset="0"/>
+              </a:rPr>
+              <a:t>Map.Entry</a:t>
+            </a:r>
+            <a:r>
+              <a:rPr lang="en-US" sz="1100" b="1" dirty="0">
+                <a:latin typeface="Courier New" panose="02070309020205020404" pitchFamily="49" charset="0"/>
+                <a:cs typeface="Courier New" panose="02070309020205020404" pitchFamily="49" charset="0"/>
+              </a:rPr>
+              <a:t>&lt;</a:t>
+            </a:r>
+            <a:r>
+              <a:rPr lang="en-US" sz="1100" b="1" dirty="0" err="1">
+                <a:latin typeface="Courier New" panose="02070309020205020404" pitchFamily="49" charset="0"/>
+                <a:cs typeface="Courier New" panose="02070309020205020404" pitchFamily="49" charset="0"/>
+              </a:rPr>
+              <a:t>String,Integer</a:t>
+            </a:r>
+            <a:r>
+              <a:rPr lang="en-US" sz="1100" b="1" dirty="0">
+                <a:latin typeface="Courier New" panose="02070309020205020404" pitchFamily="49" charset="0"/>
+                <a:cs typeface="Courier New" panose="02070309020205020404" pitchFamily="49" charset="0"/>
+              </a:rPr>
+              <a:t>&gt; entry : </a:t>
+            </a:r>
+            <a:r>
+              <a:rPr lang="en-US" sz="1100" b="1" dirty="0" err="1">
+                <a:latin typeface="Courier New" panose="02070309020205020404" pitchFamily="49" charset="0"/>
+                <a:cs typeface="Courier New" panose="02070309020205020404" pitchFamily="49" charset="0"/>
+              </a:rPr>
+              <a:t>map.entrySet</a:t>
+            </a:r>
+            <a:r>
+              <a:rPr lang="en-US" sz="1100" b="1" dirty="0">
+                <a:latin typeface="Courier New" panose="02070309020205020404" pitchFamily="49" charset="0"/>
+                <a:cs typeface="Courier New" panose="02070309020205020404" pitchFamily="49" charset="0"/>
+              </a:rPr>
+              <a:t>()) {</a:t>
+            </a:r>
+          </a:p>
+          <a:p>
+            <a:r>
+              <a:rPr lang="en-US" sz="1100" b="1" dirty="0">
+                <a:latin typeface="Courier New" panose="02070309020205020404" pitchFamily="49" charset="0"/>
+                <a:cs typeface="Courier New" panose="02070309020205020404" pitchFamily="49" charset="0"/>
+              </a:rPr>
+              <a:t>                </a:t>
+            </a:r>
+            <a:r>
+              <a:rPr lang="en-US" sz="1100" b="1" dirty="0" err="1">
+                <a:latin typeface="Courier New" panose="02070309020205020404" pitchFamily="49" charset="0"/>
+                <a:cs typeface="Courier New" panose="02070309020205020404" pitchFamily="49" charset="0"/>
+              </a:rPr>
+              <a:t>System.out.println</a:t>
+            </a:r>
+            <a:r>
+              <a:rPr lang="en-US" sz="1100" b="1" dirty="0">
+                <a:latin typeface="Courier New" panose="02070309020205020404" pitchFamily="49" charset="0"/>
+                <a:cs typeface="Courier New" panose="02070309020205020404" pitchFamily="49" charset="0"/>
+              </a:rPr>
+              <a:t>("Key = " + </a:t>
+            </a:r>
+            <a:r>
+              <a:rPr lang="en-US" sz="1100" b="1" dirty="0" err="1">
+                <a:latin typeface="Courier New" panose="02070309020205020404" pitchFamily="49" charset="0"/>
+                <a:cs typeface="Courier New" panose="02070309020205020404" pitchFamily="49" charset="0"/>
+              </a:rPr>
+              <a:t>entry.getKey</a:t>
+            </a:r>
+            <a:r>
+              <a:rPr lang="en-US" sz="1100" b="1" dirty="0">
+                <a:latin typeface="Courier New" panose="02070309020205020404" pitchFamily="49" charset="0"/>
+                <a:cs typeface="Courier New" panose="02070309020205020404" pitchFamily="49" charset="0"/>
+              </a:rPr>
+              <a:t>() + ", </a:t>
+            </a:r>
+          </a:p>
+          <a:p>
+            <a:r>
+              <a:rPr lang="en-US" sz="1100" b="1" dirty="0">
+                <a:latin typeface="Courier New" panose="02070309020205020404" pitchFamily="49" charset="0"/>
+                <a:cs typeface="Courier New" panose="02070309020205020404" pitchFamily="49" charset="0"/>
+              </a:rPr>
+              <a:t>                     Value = " + </a:t>
+            </a:r>
+            <a:r>
+              <a:rPr lang="en-US" sz="1100" b="1" dirty="0" err="1">
+                <a:latin typeface="Courier New" panose="02070309020205020404" pitchFamily="49" charset="0"/>
+                <a:cs typeface="Courier New" panose="02070309020205020404" pitchFamily="49" charset="0"/>
+              </a:rPr>
+              <a:t>entry.getValue</a:t>
+            </a:r>
+            <a:r>
+              <a:rPr lang="en-US" sz="1100" b="1" dirty="0">
+                <a:latin typeface="Courier New" panose="02070309020205020404" pitchFamily="49" charset="0"/>
+                <a:cs typeface="Courier New" panose="02070309020205020404" pitchFamily="49" charset="0"/>
+              </a:rPr>
+              <a:t>());</a:t>
+            </a:r>
+          </a:p>
+          <a:p>
+            <a:r>
+              <a:rPr lang="en-US" sz="1100" b="1" dirty="0">
+                <a:latin typeface="Courier New" panose="02070309020205020404" pitchFamily="49" charset="0"/>
+                <a:cs typeface="Courier New" panose="02070309020205020404" pitchFamily="49" charset="0"/>
+              </a:rPr>
+              <a:t>        }</a:t>
+            </a:r>
+          </a:p>
+          <a:p>
+            <a:endParaRPr lang="en-US" sz="1100" b="1" dirty="0">
               <a:latin typeface="Courier New" panose="02070309020205020404" pitchFamily="49" charset="0"/>
               <a:cs typeface="Courier New" panose="02070309020205020404" pitchFamily="49" charset="0"/>
             </a:endParaRPr>
           </a:p>
           <a:p>
             <a:r>
-              <a:rPr lang="en-US" sz="1400" b="1" dirty="0">
-                <a:latin typeface="Courier New" panose="02070309020205020404" pitchFamily="49" charset="0"/>
-                <a:cs typeface="Courier New" panose="02070309020205020404" pitchFamily="49" charset="0"/>
-              </a:rPr>
-              <a:t>$k = </a:t>
-            </a:r>
-            <a:r>
-              <a:rPr lang="en-US" sz="1400" b="1" dirty="0" err="1">
-                <a:latin typeface="Courier New" panose="02070309020205020404" pitchFamily="49" charset="0"/>
-                <a:cs typeface="Courier New" panose="02070309020205020404" pitchFamily="49" charset="0"/>
-              </a:rPr>
-              <a:t>array_key_first</a:t>
-            </a:r>
-            <a:r>
-              <a:rPr lang="en-US" sz="1400" b="1" dirty="0">
-                <a:latin typeface="Courier New" panose="02070309020205020404" pitchFamily="49" charset="0"/>
-                <a:cs typeface="Courier New" panose="02070309020205020404" pitchFamily="49" charset="0"/>
-              </a:rPr>
-              <a:t>($a);</a:t>
-            </a:r>
-          </a:p>
-          <a:p>
-            <a:r>
-              <a:rPr lang="en-US" sz="1400" b="1" dirty="0" err="1">
-                <a:latin typeface="Courier New" panose="02070309020205020404" pitchFamily="49" charset="0"/>
-                <a:cs typeface="Courier New" panose="02070309020205020404" pitchFamily="49" charset="0"/>
-              </a:rPr>
-              <a:t>printf</a:t>
-            </a:r>
-            <a:r>
-              <a:rPr lang="en-US" sz="1400" b="1" dirty="0">
-                <a:latin typeface="Courier New" panose="02070309020205020404" pitchFamily="49" charset="0"/>
-                <a:cs typeface="Courier New" panose="02070309020205020404" pitchFamily="49" charset="0"/>
-              </a:rPr>
-              <a:t>("Largest value %s=%d\n", $k, $a[$k]);</a:t>
+              <a:rPr lang="en-US" sz="1100" b="1" dirty="0">
+                <a:latin typeface="Courier New" panose="02070309020205020404" pitchFamily="49" charset="0"/>
+                <a:cs typeface="Courier New" panose="02070309020205020404" pitchFamily="49" charset="0"/>
+              </a:rPr>
+              <a:t>        Integer max = null;</a:t>
+            </a:r>
+          </a:p>
+          <a:p>
+            <a:r>
+              <a:rPr lang="en-US" sz="1100" b="1" dirty="0">
+                <a:latin typeface="Courier New" panose="02070309020205020404" pitchFamily="49" charset="0"/>
+                <a:cs typeface="Courier New" panose="02070309020205020404" pitchFamily="49" charset="0"/>
+              </a:rPr>
+              <a:t>        String </a:t>
+            </a:r>
+            <a:r>
+              <a:rPr lang="en-US" sz="1100" b="1" dirty="0" err="1">
+                <a:latin typeface="Courier New" panose="02070309020205020404" pitchFamily="49" charset="0"/>
+                <a:cs typeface="Courier New" panose="02070309020205020404" pitchFamily="49" charset="0"/>
+              </a:rPr>
+              <a:t>max_key</a:t>
+            </a:r>
+            <a:r>
+              <a:rPr lang="en-US" sz="1100" b="1" dirty="0">
+                <a:latin typeface="Courier New" panose="02070309020205020404" pitchFamily="49" charset="0"/>
+                <a:cs typeface="Courier New" panose="02070309020205020404" pitchFamily="49" charset="0"/>
+              </a:rPr>
+              <a:t> = null;</a:t>
+            </a:r>
+          </a:p>
+          <a:p>
+            <a:r>
+              <a:rPr lang="en-US" sz="1100" b="1" dirty="0">
+                <a:latin typeface="Courier New" panose="02070309020205020404" pitchFamily="49" charset="0"/>
+                <a:cs typeface="Courier New" panose="02070309020205020404" pitchFamily="49" charset="0"/>
+              </a:rPr>
+              <a:t>        for (</a:t>
+            </a:r>
+            <a:r>
+              <a:rPr lang="en-US" sz="1100" b="1" dirty="0" err="1">
+                <a:latin typeface="Courier New" panose="02070309020205020404" pitchFamily="49" charset="0"/>
+                <a:cs typeface="Courier New" panose="02070309020205020404" pitchFamily="49" charset="0"/>
+              </a:rPr>
+              <a:t>Map.Entry</a:t>
+            </a:r>
+            <a:r>
+              <a:rPr lang="en-US" sz="1100" b="1" dirty="0">
+                <a:latin typeface="Courier New" panose="02070309020205020404" pitchFamily="49" charset="0"/>
+                <a:cs typeface="Courier New" panose="02070309020205020404" pitchFamily="49" charset="0"/>
+              </a:rPr>
+              <a:t>&lt;</a:t>
+            </a:r>
+            <a:r>
+              <a:rPr lang="en-US" sz="1100" b="1" dirty="0" err="1">
+                <a:latin typeface="Courier New" panose="02070309020205020404" pitchFamily="49" charset="0"/>
+                <a:cs typeface="Courier New" panose="02070309020205020404" pitchFamily="49" charset="0"/>
+              </a:rPr>
+              <a:t>String,Integer</a:t>
+            </a:r>
+            <a:r>
+              <a:rPr lang="en-US" sz="1100" b="1" dirty="0">
+                <a:latin typeface="Courier New" panose="02070309020205020404" pitchFamily="49" charset="0"/>
+                <a:cs typeface="Courier New" panose="02070309020205020404" pitchFamily="49" charset="0"/>
+              </a:rPr>
+              <a:t>&gt; entry : </a:t>
+            </a:r>
+            <a:r>
+              <a:rPr lang="en-US" sz="1100" b="1" dirty="0" err="1">
+                <a:latin typeface="Courier New" panose="02070309020205020404" pitchFamily="49" charset="0"/>
+                <a:cs typeface="Courier New" panose="02070309020205020404" pitchFamily="49" charset="0"/>
+              </a:rPr>
+              <a:t>map.entrySet</a:t>
+            </a:r>
+            <a:r>
+              <a:rPr lang="en-US" sz="1100" b="1" dirty="0">
+                <a:latin typeface="Courier New" panose="02070309020205020404" pitchFamily="49" charset="0"/>
+                <a:cs typeface="Courier New" panose="02070309020205020404" pitchFamily="49" charset="0"/>
+              </a:rPr>
+              <a:t>()) {</a:t>
+            </a:r>
+          </a:p>
+          <a:p>
+            <a:r>
+              <a:rPr lang="en-US" sz="1100" b="1" dirty="0">
+                <a:latin typeface="Courier New" panose="02070309020205020404" pitchFamily="49" charset="0"/>
+                <a:cs typeface="Courier New" panose="02070309020205020404" pitchFamily="49" charset="0"/>
+              </a:rPr>
+              <a:t>                if ( max == null || </a:t>
+            </a:r>
+            <a:r>
+              <a:rPr lang="en-US" sz="1100" b="1" dirty="0" err="1">
+                <a:latin typeface="Courier New" panose="02070309020205020404" pitchFamily="49" charset="0"/>
+                <a:cs typeface="Courier New" panose="02070309020205020404" pitchFamily="49" charset="0"/>
+              </a:rPr>
+              <a:t>entry.getValue</a:t>
+            </a:r>
+            <a:r>
+              <a:rPr lang="en-US" sz="1100" b="1" dirty="0">
+                <a:latin typeface="Courier New" panose="02070309020205020404" pitchFamily="49" charset="0"/>
+                <a:cs typeface="Courier New" panose="02070309020205020404" pitchFamily="49" charset="0"/>
+              </a:rPr>
+              <a:t>() &gt; max ) {</a:t>
+            </a:r>
+          </a:p>
+          <a:p>
+            <a:r>
+              <a:rPr lang="en-US" sz="1100" b="1" dirty="0">
+                <a:latin typeface="Courier New" panose="02070309020205020404" pitchFamily="49" charset="0"/>
+                <a:cs typeface="Courier New" panose="02070309020205020404" pitchFamily="49" charset="0"/>
+              </a:rPr>
+              <a:t>                    max = </a:t>
+            </a:r>
+            <a:r>
+              <a:rPr lang="en-US" sz="1100" b="1" dirty="0" err="1">
+                <a:latin typeface="Courier New" panose="02070309020205020404" pitchFamily="49" charset="0"/>
+                <a:cs typeface="Courier New" panose="02070309020205020404" pitchFamily="49" charset="0"/>
+              </a:rPr>
+              <a:t>entry.getValue</a:t>
+            </a:r>
+            <a:r>
+              <a:rPr lang="en-US" sz="1100" b="1" dirty="0">
+                <a:latin typeface="Courier New" panose="02070309020205020404" pitchFamily="49" charset="0"/>
+                <a:cs typeface="Courier New" panose="02070309020205020404" pitchFamily="49" charset="0"/>
+              </a:rPr>
+              <a:t>();</a:t>
+            </a:r>
+          </a:p>
+          <a:p>
+            <a:r>
+              <a:rPr lang="en-US" sz="1100" b="1" dirty="0">
+                <a:latin typeface="Courier New" panose="02070309020205020404" pitchFamily="49" charset="0"/>
+                <a:cs typeface="Courier New" panose="02070309020205020404" pitchFamily="49" charset="0"/>
+              </a:rPr>
+              <a:t>                    </a:t>
+            </a:r>
+            <a:r>
+              <a:rPr lang="en-US" sz="1100" b="1" dirty="0" err="1">
+                <a:latin typeface="Courier New" panose="02070309020205020404" pitchFamily="49" charset="0"/>
+                <a:cs typeface="Courier New" panose="02070309020205020404" pitchFamily="49" charset="0"/>
+              </a:rPr>
+              <a:t>max_key</a:t>
+            </a:r>
+            <a:r>
+              <a:rPr lang="en-US" sz="1100" b="1" dirty="0">
+                <a:latin typeface="Courier New" panose="02070309020205020404" pitchFamily="49" charset="0"/>
+                <a:cs typeface="Courier New" panose="02070309020205020404" pitchFamily="49" charset="0"/>
+              </a:rPr>
+              <a:t> = </a:t>
+            </a:r>
+            <a:r>
+              <a:rPr lang="en-US" sz="1100" b="1" dirty="0" err="1">
+                <a:latin typeface="Courier New" panose="02070309020205020404" pitchFamily="49" charset="0"/>
+                <a:cs typeface="Courier New" panose="02070309020205020404" pitchFamily="49" charset="0"/>
+              </a:rPr>
+              <a:t>entry.getKey</a:t>
+            </a:r>
+            <a:r>
+              <a:rPr lang="en-US" sz="1100" b="1" dirty="0">
+                <a:latin typeface="Courier New" panose="02070309020205020404" pitchFamily="49" charset="0"/>
+                <a:cs typeface="Courier New" panose="02070309020205020404" pitchFamily="49" charset="0"/>
+              </a:rPr>
+              <a:t>();</a:t>
+            </a:r>
+          </a:p>
+          <a:p>
+            <a:r>
+              <a:rPr lang="en-US" sz="1100" b="1" dirty="0">
+                <a:latin typeface="Courier New" panose="02070309020205020404" pitchFamily="49" charset="0"/>
+                <a:cs typeface="Courier New" panose="02070309020205020404" pitchFamily="49" charset="0"/>
+              </a:rPr>
+              <a:t>                }</a:t>
+            </a:r>
+          </a:p>
+          <a:p>
+            <a:r>
+              <a:rPr lang="en-US" sz="1100" b="1" dirty="0">
+                <a:latin typeface="Courier New" panose="02070309020205020404" pitchFamily="49" charset="0"/>
+                <a:cs typeface="Courier New" panose="02070309020205020404" pitchFamily="49" charset="0"/>
+              </a:rPr>
+              <a:t>        }</a:t>
+            </a:r>
+          </a:p>
+          <a:p>
+            <a:endParaRPr lang="en-US" sz="1100" b="1" dirty="0">
+              <a:latin typeface="Courier New" panose="02070309020205020404" pitchFamily="49" charset="0"/>
+              <a:cs typeface="Courier New" panose="02070309020205020404" pitchFamily="49" charset="0"/>
+            </a:endParaRPr>
+          </a:p>
+          <a:p>
+            <a:r>
+              <a:rPr lang="en-US" sz="1100" b="1" dirty="0">
+                <a:latin typeface="Courier New" panose="02070309020205020404" pitchFamily="49" charset="0"/>
+                <a:cs typeface="Courier New" panose="02070309020205020404" pitchFamily="49" charset="0"/>
+              </a:rPr>
+              <a:t>        </a:t>
+            </a:r>
+            <a:r>
+              <a:rPr lang="en-US" sz="1100" b="1" dirty="0" err="1">
+                <a:latin typeface="Courier New" panose="02070309020205020404" pitchFamily="49" charset="0"/>
+                <a:cs typeface="Courier New" panose="02070309020205020404" pitchFamily="49" charset="0"/>
+              </a:rPr>
+              <a:t>System.out.printf</a:t>
+            </a:r>
+            <a:r>
+              <a:rPr lang="en-US" sz="1100" b="1" dirty="0">
+                <a:latin typeface="Courier New" panose="02070309020205020404" pitchFamily="49" charset="0"/>
+                <a:cs typeface="Courier New" panose="02070309020205020404" pitchFamily="49" charset="0"/>
+              </a:rPr>
+              <a:t>("The largest value is %s=%d\n", </a:t>
+            </a:r>
+            <a:r>
+              <a:rPr lang="en-US" sz="1100" b="1" dirty="0" err="1">
+                <a:latin typeface="Courier New" panose="02070309020205020404" pitchFamily="49" charset="0"/>
+                <a:cs typeface="Courier New" panose="02070309020205020404" pitchFamily="49" charset="0"/>
+              </a:rPr>
+              <a:t>max_key</a:t>
+            </a:r>
+            <a:r>
+              <a:rPr lang="en-US" sz="1100" b="1" dirty="0">
+                <a:latin typeface="Courier New" panose="02070309020205020404" pitchFamily="49" charset="0"/>
+                <a:cs typeface="Courier New" panose="02070309020205020404" pitchFamily="49" charset="0"/>
+              </a:rPr>
+              <a:t>, max);</a:t>
+            </a:r>
+          </a:p>
+          <a:p>
+            <a:r>
+              <a:rPr lang="en-US" sz="1100" b="1" dirty="0">
+                <a:latin typeface="Courier New" panose="02070309020205020404" pitchFamily="49" charset="0"/>
+                <a:cs typeface="Courier New" panose="02070309020205020404" pitchFamily="49" charset="0"/>
+              </a:rPr>
+              <a:t>    }</a:t>
+            </a:r>
+          </a:p>
+          <a:p>
+            <a:r>
+              <a:rPr lang="en-US" sz="1100" b="1" dirty="0">
+                <a:latin typeface="Courier New" panose="02070309020205020404" pitchFamily="49" charset="0"/>
+                <a:cs typeface="Courier New" panose="02070309020205020404" pitchFamily="49" charset="0"/>
+              </a:rPr>
+              <a:t>}</a:t>
             </a:r>
           </a:p>
         </p:txBody>
@@ -5215,8 +9180,8 @@
         </p:nvSpPr>
         <p:spPr>
           <a:xfrm>
-            <a:off x="7416616" y="243912"/>
-            <a:ext cx="2416046" cy="6555641"/>
+            <a:off x="7658664" y="628233"/>
+            <a:ext cx="3147015" cy="2800767"/>
           </a:xfrm>
           <a:prstGeom prst="rect">
             <a:avLst/>
@@ -5235,93 +9200,25 @@
           <a:lstStyle/>
           <a:p>
             <a:r>
-              <a:rPr lang="en-US" sz="1200" b="1" dirty="0">
-                <a:latin typeface="Courier New" panose="02070309020205020404" pitchFamily="49" charset="0"/>
-                <a:cs typeface="Courier New" panose="02070309020205020404" pitchFamily="49" charset="0"/>
-              </a:rPr>
-              <a:t>Testing </a:t>
-            </a:r>
-            <a:r>
-              <a:rPr lang="en-US" sz="1200" b="1" dirty="0" err="1">
-                <a:latin typeface="Courier New" panose="02070309020205020404" pitchFamily="49" charset="0"/>
-                <a:cs typeface="Courier New" panose="02070309020205020404" pitchFamily="49" charset="0"/>
-              </a:rPr>
-              <a:t>dict</a:t>
-            </a:r>
-            <a:r>
-              <a:rPr lang="en-US" sz="1200" b="1" dirty="0">
-                <a:latin typeface="Courier New" panose="02070309020205020404" pitchFamily="49" charset="0"/>
-                <a:cs typeface="Courier New" panose="02070309020205020404" pitchFamily="49" charset="0"/>
-              </a:rPr>
-              <a:t> class</a:t>
-            </a:r>
-          </a:p>
-          <a:p>
-            <a:r>
-              <a:rPr lang="en-US" sz="1200" b="1" dirty="0">
-                <a:latin typeface="Courier New" panose="02070309020205020404" pitchFamily="49" charset="0"/>
-                <a:cs typeface="Courier New" panose="02070309020205020404" pitchFamily="49" charset="0"/>
-              </a:rPr>
-              <a:t>Array</a:t>
-            </a:r>
-          </a:p>
-          <a:p>
-            <a:r>
-              <a:rPr lang="en-US" sz="1200" b="1" dirty="0">
-                <a:latin typeface="Courier New" panose="02070309020205020404" pitchFamily="49" charset="0"/>
-                <a:cs typeface="Courier New" panose="02070309020205020404" pitchFamily="49" charset="0"/>
-              </a:rPr>
-              <a:t>(</a:t>
-            </a:r>
-          </a:p>
-          <a:p>
-            <a:r>
-              <a:rPr lang="en-US" sz="1200" b="1" dirty="0">
-                <a:latin typeface="Courier New" panose="02070309020205020404" pitchFamily="49" charset="0"/>
-                <a:cs typeface="Courier New" panose="02070309020205020404" pitchFamily="49" charset="0"/>
-              </a:rPr>
-              <a:t>    [z] =&gt; 1</a:t>
-            </a:r>
-          </a:p>
-          <a:p>
-            <a:r>
-              <a:rPr lang="en-US" sz="1200" b="1" dirty="0">
-                <a:latin typeface="Courier New" panose="02070309020205020404" pitchFamily="49" charset="0"/>
-                <a:cs typeface="Courier New" panose="02070309020205020404" pitchFamily="49" charset="0"/>
-              </a:rPr>
-              <a:t>    [y] =&gt; 9</a:t>
-            </a:r>
-          </a:p>
-          <a:p>
-            <a:r>
-              <a:rPr lang="en-US" sz="1200" b="1" dirty="0">
-                <a:latin typeface="Courier New" panose="02070309020205020404" pitchFamily="49" charset="0"/>
-                <a:cs typeface="Courier New" panose="02070309020205020404" pitchFamily="49" charset="0"/>
-              </a:rPr>
-              <a:t>    [b] =&gt; 3</a:t>
-            </a:r>
-          </a:p>
-          <a:p>
-            <a:r>
-              <a:rPr lang="en-US" sz="1200" b="1" dirty="0">
-                <a:latin typeface="Courier New" panose="02070309020205020404" pitchFamily="49" charset="0"/>
-                <a:cs typeface="Courier New" panose="02070309020205020404" pitchFamily="49" charset="0"/>
-              </a:rPr>
-              <a:t>    [a] =&gt; 4</a:t>
-            </a:r>
-          </a:p>
-          <a:p>
-            <a:r>
-              <a:rPr lang="en-US" sz="1200" b="1" dirty="0">
-                <a:latin typeface="Courier New" panose="02070309020205020404" pitchFamily="49" charset="0"/>
-                <a:cs typeface="Courier New" panose="02070309020205020404" pitchFamily="49" charset="0"/>
-              </a:rPr>
-              <a:t>)</a:t>
-            </a:r>
-          </a:p>
-          <a:p>
-            <a:r>
-              <a:rPr lang="en-US" sz="1200" b="1" dirty="0">
+              <a:rPr lang="en-US" sz="1600" b="1" dirty="0">
+                <a:latin typeface="Courier New" panose="02070309020205020404" pitchFamily="49" charset="0"/>
+                <a:cs typeface="Courier New" panose="02070309020205020404" pitchFamily="49" charset="0"/>
+              </a:rPr>
+              <a:t>Testing Map class</a:t>
+            </a:r>
+          </a:p>
+          <a:p>
+            <a:r>
+              <a:rPr lang="en-US" sz="1600" b="1" dirty="0">
+                <a:latin typeface="Courier New" panose="02070309020205020404" pitchFamily="49" charset="0"/>
+                <a:cs typeface="Courier New" panose="02070309020205020404" pitchFamily="49" charset="0"/>
+              </a:rPr>
+              <a:t>{a=4, b=3, y=2, z=1}</a:t>
+            </a:r>
+          </a:p>
+          <a:p>
+            <a:r>
+              <a:rPr lang="en-US" sz="1600" b="1" dirty="0">
                 <a:latin typeface="Courier New" panose="02070309020205020404" pitchFamily="49" charset="0"/>
                 <a:cs typeface="Courier New" panose="02070309020205020404" pitchFamily="49" charset="0"/>
               </a:rPr>
@@ -5330,7 +9227,7 @@
           </a:p>
           <a:p>
             <a:r>
-              <a:rPr lang="en-US" sz="1200" b="1" dirty="0">
+              <a:rPr lang="en-US" sz="1600" b="1" dirty="0">
                 <a:latin typeface="Courier New" panose="02070309020205020404" pitchFamily="49" charset="0"/>
                 <a:cs typeface="Courier New" panose="02070309020205020404" pitchFamily="49" charset="0"/>
               </a:rPr>
@@ -5338,219 +9235,63 @@
             </a:r>
           </a:p>
           <a:p>
-            <a:endParaRPr lang="en-US" sz="1200" b="1" dirty="0">
+            <a:endParaRPr lang="en-US" sz="1600" b="1" dirty="0">
               <a:latin typeface="Courier New" panose="02070309020205020404" pitchFamily="49" charset="0"/>
               <a:cs typeface="Courier New" panose="02070309020205020404" pitchFamily="49" charset="0"/>
             </a:endParaRPr>
           </a:p>
           <a:p>
             <a:r>
-              <a:rPr lang="en-US" sz="1200" b="1" dirty="0">
-                <a:latin typeface="Courier New" panose="02070309020205020404" pitchFamily="49" charset="0"/>
-                <a:cs typeface="Courier New" panose="02070309020205020404" pitchFamily="49" charset="0"/>
-              </a:rPr>
-              <a:t>Iterate</a:t>
-            </a:r>
-          </a:p>
-          <a:p>
-            <a:r>
-              <a:rPr lang="en-US" sz="1200" b="1" dirty="0">
-                <a:latin typeface="Courier New" panose="02070309020205020404" pitchFamily="49" charset="0"/>
-                <a:cs typeface="Courier New" panose="02070309020205020404" pitchFamily="49" charset="0"/>
-              </a:rPr>
-              <a:t> z=1</a:t>
-            </a:r>
-          </a:p>
-          <a:p>
-            <a:r>
-              <a:rPr lang="en-US" sz="1200" b="1" dirty="0">
-                <a:latin typeface="Courier New" panose="02070309020205020404" pitchFamily="49" charset="0"/>
-                <a:cs typeface="Courier New" panose="02070309020205020404" pitchFamily="49" charset="0"/>
-              </a:rPr>
-              <a:t> y=9</a:t>
-            </a:r>
-          </a:p>
-          <a:p>
-            <a:r>
-              <a:rPr lang="en-US" sz="1200" b="1" dirty="0">
-                <a:latin typeface="Courier New" panose="02070309020205020404" pitchFamily="49" charset="0"/>
-                <a:cs typeface="Courier New" panose="02070309020205020404" pitchFamily="49" charset="0"/>
-              </a:rPr>
-              <a:t> b=3</a:t>
-            </a:r>
-          </a:p>
-          <a:p>
-            <a:r>
-              <a:rPr lang="en-US" sz="1200" b="1" dirty="0">
-                <a:latin typeface="Courier New" panose="02070309020205020404" pitchFamily="49" charset="0"/>
-                <a:cs typeface="Courier New" panose="02070309020205020404" pitchFamily="49" charset="0"/>
-              </a:rPr>
-              <a:t> a=4</a:t>
-            </a:r>
-          </a:p>
-          <a:p>
-            <a:endParaRPr lang="en-US" sz="1200" b="1" dirty="0">
-              <a:latin typeface="Courier New" panose="02070309020205020404" pitchFamily="49" charset="0"/>
-              <a:cs typeface="Courier New" panose="02070309020205020404" pitchFamily="49" charset="0"/>
-            </a:endParaRPr>
-          </a:p>
-          <a:p>
-            <a:r>
-              <a:rPr lang="en-US" sz="1200" b="1" dirty="0">
-                <a:latin typeface="Courier New" panose="02070309020205020404" pitchFamily="49" charset="0"/>
-                <a:cs typeface="Courier New" panose="02070309020205020404" pitchFamily="49" charset="0"/>
-              </a:rPr>
-              <a:t>Sort by key</a:t>
-            </a:r>
-          </a:p>
-          <a:p>
-            <a:r>
-              <a:rPr lang="en-US" sz="1200" b="1" dirty="0">
-                <a:latin typeface="Courier New" panose="02070309020205020404" pitchFamily="49" charset="0"/>
-                <a:cs typeface="Courier New" panose="02070309020205020404" pitchFamily="49" charset="0"/>
-              </a:rPr>
-              <a:t>Array</a:t>
-            </a:r>
-          </a:p>
-          <a:p>
-            <a:r>
-              <a:rPr lang="en-US" sz="1200" b="1" dirty="0">
-                <a:latin typeface="Courier New" panose="02070309020205020404" pitchFamily="49" charset="0"/>
-                <a:cs typeface="Courier New" panose="02070309020205020404" pitchFamily="49" charset="0"/>
-              </a:rPr>
-              <a:t>(</a:t>
-            </a:r>
-          </a:p>
-          <a:p>
-            <a:r>
-              <a:rPr lang="en-US" sz="1200" b="1" dirty="0">
-                <a:latin typeface="Courier New" panose="02070309020205020404" pitchFamily="49" charset="0"/>
-                <a:cs typeface="Courier New" panose="02070309020205020404" pitchFamily="49" charset="0"/>
-              </a:rPr>
-              <a:t>    [a] =&gt; 4</a:t>
-            </a:r>
-          </a:p>
-          <a:p>
-            <a:r>
-              <a:rPr lang="en-US" sz="1200" b="1" dirty="0">
-                <a:latin typeface="Courier New" panose="02070309020205020404" pitchFamily="49" charset="0"/>
-                <a:cs typeface="Courier New" panose="02070309020205020404" pitchFamily="49" charset="0"/>
-              </a:rPr>
-              <a:t>    [b] =&gt; 3</a:t>
-            </a:r>
-          </a:p>
-          <a:p>
-            <a:r>
-              <a:rPr lang="en-US" sz="1200" b="1" dirty="0">
-                <a:latin typeface="Courier New" panose="02070309020205020404" pitchFamily="49" charset="0"/>
-                <a:cs typeface="Courier New" panose="02070309020205020404" pitchFamily="49" charset="0"/>
-              </a:rPr>
-              <a:t>    [y] =&gt; 9</a:t>
-            </a:r>
-          </a:p>
-          <a:p>
-            <a:r>
-              <a:rPr lang="en-US" sz="1200" b="1" dirty="0">
-                <a:latin typeface="Courier New" panose="02070309020205020404" pitchFamily="49" charset="0"/>
-                <a:cs typeface="Courier New" panose="02070309020205020404" pitchFamily="49" charset="0"/>
-              </a:rPr>
-              <a:t>    [z] =&gt; 1</a:t>
-            </a:r>
-          </a:p>
-          <a:p>
-            <a:r>
-              <a:rPr lang="en-US" sz="1200" b="1" dirty="0">
-                <a:latin typeface="Courier New" panose="02070309020205020404" pitchFamily="49" charset="0"/>
-                <a:cs typeface="Courier New" panose="02070309020205020404" pitchFamily="49" charset="0"/>
-              </a:rPr>
-              <a:t>)</a:t>
-            </a:r>
-          </a:p>
-          <a:p>
-            <a:endParaRPr lang="en-US" sz="1200" b="1" dirty="0">
-              <a:latin typeface="Courier New" panose="02070309020205020404" pitchFamily="49" charset="0"/>
-              <a:cs typeface="Courier New" panose="02070309020205020404" pitchFamily="49" charset="0"/>
-            </a:endParaRPr>
-          </a:p>
-          <a:p>
-            <a:r>
-              <a:rPr lang="en-US" sz="1200" b="1" dirty="0">
-                <a:latin typeface="Courier New" panose="02070309020205020404" pitchFamily="49" charset="0"/>
-                <a:cs typeface="Courier New" panose="02070309020205020404" pitchFamily="49" charset="0"/>
-              </a:rPr>
-              <a:t>Sort by value in reverse</a:t>
-            </a:r>
-          </a:p>
-          <a:p>
-            <a:r>
-              <a:rPr lang="en-US" sz="1200" b="1" dirty="0">
-                <a:latin typeface="Courier New" panose="02070309020205020404" pitchFamily="49" charset="0"/>
-                <a:cs typeface="Courier New" panose="02070309020205020404" pitchFamily="49" charset="0"/>
-              </a:rPr>
-              <a:t>Array</a:t>
-            </a:r>
-          </a:p>
-          <a:p>
-            <a:r>
-              <a:rPr lang="en-US" sz="1200" b="1" dirty="0">
-                <a:latin typeface="Courier New" panose="02070309020205020404" pitchFamily="49" charset="0"/>
-                <a:cs typeface="Courier New" panose="02070309020205020404" pitchFamily="49" charset="0"/>
-              </a:rPr>
-              <a:t>(</a:t>
-            </a:r>
-          </a:p>
-          <a:p>
-            <a:r>
-              <a:rPr lang="en-US" sz="1200" b="1" dirty="0">
-                <a:latin typeface="Courier New" panose="02070309020205020404" pitchFamily="49" charset="0"/>
-                <a:cs typeface="Courier New" panose="02070309020205020404" pitchFamily="49" charset="0"/>
-              </a:rPr>
-              <a:t>    [y] =&gt; 9</a:t>
-            </a:r>
-          </a:p>
-          <a:p>
-            <a:r>
-              <a:rPr lang="en-US" sz="1200" b="1" dirty="0">
-                <a:latin typeface="Courier New" panose="02070309020205020404" pitchFamily="49" charset="0"/>
-                <a:cs typeface="Courier New" panose="02070309020205020404" pitchFamily="49" charset="0"/>
-              </a:rPr>
-              <a:t>    [a] =&gt; 4</a:t>
-            </a:r>
-          </a:p>
-          <a:p>
-            <a:r>
-              <a:rPr lang="en-US" sz="1200" b="1" dirty="0">
-                <a:latin typeface="Courier New" panose="02070309020205020404" pitchFamily="49" charset="0"/>
-                <a:cs typeface="Courier New" panose="02070309020205020404" pitchFamily="49" charset="0"/>
-              </a:rPr>
-              <a:t>    [b] =&gt; 3</a:t>
-            </a:r>
-          </a:p>
-          <a:p>
-            <a:r>
-              <a:rPr lang="en-US" sz="1200" b="1" dirty="0">
-                <a:latin typeface="Courier New" panose="02070309020205020404" pitchFamily="49" charset="0"/>
-                <a:cs typeface="Courier New" panose="02070309020205020404" pitchFamily="49" charset="0"/>
-              </a:rPr>
-              <a:t>    [z] =&gt; 1</a:t>
-            </a:r>
-          </a:p>
-          <a:p>
-            <a:r>
-              <a:rPr lang="en-US" sz="1200" b="1" dirty="0">
-                <a:latin typeface="Courier New" panose="02070309020205020404" pitchFamily="49" charset="0"/>
-                <a:cs typeface="Courier New" panose="02070309020205020404" pitchFamily="49" charset="0"/>
-              </a:rPr>
-              <a:t>)</a:t>
-            </a:r>
-          </a:p>
-          <a:p>
-            <a:r>
-              <a:rPr lang="en-US" sz="1200" b="1" dirty="0">
-                <a:latin typeface="Courier New" panose="02070309020205020404" pitchFamily="49" charset="0"/>
-                <a:cs typeface="Courier New" panose="02070309020205020404" pitchFamily="49" charset="0"/>
-              </a:rPr>
-              <a:t>Largest value y=9</a:t>
+              <a:rPr lang="en-US" sz="1600" b="1" dirty="0">
+                <a:latin typeface="Courier New" panose="02070309020205020404" pitchFamily="49" charset="0"/>
+                <a:cs typeface="Courier New" panose="02070309020205020404" pitchFamily="49" charset="0"/>
+              </a:rPr>
+              <a:t>Iterate forwards</a:t>
+            </a:r>
+          </a:p>
+          <a:p>
+            <a:r>
+              <a:rPr lang="en-US" sz="1600" b="1" dirty="0">
+                <a:latin typeface="Courier New" panose="02070309020205020404" pitchFamily="49" charset="0"/>
+                <a:cs typeface="Courier New" panose="02070309020205020404" pitchFamily="49" charset="0"/>
+              </a:rPr>
+              <a:t>Key = a, Value = 4</a:t>
+            </a:r>
+          </a:p>
+          <a:p>
+            <a:r>
+              <a:rPr lang="en-US" sz="1600" b="1" dirty="0">
+                <a:latin typeface="Courier New" panose="02070309020205020404" pitchFamily="49" charset="0"/>
+                <a:cs typeface="Courier New" panose="02070309020205020404" pitchFamily="49" charset="0"/>
+              </a:rPr>
+              <a:t>Key = b, Value = 3</a:t>
+            </a:r>
+          </a:p>
+          <a:p>
+            <a:r>
+              <a:rPr lang="en-US" sz="1600" b="1" dirty="0">
+                <a:latin typeface="Courier New" panose="02070309020205020404" pitchFamily="49" charset="0"/>
+                <a:cs typeface="Courier New" panose="02070309020205020404" pitchFamily="49" charset="0"/>
+              </a:rPr>
+              <a:t>Key = y, Value = 2</a:t>
+            </a:r>
+          </a:p>
+          <a:p>
+            <a:r>
+              <a:rPr lang="en-US" sz="1600" b="1" dirty="0">
+                <a:latin typeface="Courier New" panose="02070309020205020404" pitchFamily="49" charset="0"/>
+                <a:cs typeface="Courier New" panose="02070309020205020404" pitchFamily="49" charset="0"/>
+              </a:rPr>
+              <a:t>Key = z, Value = 1</a:t>
+            </a:r>
+          </a:p>
+          <a:p>
+            <a:r>
+              <a:rPr lang="en-US" sz="1600" b="1" dirty="0">
+                <a:latin typeface="Courier New" panose="02070309020205020404" pitchFamily="49" charset="0"/>
+                <a:cs typeface="Courier New" panose="02070309020205020404" pitchFamily="49" charset="0"/>
+              </a:rPr>
+              <a:t>The largest value is a=4</a:t>
             </a:r>
           </a:p>
         </p:txBody>
@@ -5590,7 +9331,42 @@
                 </a:solidFill>
                 <a:latin typeface="Menlo" panose="020B0609030804020204" pitchFamily="49" charset="0"/>
               </a:rPr>
-              <a:t>cc_04_01.php</a:t>
+              <a:t>cc_04_01.java</a:t>
+            </a:r>
+          </a:p>
+        </p:txBody>
+      </p:sp>
+      <p:sp>
+        <p:nvSpPr>
+          <p:cNvPr id="7" name="TextBox 6">
+            <a:extLst>
+              <a:ext uri="{FF2B5EF4-FFF2-40B4-BE49-F238E27FC236}">
+                <a16:creationId xmlns:a16="http://schemas.microsoft.com/office/drawing/2014/main" id="{375A7327-6709-E446-2854-C719E46D072A}"/>
+              </a:ext>
+            </a:extLst>
+          </p:cNvPr>
+          <p:cNvSpPr txBox="1"/>
+          <p:nvPr/>
+        </p:nvSpPr>
+        <p:spPr>
+          <a:xfrm>
+            <a:off x="7638388" y="3950003"/>
+            <a:ext cx="4490658" cy="1477328"/>
+          </a:xfrm>
+          <a:prstGeom prst="rect">
+            <a:avLst/>
+          </a:prstGeom>
+          <a:noFill/>
+        </p:spPr>
+        <p:txBody>
+          <a:bodyPr wrap="square" rtlCol="0">
+            <a:spAutoFit/>
+          </a:bodyPr>
+          <a:lstStyle/>
+          <a:p>
+            <a:r>
+              <a:rPr lang="en-US" dirty="0"/>
+              <a:t>C++ was initially implemented as a pre-processing pass that did textual transformations and then passed the code into the C compiler.  There is no concept of "self" or "this".</a:t>
             </a:r>
           </a:p>
         </p:txBody>
@@ -5598,7 +9374,7 @@
     </p:spTree>
     <p:extLst>
       <p:ext uri="{BB962C8B-B14F-4D97-AF65-F5344CB8AC3E}">
-        <p14:creationId xmlns:p14="http://schemas.microsoft.com/office/powerpoint/2010/main" val="703497678"/>
+        <p14:creationId xmlns:p14="http://schemas.microsoft.com/office/powerpoint/2010/main" val="2979443428"/>
       </p:ext>
     </p:extLst>
   </p:cSld>
@@ -5639,8 +9415,8 @@
         </p:nvSpPr>
         <p:spPr>
           <a:xfrm>
-            <a:off x="629399" y="544797"/>
-            <a:ext cx="6413935" cy="5478423"/>
+            <a:off x="1005917" y="316197"/>
+            <a:ext cx="4910319" cy="6124754"/>
           </a:xfrm>
           <a:prstGeom prst="rect">
             <a:avLst/>
@@ -5658,21 +9434,7 @@
                 <a:latin typeface="Courier New" panose="02070309020205020404" pitchFamily="49" charset="0"/>
                 <a:cs typeface="Courier New" panose="02070309020205020404" pitchFamily="49" charset="0"/>
               </a:rPr>
-              <a:t>d = </a:t>
-            </a:r>
-            <a:r>
-              <a:rPr lang="en-US" sz="1400" b="1" dirty="0" err="1">
-                <a:latin typeface="Courier New" panose="02070309020205020404" pitchFamily="49" charset="0"/>
-                <a:cs typeface="Courier New" panose="02070309020205020404" pitchFamily="49" charset="0"/>
-              </a:rPr>
-              <a:t>dict</a:t>
-            </a:r>
-            <a:r>
-              <a:rPr lang="en-US" sz="1400" b="1" dirty="0">
-                <a:latin typeface="Courier New" panose="02070309020205020404" pitchFamily="49" charset="0"/>
-                <a:cs typeface="Courier New" panose="02070309020205020404" pitchFamily="49" charset="0"/>
-              </a:rPr>
-              <a:t>()</a:t>
+              <a:t>$a = array();</a:t>
             </a:r>
           </a:p>
           <a:p>
@@ -5694,68 +9456,75 @@
                 <a:latin typeface="Courier New" panose="02070309020205020404" pitchFamily="49" charset="0"/>
                 <a:cs typeface="Courier New" panose="02070309020205020404" pitchFamily="49" charset="0"/>
               </a:rPr>
-              <a:t>dict</a:t>
-            </a:r>
-            <a:r>
-              <a:rPr lang="en-US" sz="1400" b="1" dirty="0">
-                <a:latin typeface="Courier New" panose="02070309020205020404" pitchFamily="49" charset="0"/>
-                <a:cs typeface="Courier New" panose="02070309020205020404" pitchFamily="49" charset="0"/>
-              </a:rPr>
-              <a:t> class\n");</a:t>
-            </a:r>
-          </a:p>
-          <a:p>
-            <a:r>
-              <a:rPr lang="en-US" sz="1400" b="1" dirty="0">
-                <a:latin typeface="Courier New" panose="02070309020205020404" pitchFamily="49" charset="0"/>
-                <a:cs typeface="Courier New" panose="02070309020205020404" pitchFamily="49" charset="0"/>
-              </a:rPr>
-              <a:t>d["z"] = 8</a:t>
-            </a:r>
-          </a:p>
-          <a:p>
-            <a:r>
-              <a:rPr lang="en-US" sz="1400" b="1" dirty="0">
-                <a:latin typeface="Courier New" panose="02070309020205020404" pitchFamily="49" charset="0"/>
-                <a:cs typeface="Courier New" panose="02070309020205020404" pitchFamily="49" charset="0"/>
-              </a:rPr>
-              <a:t>d["z"] = 1</a:t>
-            </a:r>
-          </a:p>
-          <a:p>
-            <a:r>
-              <a:rPr lang="en-US" sz="1400" b="1" dirty="0">
-                <a:latin typeface="Courier New" panose="02070309020205020404" pitchFamily="49" charset="0"/>
-                <a:cs typeface="Courier New" panose="02070309020205020404" pitchFamily="49" charset="0"/>
-              </a:rPr>
-              <a:t>d["y"] = 9</a:t>
-            </a:r>
-          </a:p>
-          <a:p>
-            <a:r>
-              <a:rPr lang="en-US" sz="1400" b="1" dirty="0">
-                <a:latin typeface="Courier New" panose="02070309020205020404" pitchFamily="49" charset="0"/>
-                <a:cs typeface="Courier New" panose="02070309020205020404" pitchFamily="49" charset="0"/>
-              </a:rPr>
-              <a:t>d["b"] = 3</a:t>
-            </a:r>
-          </a:p>
-          <a:p>
-            <a:r>
-              <a:rPr lang="en-US" sz="1400" b="1" dirty="0">
-                <a:latin typeface="Courier New" panose="02070309020205020404" pitchFamily="49" charset="0"/>
-                <a:cs typeface="Courier New" panose="02070309020205020404" pitchFamily="49" charset="0"/>
-              </a:rPr>
-              <a:t>d["a"] = 4</a:t>
-            </a:r>
-          </a:p>
-          <a:p>
-            <a:r>
-              <a:rPr lang="en-US" sz="1400" b="1" dirty="0">
-                <a:latin typeface="Courier New" panose="02070309020205020404" pitchFamily="49" charset="0"/>
-                <a:cs typeface="Courier New" panose="02070309020205020404" pitchFamily="49" charset="0"/>
-              </a:rPr>
-              <a:t>print(d);</a:t>
+              <a:t>php</a:t>
+            </a:r>
+            <a:r>
+              <a:rPr lang="en-US" sz="1400" b="1" dirty="0">
+                <a:latin typeface="Courier New" panose="02070309020205020404" pitchFamily="49" charset="0"/>
+                <a:cs typeface="Courier New" panose="02070309020205020404" pitchFamily="49" charset="0"/>
+              </a:rPr>
+              <a:t> arrays\n");</a:t>
+            </a:r>
+          </a:p>
+          <a:p>
+            <a:r>
+              <a:rPr lang="en-US" sz="1400" b="1" dirty="0">
+                <a:latin typeface="Courier New" panose="02070309020205020404" pitchFamily="49" charset="0"/>
+                <a:cs typeface="Courier New" panose="02070309020205020404" pitchFamily="49" charset="0"/>
+              </a:rPr>
+              <a:t>$a["z"] = 8;</a:t>
+            </a:r>
+          </a:p>
+          <a:p>
+            <a:r>
+              <a:rPr lang="en-US" sz="1400" b="1" dirty="0">
+                <a:latin typeface="Courier New" panose="02070309020205020404" pitchFamily="49" charset="0"/>
+                <a:cs typeface="Courier New" panose="02070309020205020404" pitchFamily="49" charset="0"/>
+              </a:rPr>
+              <a:t>$a["z"] = 1;</a:t>
+            </a:r>
+          </a:p>
+          <a:p>
+            <a:r>
+              <a:rPr lang="en-US" sz="1400" b="1" dirty="0">
+                <a:latin typeface="Courier New" panose="02070309020205020404" pitchFamily="49" charset="0"/>
+                <a:cs typeface="Courier New" panose="02070309020205020404" pitchFamily="49" charset="0"/>
+              </a:rPr>
+              <a:t>$a["y"] = 9;</a:t>
+            </a:r>
+          </a:p>
+          <a:p>
+            <a:r>
+              <a:rPr lang="en-US" sz="1400" b="1" dirty="0">
+                <a:latin typeface="Courier New" panose="02070309020205020404" pitchFamily="49" charset="0"/>
+                <a:cs typeface="Courier New" panose="02070309020205020404" pitchFamily="49" charset="0"/>
+              </a:rPr>
+              <a:t>$a["b"] = 3;</a:t>
+            </a:r>
+          </a:p>
+          <a:p>
+            <a:r>
+              <a:rPr lang="en-US" sz="1400" b="1" dirty="0">
+                <a:latin typeface="Courier New" panose="02070309020205020404" pitchFamily="49" charset="0"/>
+                <a:cs typeface="Courier New" panose="02070309020205020404" pitchFamily="49" charset="0"/>
+              </a:rPr>
+              <a:t>$a["a"] = 4;</a:t>
+            </a:r>
+          </a:p>
+          <a:p>
+            <a:r>
+              <a:rPr lang="en-US" sz="1400" b="1" dirty="0" err="1">
+                <a:latin typeface="Courier New" panose="02070309020205020404" pitchFamily="49" charset="0"/>
+                <a:cs typeface="Courier New" panose="02070309020205020404" pitchFamily="49" charset="0"/>
+              </a:rPr>
+              <a:t>print_r</a:t>
+            </a:r>
+            <a:r>
+              <a:rPr lang="en-US" sz="1400" b="1" dirty="0">
+                <a:latin typeface="Courier New" panose="02070309020205020404" pitchFamily="49" charset="0"/>
+                <a:cs typeface="Courier New" panose="02070309020205020404" pitchFamily="49" charset="0"/>
+              </a:rPr>
+              <a:t>($a);</a:t>
             </a:r>
           </a:p>
           <a:p>
@@ -5766,48 +9535,34 @@
           </a:p>
           <a:p>
             <a:r>
-              <a:rPr lang="en-US" sz="1400" b="1" dirty="0">
-                <a:latin typeface="Courier New" panose="02070309020205020404" pitchFamily="49" charset="0"/>
-                <a:cs typeface="Courier New" panose="02070309020205020404" pitchFamily="49" charset="0"/>
-              </a:rPr>
-              <a:t>print("z=%d" % (</a:t>
-            </a:r>
-            <a:r>
               <a:rPr lang="en-US" sz="1400" b="1" dirty="0" err="1">
                 <a:latin typeface="Courier New" panose="02070309020205020404" pitchFamily="49" charset="0"/>
                 <a:cs typeface="Courier New" panose="02070309020205020404" pitchFamily="49" charset="0"/>
               </a:rPr>
-              <a:t>d.get</a:t>
-            </a:r>
-            <a:r>
-              <a:rPr lang="en-US" sz="1400" b="1" dirty="0">
-                <a:latin typeface="Courier New" panose="02070309020205020404" pitchFamily="49" charset="0"/>
-                <a:cs typeface="Courier New" panose="02070309020205020404" pitchFamily="49" charset="0"/>
-              </a:rPr>
-              <a:t>("z", 42), ));</a:t>
-            </a:r>
-          </a:p>
-          <a:p>
-            <a:r>
-              <a:rPr lang="en-US" sz="1400" b="1" dirty="0">
-                <a:latin typeface="Courier New" panose="02070309020205020404" pitchFamily="49" charset="0"/>
-                <a:cs typeface="Courier New" panose="02070309020205020404" pitchFamily="49" charset="0"/>
-              </a:rPr>
-              <a:t>print("x=%d" %  (</a:t>
-            </a:r>
+              <a:t>printf</a:t>
+            </a:r>
+            <a:r>
+              <a:rPr lang="en-US" sz="1400" b="1" dirty="0">
+                <a:latin typeface="Courier New" panose="02070309020205020404" pitchFamily="49" charset="0"/>
+                <a:cs typeface="Courier New" panose="02070309020205020404" pitchFamily="49" charset="0"/>
+              </a:rPr>
+              <a:t>("z=%d\n", $a["z"] ?? 42);</a:t>
+            </a:r>
+          </a:p>
+          <a:p>
             <a:r>
               <a:rPr lang="en-US" sz="1400" b="1" dirty="0" err="1">
                 <a:latin typeface="Courier New" panose="02070309020205020404" pitchFamily="49" charset="0"/>
                 <a:cs typeface="Courier New" panose="02070309020205020404" pitchFamily="49" charset="0"/>
               </a:rPr>
-              <a:t>d.get</a:t>
-            </a:r>
-            <a:r>
-              <a:rPr lang="en-US" sz="1400" b="1" dirty="0">
-                <a:latin typeface="Courier New" panose="02070309020205020404" pitchFamily="49" charset="0"/>
-                <a:cs typeface="Courier New" panose="02070309020205020404" pitchFamily="49" charset="0"/>
-              </a:rPr>
-              <a:t>("x", 42), ));</a:t>
+              <a:t>printf</a:t>
+            </a:r>
+            <a:r>
+              <a:rPr lang="en-US" sz="1400" b="1" dirty="0">
+                <a:latin typeface="Courier New" panose="02070309020205020404" pitchFamily="49" charset="0"/>
+                <a:cs typeface="Courier New" panose="02070309020205020404" pitchFamily="49" charset="0"/>
+              </a:rPr>
+              <a:t>("x=%d\n", $a["x"] ?? 42);</a:t>
             </a:r>
           </a:p>
           <a:p>
@@ -5818,48 +9573,73 @@
           </a:p>
           <a:p>
             <a:r>
-              <a:rPr lang="en-US" sz="1400" b="1" dirty="0">
-                <a:latin typeface="Courier New" panose="02070309020205020404" pitchFamily="49" charset="0"/>
-                <a:cs typeface="Courier New" panose="02070309020205020404" pitchFamily="49" charset="0"/>
-              </a:rPr>
-              <a:t>items = </a:t>
-            </a:r>
-            <a:r>
               <a:rPr lang="en-US" sz="1400" b="1" dirty="0" err="1">
                 <a:latin typeface="Courier New" panose="02070309020205020404" pitchFamily="49" charset="0"/>
                 <a:cs typeface="Courier New" panose="02070309020205020404" pitchFamily="49" charset="0"/>
               </a:rPr>
-              <a:t>iter</a:t>
-            </a:r>
-            <a:r>
-              <a:rPr lang="en-US" sz="1400" b="1" dirty="0">
-                <a:latin typeface="Courier New" panose="02070309020205020404" pitchFamily="49" charset="0"/>
-                <a:cs typeface="Courier New" panose="02070309020205020404" pitchFamily="49" charset="0"/>
-              </a:rPr>
-              <a:t>(</a:t>
+              <a:t>printf</a:t>
+            </a:r>
+            <a:r>
+              <a:rPr lang="en-US" sz="1400" b="1" dirty="0">
+                <a:latin typeface="Courier New" panose="02070309020205020404" pitchFamily="49" charset="0"/>
+                <a:cs typeface="Courier New" panose="02070309020205020404" pitchFamily="49" charset="0"/>
+              </a:rPr>
+              <a:t>("\</a:t>
             </a:r>
             <a:r>
               <a:rPr lang="en-US" sz="1400" b="1" dirty="0" err="1">
                 <a:latin typeface="Courier New" panose="02070309020205020404" pitchFamily="49" charset="0"/>
                 <a:cs typeface="Courier New" panose="02070309020205020404" pitchFamily="49" charset="0"/>
               </a:rPr>
-              <a:t>d.items</a:t>
-            </a:r>
-            <a:r>
-              <a:rPr lang="en-US" sz="1400" b="1" dirty="0">
-                <a:latin typeface="Courier New" panose="02070309020205020404" pitchFamily="49" charset="0"/>
-                <a:cs typeface="Courier New" panose="02070309020205020404" pitchFamily="49" charset="0"/>
-              </a:rPr>
-              <a:t>())</a:t>
-            </a:r>
-          </a:p>
-          <a:p>
-            <a:r>
-              <a:rPr lang="en-US" sz="1400" b="1" dirty="0">
-                <a:latin typeface="Courier New" panose="02070309020205020404" pitchFamily="49" charset="0"/>
-                <a:cs typeface="Courier New" panose="02070309020205020404" pitchFamily="49" charset="0"/>
-              </a:rPr>
-              <a:t>print(type(items));</a:t>
+              <a:t>nIterate</a:t>
+            </a:r>
+            <a:r>
+              <a:rPr lang="en-US" sz="1400" b="1" dirty="0">
+                <a:latin typeface="Courier New" panose="02070309020205020404" pitchFamily="49" charset="0"/>
+                <a:cs typeface="Courier New" panose="02070309020205020404" pitchFamily="49" charset="0"/>
+              </a:rPr>
+              <a:t>\n");</a:t>
+            </a:r>
+          </a:p>
+          <a:p>
+            <a:r>
+              <a:rPr lang="en-US" sz="1400" b="1" dirty="0">
+                <a:latin typeface="Courier New" panose="02070309020205020404" pitchFamily="49" charset="0"/>
+                <a:cs typeface="Courier New" panose="02070309020205020404" pitchFamily="49" charset="0"/>
+              </a:rPr>
+              <a:t>foreach( $a as $k =&gt; $v ) {</a:t>
+            </a:r>
+          </a:p>
+          <a:p>
+            <a:r>
+              <a:rPr lang="en-US" sz="1400" b="1" dirty="0">
+                <a:latin typeface="Courier New" panose="02070309020205020404" pitchFamily="49" charset="0"/>
+                <a:cs typeface="Courier New" panose="02070309020205020404" pitchFamily="49" charset="0"/>
+              </a:rPr>
+              <a:t>    </a:t>
+            </a:r>
+            <a:r>
+              <a:rPr lang="en-US" sz="1400" b="1" dirty="0" err="1">
+                <a:latin typeface="Courier New" panose="02070309020205020404" pitchFamily="49" charset="0"/>
+                <a:cs typeface="Courier New" panose="02070309020205020404" pitchFamily="49" charset="0"/>
+              </a:rPr>
+              <a:t>printf</a:t>
+            </a:r>
+            <a:r>
+              <a:rPr lang="en-US" sz="1400" b="1" dirty="0">
+                <a:latin typeface="Courier New" panose="02070309020205020404" pitchFamily="49" charset="0"/>
+                <a:cs typeface="Courier New" panose="02070309020205020404" pitchFamily="49" charset="0"/>
+              </a:rPr>
+              <a:t>(" %s=%d\n", $k, $v);</a:t>
+            </a:r>
+          </a:p>
+          <a:p>
+            <a:r>
+              <a:rPr lang="en-US" sz="1400" b="1" dirty="0">
+                <a:latin typeface="Courier New" panose="02070309020205020404" pitchFamily="49" charset="0"/>
+                <a:cs typeface="Courier New" panose="02070309020205020404" pitchFamily="49" charset="0"/>
+              </a:rPr>
+              <a:t>}</a:t>
             </a:r>
           </a:p>
           <a:p>
@@ -5870,38 +9650,64 @@
           </a:p>
           <a:p>
             <a:r>
-              <a:rPr lang="en-US" sz="1400" b="1" dirty="0">
-                <a:latin typeface="Courier New" panose="02070309020205020404" pitchFamily="49" charset="0"/>
-                <a:cs typeface="Courier New" panose="02070309020205020404" pitchFamily="49" charset="0"/>
-              </a:rPr>
-              <a:t>entry = next(items, False)</a:t>
-            </a:r>
-          </a:p>
-          <a:p>
-            <a:r>
-              <a:rPr lang="en-US" sz="1400" b="1" dirty="0">
-                <a:latin typeface="Courier New" panose="02070309020205020404" pitchFamily="49" charset="0"/>
-                <a:cs typeface="Courier New" panose="02070309020205020404" pitchFamily="49" charset="0"/>
-              </a:rPr>
-              <a:t>while (entry) :</a:t>
-            </a:r>
-          </a:p>
-          <a:p>
-            <a:r>
-              <a:rPr lang="en-US" sz="1400" b="1" dirty="0">
-                <a:latin typeface="Courier New" panose="02070309020205020404" pitchFamily="49" charset="0"/>
-                <a:cs typeface="Courier New" panose="02070309020205020404" pitchFamily="49" charset="0"/>
-              </a:rPr>
-              <a:t>    print(entry)</a:t>
-            </a:r>
-          </a:p>
-          <a:p>
-            <a:r>
-              <a:rPr lang="en-US" sz="1400" b="1" dirty="0">
-                <a:latin typeface="Courier New" panose="02070309020205020404" pitchFamily="49" charset="0"/>
-                <a:cs typeface="Courier New" panose="02070309020205020404" pitchFamily="49" charset="0"/>
-              </a:rPr>
-              <a:t>    entry = next(items, False)</a:t>
+              <a:rPr lang="en-US" sz="1400" b="1" dirty="0" err="1">
+                <a:latin typeface="Courier New" panose="02070309020205020404" pitchFamily="49" charset="0"/>
+                <a:cs typeface="Courier New" panose="02070309020205020404" pitchFamily="49" charset="0"/>
+              </a:rPr>
+              <a:t>ksort</a:t>
+            </a:r>
+            <a:r>
+              <a:rPr lang="en-US" sz="1400" b="1" dirty="0">
+                <a:latin typeface="Courier New" panose="02070309020205020404" pitchFamily="49" charset="0"/>
+                <a:cs typeface="Courier New" panose="02070309020205020404" pitchFamily="49" charset="0"/>
+              </a:rPr>
+              <a:t>($a);</a:t>
+            </a:r>
+          </a:p>
+          <a:p>
+            <a:r>
+              <a:rPr lang="en-US" sz="1400" b="1" dirty="0" err="1">
+                <a:latin typeface="Courier New" panose="02070309020205020404" pitchFamily="49" charset="0"/>
+                <a:cs typeface="Courier New" panose="02070309020205020404" pitchFamily="49" charset="0"/>
+              </a:rPr>
+              <a:t>printf</a:t>
+            </a:r>
+            <a:r>
+              <a:rPr lang="en-US" sz="1400" b="1" dirty="0">
+                <a:latin typeface="Courier New" panose="02070309020205020404" pitchFamily="49" charset="0"/>
+                <a:cs typeface="Courier New" panose="02070309020205020404" pitchFamily="49" charset="0"/>
+              </a:rPr>
+              <a:t>("\</a:t>
+            </a:r>
+            <a:r>
+              <a:rPr lang="en-US" sz="1400" b="1" dirty="0" err="1">
+                <a:latin typeface="Courier New" panose="02070309020205020404" pitchFamily="49" charset="0"/>
+                <a:cs typeface="Courier New" panose="02070309020205020404" pitchFamily="49" charset="0"/>
+              </a:rPr>
+              <a:t>nSort</a:t>
+            </a:r>
+            <a:r>
+              <a:rPr lang="en-US" sz="1400" b="1" dirty="0">
+                <a:latin typeface="Courier New" panose="02070309020205020404" pitchFamily="49" charset="0"/>
+                <a:cs typeface="Courier New" panose="02070309020205020404" pitchFamily="49" charset="0"/>
+              </a:rPr>
+              <a:t> by key\n");</a:t>
+            </a:r>
+          </a:p>
+          <a:p>
+            <a:r>
+              <a:rPr lang="en-US" sz="1400" b="1" dirty="0" err="1">
+                <a:latin typeface="Courier New" panose="02070309020205020404" pitchFamily="49" charset="0"/>
+                <a:cs typeface="Courier New" panose="02070309020205020404" pitchFamily="49" charset="0"/>
+              </a:rPr>
+              <a:t>print_r</a:t>
+            </a:r>
+            <a:r>
+              <a:rPr lang="en-US" sz="1400" b="1" dirty="0">
+                <a:latin typeface="Courier New" panose="02070309020205020404" pitchFamily="49" charset="0"/>
+                <a:cs typeface="Courier New" panose="02070309020205020404" pitchFamily="49" charset="0"/>
+              </a:rPr>
+              <a:t>($a);</a:t>
             </a:r>
           </a:p>
           <a:p>
@@ -5916,28 +9722,60 @@
                 <a:latin typeface="Courier New" panose="02070309020205020404" pitchFamily="49" charset="0"/>
                 <a:cs typeface="Courier New" panose="02070309020205020404" pitchFamily="49" charset="0"/>
               </a:rPr>
-              <a:t>sd</a:t>
-            </a:r>
-            <a:r>
-              <a:rPr lang="en-US" sz="1400" b="1" dirty="0">
-                <a:latin typeface="Courier New" panose="02070309020205020404" pitchFamily="49" charset="0"/>
-                <a:cs typeface="Courier New" panose="02070309020205020404" pitchFamily="49" charset="0"/>
-              </a:rPr>
-              <a:t> = reversed(sorted(</a:t>
-            </a:r>
+              <a:t>arsort</a:t>
+            </a:r>
+            <a:r>
+              <a:rPr lang="en-US" sz="1400" b="1" dirty="0">
+                <a:latin typeface="Courier New" panose="02070309020205020404" pitchFamily="49" charset="0"/>
+                <a:cs typeface="Courier New" panose="02070309020205020404" pitchFamily="49" charset="0"/>
+              </a:rPr>
+              <a:t>($a);</a:t>
+            </a:r>
+          </a:p>
+          <a:p>
             <a:r>
               <a:rPr lang="en-US" sz="1400" b="1" dirty="0" err="1">
                 <a:latin typeface="Courier New" panose="02070309020205020404" pitchFamily="49" charset="0"/>
                 <a:cs typeface="Courier New" panose="02070309020205020404" pitchFamily="49" charset="0"/>
               </a:rPr>
-              <a:t>d.items</a:t>
-            </a:r>
-            <a:r>
-              <a:rPr lang="en-US" sz="1400" b="1" dirty="0">
-                <a:latin typeface="Courier New" panose="02070309020205020404" pitchFamily="49" charset="0"/>
-                <a:cs typeface="Courier New" panose="02070309020205020404" pitchFamily="49" charset="0"/>
-              </a:rPr>
-              <a:t>(), key=lambda item: item[1]))</a:t>
+              <a:t>printf</a:t>
+            </a:r>
+            <a:r>
+              <a:rPr lang="en-US" sz="1400" b="1" dirty="0">
+                <a:latin typeface="Courier New" panose="02070309020205020404" pitchFamily="49" charset="0"/>
+                <a:cs typeface="Courier New" panose="02070309020205020404" pitchFamily="49" charset="0"/>
+              </a:rPr>
+              <a:t>("\</a:t>
+            </a:r>
+            <a:r>
+              <a:rPr lang="en-US" sz="1400" b="1" dirty="0" err="1">
+                <a:latin typeface="Courier New" panose="02070309020205020404" pitchFamily="49" charset="0"/>
+                <a:cs typeface="Courier New" panose="02070309020205020404" pitchFamily="49" charset="0"/>
+              </a:rPr>
+              <a:t>nSort</a:t>
+            </a:r>
+            <a:r>
+              <a:rPr lang="en-US" sz="1400" b="1" dirty="0">
+                <a:latin typeface="Courier New" panose="02070309020205020404" pitchFamily="49" charset="0"/>
+                <a:cs typeface="Courier New" panose="02070309020205020404" pitchFamily="49" charset="0"/>
+              </a:rPr>
+              <a:t> by value in reverse\n");</a:t>
+            </a:r>
+          </a:p>
+          <a:p>
+            <a:r>
+              <a:rPr lang="en-US" sz="1400" b="1" dirty="0" err="1">
+                <a:latin typeface="Courier New" panose="02070309020205020404" pitchFamily="49" charset="0"/>
+                <a:cs typeface="Courier New" panose="02070309020205020404" pitchFamily="49" charset="0"/>
+              </a:rPr>
+              <a:t>print_r</a:t>
+            </a:r>
+            <a:r>
+              <a:rPr lang="en-US" sz="1400" b="1" dirty="0">
+                <a:latin typeface="Courier New" panose="02070309020205020404" pitchFamily="49" charset="0"/>
+                <a:cs typeface="Courier New" panose="02070309020205020404" pitchFamily="49" charset="0"/>
+              </a:rPr>
+              <a:t>($a);</a:t>
             </a:r>
           </a:p>
           <a:p>
@@ -5952,44 +9790,37 @@
                 <a:latin typeface="Courier New" panose="02070309020205020404" pitchFamily="49" charset="0"/>
                 <a:cs typeface="Courier New" panose="02070309020205020404" pitchFamily="49" charset="0"/>
               </a:rPr>
-              <a:t>first = next(</a:t>
+              <a:t>$k = </a:t>
             </a:r>
             <a:r>
               <a:rPr lang="en-US" sz="1400" b="1" dirty="0" err="1">
                 <a:latin typeface="Courier New" panose="02070309020205020404" pitchFamily="49" charset="0"/>
                 <a:cs typeface="Courier New" panose="02070309020205020404" pitchFamily="49" charset="0"/>
               </a:rPr>
-              <a:t>iter</a:t>
-            </a:r>
-            <a:r>
-              <a:rPr lang="en-US" sz="1400" b="1" dirty="0">
-                <a:latin typeface="Courier New" panose="02070309020205020404" pitchFamily="49" charset="0"/>
-                <a:cs typeface="Courier New" panose="02070309020205020404" pitchFamily="49" charset="0"/>
-              </a:rPr>
-              <a:t>(</a:t>
-            </a:r>
+              <a:t>array_key_first</a:t>
+            </a:r>
+            <a:r>
+              <a:rPr lang="en-US" sz="1400" b="1" dirty="0">
+                <a:latin typeface="Courier New" panose="02070309020205020404" pitchFamily="49" charset="0"/>
+                <a:cs typeface="Courier New" panose="02070309020205020404" pitchFamily="49" charset="0"/>
+              </a:rPr>
+              <a:t>($a);</a:t>
+            </a:r>
+          </a:p>
+          <a:p>
             <a:r>
               <a:rPr lang="en-US" sz="1400" b="1" dirty="0" err="1">
                 <a:latin typeface="Courier New" panose="02070309020205020404" pitchFamily="49" charset="0"/>
                 <a:cs typeface="Courier New" panose="02070309020205020404" pitchFamily="49" charset="0"/>
               </a:rPr>
-              <a:t>sd</a:t>
-            </a:r>
-            <a:r>
-              <a:rPr lang="en-US" sz="1400" b="1" dirty="0">
-                <a:latin typeface="Courier New" panose="02070309020205020404" pitchFamily="49" charset="0"/>
-                <a:cs typeface="Courier New" panose="02070309020205020404" pitchFamily="49" charset="0"/>
-              </a:rPr>
-              <a:t>))</a:t>
-            </a:r>
-          </a:p>
-          <a:p>
-            <a:r>
-              <a:rPr lang="en-US" sz="1400" b="1" dirty="0">
-                <a:latin typeface="Courier New" panose="02070309020205020404" pitchFamily="49" charset="0"/>
-                <a:cs typeface="Courier New" panose="02070309020205020404" pitchFamily="49" charset="0"/>
-              </a:rPr>
-              <a:t>print('The largest value', first)</a:t>
+              <a:t>printf</a:t>
+            </a:r>
+            <a:r>
+              <a:rPr lang="en-US" sz="1400" b="1" dirty="0">
+                <a:latin typeface="Courier New" panose="02070309020205020404" pitchFamily="49" charset="0"/>
+                <a:cs typeface="Courier New" panose="02070309020205020404" pitchFamily="49" charset="0"/>
+              </a:rPr>
+              <a:t>("Largest value %s=%d\n", $k, $a[$k]);</a:t>
             </a:r>
           </a:p>
         </p:txBody>
@@ -6008,8 +9839,8 @@
         </p:nvSpPr>
         <p:spPr>
           <a:xfrm>
-            <a:off x="7833475" y="849030"/>
-            <a:ext cx="3159839" cy="2123658"/>
+            <a:off x="7416616" y="144429"/>
+            <a:ext cx="2416046" cy="6555641"/>
           </a:xfrm>
           <a:prstGeom prst="rect">
             <a:avLst/>
@@ -6050,6 +9881,87 @@
             </a:r>
           </a:p>
           <a:p>
+            <a:r>
+              <a:rPr lang="en-US" sz="1200" b="1" dirty="0">
+                <a:latin typeface="Courier New" panose="02070309020205020404" pitchFamily="49" charset="0"/>
+                <a:cs typeface="Courier New" panose="02070309020205020404" pitchFamily="49" charset="0"/>
+              </a:rPr>
+              <a:t>Array</a:t>
+            </a:r>
+          </a:p>
+          <a:p>
+            <a:r>
+              <a:rPr lang="en-US" sz="1200" b="1" dirty="0">
+                <a:latin typeface="Courier New" panose="02070309020205020404" pitchFamily="49" charset="0"/>
+                <a:cs typeface="Courier New" panose="02070309020205020404" pitchFamily="49" charset="0"/>
+              </a:rPr>
+              <a:t>(</a:t>
+            </a:r>
+          </a:p>
+          <a:p>
+            <a:r>
+              <a:rPr lang="en-US" sz="1200" b="1" dirty="0">
+                <a:latin typeface="Courier New" panose="02070309020205020404" pitchFamily="49" charset="0"/>
+                <a:cs typeface="Courier New" panose="02070309020205020404" pitchFamily="49" charset="0"/>
+              </a:rPr>
+              <a:t>    [z] =&gt; 1</a:t>
+            </a:r>
+          </a:p>
+          <a:p>
+            <a:r>
+              <a:rPr lang="en-US" sz="1200" b="1" dirty="0">
+                <a:latin typeface="Courier New" panose="02070309020205020404" pitchFamily="49" charset="0"/>
+                <a:cs typeface="Courier New" panose="02070309020205020404" pitchFamily="49" charset="0"/>
+              </a:rPr>
+              <a:t>    [y] =&gt; 9</a:t>
+            </a:r>
+          </a:p>
+          <a:p>
+            <a:r>
+              <a:rPr lang="en-US" sz="1200" b="1" dirty="0">
+                <a:latin typeface="Courier New" panose="02070309020205020404" pitchFamily="49" charset="0"/>
+                <a:cs typeface="Courier New" panose="02070309020205020404" pitchFamily="49" charset="0"/>
+              </a:rPr>
+              <a:t>    [b] =&gt; 3</a:t>
+            </a:r>
+          </a:p>
+          <a:p>
+            <a:r>
+              <a:rPr lang="en-US" sz="1200" b="1" dirty="0">
+                <a:latin typeface="Courier New" panose="02070309020205020404" pitchFamily="49" charset="0"/>
+                <a:cs typeface="Courier New" panose="02070309020205020404" pitchFamily="49" charset="0"/>
+              </a:rPr>
+              <a:t>    [a] =&gt; 4</a:t>
+            </a:r>
+          </a:p>
+          <a:p>
+            <a:r>
+              <a:rPr lang="en-US" sz="1200" b="1" dirty="0">
+                <a:latin typeface="Courier New" panose="02070309020205020404" pitchFamily="49" charset="0"/>
+                <a:cs typeface="Courier New" panose="02070309020205020404" pitchFamily="49" charset="0"/>
+              </a:rPr>
+              <a:t>)</a:t>
+            </a:r>
+          </a:p>
+          <a:p>
+            <a:r>
+              <a:rPr lang="en-US" sz="1200" b="1" dirty="0">
+                <a:latin typeface="Courier New" panose="02070309020205020404" pitchFamily="49" charset="0"/>
+                <a:cs typeface="Courier New" panose="02070309020205020404" pitchFamily="49" charset="0"/>
+              </a:rPr>
+              <a:t>z=1</a:t>
+            </a:r>
+          </a:p>
+          <a:p>
+            <a:r>
+              <a:rPr lang="en-US" sz="1200" b="1" dirty="0">
+                <a:latin typeface="Courier New" panose="02070309020205020404" pitchFamily="49" charset="0"/>
+                <a:cs typeface="Courier New" panose="02070309020205020404" pitchFamily="49" charset="0"/>
+              </a:rPr>
+              <a:t>x=42</a:t>
+            </a:r>
+          </a:p>
+          <a:p>
             <a:endParaRPr lang="en-US" sz="1200" b="1" dirty="0">
               <a:latin typeface="Courier New" panose="02070309020205020404" pitchFamily="49" charset="0"/>
               <a:cs typeface="Courier New" panose="02070309020205020404" pitchFamily="49" charset="0"/>
@@ -6061,7 +9973,7 @@
                 <a:latin typeface="Courier New" panose="02070309020205020404" pitchFamily="49" charset="0"/>
                 <a:cs typeface="Courier New" panose="02070309020205020404" pitchFamily="49" charset="0"/>
               </a:rPr>
-              <a:t>{'z': 1, 'y': 9, 'b': 3, 'a': 4}</a:t>
+              <a:t>Iterate</a:t>
             </a:r>
           </a:p>
           <a:p>
@@ -6070,7 +9982,7 @@
                 <a:latin typeface="Courier New" panose="02070309020205020404" pitchFamily="49" charset="0"/>
                 <a:cs typeface="Courier New" panose="02070309020205020404" pitchFamily="49" charset="0"/>
               </a:rPr>
-              <a:t>z=1</a:t>
+              <a:t> z=1</a:t>
             </a:r>
           </a:p>
           <a:p>
@@ -6079,7 +9991,7 @@
                 <a:latin typeface="Courier New" panose="02070309020205020404" pitchFamily="49" charset="0"/>
                 <a:cs typeface="Courier New" panose="02070309020205020404" pitchFamily="49" charset="0"/>
               </a:rPr>
-              <a:t>x=42</a:t>
+              <a:t> y=9</a:t>
             </a:r>
           </a:p>
           <a:p>
@@ -6088,22 +10000,23 @@
                 <a:latin typeface="Courier New" panose="02070309020205020404" pitchFamily="49" charset="0"/>
                 <a:cs typeface="Courier New" panose="02070309020205020404" pitchFamily="49" charset="0"/>
               </a:rPr>
-              <a:t>&lt;class '</a:t>
-            </a:r>
-            <a:r>
-              <a:rPr lang="en-US" sz="1200" b="1" dirty="0" err="1">
-                <a:latin typeface="Courier New" panose="02070309020205020404" pitchFamily="49" charset="0"/>
-                <a:cs typeface="Courier New" panose="02070309020205020404" pitchFamily="49" charset="0"/>
-              </a:rPr>
-              <a:t>dict_itemiterator</a:t>
-            </a:r>
+              <a:t> b=3</a:t>
+            </a:r>
+          </a:p>
+          <a:p>
             <a:r>
               <a:rPr lang="en-US" sz="1200" b="1" dirty="0">
                 <a:latin typeface="Courier New" panose="02070309020205020404" pitchFamily="49" charset="0"/>
                 <a:cs typeface="Courier New" panose="02070309020205020404" pitchFamily="49" charset="0"/>
               </a:rPr>
-              <a:t>'&gt;</a:t>
-            </a:r>
+              <a:t> a=4</a:t>
+            </a:r>
+          </a:p>
+          <a:p>
+            <a:endParaRPr lang="en-US" sz="1200" b="1" dirty="0">
+              <a:latin typeface="Courier New" panose="02070309020205020404" pitchFamily="49" charset="0"/>
+              <a:cs typeface="Courier New" panose="02070309020205020404" pitchFamily="49" charset="0"/>
+            </a:endParaRPr>
           </a:p>
           <a:p>
             <a:r>
@@ -6111,7 +10024,7 @@
                 <a:latin typeface="Courier New" panose="02070309020205020404" pitchFamily="49" charset="0"/>
                 <a:cs typeface="Courier New" panose="02070309020205020404" pitchFamily="49" charset="0"/>
               </a:rPr>
-              <a:t>('z', 1)</a:t>
+              <a:t>Sort by key</a:t>
             </a:r>
           </a:p>
           <a:p>
@@ -6120,7 +10033,7 @@
                 <a:latin typeface="Courier New" panose="02070309020205020404" pitchFamily="49" charset="0"/>
                 <a:cs typeface="Courier New" panose="02070309020205020404" pitchFamily="49" charset="0"/>
               </a:rPr>
-              <a:t>('y', 9)</a:t>
+              <a:t>Array</a:t>
             </a:r>
           </a:p>
           <a:p>
@@ -6129,7 +10042,7 @@
                 <a:latin typeface="Courier New" panose="02070309020205020404" pitchFamily="49" charset="0"/>
                 <a:cs typeface="Courier New" panose="02070309020205020404" pitchFamily="49" charset="0"/>
               </a:rPr>
-              <a:t>('b', 3)</a:t>
+              <a:t>(</a:t>
             </a:r>
           </a:p>
           <a:p>
@@ -6138,7 +10051,7 @@
                 <a:latin typeface="Courier New" panose="02070309020205020404" pitchFamily="49" charset="0"/>
                 <a:cs typeface="Courier New" panose="02070309020205020404" pitchFamily="49" charset="0"/>
               </a:rPr>
-              <a:t>('a', 4)</a:t>
+              <a:t>    [a] =&gt; 4</a:t>
             </a:r>
           </a:p>
           <a:p>
@@ -6147,7 +10060,121 @@
                 <a:latin typeface="Courier New" panose="02070309020205020404" pitchFamily="49" charset="0"/>
                 <a:cs typeface="Courier New" panose="02070309020205020404" pitchFamily="49" charset="0"/>
               </a:rPr>
-              <a:t>The largest value ('y', 9)</a:t>
+              <a:t>    [b] =&gt; 3</a:t>
+            </a:r>
+          </a:p>
+          <a:p>
+            <a:r>
+              <a:rPr lang="en-US" sz="1200" b="1" dirty="0">
+                <a:latin typeface="Courier New" panose="02070309020205020404" pitchFamily="49" charset="0"/>
+                <a:cs typeface="Courier New" panose="02070309020205020404" pitchFamily="49" charset="0"/>
+              </a:rPr>
+              <a:t>    [y] =&gt; 9</a:t>
+            </a:r>
+          </a:p>
+          <a:p>
+            <a:r>
+              <a:rPr lang="en-US" sz="1200" b="1" dirty="0">
+                <a:latin typeface="Courier New" panose="02070309020205020404" pitchFamily="49" charset="0"/>
+                <a:cs typeface="Courier New" panose="02070309020205020404" pitchFamily="49" charset="0"/>
+              </a:rPr>
+              <a:t>    [z] =&gt; 1</a:t>
+            </a:r>
+          </a:p>
+          <a:p>
+            <a:r>
+              <a:rPr lang="en-US" sz="1200" b="1" dirty="0">
+                <a:latin typeface="Courier New" panose="02070309020205020404" pitchFamily="49" charset="0"/>
+                <a:cs typeface="Courier New" panose="02070309020205020404" pitchFamily="49" charset="0"/>
+              </a:rPr>
+              <a:t>)</a:t>
+            </a:r>
+          </a:p>
+          <a:p>
+            <a:endParaRPr lang="en-US" sz="1200" b="1" dirty="0">
+              <a:latin typeface="Courier New" panose="02070309020205020404" pitchFamily="49" charset="0"/>
+              <a:cs typeface="Courier New" panose="02070309020205020404" pitchFamily="49" charset="0"/>
+            </a:endParaRPr>
+          </a:p>
+          <a:p>
+            <a:r>
+              <a:rPr lang="en-US" sz="1200" b="1" dirty="0">
+                <a:latin typeface="Courier New" panose="02070309020205020404" pitchFamily="49" charset="0"/>
+                <a:cs typeface="Courier New" panose="02070309020205020404" pitchFamily="49" charset="0"/>
+              </a:rPr>
+              <a:t>Sort by value in reverse</a:t>
+            </a:r>
+          </a:p>
+          <a:p>
+            <a:r>
+              <a:rPr lang="en-US" sz="1200" b="1" dirty="0">
+                <a:latin typeface="Courier New" panose="02070309020205020404" pitchFamily="49" charset="0"/>
+                <a:cs typeface="Courier New" panose="02070309020205020404" pitchFamily="49" charset="0"/>
+              </a:rPr>
+              <a:t>Array</a:t>
+            </a:r>
+          </a:p>
+          <a:p>
+            <a:r>
+              <a:rPr lang="en-US" sz="1200" b="1" dirty="0">
+                <a:latin typeface="Courier New" panose="02070309020205020404" pitchFamily="49" charset="0"/>
+                <a:cs typeface="Courier New" panose="02070309020205020404" pitchFamily="49" charset="0"/>
+              </a:rPr>
+              <a:t>(</a:t>
+            </a:r>
+          </a:p>
+          <a:p>
+            <a:r>
+              <a:rPr lang="en-US" sz="1200" b="1" dirty="0">
+                <a:latin typeface="Courier New" panose="02070309020205020404" pitchFamily="49" charset="0"/>
+                <a:cs typeface="Courier New" panose="02070309020205020404" pitchFamily="49" charset="0"/>
+              </a:rPr>
+              <a:t>    [y] =&gt; 9</a:t>
+            </a:r>
+          </a:p>
+          <a:p>
+            <a:r>
+              <a:rPr lang="en-US" sz="1200" b="1" dirty="0">
+                <a:latin typeface="Courier New" panose="02070309020205020404" pitchFamily="49" charset="0"/>
+                <a:cs typeface="Courier New" panose="02070309020205020404" pitchFamily="49" charset="0"/>
+              </a:rPr>
+              <a:t>    [a] =&gt; 4</a:t>
+            </a:r>
+          </a:p>
+          <a:p>
+            <a:r>
+              <a:rPr lang="en-US" sz="1200" b="1" dirty="0">
+                <a:latin typeface="Courier New" panose="02070309020205020404" pitchFamily="49" charset="0"/>
+                <a:cs typeface="Courier New" panose="02070309020205020404" pitchFamily="49" charset="0"/>
+              </a:rPr>
+              <a:t>    [b] =&gt; 3</a:t>
+            </a:r>
+          </a:p>
+          <a:p>
+            <a:r>
+              <a:rPr lang="en-US" sz="1200" b="1" dirty="0">
+                <a:latin typeface="Courier New" panose="02070309020205020404" pitchFamily="49" charset="0"/>
+                <a:cs typeface="Courier New" panose="02070309020205020404" pitchFamily="49" charset="0"/>
+              </a:rPr>
+              <a:t>    [z] =&gt; 1</a:t>
+            </a:r>
+          </a:p>
+          <a:p>
+            <a:r>
+              <a:rPr lang="en-US" sz="1200" b="1" dirty="0">
+                <a:latin typeface="Courier New" panose="02070309020205020404" pitchFamily="49" charset="0"/>
+                <a:cs typeface="Courier New" panose="02070309020205020404" pitchFamily="49" charset="0"/>
+              </a:rPr>
+              <a:t>)</a:t>
+            </a:r>
+          </a:p>
+          <a:p>
+            <a:r>
+              <a:rPr lang="en-US" sz="1200" b="1" dirty="0">
+                <a:latin typeface="Courier New" panose="02070309020205020404" pitchFamily="49" charset="0"/>
+                <a:cs typeface="Courier New" panose="02070309020205020404" pitchFamily="49" charset="0"/>
+              </a:rPr>
+              <a:t>Largest value y=9</a:t>
             </a:r>
           </a:p>
         </p:txBody>
@@ -6187,7 +10214,7 @@
                 </a:solidFill>
                 <a:latin typeface="Menlo" panose="020B0609030804020204" pitchFamily="49" charset="0"/>
               </a:rPr>
-              <a:t>cc_04_01.py</a:t>
+              <a:t>cc_04_01.php</a:t>
             </a:r>
           </a:p>
         </p:txBody>
@@ -6195,7 +10222,7 @@
     </p:spTree>
     <p:extLst>
       <p:ext uri="{BB962C8B-B14F-4D97-AF65-F5344CB8AC3E}">
-        <p14:creationId xmlns:p14="http://schemas.microsoft.com/office/powerpoint/2010/main" val="4227642358"/>
+        <p14:creationId xmlns:p14="http://schemas.microsoft.com/office/powerpoint/2010/main" val="703497678"/>
       </p:ext>
     </p:extLst>
   </p:cSld>
@@ -6236,6 +10263,603 @@
         </p:nvSpPr>
         <p:spPr>
           <a:xfrm>
+            <a:off x="629399" y="544797"/>
+            <a:ext cx="6413935" cy="5478423"/>
+          </a:xfrm>
+          <a:prstGeom prst="rect">
+            <a:avLst/>
+          </a:prstGeom>
+          <a:noFill/>
+        </p:spPr>
+        <p:txBody>
+          <a:bodyPr wrap="none" rtlCol="0">
+            <a:spAutoFit/>
+          </a:bodyPr>
+          <a:lstStyle/>
+          <a:p>
+            <a:r>
+              <a:rPr lang="en-US" sz="1400" b="1" dirty="0">
+                <a:latin typeface="Courier New" panose="02070309020205020404" pitchFamily="49" charset="0"/>
+                <a:cs typeface="Courier New" panose="02070309020205020404" pitchFamily="49" charset="0"/>
+              </a:rPr>
+              <a:t>d = </a:t>
+            </a:r>
+            <a:r>
+              <a:rPr lang="en-US" sz="1400" b="1" dirty="0" err="1">
+                <a:latin typeface="Courier New" panose="02070309020205020404" pitchFamily="49" charset="0"/>
+                <a:cs typeface="Courier New" panose="02070309020205020404" pitchFamily="49" charset="0"/>
+              </a:rPr>
+              <a:t>dict</a:t>
+            </a:r>
+            <a:r>
+              <a:rPr lang="en-US" sz="1400" b="1" dirty="0">
+                <a:latin typeface="Courier New" panose="02070309020205020404" pitchFamily="49" charset="0"/>
+                <a:cs typeface="Courier New" panose="02070309020205020404" pitchFamily="49" charset="0"/>
+              </a:rPr>
+              <a:t>()</a:t>
+            </a:r>
+          </a:p>
+          <a:p>
+            <a:endParaRPr lang="en-US" sz="1400" b="1" dirty="0">
+              <a:latin typeface="Courier New" panose="02070309020205020404" pitchFamily="49" charset="0"/>
+              <a:cs typeface="Courier New" panose="02070309020205020404" pitchFamily="49" charset="0"/>
+            </a:endParaRPr>
+          </a:p>
+          <a:p>
+            <a:r>
+              <a:rPr lang="en-US" sz="1400" b="1" dirty="0">
+                <a:latin typeface="Courier New" panose="02070309020205020404" pitchFamily="49" charset="0"/>
+                <a:cs typeface="Courier New" panose="02070309020205020404" pitchFamily="49" charset="0"/>
+              </a:rPr>
+              <a:t>print("Testing </a:t>
+            </a:r>
+            <a:r>
+              <a:rPr lang="en-US" sz="1400" b="1" dirty="0" err="1">
+                <a:latin typeface="Courier New" panose="02070309020205020404" pitchFamily="49" charset="0"/>
+                <a:cs typeface="Courier New" panose="02070309020205020404" pitchFamily="49" charset="0"/>
+              </a:rPr>
+              <a:t>dict</a:t>
+            </a:r>
+            <a:r>
+              <a:rPr lang="en-US" sz="1400" b="1" dirty="0">
+                <a:latin typeface="Courier New" panose="02070309020205020404" pitchFamily="49" charset="0"/>
+                <a:cs typeface="Courier New" panose="02070309020205020404" pitchFamily="49" charset="0"/>
+              </a:rPr>
+              <a:t> class\n");</a:t>
+            </a:r>
+          </a:p>
+          <a:p>
+            <a:r>
+              <a:rPr lang="en-US" sz="1400" b="1" dirty="0">
+                <a:latin typeface="Courier New" panose="02070309020205020404" pitchFamily="49" charset="0"/>
+                <a:cs typeface="Courier New" panose="02070309020205020404" pitchFamily="49" charset="0"/>
+              </a:rPr>
+              <a:t>d["z"] = 8</a:t>
+            </a:r>
+          </a:p>
+          <a:p>
+            <a:r>
+              <a:rPr lang="en-US" sz="1400" b="1" dirty="0">
+                <a:latin typeface="Courier New" panose="02070309020205020404" pitchFamily="49" charset="0"/>
+                <a:cs typeface="Courier New" panose="02070309020205020404" pitchFamily="49" charset="0"/>
+              </a:rPr>
+              <a:t>d["z"] = 1</a:t>
+            </a:r>
+          </a:p>
+          <a:p>
+            <a:r>
+              <a:rPr lang="en-US" sz="1400" b="1" dirty="0">
+                <a:latin typeface="Courier New" panose="02070309020205020404" pitchFamily="49" charset="0"/>
+                <a:cs typeface="Courier New" panose="02070309020205020404" pitchFamily="49" charset="0"/>
+              </a:rPr>
+              <a:t>d["y"] = 9</a:t>
+            </a:r>
+          </a:p>
+          <a:p>
+            <a:r>
+              <a:rPr lang="en-US" sz="1400" b="1" dirty="0">
+                <a:latin typeface="Courier New" panose="02070309020205020404" pitchFamily="49" charset="0"/>
+                <a:cs typeface="Courier New" panose="02070309020205020404" pitchFamily="49" charset="0"/>
+              </a:rPr>
+              <a:t>d["b"] = 3</a:t>
+            </a:r>
+          </a:p>
+          <a:p>
+            <a:r>
+              <a:rPr lang="en-US" sz="1400" b="1" dirty="0">
+                <a:latin typeface="Courier New" panose="02070309020205020404" pitchFamily="49" charset="0"/>
+                <a:cs typeface="Courier New" panose="02070309020205020404" pitchFamily="49" charset="0"/>
+              </a:rPr>
+              <a:t>d["a"] = 4</a:t>
+            </a:r>
+          </a:p>
+          <a:p>
+            <a:r>
+              <a:rPr lang="en-US" sz="1400" b="1" dirty="0">
+                <a:latin typeface="Courier New" panose="02070309020205020404" pitchFamily="49" charset="0"/>
+                <a:cs typeface="Courier New" panose="02070309020205020404" pitchFamily="49" charset="0"/>
+              </a:rPr>
+              <a:t>print(d);</a:t>
+            </a:r>
+          </a:p>
+          <a:p>
+            <a:endParaRPr lang="en-US" sz="1400" b="1" dirty="0">
+              <a:latin typeface="Courier New" panose="02070309020205020404" pitchFamily="49" charset="0"/>
+              <a:cs typeface="Courier New" panose="02070309020205020404" pitchFamily="49" charset="0"/>
+            </a:endParaRPr>
+          </a:p>
+          <a:p>
+            <a:r>
+              <a:rPr lang="en-US" sz="1400" b="1" dirty="0">
+                <a:latin typeface="Courier New" panose="02070309020205020404" pitchFamily="49" charset="0"/>
+                <a:cs typeface="Courier New" panose="02070309020205020404" pitchFamily="49" charset="0"/>
+              </a:rPr>
+              <a:t>print("z=%d" % (</a:t>
+            </a:r>
+            <a:r>
+              <a:rPr lang="en-US" sz="1400" b="1" dirty="0" err="1">
+                <a:latin typeface="Courier New" panose="02070309020205020404" pitchFamily="49" charset="0"/>
+                <a:cs typeface="Courier New" panose="02070309020205020404" pitchFamily="49" charset="0"/>
+              </a:rPr>
+              <a:t>d.get</a:t>
+            </a:r>
+            <a:r>
+              <a:rPr lang="en-US" sz="1400" b="1" dirty="0">
+                <a:latin typeface="Courier New" panose="02070309020205020404" pitchFamily="49" charset="0"/>
+                <a:cs typeface="Courier New" panose="02070309020205020404" pitchFamily="49" charset="0"/>
+              </a:rPr>
+              <a:t>("z", 42), ));</a:t>
+            </a:r>
+          </a:p>
+          <a:p>
+            <a:r>
+              <a:rPr lang="en-US" sz="1400" b="1" dirty="0">
+                <a:latin typeface="Courier New" panose="02070309020205020404" pitchFamily="49" charset="0"/>
+                <a:cs typeface="Courier New" panose="02070309020205020404" pitchFamily="49" charset="0"/>
+              </a:rPr>
+              <a:t>print("x=%d" %  (</a:t>
+            </a:r>
+            <a:r>
+              <a:rPr lang="en-US" sz="1400" b="1" dirty="0" err="1">
+                <a:latin typeface="Courier New" panose="02070309020205020404" pitchFamily="49" charset="0"/>
+                <a:cs typeface="Courier New" panose="02070309020205020404" pitchFamily="49" charset="0"/>
+              </a:rPr>
+              <a:t>d.get</a:t>
+            </a:r>
+            <a:r>
+              <a:rPr lang="en-US" sz="1400" b="1" dirty="0">
+                <a:latin typeface="Courier New" panose="02070309020205020404" pitchFamily="49" charset="0"/>
+                <a:cs typeface="Courier New" panose="02070309020205020404" pitchFamily="49" charset="0"/>
+              </a:rPr>
+              <a:t>("x", 42), ));</a:t>
+            </a:r>
+          </a:p>
+          <a:p>
+            <a:endParaRPr lang="en-US" sz="1400" b="1" dirty="0">
+              <a:latin typeface="Courier New" panose="02070309020205020404" pitchFamily="49" charset="0"/>
+              <a:cs typeface="Courier New" panose="02070309020205020404" pitchFamily="49" charset="0"/>
+            </a:endParaRPr>
+          </a:p>
+          <a:p>
+            <a:r>
+              <a:rPr lang="en-US" sz="1400" b="1" dirty="0">
+                <a:latin typeface="Courier New" panose="02070309020205020404" pitchFamily="49" charset="0"/>
+                <a:cs typeface="Courier New" panose="02070309020205020404" pitchFamily="49" charset="0"/>
+              </a:rPr>
+              <a:t>items = </a:t>
+            </a:r>
+            <a:r>
+              <a:rPr lang="en-US" sz="1400" b="1" dirty="0" err="1">
+                <a:latin typeface="Courier New" panose="02070309020205020404" pitchFamily="49" charset="0"/>
+                <a:cs typeface="Courier New" panose="02070309020205020404" pitchFamily="49" charset="0"/>
+              </a:rPr>
+              <a:t>iter</a:t>
+            </a:r>
+            <a:r>
+              <a:rPr lang="en-US" sz="1400" b="1" dirty="0">
+                <a:latin typeface="Courier New" panose="02070309020205020404" pitchFamily="49" charset="0"/>
+                <a:cs typeface="Courier New" panose="02070309020205020404" pitchFamily="49" charset="0"/>
+              </a:rPr>
+              <a:t>(</a:t>
+            </a:r>
+            <a:r>
+              <a:rPr lang="en-US" sz="1400" b="1" dirty="0" err="1">
+                <a:latin typeface="Courier New" panose="02070309020205020404" pitchFamily="49" charset="0"/>
+                <a:cs typeface="Courier New" panose="02070309020205020404" pitchFamily="49" charset="0"/>
+              </a:rPr>
+              <a:t>d.items</a:t>
+            </a:r>
+            <a:r>
+              <a:rPr lang="en-US" sz="1400" b="1" dirty="0">
+                <a:latin typeface="Courier New" panose="02070309020205020404" pitchFamily="49" charset="0"/>
+                <a:cs typeface="Courier New" panose="02070309020205020404" pitchFamily="49" charset="0"/>
+              </a:rPr>
+              <a:t>())</a:t>
+            </a:r>
+          </a:p>
+          <a:p>
+            <a:r>
+              <a:rPr lang="en-US" sz="1400" b="1" dirty="0">
+                <a:latin typeface="Courier New" panose="02070309020205020404" pitchFamily="49" charset="0"/>
+                <a:cs typeface="Courier New" panose="02070309020205020404" pitchFamily="49" charset="0"/>
+              </a:rPr>
+              <a:t>print(type(items));</a:t>
+            </a:r>
+          </a:p>
+          <a:p>
+            <a:endParaRPr lang="en-US" sz="1400" b="1" dirty="0">
+              <a:latin typeface="Courier New" panose="02070309020205020404" pitchFamily="49" charset="0"/>
+              <a:cs typeface="Courier New" panose="02070309020205020404" pitchFamily="49" charset="0"/>
+            </a:endParaRPr>
+          </a:p>
+          <a:p>
+            <a:r>
+              <a:rPr lang="en-US" sz="1400" b="1" dirty="0">
+                <a:latin typeface="Courier New" panose="02070309020205020404" pitchFamily="49" charset="0"/>
+                <a:cs typeface="Courier New" panose="02070309020205020404" pitchFamily="49" charset="0"/>
+              </a:rPr>
+              <a:t>entry = next(items, False)</a:t>
+            </a:r>
+          </a:p>
+          <a:p>
+            <a:r>
+              <a:rPr lang="en-US" sz="1400" b="1" dirty="0">
+                <a:latin typeface="Courier New" panose="02070309020205020404" pitchFamily="49" charset="0"/>
+                <a:cs typeface="Courier New" panose="02070309020205020404" pitchFamily="49" charset="0"/>
+              </a:rPr>
+              <a:t>while (entry) :</a:t>
+            </a:r>
+          </a:p>
+          <a:p>
+            <a:r>
+              <a:rPr lang="en-US" sz="1400" b="1" dirty="0">
+                <a:latin typeface="Courier New" panose="02070309020205020404" pitchFamily="49" charset="0"/>
+                <a:cs typeface="Courier New" panose="02070309020205020404" pitchFamily="49" charset="0"/>
+              </a:rPr>
+              <a:t>    print(entry)</a:t>
+            </a:r>
+          </a:p>
+          <a:p>
+            <a:r>
+              <a:rPr lang="en-US" sz="1400" b="1" dirty="0">
+                <a:latin typeface="Courier New" panose="02070309020205020404" pitchFamily="49" charset="0"/>
+                <a:cs typeface="Courier New" panose="02070309020205020404" pitchFamily="49" charset="0"/>
+              </a:rPr>
+              <a:t>    entry = next(items, False)</a:t>
+            </a:r>
+          </a:p>
+          <a:p>
+            <a:endParaRPr lang="en-US" sz="1400" b="1" dirty="0">
+              <a:latin typeface="Courier New" panose="02070309020205020404" pitchFamily="49" charset="0"/>
+              <a:cs typeface="Courier New" panose="02070309020205020404" pitchFamily="49" charset="0"/>
+            </a:endParaRPr>
+          </a:p>
+          <a:p>
+            <a:r>
+              <a:rPr lang="en-US" sz="1400" b="1" dirty="0" err="1">
+                <a:latin typeface="Courier New" panose="02070309020205020404" pitchFamily="49" charset="0"/>
+                <a:cs typeface="Courier New" panose="02070309020205020404" pitchFamily="49" charset="0"/>
+              </a:rPr>
+              <a:t>sd</a:t>
+            </a:r>
+            <a:r>
+              <a:rPr lang="en-US" sz="1400" b="1" dirty="0">
+                <a:latin typeface="Courier New" panose="02070309020205020404" pitchFamily="49" charset="0"/>
+                <a:cs typeface="Courier New" panose="02070309020205020404" pitchFamily="49" charset="0"/>
+              </a:rPr>
+              <a:t> = reversed(sorted(</a:t>
+            </a:r>
+            <a:r>
+              <a:rPr lang="en-US" sz="1400" b="1" dirty="0" err="1">
+                <a:latin typeface="Courier New" panose="02070309020205020404" pitchFamily="49" charset="0"/>
+                <a:cs typeface="Courier New" panose="02070309020205020404" pitchFamily="49" charset="0"/>
+              </a:rPr>
+              <a:t>d.items</a:t>
+            </a:r>
+            <a:r>
+              <a:rPr lang="en-US" sz="1400" b="1" dirty="0">
+                <a:latin typeface="Courier New" panose="02070309020205020404" pitchFamily="49" charset="0"/>
+                <a:cs typeface="Courier New" panose="02070309020205020404" pitchFamily="49" charset="0"/>
+              </a:rPr>
+              <a:t>(), key=lambda item: item[1]))</a:t>
+            </a:r>
+          </a:p>
+          <a:p>
+            <a:endParaRPr lang="en-US" sz="1400" b="1" dirty="0">
+              <a:latin typeface="Courier New" panose="02070309020205020404" pitchFamily="49" charset="0"/>
+              <a:cs typeface="Courier New" panose="02070309020205020404" pitchFamily="49" charset="0"/>
+            </a:endParaRPr>
+          </a:p>
+          <a:p>
+            <a:r>
+              <a:rPr lang="en-US" sz="1400" b="1" dirty="0">
+                <a:latin typeface="Courier New" panose="02070309020205020404" pitchFamily="49" charset="0"/>
+                <a:cs typeface="Courier New" panose="02070309020205020404" pitchFamily="49" charset="0"/>
+              </a:rPr>
+              <a:t>first = next(</a:t>
+            </a:r>
+            <a:r>
+              <a:rPr lang="en-US" sz="1400" b="1" dirty="0" err="1">
+                <a:latin typeface="Courier New" panose="02070309020205020404" pitchFamily="49" charset="0"/>
+                <a:cs typeface="Courier New" panose="02070309020205020404" pitchFamily="49" charset="0"/>
+              </a:rPr>
+              <a:t>iter</a:t>
+            </a:r>
+            <a:r>
+              <a:rPr lang="en-US" sz="1400" b="1" dirty="0">
+                <a:latin typeface="Courier New" panose="02070309020205020404" pitchFamily="49" charset="0"/>
+                <a:cs typeface="Courier New" panose="02070309020205020404" pitchFamily="49" charset="0"/>
+              </a:rPr>
+              <a:t>(</a:t>
+            </a:r>
+            <a:r>
+              <a:rPr lang="en-US" sz="1400" b="1" dirty="0" err="1">
+                <a:latin typeface="Courier New" panose="02070309020205020404" pitchFamily="49" charset="0"/>
+                <a:cs typeface="Courier New" panose="02070309020205020404" pitchFamily="49" charset="0"/>
+              </a:rPr>
+              <a:t>sd</a:t>
+            </a:r>
+            <a:r>
+              <a:rPr lang="en-US" sz="1400" b="1" dirty="0">
+                <a:latin typeface="Courier New" panose="02070309020205020404" pitchFamily="49" charset="0"/>
+                <a:cs typeface="Courier New" panose="02070309020205020404" pitchFamily="49" charset="0"/>
+              </a:rPr>
+              <a:t>))</a:t>
+            </a:r>
+          </a:p>
+          <a:p>
+            <a:r>
+              <a:rPr lang="en-US" sz="1400" b="1" dirty="0">
+                <a:latin typeface="Courier New" panose="02070309020205020404" pitchFamily="49" charset="0"/>
+                <a:cs typeface="Courier New" panose="02070309020205020404" pitchFamily="49" charset="0"/>
+              </a:rPr>
+              <a:t>print('The largest value', first)</a:t>
+            </a:r>
+          </a:p>
+        </p:txBody>
+      </p:sp>
+      <p:sp>
+        <p:nvSpPr>
+          <p:cNvPr id="5" name="TextBox 4">
+            <a:extLst>
+              <a:ext uri="{FF2B5EF4-FFF2-40B4-BE49-F238E27FC236}">
+                <a16:creationId xmlns:a16="http://schemas.microsoft.com/office/drawing/2014/main" id="{0A1F66FC-D917-3925-AED2-B0917D657EE9}"/>
+              </a:ext>
+            </a:extLst>
+          </p:cNvPr>
+          <p:cNvSpPr txBox="1"/>
+          <p:nvPr/>
+        </p:nvSpPr>
+        <p:spPr>
+          <a:xfrm>
+            <a:off x="7833475" y="849030"/>
+            <a:ext cx="3159839" cy="2123658"/>
+          </a:xfrm>
+          <a:prstGeom prst="rect">
+            <a:avLst/>
+          </a:prstGeom>
+          <a:noFill/>
+          <a:ln w="28575">
+            <a:solidFill>
+              <a:schemeClr val="accent1"/>
+            </a:solidFill>
+          </a:ln>
+        </p:spPr>
+        <p:txBody>
+          <a:bodyPr wrap="none" rtlCol="0">
+            <a:spAutoFit/>
+          </a:bodyPr>
+          <a:lstStyle/>
+          <a:p>
+            <a:r>
+              <a:rPr lang="en-US" sz="1200" b="1" dirty="0">
+                <a:latin typeface="Courier New" panose="02070309020205020404" pitchFamily="49" charset="0"/>
+                <a:cs typeface="Courier New" panose="02070309020205020404" pitchFamily="49" charset="0"/>
+              </a:rPr>
+              <a:t>Testing </a:t>
+            </a:r>
+            <a:r>
+              <a:rPr lang="en-US" sz="1200" b="1" dirty="0" err="1">
+                <a:latin typeface="Courier New" panose="02070309020205020404" pitchFamily="49" charset="0"/>
+                <a:cs typeface="Courier New" panose="02070309020205020404" pitchFamily="49" charset="0"/>
+              </a:rPr>
+              <a:t>dict</a:t>
+            </a:r>
+            <a:r>
+              <a:rPr lang="en-US" sz="1200" b="1" dirty="0">
+                <a:latin typeface="Courier New" panose="02070309020205020404" pitchFamily="49" charset="0"/>
+                <a:cs typeface="Courier New" panose="02070309020205020404" pitchFamily="49" charset="0"/>
+              </a:rPr>
+              <a:t> class</a:t>
+            </a:r>
+          </a:p>
+          <a:p>
+            <a:endParaRPr lang="en-US" sz="1200" b="1" dirty="0">
+              <a:latin typeface="Courier New" panose="02070309020205020404" pitchFamily="49" charset="0"/>
+              <a:cs typeface="Courier New" panose="02070309020205020404" pitchFamily="49" charset="0"/>
+            </a:endParaRPr>
+          </a:p>
+          <a:p>
+            <a:r>
+              <a:rPr lang="en-US" sz="1200" b="1" dirty="0">
+                <a:latin typeface="Courier New" panose="02070309020205020404" pitchFamily="49" charset="0"/>
+                <a:cs typeface="Courier New" panose="02070309020205020404" pitchFamily="49" charset="0"/>
+              </a:rPr>
+              <a:t>{'z': 1, 'y': 9, 'b': 3, 'a': 4}</a:t>
+            </a:r>
+          </a:p>
+          <a:p>
+            <a:r>
+              <a:rPr lang="en-US" sz="1200" b="1" dirty="0">
+                <a:latin typeface="Courier New" panose="02070309020205020404" pitchFamily="49" charset="0"/>
+                <a:cs typeface="Courier New" panose="02070309020205020404" pitchFamily="49" charset="0"/>
+              </a:rPr>
+              <a:t>z=1</a:t>
+            </a:r>
+          </a:p>
+          <a:p>
+            <a:r>
+              <a:rPr lang="en-US" sz="1200" b="1" dirty="0">
+                <a:latin typeface="Courier New" panose="02070309020205020404" pitchFamily="49" charset="0"/>
+                <a:cs typeface="Courier New" panose="02070309020205020404" pitchFamily="49" charset="0"/>
+              </a:rPr>
+              <a:t>x=42</a:t>
+            </a:r>
+          </a:p>
+          <a:p>
+            <a:r>
+              <a:rPr lang="en-US" sz="1200" b="1" dirty="0">
+                <a:latin typeface="Courier New" panose="02070309020205020404" pitchFamily="49" charset="0"/>
+                <a:cs typeface="Courier New" panose="02070309020205020404" pitchFamily="49" charset="0"/>
+              </a:rPr>
+              <a:t>&lt;class '</a:t>
+            </a:r>
+            <a:r>
+              <a:rPr lang="en-US" sz="1200" b="1" dirty="0" err="1">
+                <a:latin typeface="Courier New" panose="02070309020205020404" pitchFamily="49" charset="0"/>
+                <a:cs typeface="Courier New" panose="02070309020205020404" pitchFamily="49" charset="0"/>
+              </a:rPr>
+              <a:t>dict_itemiterator</a:t>
+            </a:r>
+            <a:r>
+              <a:rPr lang="en-US" sz="1200" b="1" dirty="0">
+                <a:latin typeface="Courier New" panose="02070309020205020404" pitchFamily="49" charset="0"/>
+                <a:cs typeface="Courier New" panose="02070309020205020404" pitchFamily="49" charset="0"/>
+              </a:rPr>
+              <a:t>'&gt;</a:t>
+            </a:r>
+          </a:p>
+          <a:p>
+            <a:r>
+              <a:rPr lang="en-US" sz="1200" b="1" dirty="0">
+                <a:latin typeface="Courier New" panose="02070309020205020404" pitchFamily="49" charset="0"/>
+                <a:cs typeface="Courier New" panose="02070309020205020404" pitchFamily="49" charset="0"/>
+              </a:rPr>
+              <a:t>('z', 1)</a:t>
+            </a:r>
+          </a:p>
+          <a:p>
+            <a:r>
+              <a:rPr lang="en-US" sz="1200" b="1" dirty="0">
+                <a:latin typeface="Courier New" panose="02070309020205020404" pitchFamily="49" charset="0"/>
+                <a:cs typeface="Courier New" panose="02070309020205020404" pitchFamily="49" charset="0"/>
+              </a:rPr>
+              <a:t>('y', 9)</a:t>
+            </a:r>
+          </a:p>
+          <a:p>
+            <a:r>
+              <a:rPr lang="en-US" sz="1200" b="1" dirty="0">
+                <a:latin typeface="Courier New" panose="02070309020205020404" pitchFamily="49" charset="0"/>
+                <a:cs typeface="Courier New" panose="02070309020205020404" pitchFamily="49" charset="0"/>
+              </a:rPr>
+              <a:t>('b', 3)</a:t>
+            </a:r>
+          </a:p>
+          <a:p>
+            <a:r>
+              <a:rPr lang="en-US" sz="1200" b="1" dirty="0">
+                <a:latin typeface="Courier New" panose="02070309020205020404" pitchFamily="49" charset="0"/>
+                <a:cs typeface="Courier New" panose="02070309020205020404" pitchFamily="49" charset="0"/>
+              </a:rPr>
+              <a:t>('a', 4)</a:t>
+            </a:r>
+          </a:p>
+          <a:p>
+            <a:r>
+              <a:rPr lang="en-US" sz="1200" b="1" dirty="0">
+                <a:latin typeface="Courier New" panose="02070309020205020404" pitchFamily="49" charset="0"/>
+                <a:cs typeface="Courier New" panose="02070309020205020404" pitchFamily="49" charset="0"/>
+              </a:rPr>
+              <a:t>The largest value ('y', 9)</a:t>
+            </a:r>
+          </a:p>
+        </p:txBody>
+      </p:sp>
+      <p:sp>
+        <p:nvSpPr>
+          <p:cNvPr id="6" name="TextBox 5">
+            <a:extLst>
+              <a:ext uri="{FF2B5EF4-FFF2-40B4-BE49-F238E27FC236}">
+                <a16:creationId xmlns:a16="http://schemas.microsoft.com/office/drawing/2014/main" id="{6F370932-4D8E-9923-8009-A4771C8364AD}"/>
+              </a:ext>
+            </a:extLst>
+          </p:cNvPr>
+          <p:cNvSpPr txBox="1"/>
+          <p:nvPr/>
+        </p:nvSpPr>
+        <p:spPr>
+          <a:xfrm>
+            <a:off x="10463350" y="6338986"/>
+            <a:ext cx="1665696" cy="307777"/>
+          </a:xfrm>
+          <a:prstGeom prst="rect">
+            <a:avLst/>
+          </a:prstGeom>
+          <a:noFill/>
+        </p:spPr>
+        <p:txBody>
+          <a:bodyPr wrap="square">
+            <a:spAutoFit/>
+          </a:bodyPr>
+          <a:lstStyle/>
+          <a:p>
+            <a:r>
+              <a:rPr lang="en-US" sz="1400" b="1" dirty="0">
+                <a:solidFill>
+                  <a:srgbClr val="000000"/>
+                </a:solidFill>
+                <a:latin typeface="Menlo" panose="020B0609030804020204" pitchFamily="49" charset="0"/>
+              </a:rPr>
+              <a:t>cc_04_01.py</a:t>
+            </a:r>
+          </a:p>
+        </p:txBody>
+      </p:sp>
+    </p:spTree>
+    <p:extLst>
+      <p:ext uri="{BB962C8B-B14F-4D97-AF65-F5344CB8AC3E}">
+        <p14:creationId xmlns:p14="http://schemas.microsoft.com/office/powerpoint/2010/main" val="4227642358"/>
+      </p:ext>
+    </p:extLst>
+  </p:cSld>
+  <p:clrMapOvr>
+    <a:masterClrMapping/>
+  </p:clrMapOvr>
+</p:sld>
+</file>
+
+<file path=ppt/slides/slide8.xml><?xml version="1.0" encoding="utf-8"?>
+<p:sld xmlns:a="http://schemas.openxmlformats.org/drawingml/2006/main" xmlns:r="http://schemas.openxmlformats.org/officeDocument/2006/relationships" xmlns:p="http://schemas.openxmlformats.org/presentationml/2006/main">
+  <p:cSld>
+    <p:spTree>
+      <p:nvGrpSpPr>
+        <p:cNvPr id="1" name=""/>
+        <p:cNvGrpSpPr/>
+        <p:nvPr/>
+      </p:nvGrpSpPr>
+      <p:grpSpPr>
+        <a:xfrm>
+          <a:off x="0" y="0"/>
+          <a:ext cx="0" cy="0"/>
+          <a:chOff x="0" y="0"/>
+          <a:chExt cx="0" cy="0"/>
+        </a:xfrm>
+      </p:grpSpPr>
+      <p:sp>
+        <p:nvSpPr>
+          <p:cNvPr id="4" name="TextBox 3">
+            <a:extLst>
+              <a:ext uri="{FF2B5EF4-FFF2-40B4-BE49-F238E27FC236}">
+                <a16:creationId xmlns:a16="http://schemas.microsoft.com/office/drawing/2014/main" id="{996E046E-ECF6-7340-52D5-5F19C9B73FEF}"/>
+              </a:ext>
+            </a:extLst>
+          </p:cNvPr>
+          <p:cNvSpPr txBox="1"/>
+          <p:nvPr/>
+        </p:nvSpPr>
+        <p:spPr>
+          <a:xfrm>
             <a:off x="345528" y="450668"/>
             <a:ext cx="7380547" cy="5693866"/>
           </a:xfrm>
@@ -7025,7 +11649,7 @@
 </p:sld>
 </file>
 
-<file path=ppt/slides/slide8.xml><?xml version="1.0" encoding="utf-8"?>
+<file path=ppt/slides/slide9.xml><?xml version="1.0" encoding="utf-8"?>
 <p:sld xmlns:a="http://schemas.openxmlformats.org/drawingml/2006/main" xmlns:r="http://schemas.openxmlformats.org/officeDocument/2006/relationships" xmlns:p="http://schemas.openxmlformats.org/presentationml/2006/main">
   <p:cSld>
     <p:spTree>

--- a/lectures/CC-04-Data-Structure.pptx
+++ b/lectures/CC-04-Data-Structure.pptx
@@ -3403,8 +3403,14 @@
           </a:p>
           <a:p>
             <a:r>
-              <a:rPr lang="en-US"/>
+              <a:rPr lang="en-US" dirty="0"/>
               <a:t>www.cc4e.com</a:t>
+            </a:r>
+          </a:p>
+          <a:p>
+            <a:r>
+              <a:rPr lang="en-US" dirty="0"/>
+              <a:t>code.cc4e.com</a:t>
             </a:r>
           </a:p>
         </p:txBody>
@@ -3851,7 +3857,7 @@
         <p:spPr>
           <a:xfrm>
             <a:off x="5717628" y="1336119"/>
-            <a:ext cx="5984331" cy="4185761"/>
+            <a:ext cx="5125121" cy="4616648"/>
           </a:xfrm>
           <a:prstGeom prst="rect">
             <a:avLst/>
@@ -3878,16 +3884,16 @@
                 <a:latin typeface="Courier New" panose="02070309020205020404" pitchFamily="49" charset="0"/>
                 <a:cs typeface="Courier New" panose="02070309020205020404" pitchFamily="49" charset="0"/>
               </a:rPr>
-              <a:t>  /* Attributes */</a:t>
-            </a:r>
-          </a:p>
-          <a:p>
-            <a:r>
-              <a:rPr lang="en-US" sz="1400" b="1" dirty="0">
-                <a:latin typeface="Courier New" panose="02070309020205020404" pitchFamily="49" charset="0"/>
-                <a:cs typeface="Courier New" panose="02070309020205020404" pitchFamily="49" charset="0"/>
-              </a:rPr>
-              <a:t>  struct </a:t>
+              <a:t>   /* Attributes */</a:t>
+            </a:r>
+          </a:p>
+          <a:p>
+            <a:r>
+              <a:rPr lang="en-US" sz="1400" b="1" dirty="0">
+                <a:latin typeface="Courier New" panose="02070309020205020404" pitchFamily="49" charset="0"/>
+                <a:cs typeface="Courier New" panose="02070309020205020404" pitchFamily="49" charset="0"/>
+              </a:rPr>
+              <a:t>   struct </a:t>
             </a:r>
             <a:r>
               <a:rPr lang="en-US" sz="1400" b="1" dirty="0" err="1">
@@ -3910,7 +3916,7 @@
                 <a:latin typeface="Courier New" panose="02070309020205020404" pitchFamily="49" charset="0"/>
                 <a:cs typeface="Courier New" panose="02070309020205020404" pitchFamily="49" charset="0"/>
               </a:rPr>
-              <a:t>  struct </a:t>
+              <a:t>   struct </a:t>
             </a:r>
             <a:r>
               <a:rPr lang="en-US" sz="1400" b="1" dirty="0" err="1">
@@ -3933,39 +3939,7 @@
                 <a:latin typeface="Courier New" panose="02070309020205020404" pitchFamily="49" charset="0"/>
                 <a:cs typeface="Courier New" panose="02070309020205020404" pitchFamily="49" charset="0"/>
               </a:rPr>
-              <a:t>  struct </a:t>
-            </a:r>
-            <a:r>
-              <a:rPr lang="en-US" sz="1400" b="1" dirty="0" err="1">
-                <a:latin typeface="Courier New" panose="02070309020205020404" pitchFamily="49" charset="0"/>
-                <a:cs typeface="Courier New" panose="02070309020205020404" pitchFamily="49" charset="0"/>
-              </a:rPr>
-              <a:t>MapEntry</a:t>
-            </a:r>
-            <a:r>
-              <a:rPr lang="en-US" sz="1400" b="1" dirty="0">
-                <a:latin typeface="Courier New" panose="02070309020205020404" pitchFamily="49" charset="0"/>
-                <a:cs typeface="Courier New" panose="02070309020205020404" pitchFamily="49" charset="0"/>
-              </a:rPr>
-              <a:t> *current;</a:t>
-            </a:r>
-          </a:p>
-          <a:p>
-            <a:r>
-              <a:rPr lang="en-US" sz="1400" b="1" dirty="0">
-                <a:latin typeface="Courier New" panose="02070309020205020404" pitchFamily="49" charset="0"/>
-                <a:cs typeface="Courier New" panose="02070309020205020404" pitchFamily="49" charset="0"/>
-              </a:rPr>
-              <a:t>  int count;</a:t>
-            </a:r>
-          </a:p>
-          <a:p>
-            <a:r>
-              <a:rPr lang="en-US" sz="1400" b="1" dirty="0">
-                <a:latin typeface="Courier New" panose="02070309020205020404" pitchFamily="49" charset="0"/>
-                <a:cs typeface="Courier New" panose="02070309020205020404" pitchFamily="49" charset="0"/>
-              </a:rPr>
-              <a:t>  int reverse;</a:t>
+              <a:t>   int count;</a:t>
             </a:r>
           </a:p>
           <a:p>
@@ -3980,58 +3954,182 @@
                 <a:latin typeface="Courier New" panose="02070309020205020404" pitchFamily="49" charset="0"/>
                 <a:cs typeface="Courier New" panose="02070309020205020404" pitchFamily="49" charset="0"/>
               </a:rPr>
-              <a:t>  /* Methods */</a:t>
-            </a:r>
-          </a:p>
-          <a:p>
-            <a:r>
-              <a:rPr lang="en-US" sz="1400" b="1" dirty="0">
-                <a:latin typeface="Courier New" panose="02070309020205020404" pitchFamily="49" charset="0"/>
-                <a:cs typeface="Courier New" panose="02070309020205020404" pitchFamily="49" charset="0"/>
-              </a:rPr>
-              <a:t>  void (*put)(struct Map* self, char *key, int value);</a:t>
-            </a:r>
-          </a:p>
-          <a:p>
-            <a:r>
-              <a:rPr lang="en-US" sz="1400" b="1" dirty="0">
-                <a:latin typeface="Courier New" panose="02070309020205020404" pitchFamily="49" charset="0"/>
-                <a:cs typeface="Courier New" panose="02070309020205020404" pitchFamily="49" charset="0"/>
-              </a:rPr>
-              <a:t>  int (*get)(struct Map* self, char *key, int def);</a:t>
-            </a:r>
-          </a:p>
-          <a:p>
-            <a:r>
-              <a:rPr lang="en-US" sz="1400" b="1" dirty="0">
-                <a:latin typeface="Courier New" panose="02070309020205020404" pitchFamily="49" charset="0"/>
-                <a:cs typeface="Courier New" panose="02070309020205020404" pitchFamily="49" charset="0"/>
-              </a:rPr>
-              <a:t>  int (*size)(struct Map* self);</a:t>
-            </a:r>
-          </a:p>
-          <a:p>
-            <a:r>
-              <a:rPr lang="en-US" sz="1400" b="1" dirty="0">
-                <a:latin typeface="Courier New" panose="02070309020205020404" pitchFamily="49" charset="0"/>
-                <a:cs typeface="Courier New" panose="02070309020205020404" pitchFamily="49" charset="0"/>
-              </a:rPr>
-              <a:t>  void (*dump)(struct Map* self);</a:t>
-            </a:r>
-          </a:p>
-          <a:p>
-            <a:r>
-              <a:rPr lang="en-US" sz="1400" b="1" dirty="0">
-                <a:latin typeface="Courier New" panose="02070309020205020404" pitchFamily="49" charset="0"/>
-                <a:cs typeface="Courier New" panose="02070309020205020404" pitchFamily="49" charset="0"/>
-              </a:rPr>
-              <a:t>  struct </a:t>
+              <a:t>   /* Methods */</a:t>
+            </a:r>
+          </a:p>
+          <a:p>
+            <a:r>
+              <a:rPr lang="en-US" sz="1400" b="1" dirty="0">
+                <a:latin typeface="Courier New" panose="02070309020205020404" pitchFamily="49" charset="0"/>
+                <a:cs typeface="Courier New" panose="02070309020205020404" pitchFamily="49" charset="0"/>
+              </a:rPr>
+              <a:t>   void (*put)(struct Map* self,</a:t>
+            </a:r>
+          </a:p>
+          <a:p>
+            <a:r>
+              <a:rPr lang="en-US" sz="1400" b="1" dirty="0">
+                <a:latin typeface="Courier New" panose="02070309020205020404" pitchFamily="49" charset="0"/>
+                <a:cs typeface="Courier New" panose="02070309020205020404" pitchFamily="49" charset="0"/>
+              </a:rPr>
+              <a:t>               char *</a:t>
             </a:r>
             <a:r>
               <a:rPr lang="en-US" sz="1400" b="1" dirty="0" err="1">
                 <a:latin typeface="Courier New" panose="02070309020205020404" pitchFamily="49" charset="0"/>
                 <a:cs typeface="Courier New" panose="02070309020205020404" pitchFamily="49" charset="0"/>
               </a:rPr>
+              <a:t>key,int</a:t>
+            </a:r>
+            <a:r>
+              <a:rPr lang="en-US" sz="1400" b="1" dirty="0">
+                <a:latin typeface="Courier New" panose="02070309020205020404" pitchFamily="49" charset="0"/>
+                <a:cs typeface="Courier New" panose="02070309020205020404" pitchFamily="49" charset="0"/>
+              </a:rPr>
+              <a:t> value);</a:t>
+            </a:r>
+          </a:p>
+          <a:p>
+            <a:r>
+              <a:rPr lang="en-US" sz="1400" b="1" dirty="0">
+                <a:latin typeface="Courier New" panose="02070309020205020404" pitchFamily="49" charset="0"/>
+                <a:cs typeface="Courier New" panose="02070309020205020404" pitchFamily="49" charset="0"/>
+              </a:rPr>
+              <a:t>   int (*get)(struct Map* self,</a:t>
+            </a:r>
+          </a:p>
+          <a:p>
+            <a:r>
+              <a:rPr lang="en-US" sz="1400" b="1" dirty="0">
+                <a:latin typeface="Courier New" panose="02070309020205020404" pitchFamily="49" charset="0"/>
+                <a:cs typeface="Courier New" panose="02070309020205020404" pitchFamily="49" charset="0"/>
+              </a:rPr>
+              <a:t>              char *key, int def);</a:t>
+            </a:r>
+          </a:p>
+          <a:p>
+            <a:r>
+              <a:rPr lang="en-US" sz="1400" b="1" dirty="0">
+                <a:latin typeface="Courier New" panose="02070309020205020404" pitchFamily="49" charset="0"/>
+                <a:cs typeface="Courier New" panose="02070309020205020404" pitchFamily="49" charset="0"/>
+              </a:rPr>
+              <a:t>   int (*size)(struct Map* self);</a:t>
+            </a:r>
+          </a:p>
+          <a:p>
+            <a:r>
+              <a:rPr lang="en-US" sz="1400" b="1" dirty="0">
+                <a:latin typeface="Courier New" panose="02070309020205020404" pitchFamily="49" charset="0"/>
+                <a:cs typeface="Courier New" panose="02070309020205020404" pitchFamily="49" charset="0"/>
+              </a:rPr>
+              <a:t>   void (*dump)(struct Map* self);</a:t>
+            </a:r>
+          </a:p>
+          <a:p>
+            <a:r>
+              <a:rPr lang="en-US" sz="1400" b="1" dirty="0">
+                <a:latin typeface="Courier New" panose="02070309020205020404" pitchFamily="49" charset="0"/>
+                <a:cs typeface="Courier New" panose="02070309020205020404" pitchFamily="49" charset="0"/>
+              </a:rPr>
+              <a:t>   struct </a:t>
+            </a:r>
+            <a:r>
+              <a:rPr lang="en-US" sz="1400" b="1" dirty="0" err="1">
+                <a:latin typeface="Courier New" panose="02070309020205020404" pitchFamily="49" charset="0"/>
+                <a:cs typeface="Courier New" panose="02070309020205020404" pitchFamily="49" charset="0"/>
+              </a:rPr>
+              <a:t>MapIter</a:t>
+            </a:r>
+            <a:r>
+              <a:rPr lang="en-US" sz="1400" b="1" dirty="0">
+                <a:latin typeface="Courier New" panose="02070309020205020404" pitchFamily="49" charset="0"/>
+                <a:cs typeface="Courier New" panose="02070309020205020404" pitchFamily="49" charset="0"/>
+              </a:rPr>
+              <a:t>* (*first)(struct Map* self);</a:t>
+            </a:r>
+          </a:p>
+          <a:p>
+            <a:r>
+              <a:rPr lang="en-US" sz="1400" b="1" dirty="0">
+                <a:latin typeface="Courier New" panose="02070309020205020404" pitchFamily="49" charset="0"/>
+                <a:cs typeface="Courier New" panose="02070309020205020404" pitchFamily="49" charset="0"/>
+              </a:rPr>
+              <a:t>   struct </a:t>
+            </a:r>
+            <a:r>
+              <a:rPr lang="en-US" sz="1400" b="1" dirty="0" err="1">
+                <a:latin typeface="Courier New" panose="02070309020205020404" pitchFamily="49" charset="0"/>
+                <a:cs typeface="Courier New" panose="02070309020205020404" pitchFamily="49" charset="0"/>
+              </a:rPr>
+              <a:t>MapIter</a:t>
+            </a:r>
+            <a:r>
+              <a:rPr lang="en-US" sz="1400" b="1" dirty="0">
+                <a:latin typeface="Courier New" panose="02070309020205020404" pitchFamily="49" charset="0"/>
+                <a:cs typeface="Courier New" panose="02070309020205020404" pitchFamily="49" charset="0"/>
+              </a:rPr>
+              <a:t>* (*last)(struct Map* self);</a:t>
+            </a:r>
+          </a:p>
+          <a:p>
+            <a:r>
+              <a:rPr lang="en-US" sz="1400" b="1" dirty="0">
+                <a:latin typeface="Courier New" panose="02070309020205020404" pitchFamily="49" charset="0"/>
+                <a:cs typeface="Courier New" panose="02070309020205020404" pitchFamily="49" charset="0"/>
+              </a:rPr>
+              <a:t>   void (*</a:t>
+            </a:r>
+            <a:r>
+              <a:rPr lang="en-US" sz="1400" b="1" dirty="0" err="1">
+                <a:latin typeface="Courier New" panose="02070309020205020404" pitchFamily="49" charset="0"/>
+                <a:cs typeface="Courier New" panose="02070309020205020404" pitchFamily="49" charset="0"/>
+              </a:rPr>
+              <a:t>asort</a:t>
+            </a:r>
+            <a:r>
+              <a:rPr lang="en-US" sz="1400" b="1" dirty="0">
+                <a:latin typeface="Courier New" panose="02070309020205020404" pitchFamily="49" charset="0"/>
+                <a:cs typeface="Courier New" panose="02070309020205020404" pitchFamily="49" charset="0"/>
+              </a:rPr>
+              <a:t>)(struct Map* self);</a:t>
+            </a:r>
+          </a:p>
+          <a:p>
+            <a:r>
+              <a:rPr lang="en-US" sz="1400" b="1" dirty="0">
+                <a:latin typeface="Courier New" panose="02070309020205020404" pitchFamily="49" charset="0"/>
+                <a:cs typeface="Courier New" panose="02070309020205020404" pitchFamily="49" charset="0"/>
+              </a:rPr>
+              <a:t>   void (*</a:t>
+            </a:r>
+            <a:r>
+              <a:rPr lang="en-US" sz="1400" b="1" dirty="0" err="1">
+                <a:latin typeface="Courier New" panose="02070309020205020404" pitchFamily="49" charset="0"/>
+                <a:cs typeface="Courier New" panose="02070309020205020404" pitchFamily="49" charset="0"/>
+              </a:rPr>
+              <a:t>ksort</a:t>
+            </a:r>
+            <a:r>
+              <a:rPr lang="en-US" sz="1400" b="1" dirty="0">
+                <a:latin typeface="Courier New" panose="02070309020205020404" pitchFamily="49" charset="0"/>
+                <a:cs typeface="Courier New" panose="02070309020205020404" pitchFamily="49" charset="0"/>
+              </a:rPr>
+              <a:t>)(struct Map* self);</a:t>
+            </a:r>
+          </a:p>
+          <a:p>
+            <a:r>
+              <a:rPr lang="en-US" sz="1400" b="1" dirty="0">
+                <a:latin typeface="Courier New" panose="02070309020205020404" pitchFamily="49" charset="0"/>
+                <a:cs typeface="Courier New" panose="02070309020205020404" pitchFamily="49" charset="0"/>
+              </a:rPr>
+              <a:t>   struct </a:t>
+            </a:r>
+            <a:r>
+              <a:rPr lang="en-US" sz="1400" b="1" dirty="0" err="1">
+                <a:latin typeface="Courier New" panose="02070309020205020404" pitchFamily="49" charset="0"/>
+                <a:cs typeface="Courier New" panose="02070309020205020404" pitchFamily="49" charset="0"/>
+              </a:rPr>
               <a:t>MapEntry</a:t>
             </a:r>
             <a:r>
@@ -4039,99 +4137,25 @@
                 <a:latin typeface="Courier New" panose="02070309020205020404" pitchFamily="49" charset="0"/>
                 <a:cs typeface="Courier New" panose="02070309020205020404" pitchFamily="49" charset="0"/>
               </a:rPr>
-              <a:t>* (*first)(struct Map* self);</a:t>
-            </a:r>
-          </a:p>
-          <a:p>
-            <a:r>
-              <a:rPr lang="en-US" sz="1400" b="1" dirty="0">
-                <a:latin typeface="Courier New" panose="02070309020205020404" pitchFamily="49" charset="0"/>
-                <a:cs typeface="Courier New" panose="02070309020205020404" pitchFamily="49" charset="0"/>
-              </a:rPr>
-              <a:t>  struct </a:t>
-            </a:r>
-            <a:r>
-              <a:rPr lang="en-US" sz="1400" b="1" dirty="0" err="1">
-                <a:latin typeface="Courier New" panose="02070309020205020404" pitchFamily="49" charset="0"/>
-                <a:cs typeface="Courier New" panose="02070309020205020404" pitchFamily="49" charset="0"/>
-              </a:rPr>
-              <a:t>MapEntry</a:t>
-            </a:r>
-            <a:r>
-              <a:rPr lang="en-US" sz="1400" b="1" dirty="0">
-                <a:latin typeface="Courier New" panose="02070309020205020404" pitchFamily="49" charset="0"/>
-                <a:cs typeface="Courier New" panose="02070309020205020404" pitchFamily="49" charset="0"/>
-              </a:rPr>
-              <a:t>* (*last)(struct Map* self);</a:t>
-            </a:r>
-          </a:p>
-          <a:p>
-            <a:r>
-              <a:rPr lang="en-US" sz="1400" b="1" dirty="0">
-                <a:latin typeface="Courier New" panose="02070309020205020404" pitchFamily="49" charset="0"/>
-                <a:cs typeface="Courier New" panose="02070309020205020404" pitchFamily="49" charset="0"/>
-              </a:rPr>
-              <a:t>  struct </a:t>
-            </a:r>
-            <a:r>
-              <a:rPr lang="en-US" sz="1400" b="1" dirty="0" err="1">
-                <a:latin typeface="Courier New" panose="02070309020205020404" pitchFamily="49" charset="0"/>
-                <a:cs typeface="Courier New" panose="02070309020205020404" pitchFamily="49" charset="0"/>
-              </a:rPr>
-              <a:t>MapEntry</a:t>
-            </a:r>
-            <a:r>
-              <a:rPr lang="en-US" sz="1400" b="1" dirty="0">
-                <a:latin typeface="Courier New" panose="02070309020205020404" pitchFamily="49" charset="0"/>
-                <a:cs typeface="Courier New" panose="02070309020205020404" pitchFamily="49" charset="0"/>
-              </a:rPr>
-              <a:t>* (*next)(struct Map* self);</a:t>
-            </a:r>
-          </a:p>
-          <a:p>
-            <a:r>
-              <a:rPr lang="en-US" sz="1400" b="1" dirty="0">
-                <a:latin typeface="Courier New" panose="02070309020205020404" pitchFamily="49" charset="0"/>
-                <a:cs typeface="Courier New" panose="02070309020205020404" pitchFamily="49" charset="0"/>
-              </a:rPr>
-              <a:t>  void (*</a:t>
-            </a:r>
-            <a:r>
-              <a:rPr lang="en-US" sz="1400" b="1" dirty="0" err="1">
-                <a:latin typeface="Courier New" panose="02070309020205020404" pitchFamily="49" charset="0"/>
-                <a:cs typeface="Courier New" panose="02070309020205020404" pitchFamily="49" charset="0"/>
-              </a:rPr>
-              <a:t>asort</a:t>
-            </a:r>
-            <a:r>
-              <a:rPr lang="en-US" sz="1400" b="1" dirty="0">
-                <a:latin typeface="Courier New" panose="02070309020205020404" pitchFamily="49" charset="0"/>
-                <a:cs typeface="Courier New" panose="02070309020205020404" pitchFamily="49" charset="0"/>
-              </a:rPr>
-              <a:t>)(struct Map* self);</a:t>
-            </a:r>
-          </a:p>
-          <a:p>
-            <a:r>
-              <a:rPr lang="en-US" sz="1400" b="1" dirty="0">
-                <a:latin typeface="Courier New" panose="02070309020205020404" pitchFamily="49" charset="0"/>
-                <a:cs typeface="Courier New" panose="02070309020205020404" pitchFamily="49" charset="0"/>
-              </a:rPr>
-              <a:t>  void (*</a:t>
-            </a:r>
-            <a:r>
-              <a:rPr lang="en-US" sz="1400" b="1" dirty="0" err="1">
-                <a:latin typeface="Courier New" panose="02070309020205020404" pitchFamily="49" charset="0"/>
-                <a:cs typeface="Courier New" panose="02070309020205020404" pitchFamily="49" charset="0"/>
-              </a:rPr>
-              <a:t>ksort</a:t>
-            </a:r>
-            <a:r>
-              <a:rPr lang="en-US" sz="1400" b="1" dirty="0">
-                <a:latin typeface="Courier New" panose="02070309020205020404" pitchFamily="49" charset="0"/>
-                <a:cs typeface="Courier New" panose="02070309020205020404" pitchFamily="49" charset="0"/>
-              </a:rPr>
-              <a:t>)(struct Map* self);</a:t>
+              <a:t>* (*index)(struct Map* self,</a:t>
+            </a:r>
+          </a:p>
+          <a:p>
+            <a:r>
+              <a:rPr lang="en-US" sz="1400" b="1" dirty="0">
+                <a:latin typeface="Courier New" panose="02070309020205020404" pitchFamily="49" charset="0"/>
+                <a:cs typeface="Courier New" panose="02070309020205020404" pitchFamily="49" charset="0"/>
+              </a:rPr>
+              <a:t>                             int position);</a:t>
+            </a:r>
+          </a:p>
+          <a:p>
+            <a:r>
+              <a:rPr lang="en-US" sz="1400" b="1" dirty="0">
+                <a:latin typeface="Courier New" panose="02070309020205020404" pitchFamily="49" charset="0"/>
+                <a:cs typeface="Courier New" panose="02070309020205020404" pitchFamily="49" charset="0"/>
+              </a:rPr>
+              <a:t>   void (*del)(struct Map* self);</a:t>
             </a:r>
           </a:p>
           <a:p>
@@ -4265,7 +4289,7 @@
         <p:spPr>
           <a:xfrm>
             <a:off x="5717628" y="1336119"/>
-            <a:ext cx="4373313" cy="4401205"/>
+            <a:ext cx="4373313" cy="4185761"/>
           </a:xfrm>
           <a:prstGeom prst="rect">
             <a:avLst/>
@@ -4353,25 +4377,7 @@
                 <a:latin typeface="Courier New" panose="02070309020205020404" pitchFamily="49" charset="0"/>
                 <a:cs typeface="Courier New" panose="02070309020205020404" pitchFamily="49" charset="0"/>
               </a:rPr>
-              <a:t>    p-&gt;current = NULL;</a:t>
-            </a:r>
-          </a:p>
-          <a:p>
-            <a:r>
-              <a:rPr lang="en-US" sz="1400" b="1" dirty="0">
-                <a:latin typeface="Courier New" panose="02070309020205020404" pitchFamily="49" charset="0"/>
-                <a:cs typeface="Courier New" panose="02070309020205020404" pitchFamily="49" charset="0"/>
-              </a:rPr>
               <a:t>    p-&gt;count = 0;</a:t>
-            </a:r>
-          </a:p>
-          <a:p>
-            <a:r>
-              <a:rPr lang="en-US" sz="1400" b="1" dirty="0">
-                <a:latin typeface="Courier New" panose="02070309020205020404" pitchFamily="49" charset="0"/>
-                <a:cs typeface="Courier New" panose="02070309020205020404" pitchFamily="49" charset="0"/>
-              </a:rPr>
-              <a:t>    p-&gt;reverse = 0;</a:t>
             </a:r>
           </a:p>
           <a:p>
@@ -4524,14 +4530,28 @@
                 <a:latin typeface="Courier New" panose="02070309020205020404" pitchFamily="49" charset="0"/>
                 <a:cs typeface="Courier New" panose="02070309020205020404" pitchFamily="49" charset="0"/>
               </a:rPr>
-              <a:t>    p-&gt;next = &amp;</a:t>
+              <a:t>    p-&gt;</a:t>
             </a:r>
             <a:r>
               <a:rPr lang="en-US" sz="1400" b="1" dirty="0" err="1">
                 <a:latin typeface="Courier New" panose="02070309020205020404" pitchFamily="49" charset="0"/>
                 <a:cs typeface="Courier New" panose="02070309020205020404" pitchFamily="49" charset="0"/>
               </a:rPr>
-              <a:t>Map_next</a:t>
+              <a:t>asort</a:t>
+            </a:r>
+            <a:r>
+              <a:rPr lang="en-US" sz="1400" b="1" dirty="0">
+                <a:latin typeface="Courier New" panose="02070309020205020404" pitchFamily="49" charset="0"/>
+                <a:cs typeface="Courier New" panose="02070309020205020404" pitchFamily="49" charset="0"/>
+              </a:rPr>
+              <a:t> = &amp;</a:t>
+            </a:r>
+            <a:r>
+              <a:rPr lang="en-US" sz="1400" b="1" dirty="0" err="1">
+                <a:latin typeface="Courier New" panose="02070309020205020404" pitchFamily="49" charset="0"/>
+                <a:cs typeface="Courier New" panose="02070309020205020404" pitchFamily="49" charset="0"/>
+              </a:rPr>
+              <a:t>Map_asort</a:t>
             </a:r>
             <a:r>
               <a:rPr lang="en-US" sz="1400" b="1" dirty="0">
@@ -4554,7 +4574,7 @@
                 <a:latin typeface="Courier New" panose="02070309020205020404" pitchFamily="49" charset="0"/>
                 <a:cs typeface="Courier New" panose="02070309020205020404" pitchFamily="49" charset="0"/>
               </a:rPr>
-              <a:t>asort</a:t>
+              <a:t>ksort</a:t>
             </a:r>
             <a:r>
               <a:rPr lang="en-US" sz="1400" b="1" dirty="0">
@@ -4568,7 +4588,7 @@
                 <a:latin typeface="Courier New" panose="02070309020205020404" pitchFamily="49" charset="0"/>
                 <a:cs typeface="Courier New" panose="02070309020205020404" pitchFamily="49" charset="0"/>
               </a:rPr>
-              <a:t>Map_asort</a:t>
+              <a:t>Map_ksort</a:t>
             </a:r>
             <a:r>
               <a:rPr lang="en-US" sz="1400" b="1" dirty="0">
@@ -4584,28 +4604,37 @@
                 <a:latin typeface="Courier New" panose="02070309020205020404" pitchFamily="49" charset="0"/>
                 <a:cs typeface="Courier New" panose="02070309020205020404" pitchFamily="49" charset="0"/>
               </a:rPr>
-              <a:t>    p-&gt;</a:t>
+              <a:t>    p-&gt;index = &amp;</a:t>
             </a:r>
             <a:r>
               <a:rPr lang="en-US" sz="1400" b="1" dirty="0" err="1">
                 <a:latin typeface="Courier New" panose="02070309020205020404" pitchFamily="49" charset="0"/>
                 <a:cs typeface="Courier New" panose="02070309020205020404" pitchFamily="49" charset="0"/>
               </a:rPr>
-              <a:t>ksort</a:t>
-            </a:r>
-            <a:r>
-              <a:rPr lang="en-US" sz="1400" b="1" dirty="0">
-                <a:latin typeface="Courier New" panose="02070309020205020404" pitchFamily="49" charset="0"/>
-                <a:cs typeface="Courier New" panose="02070309020205020404" pitchFamily="49" charset="0"/>
-              </a:rPr>
-              <a:t> = &amp;</a:t>
+              <a:t>Map_index</a:t>
+            </a:r>
+            <a:r>
+              <a:rPr lang="en-US" sz="1400" b="1" dirty="0">
+                <a:latin typeface="Courier New" panose="02070309020205020404" pitchFamily="49" charset="0"/>
+                <a:cs typeface="Courier New" panose="02070309020205020404" pitchFamily="49" charset="0"/>
+              </a:rPr>
+              <a:t>;</a:t>
+            </a:r>
+          </a:p>
+          <a:p>
+            <a:r>
+              <a:rPr lang="en-US" sz="1400" b="1" dirty="0">
+                <a:latin typeface="Courier New" panose="02070309020205020404" pitchFamily="49" charset="0"/>
+                <a:cs typeface="Courier New" panose="02070309020205020404" pitchFamily="49" charset="0"/>
+              </a:rPr>
+              <a:t>    p-&gt;del = &amp;</a:t>
             </a:r>
             <a:r>
               <a:rPr lang="en-US" sz="1400" b="1" dirty="0" err="1">
                 <a:latin typeface="Courier New" panose="02070309020205020404" pitchFamily="49" charset="0"/>
                 <a:cs typeface="Courier New" panose="02070309020205020404" pitchFamily="49" charset="0"/>
               </a:rPr>
-              <a:t>Map_ksort</a:t>
+              <a:t>Map_del</a:t>
             </a:r>
             <a:r>
               <a:rPr lang="en-US" sz="1400" b="1" dirty="0">
@@ -5640,7 +5669,7 @@
                 <a:latin typeface="Courier New" panose="02070309020205020404" pitchFamily="49" charset="0"/>
                 <a:cs typeface="Courier New" panose="02070309020205020404" pitchFamily="49" charset="0"/>
               </a:rPr>
-              <a:t>("key", def)</a:t>
+              <a:t>("key", 42)</a:t>
             </a:r>
           </a:p>
           <a:p>
@@ -6288,7 +6317,7 @@
         <p:spPr>
           <a:xfrm>
             <a:off x="5260428" y="1072674"/>
-            <a:ext cx="6950942" cy="3539430"/>
+            <a:ext cx="5984331" cy="3754874"/>
           </a:xfrm>
           <a:prstGeom prst="rect">
             <a:avLst/>
@@ -6374,7 +6403,16 @@
                 <a:latin typeface="Courier New" panose="02070309020205020404" pitchFamily="49" charset="0"/>
                 <a:cs typeface="Courier New" panose="02070309020205020404" pitchFamily="49" charset="0"/>
               </a:rPr>
-              <a:t> * def - A default value to return if the key is not in the Map</a:t>
+              <a:t> * def - A default value to return if the key</a:t>
+            </a:r>
+          </a:p>
+          <a:p>
+            <a:r>
+              <a:rPr lang="en-US" sz="1400" b="1" dirty="0">
+                <a:latin typeface="Courier New" panose="02070309020205020404" pitchFamily="49" charset="0"/>
+                <a:cs typeface="Courier New" panose="02070309020205020404" pitchFamily="49" charset="0"/>
+              </a:rPr>
+              <a:t> *       is not in the Map</a:t>
             </a:r>
           </a:p>
           <a:p>
@@ -6442,7 +6480,7 @@
                 <a:latin typeface="Courier New" panose="02070309020205020404" pitchFamily="49" charset="0"/>
                 <a:cs typeface="Courier New" panose="02070309020205020404" pitchFamily="49" charset="0"/>
               </a:rPr>
-              <a:t>("key", def)</a:t>
+              <a:t>("key", 42)</a:t>
             </a:r>
           </a:p>
           <a:p>
@@ -6645,15 +6683,50 @@
             <p:ph type="body" idx="1"/>
           </p:nvPr>
         </p:nvSpPr>
-        <p:spPr/>
+        <p:spPr>
+          <a:xfrm>
+            <a:off x="831850" y="4589463"/>
+            <a:ext cx="6254750" cy="1500187"/>
+          </a:xfrm>
+        </p:spPr>
         <p:txBody>
           <a:bodyPr/>
           <a:lstStyle/>
           <a:p>
-            <a:endParaRPr lang="en-US"/>
+            <a:endParaRPr lang="en-US" dirty="0"/>
           </a:p>
         </p:txBody>
       </p:sp>
+      <p:pic>
+        <p:nvPicPr>
+          <p:cNvPr id="7" name="Picture 6" descr="A picture containing person, hand, holding, indoor&#10;&#10;Description automatically generated">
+            <a:extLst>
+              <a:ext uri="{FF2B5EF4-FFF2-40B4-BE49-F238E27FC236}">
+                <a16:creationId xmlns:a16="http://schemas.microsoft.com/office/drawing/2014/main" id="{EB1D15DD-46EC-BD0A-0F58-7E1CF15E5A02}"/>
+              </a:ext>
+            </a:extLst>
+          </p:cNvPr>
+          <p:cNvPicPr>
+            <a:picLocks noChangeAspect="1"/>
+          </p:cNvPicPr>
+          <p:nvPr/>
+        </p:nvPicPr>
+        <p:blipFill>
+          <a:blip r:embed="rId2"/>
+          <a:stretch>
+            <a:fillRect/>
+          </a:stretch>
+        </p:blipFill>
+        <p:spPr>
+          <a:xfrm>
+            <a:off x="9100030" y="3615871"/>
+            <a:ext cx="2247420" cy="2473779"/>
+          </a:xfrm>
+          <a:prstGeom prst="rect">
+            <a:avLst/>
+          </a:prstGeom>
+        </p:spPr>
+      </p:pic>
     </p:spTree>
     <p:extLst>
       <p:ext uri="{BB962C8B-B14F-4D97-AF65-F5344CB8AC3E}">
@@ -6771,7 +6844,7 @@
             <a:pPr lvl="1"/>
             <a:r>
               <a:rPr lang="en-US" dirty="0"/>
-              <a:t>Put, Get, Delete</a:t>
+              <a:t>Find, Put, Get, Index</a:t>
             </a:r>
           </a:p>
           <a:p>
@@ -6897,7 +6970,7 @@
           <a:p>
             <a:r>
               <a:rPr lang="en-US" dirty="0"/>
-              <a:t>They do not want the calling code to look directly at head or count – and even worse the object will break badly if the main program starts changing these values</a:t>
+              <a:t>They do not want the calling code to look directly at head or count – and even worse the object will break badly if the main program starts messing with these values</a:t>
             </a:r>
           </a:p>
         </p:txBody>
@@ -6964,8 +7037,8 @@
         </p:nvSpPr>
         <p:spPr>
           <a:xfrm>
-            <a:off x="7966710" y="2238712"/>
-            <a:ext cx="3084499" cy="2031325"/>
+            <a:off x="7708801" y="1340371"/>
+            <a:ext cx="3621504" cy="4401205"/>
           </a:xfrm>
           <a:prstGeom prst="rect">
             <a:avLst/>
@@ -6992,16 +7065,16 @@
                 <a:latin typeface="Courier New" panose="02070309020205020404" pitchFamily="49" charset="0"/>
                 <a:cs typeface="Courier New" panose="02070309020205020404" pitchFamily="49" charset="0"/>
               </a:rPr>
-              <a:t>  /* Attributes */</a:t>
-            </a:r>
-          </a:p>
-          <a:p>
-            <a:r>
-              <a:rPr lang="en-US" sz="1400" b="1" dirty="0">
-                <a:latin typeface="Courier New" panose="02070309020205020404" pitchFamily="49" charset="0"/>
-                <a:cs typeface="Courier New" panose="02070309020205020404" pitchFamily="49" charset="0"/>
-              </a:rPr>
-              <a:t>  struct </a:t>
+              <a:t>   /* Attributes */</a:t>
+            </a:r>
+          </a:p>
+          <a:p>
+            <a:r>
+              <a:rPr lang="en-US" sz="1400" b="1" dirty="0">
+                <a:latin typeface="Courier New" panose="02070309020205020404" pitchFamily="49" charset="0"/>
+                <a:cs typeface="Courier New" panose="02070309020205020404" pitchFamily="49" charset="0"/>
+              </a:rPr>
+              <a:t>   struct </a:t>
             </a:r>
             <a:r>
               <a:rPr lang="en-US" sz="1400" b="1" dirty="0" err="1">
@@ -7024,7 +7097,7 @@
                 <a:latin typeface="Courier New" panose="02070309020205020404" pitchFamily="49" charset="0"/>
                 <a:cs typeface="Courier New" panose="02070309020205020404" pitchFamily="49" charset="0"/>
               </a:rPr>
-              <a:t>  struct </a:t>
+              <a:t>   struct </a:t>
             </a:r>
             <a:r>
               <a:rPr lang="en-US" sz="1400" b="1" dirty="0" err="1">
@@ -7047,48 +7120,31 @@
                 <a:latin typeface="Courier New" panose="02070309020205020404" pitchFamily="49" charset="0"/>
                 <a:cs typeface="Courier New" panose="02070309020205020404" pitchFamily="49" charset="0"/>
               </a:rPr>
-              <a:t>  struct </a:t>
-            </a:r>
-            <a:r>
-              <a:rPr lang="en-US" sz="1400" b="1" dirty="0" err="1">
-                <a:latin typeface="Courier New" panose="02070309020205020404" pitchFamily="49" charset="0"/>
-                <a:cs typeface="Courier New" panose="02070309020205020404" pitchFamily="49" charset="0"/>
-              </a:rPr>
-              <a:t>MapEntry</a:t>
-            </a:r>
-            <a:r>
-              <a:rPr lang="en-US" sz="1400" b="1" dirty="0">
-                <a:latin typeface="Courier New" panose="02070309020205020404" pitchFamily="49" charset="0"/>
-                <a:cs typeface="Courier New" panose="02070309020205020404" pitchFamily="49" charset="0"/>
-              </a:rPr>
-              <a:t> *current;</a:t>
-            </a:r>
-          </a:p>
-          <a:p>
-            <a:r>
-              <a:rPr lang="en-US" sz="1400" b="1" dirty="0">
-                <a:latin typeface="Courier New" panose="02070309020205020404" pitchFamily="49" charset="0"/>
-                <a:cs typeface="Courier New" panose="02070309020205020404" pitchFamily="49" charset="0"/>
-              </a:rPr>
-              <a:t>  int count;</a:t>
-            </a:r>
-          </a:p>
-          <a:p>
-            <a:r>
-              <a:rPr lang="en-US" sz="1400" b="1" dirty="0">
-                <a:latin typeface="Courier New" panose="02070309020205020404" pitchFamily="49" charset="0"/>
-                <a:cs typeface="Courier New" panose="02070309020205020404" pitchFamily="49" charset="0"/>
-              </a:rPr>
-              <a:t>  int reverse;</a:t>
-            </a:r>
-          </a:p>
-          <a:p>
-            <a:r>
-              <a:rPr lang="en-US" sz="1400" b="1" dirty="0">
-                <a:latin typeface="Courier New" panose="02070309020205020404" pitchFamily="49" charset="0"/>
-                <a:cs typeface="Courier New" panose="02070309020205020404" pitchFamily="49" charset="0"/>
-              </a:rPr>
-              <a:t>  ...</a:t>
+              <a:t>   int count;</a:t>
+            </a:r>
+          </a:p>
+          <a:p>
+            <a:endParaRPr lang="en-US" sz="1400" b="1" dirty="0">
+              <a:latin typeface="Courier New" panose="02070309020205020404" pitchFamily="49" charset="0"/>
+              <a:cs typeface="Courier New" panose="02070309020205020404" pitchFamily="49" charset="0"/>
+            </a:endParaRPr>
+          </a:p>
+          <a:p>
+            <a:r>
+              <a:rPr lang="en-US" sz="1400" b="1" dirty="0">
+                <a:latin typeface="Courier New" panose="02070309020205020404" pitchFamily="49" charset="0"/>
+                <a:cs typeface="Courier New" panose="02070309020205020404" pitchFamily="49" charset="0"/>
+              </a:rPr>
+              <a:t>   /* Methods */</a:t>
+            </a:r>
+          </a:p>
+          <a:p>
+            <a:r>
+              <a:rPr lang="en-US" sz="1400" b="1" dirty="0">
+                <a:latin typeface="Courier New" panose="02070309020205020404" pitchFamily="49" charset="0"/>
+                <a:cs typeface="Courier New" panose="02070309020205020404" pitchFamily="49" charset="0"/>
+              </a:rPr>
+              <a:t>   ...</a:t>
             </a:r>
           </a:p>
           <a:p>
@@ -7098,6 +7154,93 @@
                 <a:cs typeface="Courier New" panose="02070309020205020404" pitchFamily="49" charset="0"/>
               </a:rPr>
               <a:t>};</a:t>
+            </a:r>
+          </a:p>
+          <a:p>
+            <a:endParaRPr lang="en-US" sz="1400" b="1" dirty="0">
+              <a:latin typeface="Courier New" panose="02070309020205020404" pitchFamily="49" charset="0"/>
+              <a:cs typeface="Courier New" panose="02070309020205020404" pitchFamily="49" charset="0"/>
+            </a:endParaRPr>
+          </a:p>
+          <a:p>
+            <a:endParaRPr lang="en-US" sz="1400" b="1" dirty="0">
+              <a:latin typeface="Courier New" panose="02070309020205020404" pitchFamily="49" charset="0"/>
+              <a:cs typeface="Courier New" panose="02070309020205020404" pitchFamily="49" charset="0"/>
+            </a:endParaRPr>
+          </a:p>
+          <a:p>
+            <a:r>
+              <a:rPr lang="en-US" sz="1400" b="1" dirty="0">
+                <a:latin typeface="Courier New" panose="02070309020205020404" pitchFamily="49" charset="0"/>
+                <a:cs typeface="Courier New" panose="02070309020205020404" pitchFamily="49" charset="0"/>
+              </a:rPr>
+              <a:t>/* This loop is OK in an object</a:t>
+            </a:r>
+          </a:p>
+          <a:p>
+            <a:r>
+              <a:rPr lang="en-US" sz="1400" b="1" dirty="0">
+                <a:latin typeface="Courier New" panose="02070309020205020404" pitchFamily="49" charset="0"/>
+                <a:cs typeface="Courier New" panose="02070309020205020404" pitchFamily="49" charset="0"/>
+              </a:rPr>
+              <a:t>   method – but not in main() */</a:t>
+            </a:r>
+          </a:p>
+          <a:p>
+            <a:endParaRPr lang="en-US" sz="1400" b="1" dirty="0">
+              <a:latin typeface="Courier New" panose="02070309020205020404" pitchFamily="49" charset="0"/>
+              <a:cs typeface="Courier New" panose="02070309020205020404" pitchFamily="49" charset="0"/>
+            </a:endParaRPr>
+          </a:p>
+          <a:p>
+            <a:r>
+              <a:rPr lang="en-US" sz="1400" b="1" dirty="0">
+                <a:latin typeface="Courier New" panose="02070309020205020404" pitchFamily="49" charset="0"/>
+                <a:cs typeface="Courier New" panose="02070309020205020404" pitchFamily="49" charset="0"/>
+              </a:rPr>
+              <a:t>for (current = map-&gt;head;</a:t>
+            </a:r>
+          </a:p>
+          <a:p>
+            <a:r>
+              <a:rPr lang="en-US" sz="1400" b="1" dirty="0">
+                <a:latin typeface="Courier New" panose="02070309020205020404" pitchFamily="49" charset="0"/>
+                <a:cs typeface="Courier New" panose="02070309020205020404" pitchFamily="49" charset="0"/>
+              </a:rPr>
+              <a:t>     current != NULL;</a:t>
+            </a:r>
+          </a:p>
+          <a:p>
+            <a:r>
+              <a:rPr lang="en-US" sz="1400" b="1" dirty="0">
+                <a:latin typeface="Courier New" panose="02070309020205020404" pitchFamily="49" charset="0"/>
+                <a:cs typeface="Courier New" panose="02070309020205020404" pitchFamily="49" charset="0"/>
+              </a:rPr>
+              <a:t>     current = current-&gt;next )</a:t>
+            </a:r>
+          </a:p>
+          <a:p>
+            <a:r>
+              <a:rPr lang="en-US" sz="1400" b="1" dirty="0">
+                <a:latin typeface="Courier New" panose="02070309020205020404" pitchFamily="49" charset="0"/>
+                <a:cs typeface="Courier New" panose="02070309020205020404" pitchFamily="49" charset="0"/>
+              </a:rPr>
+              <a:t>{</a:t>
+            </a:r>
+          </a:p>
+          <a:p>
+            <a:endParaRPr lang="en-US" sz="1400" b="1" dirty="0">
+              <a:latin typeface="Courier New" panose="02070309020205020404" pitchFamily="49" charset="0"/>
+              <a:cs typeface="Courier New" panose="02070309020205020404" pitchFamily="49" charset="0"/>
+            </a:endParaRPr>
+          </a:p>
+          <a:p>
+            <a:r>
+              <a:rPr lang="en-US" sz="1400" b="1" dirty="0">
+                <a:latin typeface="Courier New" panose="02070309020205020404" pitchFamily="49" charset="0"/>
+                <a:cs typeface="Courier New" panose="02070309020205020404" pitchFamily="49" charset="0"/>
+              </a:rPr>
+              <a:t>}</a:t>
             </a:r>
           </a:p>
         </p:txBody>
@@ -7148,7 +7291,12 @@
             <p:ph type="title"/>
           </p:nvPr>
         </p:nvSpPr>
-        <p:spPr/>
+        <p:spPr>
+          <a:xfrm>
+            <a:off x="838200" y="365125"/>
+            <a:ext cx="5343014" cy="1325563"/>
+          </a:xfrm>
+        </p:spPr>
         <p:txBody>
           <a:bodyPr/>
           <a:lstStyle/>
@@ -7179,25 +7327,28 @@
         <p:spPr>
           <a:xfrm>
             <a:off x="838200" y="1825625"/>
-            <a:ext cx="5425440" cy="1500505"/>
+            <a:ext cx="5425440" cy="3283942"/>
           </a:xfrm>
         </p:spPr>
         <p:txBody>
           <a:bodyPr>
-            <a:normAutofit fontScale="77500" lnSpcReduction="20000"/>
+            <a:normAutofit/>
           </a:bodyPr>
           <a:lstStyle/>
           <a:p>
             <a:r>
               <a:rPr lang="en-US" dirty="0"/>
-              <a:t>Following the practice or "Separation of concerns", object builders usually make attributes critical to the functioning of the object "private"</a:t>
+              <a:t>To allow code outside the the object to traverse a list, we use iterators</a:t>
             </a:r>
           </a:p>
           <a:p>
             <a:r>
               <a:rPr lang="en-US" dirty="0"/>
-              <a:t> </a:t>
-            </a:r>
+              <a:t>Once we have an iterator, each time we say "next" we get the next item in the list until the end</a:t>
+            </a:r>
+          </a:p>
+          <a:p>
+            <a:endParaRPr lang="en-US" dirty="0"/>
           </a:p>
         </p:txBody>
       </p:sp>
@@ -7215,8 +7366,8 @@
         </p:nvSpPr>
         <p:spPr>
           <a:xfrm>
-            <a:off x="3300413" y="5846544"/>
-            <a:ext cx="6097904" cy="646331"/>
+            <a:off x="971753" y="5689076"/>
+            <a:ext cx="6097904" cy="369332"/>
           </a:xfrm>
           <a:prstGeom prst="rect">
             <a:avLst/>
@@ -7239,61 +7390,7 @@
             </a:r>
             <a:r>
               <a:rPr lang="en-US" dirty="0"/>
-              <a:t>/wiki/</a:t>
-            </a:r>
-            <a:r>
-              <a:rPr lang="en-US" dirty="0" err="1"/>
-              <a:t>Separation_of_concerns</a:t>
-            </a:r>
-            <a:endParaRPr lang="en-US" dirty="0"/>
-          </a:p>
-          <a:p>
-            <a:r>
-              <a:rPr lang="en-US" dirty="0"/>
-              <a:t>https://</a:t>
-            </a:r>
-            <a:r>
-              <a:rPr lang="en-US" dirty="0" err="1"/>
-              <a:t>en.wikipedia.org</a:t>
-            </a:r>
-            <a:r>
-              <a:rPr lang="en-US" dirty="0"/>
               <a:t>/wiki/Iterator</a:t>
-            </a:r>
-          </a:p>
-        </p:txBody>
-      </p:sp>
-      <p:sp>
-        <p:nvSpPr>
-          <p:cNvPr id="10" name="TextBox 9">
-            <a:extLst>
-              <a:ext uri="{FF2B5EF4-FFF2-40B4-BE49-F238E27FC236}">
-                <a16:creationId xmlns:a16="http://schemas.microsoft.com/office/drawing/2014/main" id="{3B53622E-6254-D861-DE7F-4CE3AF35E6EA}"/>
-              </a:ext>
-            </a:extLst>
-          </p:cNvPr>
-          <p:cNvSpPr txBox="1"/>
-          <p:nvPr/>
-        </p:nvSpPr>
-        <p:spPr>
-          <a:xfrm>
-            <a:off x="6835756" y="4186237"/>
-            <a:ext cx="3843337" cy="923330"/>
-          </a:xfrm>
-          <a:prstGeom prst="rect">
-            <a:avLst/>
-          </a:prstGeom>
-          <a:noFill/>
-        </p:spPr>
-        <p:txBody>
-          <a:bodyPr wrap="square" rtlCol="0">
-            <a:spAutoFit/>
-          </a:bodyPr>
-          <a:lstStyle/>
-          <a:p>
-            <a:r>
-              <a:rPr lang="en-US" dirty="0"/>
-              <a:t>In computer programming, an iterator is an object that enables a programmer to traverse a container, particularly lists</a:t>
             </a:r>
           </a:p>
         </p:txBody>
@@ -7313,7 +7410,7 @@
         <p:spPr>
           <a:xfrm>
             <a:off x="6835756" y="987047"/>
-            <a:ext cx="5125121" cy="2462213"/>
+            <a:ext cx="3191899" cy="2893100"/>
           </a:xfrm>
           <a:prstGeom prst="rect">
             <a:avLst/>
@@ -7331,167 +7428,344 @@
                 <a:latin typeface="Courier New" panose="02070309020205020404" pitchFamily="49" charset="0"/>
                 <a:cs typeface="Courier New" panose="02070309020205020404" pitchFamily="49" charset="0"/>
               </a:rPr>
-              <a:t>struct Map {</a:t>
-            </a:r>
-          </a:p>
-          <a:p>
-            <a:r>
-              <a:rPr lang="en-US" sz="1400" b="1" dirty="0">
-                <a:latin typeface="Courier New" panose="02070309020205020404" pitchFamily="49" charset="0"/>
-                <a:cs typeface="Courier New" panose="02070309020205020404" pitchFamily="49" charset="0"/>
-              </a:rPr>
-              <a:t>  /* Attributes */</a:t>
-            </a:r>
-          </a:p>
-          <a:p>
-            <a:r>
-              <a:rPr lang="en-US" sz="1400" b="1" dirty="0">
-                <a:latin typeface="Courier New" panose="02070309020205020404" pitchFamily="49" charset="0"/>
-                <a:cs typeface="Courier New" panose="02070309020205020404" pitchFamily="49" charset="0"/>
-              </a:rPr>
-              <a:t>  struct </a:t>
+              <a:t>x = {'a': 1, 'b': 2, 'c': 3}</a:t>
+            </a:r>
+          </a:p>
+          <a:p>
+            <a:r>
+              <a:rPr lang="en-US" sz="1400" b="1" dirty="0">
+                <a:latin typeface="Courier New" panose="02070309020205020404" pitchFamily="49" charset="0"/>
+                <a:cs typeface="Courier New" panose="02070309020205020404" pitchFamily="49" charset="0"/>
+              </a:rPr>
+              <a:t>print('x is', x)</a:t>
+            </a:r>
+          </a:p>
+          <a:p>
+            <a:endParaRPr lang="en-US" sz="1400" b="1" dirty="0">
+              <a:latin typeface="Courier New" panose="02070309020205020404" pitchFamily="49" charset="0"/>
+              <a:cs typeface="Courier New" panose="02070309020205020404" pitchFamily="49" charset="0"/>
+            </a:endParaRPr>
+          </a:p>
+          <a:p>
+            <a:r>
+              <a:rPr lang="en-US" sz="1400" b="1" dirty="0">
+                <a:latin typeface="Courier New" panose="02070309020205020404" pitchFamily="49" charset="0"/>
+                <a:cs typeface="Courier New" panose="02070309020205020404" pitchFamily="49" charset="0"/>
+              </a:rPr>
+              <a:t>y = list(x)</a:t>
+            </a:r>
+          </a:p>
+          <a:p>
+            <a:r>
+              <a:rPr lang="en-US" sz="1400" b="1" dirty="0">
+                <a:latin typeface="Courier New" panose="02070309020205020404" pitchFamily="49" charset="0"/>
+                <a:cs typeface="Courier New" panose="02070309020205020404" pitchFamily="49" charset="0"/>
+              </a:rPr>
+              <a:t>print('y is', y)</a:t>
+            </a:r>
+          </a:p>
+          <a:p>
+            <a:endParaRPr lang="en-US" sz="1400" b="1" dirty="0">
+              <a:latin typeface="Courier New" panose="02070309020205020404" pitchFamily="49" charset="0"/>
+              <a:cs typeface="Courier New" panose="02070309020205020404" pitchFamily="49" charset="0"/>
+            </a:endParaRPr>
+          </a:p>
+          <a:p>
+            <a:r>
+              <a:rPr lang="en-US" sz="1400" b="1" dirty="0">
+                <a:latin typeface="Courier New" panose="02070309020205020404" pitchFamily="49" charset="0"/>
+                <a:cs typeface="Courier New" panose="02070309020205020404" pitchFamily="49" charset="0"/>
+              </a:rPr>
+              <a:t>z = </a:t>
             </a:r>
             <a:r>
               <a:rPr lang="en-US" sz="1400" b="1" dirty="0" err="1">
                 <a:latin typeface="Courier New" panose="02070309020205020404" pitchFamily="49" charset="0"/>
                 <a:cs typeface="Courier New" panose="02070309020205020404" pitchFamily="49" charset="0"/>
               </a:rPr>
-              <a:t>MapEntry</a:t>
-            </a:r>
-            <a:r>
-              <a:rPr lang="en-US" sz="1400" b="1" dirty="0">
-                <a:latin typeface="Courier New" panose="02070309020205020404" pitchFamily="49" charset="0"/>
-                <a:cs typeface="Courier New" panose="02070309020205020404" pitchFamily="49" charset="0"/>
-              </a:rPr>
-              <a:t> *head;</a:t>
-            </a:r>
-          </a:p>
-          <a:p>
-            <a:r>
-              <a:rPr lang="en-US" sz="1400" b="1" dirty="0">
-                <a:latin typeface="Courier New" panose="02070309020205020404" pitchFamily="49" charset="0"/>
-                <a:cs typeface="Courier New" panose="02070309020205020404" pitchFamily="49" charset="0"/>
-              </a:rPr>
-              <a:t>  struct </a:t>
-            </a:r>
-            <a:r>
-              <a:rPr lang="en-US" sz="1400" b="1" dirty="0" err="1">
-                <a:latin typeface="Courier New" panose="02070309020205020404" pitchFamily="49" charset="0"/>
-                <a:cs typeface="Courier New" panose="02070309020205020404" pitchFamily="49" charset="0"/>
-              </a:rPr>
-              <a:t>MapEntry</a:t>
-            </a:r>
-            <a:r>
-              <a:rPr lang="en-US" sz="1400" b="1" dirty="0">
-                <a:latin typeface="Courier New" panose="02070309020205020404" pitchFamily="49" charset="0"/>
-                <a:cs typeface="Courier New" panose="02070309020205020404" pitchFamily="49" charset="0"/>
-              </a:rPr>
-              <a:t> *tail;</a:t>
-            </a:r>
-          </a:p>
-          <a:p>
-            <a:r>
-              <a:rPr lang="en-US" sz="1400" b="1" dirty="0">
-                <a:latin typeface="Courier New" panose="02070309020205020404" pitchFamily="49" charset="0"/>
-                <a:cs typeface="Courier New" panose="02070309020205020404" pitchFamily="49" charset="0"/>
-              </a:rPr>
-              <a:t>  struct </a:t>
-            </a:r>
-            <a:r>
-              <a:rPr lang="en-US" sz="1400" b="1" dirty="0" err="1">
-                <a:latin typeface="Courier New" panose="02070309020205020404" pitchFamily="49" charset="0"/>
-                <a:cs typeface="Courier New" panose="02070309020205020404" pitchFamily="49" charset="0"/>
-              </a:rPr>
-              <a:t>MapEntry</a:t>
-            </a:r>
-            <a:r>
-              <a:rPr lang="en-US" sz="1400" b="1" dirty="0">
-                <a:latin typeface="Courier New" panose="02070309020205020404" pitchFamily="49" charset="0"/>
-                <a:cs typeface="Courier New" panose="02070309020205020404" pitchFamily="49" charset="0"/>
-              </a:rPr>
-              <a:t> *current;</a:t>
-            </a:r>
-          </a:p>
-          <a:p>
-            <a:r>
-              <a:rPr lang="en-US" sz="1400" b="1" dirty="0">
-                <a:latin typeface="Courier New" panose="02070309020205020404" pitchFamily="49" charset="0"/>
-                <a:cs typeface="Courier New" panose="02070309020205020404" pitchFamily="49" charset="0"/>
-              </a:rPr>
-              <a:t>  int count;</a:t>
-            </a:r>
-          </a:p>
-          <a:p>
-            <a:r>
-              <a:rPr lang="en-US" sz="1400" b="1" dirty="0">
-                <a:latin typeface="Courier New" panose="02070309020205020404" pitchFamily="49" charset="0"/>
-                <a:cs typeface="Courier New" panose="02070309020205020404" pitchFamily="49" charset="0"/>
-              </a:rPr>
-              <a:t>  int reverse;</a:t>
-            </a:r>
-          </a:p>
-          <a:p>
-            <a:r>
-              <a:rPr lang="en-US" sz="1400" b="1" dirty="0">
-                <a:latin typeface="Courier New" panose="02070309020205020404" pitchFamily="49" charset="0"/>
-                <a:cs typeface="Courier New" panose="02070309020205020404" pitchFamily="49" charset="0"/>
-              </a:rPr>
-              <a:t>  ...</a:t>
-            </a:r>
-          </a:p>
-          <a:p>
-            <a:r>
-              <a:rPr lang="en-US" sz="1400" b="1" dirty="0">
-                <a:latin typeface="Courier New" panose="02070309020205020404" pitchFamily="49" charset="0"/>
-                <a:cs typeface="Courier New" panose="02070309020205020404" pitchFamily="49" charset="0"/>
-              </a:rPr>
-              <a:t>  struct </a:t>
-            </a:r>
-            <a:r>
-              <a:rPr lang="en-US" sz="1400" b="1" dirty="0" err="1">
-                <a:latin typeface="Courier New" panose="02070309020205020404" pitchFamily="49" charset="0"/>
-                <a:cs typeface="Courier New" panose="02070309020205020404" pitchFamily="49" charset="0"/>
-              </a:rPr>
-              <a:t>MapEntry</a:t>
-            </a:r>
-            <a:r>
-              <a:rPr lang="en-US" sz="1400" b="1" dirty="0">
-                <a:latin typeface="Courier New" panose="02070309020205020404" pitchFamily="49" charset="0"/>
-                <a:cs typeface="Courier New" panose="02070309020205020404" pitchFamily="49" charset="0"/>
-              </a:rPr>
-              <a:t>* (*first)(struct Map* self);</a:t>
-            </a:r>
-          </a:p>
-          <a:p>
-            <a:r>
-              <a:rPr lang="en-US" sz="1400" b="1" dirty="0">
-                <a:latin typeface="Courier New" panose="02070309020205020404" pitchFamily="49" charset="0"/>
-                <a:cs typeface="Courier New" panose="02070309020205020404" pitchFamily="49" charset="0"/>
-              </a:rPr>
-              <a:t>  struct </a:t>
-            </a:r>
-            <a:r>
-              <a:rPr lang="en-US" sz="1400" b="1" dirty="0" err="1">
-                <a:latin typeface="Courier New" panose="02070309020205020404" pitchFamily="49" charset="0"/>
-                <a:cs typeface="Courier New" panose="02070309020205020404" pitchFamily="49" charset="0"/>
-              </a:rPr>
-              <a:t>MapEntry</a:t>
-            </a:r>
-            <a:r>
-              <a:rPr lang="en-US" sz="1400" b="1" dirty="0">
-                <a:latin typeface="Courier New" panose="02070309020205020404" pitchFamily="49" charset="0"/>
-                <a:cs typeface="Courier New" panose="02070309020205020404" pitchFamily="49" charset="0"/>
-              </a:rPr>
-              <a:t>* (*next)(struct Map* self);</a:t>
-            </a:r>
-          </a:p>
-          <a:p>
-            <a:r>
-              <a:rPr lang="en-US" sz="1400" b="1" dirty="0">
-                <a:latin typeface="Courier New" panose="02070309020205020404" pitchFamily="49" charset="0"/>
-                <a:cs typeface="Courier New" panose="02070309020205020404" pitchFamily="49" charset="0"/>
-              </a:rPr>
-              <a:t>};</a:t>
+              <a:t>iter</a:t>
+            </a:r>
+            <a:r>
+              <a:rPr lang="en-US" sz="1400" b="1" dirty="0">
+                <a:latin typeface="Courier New" panose="02070309020205020404" pitchFamily="49" charset="0"/>
+                <a:cs typeface="Courier New" panose="02070309020205020404" pitchFamily="49" charset="0"/>
+              </a:rPr>
+              <a:t>(x)</a:t>
+            </a:r>
+          </a:p>
+          <a:p>
+            <a:r>
+              <a:rPr lang="en-US" sz="1400" b="1" dirty="0">
+                <a:latin typeface="Courier New" panose="02070309020205020404" pitchFamily="49" charset="0"/>
+                <a:cs typeface="Courier New" panose="02070309020205020404" pitchFamily="49" charset="0"/>
+              </a:rPr>
+              <a:t>print('z is', z)</a:t>
+            </a:r>
+          </a:p>
+          <a:p>
+            <a:endParaRPr lang="en-US" sz="1400" b="1" dirty="0">
+              <a:latin typeface="Courier New" panose="02070309020205020404" pitchFamily="49" charset="0"/>
+              <a:cs typeface="Courier New" panose="02070309020205020404" pitchFamily="49" charset="0"/>
+            </a:endParaRPr>
+          </a:p>
+          <a:p>
+            <a:r>
+              <a:rPr lang="en-US" sz="1400" b="1" dirty="0">
+                <a:latin typeface="Courier New" panose="02070309020205020404" pitchFamily="49" charset="0"/>
+                <a:cs typeface="Courier New" panose="02070309020205020404" pitchFamily="49" charset="0"/>
+              </a:rPr>
+              <a:t>while True :</a:t>
+            </a:r>
+          </a:p>
+          <a:p>
+            <a:r>
+              <a:rPr lang="en-US" sz="1400" b="1" dirty="0">
+                <a:latin typeface="Courier New" panose="02070309020205020404" pitchFamily="49" charset="0"/>
+                <a:cs typeface="Courier New" panose="02070309020205020404" pitchFamily="49" charset="0"/>
+              </a:rPr>
+              <a:t>    item = next(z, False) </a:t>
+            </a:r>
+          </a:p>
+          <a:p>
+            <a:r>
+              <a:rPr lang="en-US" sz="1400" b="1" dirty="0">
+                <a:latin typeface="Courier New" panose="02070309020205020404" pitchFamily="49" charset="0"/>
+                <a:cs typeface="Courier New" panose="02070309020205020404" pitchFamily="49" charset="0"/>
+              </a:rPr>
+              <a:t>    if item is False : break</a:t>
+            </a:r>
+          </a:p>
+          <a:p>
+            <a:r>
+              <a:rPr lang="en-US" sz="1400" b="1" dirty="0">
+                <a:latin typeface="Courier New" panose="02070309020205020404" pitchFamily="49" charset="0"/>
+                <a:cs typeface="Courier New" panose="02070309020205020404" pitchFamily="49" charset="0"/>
+              </a:rPr>
+              <a:t>    print('item is', item)</a:t>
+            </a:r>
+          </a:p>
+        </p:txBody>
+      </p:sp>
+      <p:sp>
+        <p:nvSpPr>
+          <p:cNvPr id="2" name="TextBox 1">
+            <a:extLst>
+              <a:ext uri="{FF2B5EF4-FFF2-40B4-BE49-F238E27FC236}">
+                <a16:creationId xmlns:a16="http://schemas.microsoft.com/office/drawing/2014/main" id="{82B145A5-0C5C-F227-97D8-5C260B05825A}"/>
+              </a:ext>
+            </a:extLst>
+          </p:cNvPr>
+          <p:cNvSpPr txBox="1"/>
+          <p:nvPr/>
+        </p:nvSpPr>
+        <p:spPr>
+          <a:xfrm>
+            <a:off x="7069657" y="4369113"/>
+            <a:ext cx="4368504" cy="1200329"/>
+          </a:xfrm>
+          <a:prstGeom prst="rect">
+            <a:avLst/>
+          </a:prstGeom>
+          <a:noFill/>
+          <a:ln w="28575">
+            <a:solidFill>
+              <a:schemeClr val="accent1"/>
+            </a:solidFill>
+          </a:ln>
+        </p:spPr>
+        <p:txBody>
+          <a:bodyPr wrap="none" rtlCol="0">
+            <a:spAutoFit/>
+          </a:bodyPr>
+          <a:lstStyle/>
+          <a:p>
+            <a:r>
+              <a:rPr lang="en-US" sz="1200" b="1" dirty="0">
+                <a:latin typeface="Courier New" panose="02070309020205020404" pitchFamily="49" charset="0"/>
+                <a:cs typeface="Courier New" panose="02070309020205020404" pitchFamily="49" charset="0"/>
+              </a:rPr>
+              <a:t>x is {'a': 1, 'b': 2, 'c': 3}</a:t>
+            </a:r>
+          </a:p>
+          <a:p>
+            <a:r>
+              <a:rPr lang="en-US" sz="1200" b="1" dirty="0">
+                <a:latin typeface="Courier New" panose="02070309020205020404" pitchFamily="49" charset="0"/>
+                <a:cs typeface="Courier New" panose="02070309020205020404" pitchFamily="49" charset="0"/>
+              </a:rPr>
+              <a:t>y is ['a', 'b', 'c']</a:t>
+            </a:r>
+          </a:p>
+          <a:p>
+            <a:r>
+              <a:rPr lang="en-US" sz="1200" b="1" dirty="0">
+                <a:latin typeface="Courier New" panose="02070309020205020404" pitchFamily="49" charset="0"/>
+                <a:cs typeface="Courier New" panose="02070309020205020404" pitchFamily="49" charset="0"/>
+              </a:rPr>
+              <a:t>z is &lt;</a:t>
+            </a:r>
+            <a:r>
+              <a:rPr lang="en-US" sz="1200" b="1" dirty="0" err="1">
+                <a:latin typeface="Courier New" panose="02070309020205020404" pitchFamily="49" charset="0"/>
+                <a:cs typeface="Courier New" panose="02070309020205020404" pitchFamily="49" charset="0"/>
+              </a:rPr>
+              <a:t>dict_keyiterator</a:t>
+            </a:r>
+            <a:r>
+              <a:rPr lang="en-US" sz="1200" b="1" dirty="0">
+                <a:latin typeface="Courier New" panose="02070309020205020404" pitchFamily="49" charset="0"/>
+                <a:cs typeface="Courier New" panose="02070309020205020404" pitchFamily="49" charset="0"/>
+              </a:rPr>
+              <a:t> object at 0x100e84a40&gt;</a:t>
+            </a:r>
+          </a:p>
+          <a:p>
+            <a:r>
+              <a:rPr lang="en-US" sz="1200" b="1" dirty="0">
+                <a:latin typeface="Courier New" panose="02070309020205020404" pitchFamily="49" charset="0"/>
+                <a:cs typeface="Courier New" panose="02070309020205020404" pitchFamily="49" charset="0"/>
+              </a:rPr>
+              <a:t>item is a</a:t>
+            </a:r>
+          </a:p>
+          <a:p>
+            <a:r>
+              <a:rPr lang="en-US" sz="1200" b="1" dirty="0">
+                <a:latin typeface="Courier New" panose="02070309020205020404" pitchFamily="49" charset="0"/>
+                <a:cs typeface="Courier New" panose="02070309020205020404" pitchFamily="49" charset="0"/>
+              </a:rPr>
+              <a:t>item is b</a:t>
+            </a:r>
+          </a:p>
+          <a:p>
+            <a:r>
+              <a:rPr lang="en-US" sz="1200" b="1" dirty="0">
+                <a:latin typeface="Courier New" panose="02070309020205020404" pitchFamily="49" charset="0"/>
+                <a:cs typeface="Courier New" panose="02070309020205020404" pitchFamily="49" charset="0"/>
+              </a:rPr>
+              <a:t>item is c</a:t>
+            </a:r>
+          </a:p>
+        </p:txBody>
+      </p:sp>
+      <p:sp>
+        <p:nvSpPr>
+          <p:cNvPr id="3" name="TextBox 2">
+            <a:extLst>
+              <a:ext uri="{FF2B5EF4-FFF2-40B4-BE49-F238E27FC236}">
+                <a16:creationId xmlns:a16="http://schemas.microsoft.com/office/drawing/2014/main" id="{3735BD73-CCDB-42B2-1BEA-5B2EF9B8E7CC}"/>
+              </a:ext>
+            </a:extLst>
+          </p:cNvPr>
+          <p:cNvSpPr txBox="1"/>
+          <p:nvPr/>
+        </p:nvSpPr>
+        <p:spPr>
+          <a:xfrm>
+            <a:off x="10463350" y="6338986"/>
+            <a:ext cx="1665696" cy="307777"/>
+          </a:xfrm>
+          <a:prstGeom prst="rect">
+            <a:avLst/>
+          </a:prstGeom>
+          <a:noFill/>
+        </p:spPr>
+        <p:txBody>
+          <a:bodyPr wrap="square">
+            <a:spAutoFit/>
+          </a:bodyPr>
+          <a:lstStyle/>
+          <a:p>
+            <a:r>
+              <a:rPr lang="en-US" sz="1400" b="1" dirty="0">
+                <a:solidFill>
+                  <a:srgbClr val="000000"/>
+                </a:solidFill>
+                <a:latin typeface="Menlo" panose="020B0609030804020204" pitchFamily="49" charset="0"/>
+              </a:rPr>
+              <a:t>cc_04_02.py</a:t>
+            </a:r>
+          </a:p>
+        </p:txBody>
+      </p:sp>
+      <p:pic>
+        <p:nvPicPr>
+          <p:cNvPr id="4" name="Picture 3" descr="A PEZ dispenser, with its head back dispensing one item of candy as a metaphor for the iterator pattern.">
+            <a:extLst>
+              <a:ext uri="{FF2B5EF4-FFF2-40B4-BE49-F238E27FC236}">
+                <a16:creationId xmlns:a16="http://schemas.microsoft.com/office/drawing/2014/main" id="{50788EC6-E5E2-739F-CF1F-F5DD53EC58CD}"/>
+              </a:ext>
+            </a:extLst>
+          </p:cNvPr>
+          <p:cNvPicPr>
+            <a:picLocks noChangeAspect="1"/>
+          </p:cNvPicPr>
+          <p:nvPr/>
+        </p:nvPicPr>
+        <p:blipFill>
+          <a:blip r:embed="rId2"/>
+          <a:stretch>
+            <a:fillRect/>
+          </a:stretch>
+        </p:blipFill>
+        <p:spPr>
+          <a:xfrm>
+            <a:off x="10682197" y="1813044"/>
+            <a:ext cx="1228001" cy="1351685"/>
+          </a:xfrm>
+          <a:prstGeom prst="rect">
+            <a:avLst/>
+          </a:prstGeom>
+        </p:spPr>
+      </p:pic>
+      <p:sp>
+        <p:nvSpPr>
+          <p:cNvPr id="5" name="Oval Callout 4">
+            <a:extLst>
+              <a:ext uri="{FF2B5EF4-FFF2-40B4-BE49-F238E27FC236}">
+                <a16:creationId xmlns:a16="http://schemas.microsoft.com/office/drawing/2014/main" id="{D3B2BD49-35CB-C28B-C5D7-91810B748123}"/>
+              </a:ext>
+            </a:extLst>
+          </p:cNvPr>
+          <p:cNvSpPr/>
+          <p:nvPr/>
+        </p:nvSpPr>
+        <p:spPr>
+          <a:xfrm>
+            <a:off x="9807073" y="1813044"/>
+            <a:ext cx="869617" cy="302235"/>
+          </a:xfrm>
+          <a:prstGeom prst="wedgeEllipseCallout">
+            <a:avLst>
+              <a:gd name="adj1" fmla="val 54659"/>
+              <a:gd name="adj2" fmla="val 81894"/>
+            </a:avLst>
+          </a:prstGeom>
+        </p:spPr>
+        <p:style>
+          <a:lnRef idx="2">
+            <a:schemeClr val="accent1">
+              <a:shade val="50000"/>
+            </a:schemeClr>
+          </a:lnRef>
+          <a:fillRef idx="1">
+            <a:schemeClr val="accent1"/>
+          </a:fillRef>
+          <a:effectRef idx="0">
+            <a:schemeClr val="accent1"/>
+          </a:effectRef>
+          <a:fontRef idx="minor">
+            <a:schemeClr val="lt1"/>
+          </a:fontRef>
+        </p:style>
+        <p:txBody>
+          <a:bodyPr rtlCol="0" anchor="ctr"/>
+          <a:lstStyle/>
+          <a:p>
+            <a:pPr algn="ctr"/>
+            <a:r>
+              <a:rPr lang="en-US" dirty="0"/>
+              <a:t>next</a:t>
             </a:r>
           </a:p>
         </p:txBody>
@@ -10861,7 +11135,7 @@
         <p:spPr>
           <a:xfrm>
             <a:off x="345528" y="450668"/>
-            <a:ext cx="7380547" cy="5693866"/>
+            <a:ext cx="7977857" cy="5478423"/>
           </a:xfrm>
           <a:prstGeom prst="rect">
             <a:avLst/>
@@ -10869,7 +11143,7 @@
           <a:noFill/>
         </p:spPr>
         <p:txBody>
-          <a:bodyPr wrap="none" rtlCol="0">
+          <a:bodyPr wrap="square" rtlCol="0">
             <a:spAutoFit/>
           </a:bodyPr>
           <a:lstStyle/>
@@ -10897,6 +11171,29 @@
                 <a:latin typeface="Courier New" panose="02070309020205020404" pitchFamily="49" charset="0"/>
                 <a:cs typeface="Courier New" panose="02070309020205020404" pitchFamily="49" charset="0"/>
               </a:rPr>
+              <a:t>    struct Map * map = </a:t>
+            </a:r>
+            <a:r>
+              <a:rPr lang="en-US" sz="1400" b="1" dirty="0" err="1">
+                <a:latin typeface="Courier New" panose="02070309020205020404" pitchFamily="49" charset="0"/>
+                <a:cs typeface="Courier New" panose="02070309020205020404" pitchFamily="49" charset="0"/>
+              </a:rPr>
+              <a:t>Map_new</a:t>
+            </a:r>
+            <a:r>
+              <a:rPr lang="en-US" sz="1400" b="1" dirty="0">
+                <a:latin typeface="Courier New" panose="02070309020205020404" pitchFamily="49" charset="0"/>
+                <a:cs typeface="Courier New" panose="02070309020205020404" pitchFamily="49" charset="0"/>
+              </a:rPr>
+              <a:t>();</a:t>
+            </a:r>
+          </a:p>
+          <a:p>
+            <a:r>
+              <a:rPr lang="en-US" sz="1400" b="1" dirty="0">
+                <a:latin typeface="Courier New" panose="02070309020205020404" pitchFamily="49" charset="0"/>
+                <a:cs typeface="Courier New" panose="02070309020205020404" pitchFamily="49" charset="0"/>
+              </a:rPr>
               <a:t>    struct </a:t>
             </a:r>
             <a:r>
@@ -10920,21 +11217,35 @@
                 <a:latin typeface="Courier New" panose="02070309020205020404" pitchFamily="49" charset="0"/>
                 <a:cs typeface="Courier New" panose="02070309020205020404" pitchFamily="49" charset="0"/>
               </a:rPr>
-              <a:t>    struct Map * map = </a:t>
+              <a:t>    struct </a:t>
             </a:r>
             <a:r>
               <a:rPr lang="en-US" sz="1400" b="1" dirty="0" err="1">
                 <a:latin typeface="Courier New" panose="02070309020205020404" pitchFamily="49" charset="0"/>
                 <a:cs typeface="Courier New" panose="02070309020205020404" pitchFamily="49" charset="0"/>
               </a:rPr>
-              <a:t>Map_new</a:t>
-            </a:r>
-            <a:r>
-              <a:rPr lang="en-US" sz="1400" b="1" dirty="0">
-                <a:latin typeface="Courier New" panose="02070309020205020404" pitchFamily="49" charset="0"/>
-                <a:cs typeface="Courier New" panose="02070309020205020404" pitchFamily="49" charset="0"/>
-              </a:rPr>
-              <a:t>();</a:t>
+              <a:t>MapIter</a:t>
+            </a:r>
+            <a:r>
+              <a:rPr lang="en-US" sz="1400" b="1" dirty="0">
+                <a:latin typeface="Courier New" panose="02070309020205020404" pitchFamily="49" charset="0"/>
+                <a:cs typeface="Courier New" panose="02070309020205020404" pitchFamily="49" charset="0"/>
+              </a:rPr>
+              <a:t> *</a:t>
+            </a:r>
+            <a:r>
+              <a:rPr lang="en-US" sz="1400" b="1" dirty="0" err="1">
+                <a:latin typeface="Courier New" panose="02070309020205020404" pitchFamily="49" charset="0"/>
+                <a:cs typeface="Courier New" panose="02070309020205020404" pitchFamily="49" charset="0"/>
+              </a:rPr>
+              <a:t>iter</a:t>
+            </a:r>
+            <a:r>
+              <a:rPr lang="en-US" sz="1400" b="1" dirty="0">
+                <a:latin typeface="Courier New" panose="02070309020205020404" pitchFamily="49" charset="0"/>
+                <a:cs typeface="Courier New" panose="02070309020205020404" pitchFamily="49" charset="0"/>
+              </a:rPr>
+              <a:t>;</a:t>
             </a:r>
           </a:p>
           <a:p>
@@ -11121,7 +11432,58 @@
                 <a:latin typeface="Courier New" panose="02070309020205020404" pitchFamily="49" charset="0"/>
                 <a:cs typeface="Courier New" panose="02070309020205020404" pitchFamily="49" charset="0"/>
               </a:rPr>
-              <a:t>    for(cur=map-&gt;first(map); cur!=NULL; cur=map-&gt;next(map) ) {</a:t>
+              <a:t>    </a:t>
+            </a:r>
+            <a:r>
+              <a:rPr lang="en-US" sz="1400" b="1" dirty="0" err="1">
+                <a:latin typeface="Courier New" panose="02070309020205020404" pitchFamily="49" charset="0"/>
+                <a:cs typeface="Courier New" panose="02070309020205020404" pitchFamily="49" charset="0"/>
+              </a:rPr>
+              <a:t>iter</a:t>
+            </a:r>
+            <a:r>
+              <a:rPr lang="en-US" sz="1400" b="1" dirty="0">
+                <a:latin typeface="Courier New" panose="02070309020205020404" pitchFamily="49" charset="0"/>
+                <a:cs typeface="Courier New" panose="02070309020205020404" pitchFamily="49" charset="0"/>
+              </a:rPr>
+              <a:t> = map-&gt;first(map);</a:t>
+            </a:r>
+          </a:p>
+          <a:p>
+            <a:r>
+              <a:rPr lang="en-US" sz="1400" b="1" dirty="0">
+                <a:latin typeface="Courier New" panose="02070309020205020404" pitchFamily="49" charset="0"/>
+                <a:cs typeface="Courier New" panose="02070309020205020404" pitchFamily="49" charset="0"/>
+              </a:rPr>
+              <a:t>    while((cur = </a:t>
+            </a:r>
+            <a:r>
+              <a:rPr lang="en-US" sz="1400" b="1" dirty="0" err="1">
+                <a:latin typeface="Courier New" panose="02070309020205020404" pitchFamily="49" charset="0"/>
+                <a:cs typeface="Courier New" panose="02070309020205020404" pitchFamily="49" charset="0"/>
+              </a:rPr>
+              <a:t>iter</a:t>
+            </a:r>
+            <a:r>
+              <a:rPr lang="en-US" sz="1400" b="1" dirty="0">
+                <a:latin typeface="Courier New" panose="02070309020205020404" pitchFamily="49" charset="0"/>
+                <a:cs typeface="Courier New" panose="02070309020205020404" pitchFamily="49" charset="0"/>
+              </a:rPr>
+              <a:t>-&gt;next(</a:t>
+            </a:r>
+            <a:r>
+              <a:rPr lang="en-US" sz="1400" b="1" dirty="0" err="1">
+                <a:latin typeface="Courier New" panose="02070309020205020404" pitchFamily="49" charset="0"/>
+                <a:cs typeface="Courier New" panose="02070309020205020404" pitchFamily="49" charset="0"/>
+              </a:rPr>
+              <a:t>iter</a:t>
+            </a:r>
+            <a:r>
+              <a:rPr lang="en-US" sz="1400" b="1" dirty="0">
+                <a:latin typeface="Courier New" panose="02070309020205020404" pitchFamily="49" charset="0"/>
+                <a:cs typeface="Courier New" panose="02070309020205020404" pitchFamily="49" charset="0"/>
+              </a:rPr>
+              <a:t>)) != NULL ) {</a:t>
             </a:r>
           </a:p>
           <a:p>
@@ -11154,6 +11516,43 @@
                 <a:cs typeface="Courier New" panose="02070309020205020404" pitchFamily="49" charset="0"/>
               </a:rPr>
               <a:t>    }</a:t>
+            </a:r>
+          </a:p>
+          <a:p>
+            <a:r>
+              <a:rPr lang="en-US" sz="1400" b="1" dirty="0">
+                <a:latin typeface="Courier New" panose="02070309020205020404" pitchFamily="49" charset="0"/>
+                <a:cs typeface="Courier New" panose="02070309020205020404" pitchFamily="49" charset="0"/>
+              </a:rPr>
+              <a:t>    </a:t>
+            </a:r>
+            <a:r>
+              <a:rPr lang="en-US" sz="1400" b="1" dirty="0" err="1">
+                <a:latin typeface="Courier New" panose="02070309020205020404" pitchFamily="49" charset="0"/>
+                <a:cs typeface="Courier New" panose="02070309020205020404" pitchFamily="49" charset="0"/>
+              </a:rPr>
+              <a:t>iter</a:t>
+            </a:r>
+            <a:r>
+              <a:rPr lang="en-US" sz="1400" b="1" dirty="0">
+                <a:latin typeface="Courier New" panose="02070309020205020404" pitchFamily="49" charset="0"/>
+                <a:cs typeface="Courier New" panose="02070309020205020404" pitchFamily="49" charset="0"/>
+              </a:rPr>
+              <a:t>-&gt;del(</a:t>
+            </a:r>
+            <a:r>
+              <a:rPr lang="en-US" sz="1400" b="1" dirty="0" err="1">
+                <a:latin typeface="Courier New" panose="02070309020205020404" pitchFamily="49" charset="0"/>
+                <a:cs typeface="Courier New" panose="02070309020205020404" pitchFamily="49" charset="0"/>
+              </a:rPr>
+              <a:t>iter</a:t>
+            </a:r>
+            <a:r>
+              <a:rPr lang="en-US" sz="1400" b="1" dirty="0">
+                <a:latin typeface="Courier New" panose="02070309020205020404" pitchFamily="49" charset="0"/>
+                <a:cs typeface="Courier New" panose="02070309020205020404" pitchFamily="49" charset="0"/>
+              </a:rPr>
+              <a:t>);</a:t>
             </a:r>
           </a:p>
           <a:p>
@@ -11168,85 +11567,7 @@
                 <a:latin typeface="Courier New" panose="02070309020205020404" pitchFamily="49" charset="0"/>
                 <a:cs typeface="Courier New" panose="02070309020205020404" pitchFamily="49" charset="0"/>
               </a:rPr>
-              <a:t>    </a:t>
-            </a:r>
-            <a:r>
-              <a:rPr lang="en-US" sz="1400" b="1" dirty="0" err="1">
-                <a:latin typeface="Courier New" panose="02070309020205020404" pitchFamily="49" charset="0"/>
-                <a:cs typeface="Courier New" panose="02070309020205020404" pitchFamily="49" charset="0"/>
-              </a:rPr>
-              <a:t>printf</a:t>
-            </a:r>
-            <a:r>
-              <a:rPr lang="en-US" sz="1400" b="1" dirty="0">
-                <a:latin typeface="Courier New" panose="02070309020205020404" pitchFamily="49" charset="0"/>
-                <a:cs typeface="Courier New" panose="02070309020205020404" pitchFamily="49" charset="0"/>
-              </a:rPr>
-              <a:t>("\</a:t>
-            </a:r>
-            <a:r>
-              <a:rPr lang="en-US" sz="1400" b="1" dirty="0" err="1">
-                <a:latin typeface="Courier New" panose="02070309020205020404" pitchFamily="49" charset="0"/>
-                <a:cs typeface="Courier New" panose="02070309020205020404" pitchFamily="49" charset="0"/>
-              </a:rPr>
-              <a:t>nIterate</a:t>
-            </a:r>
-            <a:r>
-              <a:rPr lang="en-US" sz="1400" b="1" dirty="0">
-                <a:latin typeface="Courier New" panose="02070309020205020404" pitchFamily="49" charset="0"/>
-                <a:cs typeface="Courier New" panose="02070309020205020404" pitchFamily="49" charset="0"/>
-              </a:rPr>
-              <a:t> backwards\n");</a:t>
-            </a:r>
-          </a:p>
-          <a:p>
-            <a:r>
-              <a:rPr lang="en-US" sz="1400" b="1" dirty="0">
-                <a:latin typeface="Courier New" panose="02070309020205020404" pitchFamily="49" charset="0"/>
-                <a:cs typeface="Courier New" panose="02070309020205020404" pitchFamily="49" charset="0"/>
-              </a:rPr>
-              <a:t>    for(cur = map-&gt;last(map); cur != NULL; cur = map-&gt;next(map) ) {</a:t>
-            </a:r>
-          </a:p>
-          <a:p>
-            <a:r>
-              <a:rPr lang="en-US" sz="1400" b="1" dirty="0">
-                <a:latin typeface="Courier New" panose="02070309020205020404" pitchFamily="49" charset="0"/>
-                <a:cs typeface="Courier New" panose="02070309020205020404" pitchFamily="49" charset="0"/>
-              </a:rPr>
-              <a:t>        </a:t>
-            </a:r>
-            <a:r>
-              <a:rPr lang="en-US" sz="1400" b="1" dirty="0" err="1">
-                <a:latin typeface="Courier New" panose="02070309020205020404" pitchFamily="49" charset="0"/>
-                <a:cs typeface="Courier New" panose="02070309020205020404" pitchFamily="49" charset="0"/>
-              </a:rPr>
-              <a:t>printf</a:t>
-            </a:r>
-            <a:r>
-              <a:rPr lang="en-US" sz="1400" b="1" dirty="0">
-                <a:latin typeface="Courier New" panose="02070309020205020404" pitchFamily="49" charset="0"/>
-                <a:cs typeface="Courier New" panose="02070309020205020404" pitchFamily="49" charset="0"/>
-              </a:rPr>
-              <a:t>(" %s=%d\n", cur-&gt;key, cur-&gt;value);</a:t>
-            </a:r>
-          </a:p>
-          <a:p>
-            <a:r>
-              <a:rPr lang="en-US" sz="1400" b="1" dirty="0">
-                <a:latin typeface="Courier New" panose="02070309020205020404" pitchFamily="49" charset="0"/>
-                <a:cs typeface="Courier New" panose="02070309020205020404" pitchFamily="49" charset="0"/>
-              </a:rPr>
-              <a:t>    }</a:t>
-            </a:r>
-          </a:p>
-          <a:p>
-            <a:r>
-              <a:rPr lang="en-US" sz="1400" b="1" dirty="0">
-                <a:latin typeface="Courier New" panose="02070309020205020404" pitchFamily="49" charset="0"/>
-                <a:cs typeface="Courier New" panose="02070309020205020404" pitchFamily="49" charset="0"/>
-              </a:rPr>
-              <a:t>…</a:t>
+              <a:t>...</a:t>
             </a:r>
           </a:p>
         </p:txBody>
@@ -11265,8 +11586,8 @@
         </p:nvSpPr>
         <p:spPr>
           <a:xfrm>
-            <a:off x="8593658" y="151179"/>
-            <a:ext cx="3252814" cy="6555641"/>
+            <a:off x="7503412" y="1851051"/>
+            <a:ext cx="3252814" cy="2677656"/>
           </a:xfrm>
           <a:prstGeom prst="rect">
             <a:avLst/>
@@ -11289,7 +11610,16 @@
                 <a:latin typeface="Courier New" panose="02070309020205020404" pitchFamily="49" charset="0"/>
                 <a:cs typeface="Courier New" panose="02070309020205020404" pitchFamily="49" charset="0"/>
               </a:rPr>
-              <a:t>Object Map@0x600001ebc000 count=4</a:t>
+              <a:t>Testing Map class</a:t>
+            </a:r>
+          </a:p>
+          <a:p>
+            <a:r>
+              <a:rPr lang="en-US" sz="1200" b="1" dirty="0">
+                <a:latin typeface="Courier New" panose="02070309020205020404" pitchFamily="49" charset="0"/>
+                <a:cs typeface="Courier New" panose="02070309020205020404" pitchFamily="49" charset="0"/>
+              </a:rPr>
+              <a:t>Object Map@0x600002a3c000 count=4</a:t>
             </a:r>
           </a:p>
           <a:p>
@@ -11367,15 +11697,6 @@
                 <a:latin typeface="Courier New" panose="02070309020205020404" pitchFamily="49" charset="0"/>
                 <a:cs typeface="Courier New" panose="02070309020205020404" pitchFamily="49" charset="0"/>
               </a:rPr>
-              <a:t> z=1</a:t>
-            </a:r>
-          </a:p>
-          <a:p>
-            <a:r>
-              <a:rPr lang="en-US" sz="1200" b="1" dirty="0">
-                <a:latin typeface="Courier New" panose="02070309020205020404" pitchFamily="49" charset="0"/>
-                <a:cs typeface="Courier New" panose="02070309020205020404" pitchFamily="49" charset="0"/>
-              </a:rPr>
               <a:t> y=2</a:t>
             </a:r>
           </a:p>
@@ -11402,189 +11723,6 @@
               <a:latin typeface="Courier New" panose="02070309020205020404" pitchFamily="49" charset="0"/>
               <a:cs typeface="Courier New" panose="02070309020205020404" pitchFamily="49" charset="0"/>
             </a:endParaRPr>
-          </a:p>
-          <a:p>
-            <a:r>
-              <a:rPr lang="en-US" sz="1200" b="1" dirty="0">
-                <a:latin typeface="Courier New" panose="02070309020205020404" pitchFamily="49" charset="0"/>
-                <a:cs typeface="Courier New" panose="02070309020205020404" pitchFamily="49" charset="0"/>
-              </a:rPr>
-              <a:t>Iterate backwards</a:t>
-            </a:r>
-          </a:p>
-          <a:p>
-            <a:r>
-              <a:rPr lang="en-US" sz="1200" b="1" dirty="0">
-                <a:latin typeface="Courier New" panose="02070309020205020404" pitchFamily="49" charset="0"/>
-                <a:cs typeface="Courier New" panose="02070309020205020404" pitchFamily="49" charset="0"/>
-              </a:rPr>
-              <a:t> a=4</a:t>
-            </a:r>
-          </a:p>
-          <a:p>
-            <a:r>
-              <a:rPr lang="en-US" sz="1200" b="1" dirty="0">
-                <a:latin typeface="Courier New" panose="02070309020205020404" pitchFamily="49" charset="0"/>
-                <a:cs typeface="Courier New" panose="02070309020205020404" pitchFamily="49" charset="0"/>
-              </a:rPr>
-              <a:t> b=3</a:t>
-            </a:r>
-          </a:p>
-          <a:p>
-            <a:r>
-              <a:rPr lang="en-US" sz="1200" b="1" dirty="0">
-                <a:latin typeface="Courier New" panose="02070309020205020404" pitchFamily="49" charset="0"/>
-                <a:cs typeface="Courier New" panose="02070309020205020404" pitchFamily="49" charset="0"/>
-              </a:rPr>
-              <a:t> y=2</a:t>
-            </a:r>
-          </a:p>
-          <a:p>
-            <a:r>
-              <a:rPr lang="en-US" sz="1200" b="1" dirty="0">
-                <a:latin typeface="Courier New" panose="02070309020205020404" pitchFamily="49" charset="0"/>
-                <a:cs typeface="Courier New" panose="02070309020205020404" pitchFamily="49" charset="0"/>
-              </a:rPr>
-              <a:t> z=1</a:t>
-            </a:r>
-          </a:p>
-          <a:p>
-            <a:endParaRPr lang="en-US" sz="1200" b="1" dirty="0">
-              <a:latin typeface="Courier New" panose="02070309020205020404" pitchFamily="49" charset="0"/>
-              <a:cs typeface="Courier New" panose="02070309020205020404" pitchFamily="49" charset="0"/>
-            </a:endParaRPr>
-          </a:p>
-          <a:p>
-            <a:r>
-              <a:rPr lang="en-US" sz="1200" b="1" dirty="0">
-                <a:latin typeface="Courier New" panose="02070309020205020404" pitchFamily="49" charset="0"/>
-                <a:cs typeface="Courier New" panose="02070309020205020404" pitchFamily="49" charset="0"/>
-              </a:rPr>
-              <a:t>Sorted by key</a:t>
-            </a:r>
-          </a:p>
-          <a:p>
-            <a:r>
-              <a:rPr lang="en-US" sz="1200" b="1" dirty="0">
-                <a:latin typeface="Courier New" panose="02070309020205020404" pitchFamily="49" charset="0"/>
-                <a:cs typeface="Courier New" panose="02070309020205020404" pitchFamily="49" charset="0"/>
-              </a:rPr>
-              <a:t>Object Map@0x600001ebc000 count=4</a:t>
-            </a:r>
-          </a:p>
-          <a:p>
-            <a:r>
-              <a:rPr lang="en-US" sz="1200" b="1" dirty="0">
-                <a:latin typeface="Courier New" panose="02070309020205020404" pitchFamily="49" charset="0"/>
-                <a:cs typeface="Courier New" panose="02070309020205020404" pitchFamily="49" charset="0"/>
-              </a:rPr>
-              <a:t>  a=4</a:t>
-            </a:r>
-          </a:p>
-          <a:p>
-            <a:r>
-              <a:rPr lang="en-US" sz="1200" b="1" dirty="0">
-                <a:latin typeface="Courier New" panose="02070309020205020404" pitchFamily="49" charset="0"/>
-                <a:cs typeface="Courier New" panose="02070309020205020404" pitchFamily="49" charset="0"/>
-              </a:rPr>
-              <a:t>  b=3</a:t>
-            </a:r>
-          </a:p>
-          <a:p>
-            <a:r>
-              <a:rPr lang="en-US" sz="1200" b="1" dirty="0">
-                <a:latin typeface="Courier New" panose="02070309020205020404" pitchFamily="49" charset="0"/>
-                <a:cs typeface="Courier New" panose="02070309020205020404" pitchFamily="49" charset="0"/>
-              </a:rPr>
-              <a:t>  y=2</a:t>
-            </a:r>
-          </a:p>
-          <a:p>
-            <a:r>
-              <a:rPr lang="en-US" sz="1200" b="1" dirty="0">
-                <a:latin typeface="Courier New" panose="02070309020205020404" pitchFamily="49" charset="0"/>
-                <a:cs typeface="Courier New" panose="02070309020205020404" pitchFamily="49" charset="0"/>
-              </a:rPr>
-              <a:t>  z=1</a:t>
-            </a:r>
-          </a:p>
-          <a:p>
-            <a:endParaRPr lang="en-US" sz="1200" b="1" dirty="0">
-              <a:latin typeface="Courier New" panose="02070309020205020404" pitchFamily="49" charset="0"/>
-              <a:cs typeface="Courier New" panose="02070309020205020404" pitchFamily="49" charset="0"/>
-            </a:endParaRPr>
-          </a:p>
-          <a:p>
-            <a:r>
-              <a:rPr lang="en-US" sz="1200" b="1" dirty="0">
-                <a:latin typeface="Courier New" panose="02070309020205020404" pitchFamily="49" charset="0"/>
-                <a:cs typeface="Courier New" panose="02070309020205020404" pitchFamily="49" charset="0"/>
-              </a:rPr>
-              <a:t>Sorted by value</a:t>
-            </a:r>
-          </a:p>
-          <a:p>
-            <a:r>
-              <a:rPr lang="en-US" sz="1200" b="1" dirty="0">
-                <a:latin typeface="Courier New" panose="02070309020205020404" pitchFamily="49" charset="0"/>
-                <a:cs typeface="Courier New" panose="02070309020205020404" pitchFamily="49" charset="0"/>
-              </a:rPr>
-              <a:t>Object Map@0x600001ebc000 count=4</a:t>
-            </a:r>
-          </a:p>
-          <a:p>
-            <a:r>
-              <a:rPr lang="en-US" sz="1200" b="1" dirty="0">
-                <a:latin typeface="Courier New" panose="02070309020205020404" pitchFamily="49" charset="0"/>
-                <a:cs typeface="Courier New" panose="02070309020205020404" pitchFamily="49" charset="0"/>
-              </a:rPr>
-              <a:t>  z=1</a:t>
-            </a:r>
-          </a:p>
-          <a:p>
-            <a:r>
-              <a:rPr lang="en-US" sz="1200" b="1" dirty="0">
-                <a:latin typeface="Courier New" panose="02070309020205020404" pitchFamily="49" charset="0"/>
-                <a:cs typeface="Courier New" panose="02070309020205020404" pitchFamily="49" charset="0"/>
-              </a:rPr>
-              <a:t>  y=2</a:t>
-            </a:r>
-          </a:p>
-          <a:p>
-            <a:r>
-              <a:rPr lang="en-US" sz="1200" b="1" dirty="0">
-                <a:latin typeface="Courier New" panose="02070309020205020404" pitchFamily="49" charset="0"/>
-                <a:cs typeface="Courier New" panose="02070309020205020404" pitchFamily="49" charset="0"/>
-              </a:rPr>
-              <a:t>  b=3</a:t>
-            </a:r>
-          </a:p>
-          <a:p>
-            <a:r>
-              <a:rPr lang="en-US" sz="1200" b="1" dirty="0">
-                <a:latin typeface="Courier New" panose="02070309020205020404" pitchFamily="49" charset="0"/>
-                <a:cs typeface="Courier New" panose="02070309020205020404" pitchFamily="49" charset="0"/>
-              </a:rPr>
-              <a:t>  a=4</a:t>
-            </a:r>
-          </a:p>
-          <a:p>
-            <a:r>
-              <a:rPr lang="en-US" sz="1200" b="1" dirty="0">
-                <a:latin typeface="Courier New" panose="02070309020205020404" pitchFamily="49" charset="0"/>
-                <a:cs typeface="Courier New" panose="02070309020205020404" pitchFamily="49" charset="0"/>
-              </a:rPr>
-              <a:t>The smallest value is z=1</a:t>
-            </a:r>
-          </a:p>
-          <a:p>
-            <a:r>
-              <a:rPr lang="en-US" sz="1200" b="1" dirty="0">
-                <a:latin typeface="Courier New" panose="02070309020205020404" pitchFamily="49" charset="0"/>
-                <a:cs typeface="Courier New" panose="02070309020205020404" pitchFamily="49" charset="0"/>
-              </a:rPr>
-              <a:t>The largest value is a=4</a:t>
-            </a:r>
           </a:p>
         </p:txBody>
       </p:sp>
@@ -11681,7 +11819,7 @@
         <p:spPr>
           <a:xfrm>
             <a:off x="345528" y="450668"/>
-            <a:ext cx="7273145" cy="3970318"/>
+            <a:ext cx="7273145" cy="5478423"/>
           </a:xfrm>
           <a:prstGeom prst="rect">
             <a:avLst/>
@@ -11703,6 +11841,172 @@
             </a:r>
           </a:p>
           <a:p>
+            <a:r>
+              <a:rPr lang="en-US" sz="1400" b="1" dirty="0">
+                <a:latin typeface="Courier New" panose="02070309020205020404" pitchFamily="49" charset="0"/>
+                <a:cs typeface="Courier New" panose="02070309020205020404" pitchFamily="49" charset="0"/>
+              </a:rPr>
+              <a:t>    </a:t>
+            </a:r>
+            <a:r>
+              <a:rPr lang="en-US" sz="1400" b="1" dirty="0" err="1">
+                <a:latin typeface="Courier New" panose="02070309020205020404" pitchFamily="49" charset="0"/>
+                <a:cs typeface="Courier New" panose="02070309020205020404" pitchFamily="49" charset="0"/>
+              </a:rPr>
+              <a:t>printf</a:t>
+            </a:r>
+            <a:r>
+              <a:rPr lang="en-US" sz="1400" b="1" dirty="0">
+                <a:latin typeface="Courier New" panose="02070309020205020404" pitchFamily="49" charset="0"/>
+                <a:cs typeface="Courier New" panose="02070309020205020404" pitchFamily="49" charset="0"/>
+              </a:rPr>
+              <a:t>("\</a:t>
+            </a:r>
+            <a:r>
+              <a:rPr lang="en-US" sz="1400" b="1" dirty="0" err="1">
+                <a:latin typeface="Courier New" panose="02070309020205020404" pitchFamily="49" charset="0"/>
+                <a:cs typeface="Courier New" panose="02070309020205020404" pitchFamily="49" charset="0"/>
+              </a:rPr>
+              <a:t>nIterate</a:t>
+            </a:r>
+            <a:r>
+              <a:rPr lang="en-US" sz="1400" b="1" dirty="0">
+                <a:latin typeface="Courier New" panose="02070309020205020404" pitchFamily="49" charset="0"/>
+                <a:cs typeface="Courier New" panose="02070309020205020404" pitchFamily="49" charset="0"/>
+              </a:rPr>
+              <a:t> backwards\n");</a:t>
+            </a:r>
+          </a:p>
+          <a:p>
+            <a:r>
+              <a:rPr lang="en-US" sz="1400" b="1" dirty="0">
+                <a:latin typeface="Courier New" panose="02070309020205020404" pitchFamily="49" charset="0"/>
+                <a:cs typeface="Courier New" panose="02070309020205020404" pitchFamily="49" charset="0"/>
+              </a:rPr>
+              <a:t>    </a:t>
+            </a:r>
+            <a:r>
+              <a:rPr lang="en-US" sz="1400" b="1" dirty="0" err="1">
+                <a:latin typeface="Courier New" panose="02070309020205020404" pitchFamily="49" charset="0"/>
+                <a:cs typeface="Courier New" panose="02070309020205020404" pitchFamily="49" charset="0"/>
+              </a:rPr>
+              <a:t>iter</a:t>
+            </a:r>
+            <a:r>
+              <a:rPr lang="en-US" sz="1400" b="1" dirty="0">
+                <a:latin typeface="Courier New" panose="02070309020205020404" pitchFamily="49" charset="0"/>
+                <a:cs typeface="Courier New" panose="02070309020205020404" pitchFamily="49" charset="0"/>
+              </a:rPr>
+              <a:t> = map-&gt;last(map);</a:t>
+            </a:r>
+          </a:p>
+          <a:p>
+            <a:r>
+              <a:rPr lang="en-US" sz="1400" b="1" dirty="0">
+                <a:latin typeface="Courier New" panose="02070309020205020404" pitchFamily="49" charset="0"/>
+                <a:cs typeface="Courier New" panose="02070309020205020404" pitchFamily="49" charset="0"/>
+              </a:rPr>
+              <a:t>    while((cur = </a:t>
+            </a:r>
+            <a:r>
+              <a:rPr lang="en-US" sz="1400" b="1" dirty="0" err="1">
+                <a:latin typeface="Courier New" panose="02070309020205020404" pitchFamily="49" charset="0"/>
+                <a:cs typeface="Courier New" panose="02070309020205020404" pitchFamily="49" charset="0"/>
+              </a:rPr>
+              <a:t>iter</a:t>
+            </a:r>
+            <a:r>
+              <a:rPr lang="en-US" sz="1400" b="1" dirty="0">
+                <a:latin typeface="Courier New" panose="02070309020205020404" pitchFamily="49" charset="0"/>
+                <a:cs typeface="Courier New" panose="02070309020205020404" pitchFamily="49" charset="0"/>
+              </a:rPr>
+              <a:t>-&gt;next(</a:t>
+            </a:r>
+            <a:r>
+              <a:rPr lang="en-US" sz="1400" b="1" dirty="0" err="1">
+                <a:latin typeface="Courier New" panose="02070309020205020404" pitchFamily="49" charset="0"/>
+                <a:cs typeface="Courier New" panose="02070309020205020404" pitchFamily="49" charset="0"/>
+              </a:rPr>
+              <a:t>iter</a:t>
+            </a:r>
+            <a:r>
+              <a:rPr lang="en-US" sz="1400" b="1" dirty="0">
+                <a:latin typeface="Courier New" panose="02070309020205020404" pitchFamily="49" charset="0"/>
+                <a:cs typeface="Courier New" panose="02070309020205020404" pitchFamily="49" charset="0"/>
+              </a:rPr>
+              <a:t>)) != NULL ) {</a:t>
+            </a:r>
+          </a:p>
+          <a:p>
+            <a:r>
+              <a:rPr lang="en-US" sz="1400" b="1" dirty="0">
+                <a:latin typeface="Courier New" panose="02070309020205020404" pitchFamily="49" charset="0"/>
+                <a:cs typeface="Courier New" panose="02070309020205020404" pitchFamily="49" charset="0"/>
+              </a:rPr>
+              <a:t>        </a:t>
+            </a:r>
+            <a:r>
+              <a:rPr lang="en-US" sz="1400" b="1" dirty="0" err="1">
+                <a:latin typeface="Courier New" panose="02070309020205020404" pitchFamily="49" charset="0"/>
+                <a:cs typeface="Courier New" panose="02070309020205020404" pitchFamily="49" charset="0"/>
+              </a:rPr>
+              <a:t>printf</a:t>
+            </a:r>
+            <a:r>
+              <a:rPr lang="en-US" sz="1400" b="1" dirty="0">
+                <a:latin typeface="Courier New" panose="02070309020205020404" pitchFamily="49" charset="0"/>
+                <a:cs typeface="Courier New" panose="02070309020205020404" pitchFamily="49" charset="0"/>
+              </a:rPr>
+              <a:t>(" %s=%d\n", cur-&gt;key, cur-&gt;value);</a:t>
+            </a:r>
+          </a:p>
+          <a:p>
+            <a:r>
+              <a:rPr lang="en-US" sz="1400" b="1" dirty="0">
+                <a:latin typeface="Courier New" panose="02070309020205020404" pitchFamily="49" charset="0"/>
+                <a:cs typeface="Courier New" panose="02070309020205020404" pitchFamily="49" charset="0"/>
+              </a:rPr>
+              <a:t>    }</a:t>
+            </a:r>
+          </a:p>
+          <a:p>
+            <a:r>
+              <a:rPr lang="en-US" sz="1400" b="1" dirty="0">
+                <a:latin typeface="Courier New" panose="02070309020205020404" pitchFamily="49" charset="0"/>
+                <a:cs typeface="Courier New" panose="02070309020205020404" pitchFamily="49" charset="0"/>
+              </a:rPr>
+              <a:t>    </a:t>
+            </a:r>
+            <a:r>
+              <a:rPr lang="en-US" sz="1400" b="1" dirty="0" err="1">
+                <a:latin typeface="Courier New" panose="02070309020205020404" pitchFamily="49" charset="0"/>
+                <a:cs typeface="Courier New" panose="02070309020205020404" pitchFamily="49" charset="0"/>
+              </a:rPr>
+              <a:t>iter</a:t>
+            </a:r>
+            <a:r>
+              <a:rPr lang="en-US" sz="1400" b="1" dirty="0">
+                <a:latin typeface="Courier New" panose="02070309020205020404" pitchFamily="49" charset="0"/>
+                <a:cs typeface="Courier New" panose="02070309020205020404" pitchFamily="49" charset="0"/>
+              </a:rPr>
+              <a:t>-&gt;del(</a:t>
+            </a:r>
+            <a:r>
+              <a:rPr lang="en-US" sz="1400" b="1" dirty="0" err="1">
+                <a:latin typeface="Courier New" panose="02070309020205020404" pitchFamily="49" charset="0"/>
+                <a:cs typeface="Courier New" panose="02070309020205020404" pitchFamily="49" charset="0"/>
+              </a:rPr>
+              <a:t>iter</a:t>
+            </a:r>
+            <a:r>
+              <a:rPr lang="en-US" sz="1400" b="1" dirty="0">
+                <a:latin typeface="Courier New" panose="02070309020205020404" pitchFamily="49" charset="0"/>
+                <a:cs typeface="Courier New" panose="02070309020205020404" pitchFamily="49" charset="0"/>
+              </a:rPr>
+              <a:t>);</a:t>
+            </a:r>
+          </a:p>
+          <a:p>
             <a:endParaRPr lang="en-US" sz="1400" b="1" dirty="0">
               <a:latin typeface="Courier New" panose="02070309020205020404" pitchFamily="49" charset="0"/>
               <a:cs typeface="Courier New" panose="02070309020205020404" pitchFamily="49" charset="0"/>
@@ -11864,7 +12168,7 @@
                 <a:latin typeface="Courier New" panose="02070309020205020404" pitchFamily="49" charset="0"/>
                 <a:cs typeface="Courier New" panose="02070309020205020404" pitchFamily="49" charset="0"/>
               </a:rPr>
-              <a:t>    cur = map-&gt;first(map);</a:t>
+              <a:t>    cur = map-&gt;index(map, 0);</a:t>
             </a:r>
           </a:p>
           <a:p>
@@ -11902,7 +12206,16 @@
                 <a:latin typeface="Courier New" panose="02070309020205020404" pitchFamily="49" charset="0"/>
                 <a:cs typeface="Courier New" panose="02070309020205020404" pitchFamily="49" charset="0"/>
               </a:rPr>
-              <a:t>    cur = map-&gt;last(map);</a:t>
+              <a:t>    int pos = map-&gt;size(map) - 1;</a:t>
+            </a:r>
+          </a:p>
+          <a:p>
+            <a:r>
+              <a:rPr lang="en-US" sz="1400" b="1" dirty="0">
+                <a:latin typeface="Courier New" panose="02070309020205020404" pitchFamily="49" charset="0"/>
+                <a:cs typeface="Courier New" panose="02070309020205020404" pitchFamily="49" charset="0"/>
+              </a:rPr>
+              <a:t>    cur = map-&gt;index(map, pos);</a:t>
             </a:r>
           </a:p>
           <a:p>
@@ -11940,21 +12253,7 @@
                 <a:latin typeface="Courier New" panose="02070309020205020404" pitchFamily="49" charset="0"/>
                 <a:cs typeface="Courier New" panose="02070309020205020404" pitchFamily="49" charset="0"/>
               </a:rPr>
-              <a:t>    </a:t>
-            </a:r>
-            <a:r>
-              <a:rPr lang="en-US" sz="1400" b="1" dirty="0" err="1">
-                <a:latin typeface="Courier New" panose="02070309020205020404" pitchFamily="49" charset="0"/>
-                <a:cs typeface="Courier New" panose="02070309020205020404" pitchFamily="49" charset="0"/>
-              </a:rPr>
-              <a:t>Map_del</a:t>
-            </a:r>
-            <a:r>
-              <a:rPr lang="en-US" sz="1400" b="1" dirty="0">
-                <a:latin typeface="Courier New" panose="02070309020205020404" pitchFamily="49" charset="0"/>
-                <a:cs typeface="Courier New" panose="02070309020205020404" pitchFamily="49" charset="0"/>
-              </a:rPr>
-              <a:t>(map);</a:t>
+              <a:t>    map-&gt;del(map);</a:t>
             </a:r>
           </a:p>
           <a:p>
@@ -11982,8 +12281,8 @@
         </p:nvSpPr>
         <p:spPr>
           <a:xfrm>
-            <a:off x="8593658" y="151179"/>
-            <a:ext cx="3252814" cy="6555641"/>
+            <a:off x="8265412" y="1536174"/>
+            <a:ext cx="3252814" cy="3785652"/>
           </a:xfrm>
           <a:prstGeom prst="rect">
             <a:avLst/>
@@ -12006,7 +12305,7 @@
                 <a:latin typeface="Courier New" panose="02070309020205020404" pitchFamily="49" charset="0"/>
                 <a:cs typeface="Courier New" panose="02070309020205020404" pitchFamily="49" charset="0"/>
               </a:rPr>
-              <a:t>Object Map@0x600001ebc000 count=4</a:t>
+              <a:t>Iterate backwards</a:t>
             </a:r>
           </a:p>
           <a:p>
@@ -12015,7 +12314,7 @@
                 <a:latin typeface="Courier New" panose="02070309020205020404" pitchFamily="49" charset="0"/>
                 <a:cs typeface="Courier New" panose="02070309020205020404" pitchFamily="49" charset="0"/>
               </a:rPr>
-              <a:t>  z=1</a:t>
+              <a:t> b=3</a:t>
             </a:r>
           </a:p>
           <a:p>
@@ -12024,7 +12323,7 @@
                 <a:latin typeface="Courier New" panose="02070309020205020404" pitchFamily="49" charset="0"/>
                 <a:cs typeface="Courier New" panose="02070309020205020404" pitchFamily="49" charset="0"/>
               </a:rPr>
-              <a:t>  y=2</a:t>
+              <a:t> y=2</a:t>
             </a:r>
           </a:p>
           <a:p>
@@ -12033,34 +12332,7 @@
                 <a:latin typeface="Courier New" panose="02070309020205020404" pitchFamily="49" charset="0"/>
                 <a:cs typeface="Courier New" panose="02070309020205020404" pitchFamily="49" charset="0"/>
               </a:rPr>
-              <a:t>  b=3</a:t>
-            </a:r>
-          </a:p>
-          <a:p>
-            <a:r>
-              <a:rPr lang="en-US" sz="1200" b="1" dirty="0">
-                <a:latin typeface="Courier New" panose="02070309020205020404" pitchFamily="49" charset="0"/>
-                <a:cs typeface="Courier New" panose="02070309020205020404" pitchFamily="49" charset="0"/>
-              </a:rPr>
-              <a:t>  a=4</a:t>
-            </a:r>
-          </a:p>
-          <a:p>
-            <a:r>
-              <a:rPr lang="en-US" sz="1200" b="1" dirty="0">
-                <a:latin typeface="Courier New" panose="02070309020205020404" pitchFamily="49" charset="0"/>
-                <a:cs typeface="Courier New" panose="02070309020205020404" pitchFamily="49" charset="0"/>
-              </a:rPr>
-              <a:t>z=1</a:t>
-            </a:r>
-          </a:p>
-          <a:p>
-            <a:r>
-              <a:rPr lang="en-US" sz="1200" b="1" dirty="0">
-                <a:latin typeface="Courier New" panose="02070309020205020404" pitchFamily="49" charset="0"/>
-                <a:cs typeface="Courier New" panose="02070309020205020404" pitchFamily="49" charset="0"/>
-              </a:rPr>
-              <a:t>x=42</a:t>
+              <a:t> z=1</a:t>
             </a:r>
           </a:p>
           <a:p>
@@ -12075,7 +12347,7 @@
                 <a:latin typeface="Courier New" panose="02070309020205020404" pitchFamily="49" charset="0"/>
                 <a:cs typeface="Courier New" panose="02070309020205020404" pitchFamily="49" charset="0"/>
               </a:rPr>
-              <a:t>Iterate forwards</a:t>
+              <a:t>Sorted by key</a:t>
             </a:r>
           </a:p>
           <a:p>
@@ -12084,7 +12356,7 @@
                 <a:latin typeface="Courier New" panose="02070309020205020404" pitchFamily="49" charset="0"/>
                 <a:cs typeface="Courier New" panose="02070309020205020404" pitchFamily="49" charset="0"/>
               </a:rPr>
-              <a:t> z=1</a:t>
+              <a:t>Object Map@0x600002a3c000 count=4</a:t>
             </a:r>
           </a:p>
           <a:p>
@@ -12093,7 +12365,7 @@
                 <a:latin typeface="Courier New" panose="02070309020205020404" pitchFamily="49" charset="0"/>
                 <a:cs typeface="Courier New" panose="02070309020205020404" pitchFamily="49" charset="0"/>
               </a:rPr>
-              <a:t> y=2</a:t>
+              <a:t>  a=4</a:t>
             </a:r>
           </a:p>
           <a:p>
@@ -12102,7 +12374,7 @@
                 <a:latin typeface="Courier New" panose="02070309020205020404" pitchFamily="49" charset="0"/>
                 <a:cs typeface="Courier New" panose="02070309020205020404" pitchFamily="49" charset="0"/>
               </a:rPr>
-              <a:t> b=3</a:t>
+              <a:t>  b=3</a:t>
             </a:r>
           </a:p>
           <a:p>
@@ -12111,7 +12383,16 @@
                 <a:latin typeface="Courier New" panose="02070309020205020404" pitchFamily="49" charset="0"/>
                 <a:cs typeface="Courier New" panose="02070309020205020404" pitchFamily="49" charset="0"/>
               </a:rPr>
-              <a:t> a=4</a:t>
+              <a:t>  y=2</a:t>
+            </a:r>
+          </a:p>
+          <a:p>
+            <a:r>
+              <a:rPr lang="en-US" sz="1200" b="1" dirty="0">
+                <a:latin typeface="Courier New" panose="02070309020205020404" pitchFamily="49" charset="0"/>
+                <a:cs typeface="Courier New" panose="02070309020205020404" pitchFamily="49" charset="0"/>
+              </a:rPr>
+              <a:t>  z=1</a:t>
             </a:r>
           </a:p>
           <a:p>
@@ -12126,7 +12407,7 @@
                 <a:latin typeface="Courier New" panose="02070309020205020404" pitchFamily="49" charset="0"/>
                 <a:cs typeface="Courier New" panose="02070309020205020404" pitchFamily="49" charset="0"/>
               </a:rPr>
-              <a:t>Iterate backwards</a:t>
+              <a:t>Sorted by value</a:t>
             </a:r>
           </a:p>
           <a:p>
@@ -12135,118 +12416,7 @@
                 <a:latin typeface="Courier New" panose="02070309020205020404" pitchFamily="49" charset="0"/>
                 <a:cs typeface="Courier New" panose="02070309020205020404" pitchFamily="49" charset="0"/>
               </a:rPr>
-              <a:t> a=4</a:t>
-            </a:r>
-          </a:p>
-          <a:p>
-            <a:r>
-              <a:rPr lang="en-US" sz="1200" b="1" dirty="0">
-                <a:latin typeface="Courier New" panose="02070309020205020404" pitchFamily="49" charset="0"/>
-                <a:cs typeface="Courier New" panose="02070309020205020404" pitchFamily="49" charset="0"/>
-              </a:rPr>
-              <a:t> b=3</a:t>
-            </a:r>
-          </a:p>
-          <a:p>
-            <a:r>
-              <a:rPr lang="en-US" sz="1200" b="1" dirty="0">
-                <a:latin typeface="Courier New" panose="02070309020205020404" pitchFamily="49" charset="0"/>
-                <a:cs typeface="Courier New" panose="02070309020205020404" pitchFamily="49" charset="0"/>
-              </a:rPr>
-              <a:t> y=2</a:t>
-            </a:r>
-          </a:p>
-          <a:p>
-            <a:r>
-              <a:rPr lang="en-US" sz="1200" b="1" dirty="0">
-                <a:latin typeface="Courier New" panose="02070309020205020404" pitchFamily="49" charset="0"/>
-                <a:cs typeface="Courier New" panose="02070309020205020404" pitchFamily="49" charset="0"/>
-              </a:rPr>
-              <a:t> z=1</a:t>
-            </a:r>
-          </a:p>
-          <a:p>
-            <a:endParaRPr lang="en-US" sz="1200" b="1" dirty="0">
-              <a:latin typeface="Courier New" panose="02070309020205020404" pitchFamily="49" charset="0"/>
-              <a:cs typeface="Courier New" panose="02070309020205020404" pitchFamily="49" charset="0"/>
-            </a:endParaRPr>
-          </a:p>
-          <a:p>
-            <a:r>
-              <a:rPr lang="en-US" sz="1200" b="1" dirty="0">
-                <a:latin typeface="Courier New" panose="02070309020205020404" pitchFamily="49" charset="0"/>
-                <a:cs typeface="Courier New" panose="02070309020205020404" pitchFamily="49" charset="0"/>
-              </a:rPr>
-              <a:t>Sorted by key</a:t>
-            </a:r>
-          </a:p>
-          <a:p>
-            <a:r>
-              <a:rPr lang="en-US" sz="1200" b="1" dirty="0">
-                <a:latin typeface="Courier New" panose="02070309020205020404" pitchFamily="49" charset="0"/>
-                <a:cs typeface="Courier New" panose="02070309020205020404" pitchFamily="49" charset="0"/>
-              </a:rPr>
-              <a:t>Object Map@0x600001ebc000 count=4</a:t>
-            </a:r>
-          </a:p>
-          <a:p>
-            <a:r>
-              <a:rPr lang="en-US" sz="1200" b="1" dirty="0">
-                <a:latin typeface="Courier New" panose="02070309020205020404" pitchFamily="49" charset="0"/>
-                <a:cs typeface="Courier New" panose="02070309020205020404" pitchFamily="49" charset="0"/>
-              </a:rPr>
-              <a:t>  a=4</a:t>
-            </a:r>
-          </a:p>
-          <a:p>
-            <a:r>
-              <a:rPr lang="en-US" sz="1200" b="1" dirty="0">
-                <a:latin typeface="Courier New" panose="02070309020205020404" pitchFamily="49" charset="0"/>
-                <a:cs typeface="Courier New" panose="02070309020205020404" pitchFamily="49" charset="0"/>
-              </a:rPr>
-              <a:t>  b=3</a:t>
-            </a:r>
-          </a:p>
-          <a:p>
-            <a:r>
-              <a:rPr lang="en-US" sz="1200" b="1" dirty="0">
-                <a:latin typeface="Courier New" panose="02070309020205020404" pitchFamily="49" charset="0"/>
-                <a:cs typeface="Courier New" panose="02070309020205020404" pitchFamily="49" charset="0"/>
-              </a:rPr>
-              <a:t>  y=2</a:t>
-            </a:r>
-          </a:p>
-          <a:p>
-            <a:r>
-              <a:rPr lang="en-US" sz="1200" b="1" dirty="0">
-                <a:latin typeface="Courier New" panose="02070309020205020404" pitchFamily="49" charset="0"/>
-                <a:cs typeface="Courier New" panose="02070309020205020404" pitchFamily="49" charset="0"/>
-              </a:rPr>
-              <a:t>  z=1</a:t>
-            </a:r>
-          </a:p>
-          <a:p>
-            <a:endParaRPr lang="en-US" sz="1200" b="1" dirty="0">
-              <a:latin typeface="Courier New" panose="02070309020205020404" pitchFamily="49" charset="0"/>
-              <a:cs typeface="Courier New" panose="02070309020205020404" pitchFamily="49" charset="0"/>
-            </a:endParaRPr>
-          </a:p>
-          <a:p>
-            <a:r>
-              <a:rPr lang="en-US" sz="1200" b="1" dirty="0">
-                <a:latin typeface="Courier New" panose="02070309020205020404" pitchFamily="49" charset="0"/>
-                <a:cs typeface="Courier New" panose="02070309020205020404" pitchFamily="49" charset="0"/>
-              </a:rPr>
-              <a:t>Sorted by value</a:t>
-            </a:r>
-          </a:p>
-          <a:p>
-            <a:r>
-              <a:rPr lang="en-US" sz="1200" b="1" dirty="0">
-                <a:latin typeface="Courier New" panose="02070309020205020404" pitchFamily="49" charset="0"/>
-                <a:cs typeface="Courier New" panose="02070309020205020404" pitchFamily="49" charset="0"/>
-              </a:rPr>
-              <a:t>Object Map@0x600001ebc000 count=4</a:t>
+              <a:t>Object Map@0x600002a3c000 count=4</a:t>
             </a:r>
           </a:p>
           <a:p>

--- a/lectures/CC-04-Data-Structure.pptx
+++ b/lectures/CC-04-Data-Structure.pptx
@@ -3393,7 +3393,9 @@
         </p:nvSpPr>
         <p:spPr/>
         <p:txBody>
-          <a:bodyPr/>
+          <a:bodyPr>
+            <a:normAutofit lnSpcReduction="10000"/>
+          </a:bodyPr>
           <a:lstStyle/>
           <a:p>
             <a:r>
@@ -3410,8 +3412,18 @@
           <a:p>
             <a:r>
               <a:rPr lang="en-US" dirty="0"/>
-              <a:t>code.cc4e.com</a:t>
-            </a:r>
+              <a:t>code.cc4e.com (sample code)</a:t>
+            </a:r>
+          </a:p>
+          <a:p>
+            <a:r>
+              <a:rPr lang="en-US" dirty="0" err="1"/>
+              <a:t>online.dr-chuck.com</a:t>
+            </a:r>
+            <a:endParaRPr lang="en-US"/>
+          </a:p>
+          <a:p>
+            <a:endParaRPr lang="en-US" dirty="0"/>
           </a:p>
         </p:txBody>
       </p:sp>

--- a/lectures/CC-04-Data-Structure.pptx
+++ b/lectures/CC-04-Data-Structure.pptx
@@ -26,7 +26,12 @@
     <p:sldId id="276" r:id="rId20"/>
     <p:sldId id="278" r:id="rId21"/>
     <p:sldId id="279" r:id="rId22"/>
-    <p:sldId id="277" r:id="rId23"/>
+    <p:sldId id="280" r:id="rId23"/>
+    <p:sldId id="281" r:id="rId24"/>
+    <p:sldId id="283" r:id="rId25"/>
+    <p:sldId id="284" r:id="rId26"/>
+    <p:sldId id="285" r:id="rId27"/>
+    <p:sldId id="282" r:id="rId28"/>
   </p:sldIdLst>
   <p:sldSz cx="12192000" cy="6858000"/>
   <p:notesSz cx="6858000" cy="9144000"/>
@@ -3370,7 +3375,7 @@
           <a:p>
             <a:r>
               <a:rPr lang="en-US" dirty="0"/>
-              <a:t>A Data Structure</a:t>
+              <a:t>Our Data Structure</a:t>
             </a:r>
           </a:p>
         </p:txBody>
@@ -6329,7 +6334,7 @@
         <p:spPr>
           <a:xfrm>
             <a:off x="5260428" y="1072674"/>
-            <a:ext cx="5984331" cy="3754874"/>
+            <a:ext cx="5984331" cy="4185761"/>
           </a:xfrm>
           <a:prstGeom prst="rect">
             <a:avLst/>
@@ -6534,6 +6539,24 @@
                 <a:cs typeface="Courier New" panose="02070309020205020404" pitchFamily="49" charset="0"/>
               </a:rPr>
               <a:t>{</a:t>
+            </a:r>
+          </a:p>
+          <a:p>
+            <a:r>
+              <a:rPr lang="en-US" sz="1400" b="1" dirty="0">
+                <a:latin typeface="Courier New" panose="02070309020205020404" pitchFamily="49" charset="0"/>
+                <a:cs typeface="Courier New" panose="02070309020205020404" pitchFamily="49" charset="0"/>
+              </a:rPr>
+              <a:t>    ...</a:t>
+            </a:r>
+          </a:p>
+          <a:p>
+            <a:r>
+              <a:rPr lang="en-US" sz="1400" b="1" dirty="0">
+                <a:latin typeface="Courier New" panose="02070309020205020404" pitchFamily="49" charset="0"/>
+                <a:cs typeface="Courier New" panose="02070309020205020404" pitchFamily="49" charset="0"/>
+              </a:rPr>
+              <a:t>}</a:t>
             </a:r>
           </a:p>
         </p:txBody>
@@ -6568,7 +6591,10 @@
               <a:rPr lang="en-US" dirty="0" err="1"/>
               <a:t>Map_get</a:t>
             </a:r>
-            <a:endParaRPr lang="en-US" dirty="0"/>
+            <a:r>
+              <a:rPr lang="en-US" dirty="0"/>
+              <a:t>()</a:t>
+            </a:r>
           </a:p>
         </p:txBody>
       </p:sp>
@@ -7356,7 +7382,7 @@
           <a:p>
             <a:r>
               <a:rPr lang="en-US" dirty="0"/>
-              <a:t>Once we have an iterator, each time we say "next" we get the next item in the list until the end</a:t>
+              <a:t>Once we have an iterator, each time we call "next" we get the next item in the list until the end</a:t>
             </a:r>
           </a:p>
           <a:p>
@@ -7378,7 +7404,7 @@
         </p:nvSpPr>
         <p:spPr>
           <a:xfrm>
-            <a:off x="971753" y="5689076"/>
+            <a:off x="8247245" y="5565962"/>
             <a:ext cx="6097904" cy="369332"/>
           </a:xfrm>
           <a:prstGeom prst="rect">
@@ -7421,8 +7447,8 @@
         </p:nvSpPr>
         <p:spPr>
           <a:xfrm>
-            <a:off x="6835756" y="987047"/>
-            <a:ext cx="3191899" cy="2893100"/>
+            <a:off x="6801219" y="306811"/>
+            <a:ext cx="3191899" cy="4616648"/>
           </a:xfrm>
           <a:prstGeom prst="rect">
             <a:avLst/>
@@ -7488,7 +7514,7 @@
                 <a:latin typeface="Courier New" panose="02070309020205020404" pitchFamily="49" charset="0"/>
                 <a:cs typeface="Courier New" panose="02070309020205020404" pitchFamily="49" charset="0"/>
               </a:rPr>
-              <a:t>z = </a:t>
+              <a:t>it = </a:t>
             </a:r>
             <a:r>
               <a:rPr lang="en-US" sz="1400" b="1" dirty="0" err="1">
@@ -7511,7 +7537,7 @@
                 <a:latin typeface="Courier New" panose="02070309020205020404" pitchFamily="49" charset="0"/>
                 <a:cs typeface="Courier New" panose="02070309020205020404" pitchFamily="49" charset="0"/>
               </a:rPr>
-              <a:t>print('z is', z)</a:t>
+              <a:t>print('it is', it)</a:t>
             </a:r>
           </a:p>
           <a:p>
@@ -7535,7 +7561,87 @@
                 <a:latin typeface="Courier New" panose="02070309020205020404" pitchFamily="49" charset="0"/>
                 <a:cs typeface="Courier New" panose="02070309020205020404" pitchFamily="49" charset="0"/>
               </a:rPr>
-              <a:t>    item = next(z, False) </a:t>
+              <a:t>    item = next(it, False)</a:t>
+            </a:r>
+          </a:p>
+          <a:p>
+            <a:r>
+              <a:rPr lang="en-US" sz="1400" b="1" dirty="0">
+                <a:latin typeface="Courier New" panose="02070309020205020404" pitchFamily="49" charset="0"/>
+                <a:cs typeface="Courier New" panose="02070309020205020404" pitchFamily="49" charset="0"/>
+              </a:rPr>
+              <a:t>    if item is False : break</a:t>
+            </a:r>
+          </a:p>
+          <a:p>
+            <a:r>
+              <a:rPr lang="en-US" sz="1400" b="1" dirty="0">
+                <a:latin typeface="Courier New" panose="02070309020205020404" pitchFamily="49" charset="0"/>
+                <a:cs typeface="Courier New" panose="02070309020205020404" pitchFamily="49" charset="0"/>
+              </a:rPr>
+              <a:t>    print('item is', item)</a:t>
+            </a:r>
+          </a:p>
+          <a:p>
+            <a:endParaRPr lang="en-US" sz="1400" b="1" dirty="0">
+              <a:latin typeface="Courier New" panose="02070309020205020404" pitchFamily="49" charset="0"/>
+              <a:cs typeface="Courier New" panose="02070309020205020404" pitchFamily="49" charset="0"/>
+            </a:endParaRPr>
+          </a:p>
+          <a:p>
+            <a:r>
+              <a:rPr lang="en-US" sz="1400" b="1" dirty="0">
+                <a:latin typeface="Courier New" panose="02070309020205020404" pitchFamily="49" charset="0"/>
+                <a:cs typeface="Courier New" panose="02070309020205020404" pitchFamily="49" charset="0"/>
+              </a:rPr>
+              <a:t>it = </a:t>
+            </a:r>
+            <a:r>
+              <a:rPr lang="en-US" sz="1400" b="1" dirty="0" err="1">
+                <a:latin typeface="Courier New" panose="02070309020205020404" pitchFamily="49" charset="0"/>
+                <a:cs typeface="Courier New" panose="02070309020205020404" pitchFamily="49" charset="0"/>
+              </a:rPr>
+              <a:t>iter</a:t>
+            </a:r>
+            <a:r>
+              <a:rPr lang="en-US" sz="1400" b="1" dirty="0">
+                <a:latin typeface="Courier New" panose="02070309020205020404" pitchFamily="49" charset="0"/>
+                <a:cs typeface="Courier New" panose="02070309020205020404" pitchFamily="49" charset="0"/>
+              </a:rPr>
+              <a:t>(reversed(x))</a:t>
+            </a:r>
+          </a:p>
+          <a:p>
+            <a:r>
+              <a:rPr lang="en-US" sz="1400" b="1" dirty="0">
+                <a:latin typeface="Courier New" panose="02070309020205020404" pitchFamily="49" charset="0"/>
+                <a:cs typeface="Courier New" panose="02070309020205020404" pitchFamily="49" charset="0"/>
+              </a:rPr>
+              <a:t>print('it is', it)</a:t>
+            </a:r>
+          </a:p>
+          <a:p>
+            <a:endParaRPr lang="en-US" sz="1400" b="1" dirty="0">
+              <a:latin typeface="Courier New" panose="02070309020205020404" pitchFamily="49" charset="0"/>
+              <a:cs typeface="Courier New" panose="02070309020205020404" pitchFamily="49" charset="0"/>
+            </a:endParaRPr>
+          </a:p>
+          <a:p>
+            <a:r>
+              <a:rPr lang="en-US" sz="1400" b="1" dirty="0">
+                <a:latin typeface="Courier New" panose="02070309020205020404" pitchFamily="49" charset="0"/>
+                <a:cs typeface="Courier New" panose="02070309020205020404" pitchFamily="49" charset="0"/>
+              </a:rPr>
+              <a:t>while True :</a:t>
+            </a:r>
+          </a:p>
+          <a:p>
+            <a:r>
+              <a:rPr lang="en-US" sz="1400" b="1" dirty="0">
+                <a:latin typeface="Courier New" panose="02070309020205020404" pitchFamily="49" charset="0"/>
+                <a:cs typeface="Courier New" panose="02070309020205020404" pitchFamily="49" charset="0"/>
+              </a:rPr>
+              <a:t>    item = next(it, False)</a:t>
             </a:r>
           </a:p>
           <a:p>
@@ -7572,8 +7678,8 @@
         </p:nvSpPr>
         <p:spPr>
           <a:xfrm>
-            <a:off x="7069657" y="4369113"/>
-            <a:ext cx="4368504" cy="1200329"/>
+            <a:off x="838200" y="4707771"/>
+            <a:ext cx="5112297" cy="1938992"/>
           </a:xfrm>
           <a:prstGeom prst="rect">
             <a:avLst/>
@@ -7614,7 +7720,7 @@
                 <a:latin typeface="Courier New" panose="02070309020205020404" pitchFamily="49" charset="0"/>
                 <a:cs typeface="Courier New" panose="02070309020205020404" pitchFamily="49" charset="0"/>
               </a:rPr>
-              <a:t>z is &lt;</a:t>
+              <a:t>it is &lt;</a:t>
             </a:r>
             <a:r>
               <a:rPr lang="en-US" sz="1200" b="1" dirty="0" err="1">
@@ -7628,7 +7734,7 @@
                 <a:latin typeface="Courier New" panose="02070309020205020404" pitchFamily="49" charset="0"/>
                 <a:cs typeface="Courier New" panose="02070309020205020404" pitchFamily="49" charset="0"/>
               </a:rPr>
-              <a:t> object at 0x100e84a40&gt;</a:t>
+              <a:t> object at 0x100410a40&gt;</a:t>
             </a:r>
           </a:p>
           <a:p>
@@ -7656,6 +7762,56 @@
                 <a:cs typeface="Courier New" panose="02070309020205020404" pitchFamily="49" charset="0"/>
               </a:rPr>
               <a:t>item is c</a:t>
+            </a:r>
+          </a:p>
+          <a:p>
+            <a:r>
+              <a:rPr lang="en-US" sz="1200" b="1" dirty="0">
+                <a:latin typeface="Courier New" panose="02070309020205020404" pitchFamily="49" charset="0"/>
+                <a:cs typeface="Courier New" panose="02070309020205020404" pitchFamily="49" charset="0"/>
+              </a:rPr>
+              <a:t>it is &lt;</a:t>
+            </a:r>
+            <a:r>
+              <a:rPr lang="en-US" sz="1200" b="1" dirty="0" err="1">
+                <a:latin typeface="Courier New" panose="02070309020205020404" pitchFamily="49" charset="0"/>
+                <a:cs typeface="Courier New" panose="02070309020205020404" pitchFamily="49" charset="0"/>
+              </a:rPr>
+              <a:t>dict_reversekeyiterator</a:t>
+            </a:r>
+            <a:r>
+              <a:rPr lang="en-US" sz="1200" b="1" dirty="0">
+                <a:latin typeface="Courier New" panose="02070309020205020404" pitchFamily="49" charset="0"/>
+                <a:cs typeface="Courier New" panose="02070309020205020404" pitchFamily="49" charset="0"/>
+              </a:rPr>
+              <a:t> object at 0x1005888b0&gt;</a:t>
+            </a:r>
+          </a:p>
+          <a:p>
+            <a:r>
+              <a:rPr lang="en-US" sz="1200" b="1" dirty="0">
+                <a:latin typeface="Courier New" panose="02070309020205020404" pitchFamily="49" charset="0"/>
+                <a:cs typeface="Courier New" panose="02070309020205020404" pitchFamily="49" charset="0"/>
+              </a:rPr>
+              <a:t>item is c</a:t>
+            </a:r>
+          </a:p>
+          <a:p>
+            <a:r>
+              <a:rPr lang="en-US" sz="1200" b="1" dirty="0">
+                <a:latin typeface="Courier New" panose="02070309020205020404" pitchFamily="49" charset="0"/>
+                <a:cs typeface="Courier New" panose="02070309020205020404" pitchFamily="49" charset="0"/>
+              </a:rPr>
+              <a:t>item is b</a:t>
+            </a:r>
+          </a:p>
+          <a:p>
+            <a:r>
+              <a:rPr lang="en-US" sz="1200" b="1" dirty="0">
+                <a:latin typeface="Courier New" panose="02070309020205020404" pitchFamily="49" charset="0"/>
+                <a:cs typeface="Courier New" panose="02070309020205020404" pitchFamily="49" charset="0"/>
+              </a:rPr>
+              <a:t>item is a</a:t>
             </a:r>
           </a:p>
         </p:txBody>
@@ -7722,7 +7878,7 @@
         </p:blipFill>
         <p:spPr>
           <a:xfrm>
-            <a:off x="10682197" y="1813044"/>
+            <a:off x="10682197" y="922706"/>
             <a:ext cx="1228001" cy="1351685"/>
           </a:xfrm>
           <a:prstGeom prst="rect">
@@ -7744,7 +7900,7 @@
         </p:nvSpPr>
         <p:spPr>
           <a:xfrm>
-            <a:off x="9807073" y="1813044"/>
+            <a:off x="9807073" y="922706"/>
             <a:ext cx="869617" cy="302235"/>
           </a:xfrm>
           <a:prstGeom prst="wedgeEllipseCallout">
@@ -7814,10 +7970,2304 @@
       </p:grpSpPr>
       <p:sp>
         <p:nvSpPr>
+          <p:cNvPr id="2" name="TextBox 1">
+            <a:extLst>
+              <a:ext uri="{FF2B5EF4-FFF2-40B4-BE49-F238E27FC236}">
+                <a16:creationId xmlns:a16="http://schemas.microsoft.com/office/drawing/2014/main" id="{FEEE943B-F994-FF91-EC9C-3774C1CD2051}"/>
+              </a:ext>
+            </a:extLst>
+          </p:cNvPr>
+          <p:cNvSpPr txBox="1"/>
+          <p:nvPr/>
+        </p:nvSpPr>
+        <p:spPr>
+          <a:xfrm>
+            <a:off x="5910133" y="1825625"/>
+            <a:ext cx="5554726" cy="2462213"/>
+          </a:xfrm>
+          <a:prstGeom prst="rect">
+            <a:avLst/>
+          </a:prstGeom>
+          <a:noFill/>
+        </p:spPr>
+        <p:txBody>
+          <a:bodyPr wrap="none" rtlCol="0">
+            <a:spAutoFit/>
+          </a:bodyPr>
+          <a:lstStyle/>
+          <a:p>
+            <a:r>
+              <a:rPr lang="en-US" sz="1400" b="1" dirty="0">
+                <a:latin typeface="Courier New" panose="02070309020205020404" pitchFamily="49" charset="0"/>
+                <a:cs typeface="Courier New" panose="02070309020205020404" pitchFamily="49" charset="0"/>
+              </a:rPr>
+              <a:t>/*</a:t>
+            </a:r>
+          </a:p>
+          <a:p>
+            <a:r>
+              <a:rPr lang="en-US" sz="1400" b="1" dirty="0">
+                <a:latin typeface="Courier New" panose="02070309020205020404" pitchFamily="49" charset="0"/>
+                <a:cs typeface="Courier New" panose="02070309020205020404" pitchFamily="49" charset="0"/>
+              </a:rPr>
+              <a:t> * A </a:t>
+            </a:r>
+            <a:r>
+              <a:rPr lang="en-US" sz="1400" b="1" dirty="0" err="1">
+                <a:latin typeface="Courier New" panose="02070309020205020404" pitchFamily="49" charset="0"/>
+                <a:cs typeface="Courier New" panose="02070309020205020404" pitchFamily="49" charset="0"/>
+              </a:rPr>
+              <a:t>MapIter</a:t>
+            </a:r>
+            <a:r>
+              <a:rPr lang="en-US" sz="1400" b="1" dirty="0">
+                <a:latin typeface="Courier New" panose="02070309020205020404" pitchFamily="49" charset="0"/>
+                <a:cs typeface="Courier New" panose="02070309020205020404" pitchFamily="49" charset="0"/>
+              </a:rPr>
+              <a:t> contains the current item and whether</a:t>
+            </a:r>
+          </a:p>
+          <a:p>
+            <a:r>
+              <a:rPr lang="en-US" sz="1400" b="1" dirty="0">
+                <a:latin typeface="Courier New" panose="02070309020205020404" pitchFamily="49" charset="0"/>
+                <a:cs typeface="Courier New" panose="02070309020205020404" pitchFamily="49" charset="0"/>
+              </a:rPr>
+              <a:t> * this is a forward or reverse iterator.</a:t>
+            </a:r>
+          </a:p>
+          <a:p>
+            <a:r>
+              <a:rPr lang="en-US" sz="1400" b="1" dirty="0">
+                <a:latin typeface="Courier New" panose="02070309020205020404" pitchFamily="49" charset="0"/>
+                <a:cs typeface="Courier New" panose="02070309020205020404" pitchFamily="49" charset="0"/>
+              </a:rPr>
+              <a:t> */</a:t>
+            </a:r>
+          </a:p>
+          <a:p>
+            <a:r>
+              <a:rPr lang="en-US" sz="1400" b="1" dirty="0">
+                <a:latin typeface="Courier New" panose="02070309020205020404" pitchFamily="49" charset="0"/>
+                <a:cs typeface="Courier New" panose="02070309020205020404" pitchFamily="49" charset="0"/>
+              </a:rPr>
+              <a:t>struct </a:t>
+            </a:r>
+            <a:r>
+              <a:rPr lang="en-US" sz="1400" b="1" dirty="0" err="1">
+                <a:latin typeface="Courier New" panose="02070309020205020404" pitchFamily="49" charset="0"/>
+                <a:cs typeface="Courier New" panose="02070309020205020404" pitchFamily="49" charset="0"/>
+              </a:rPr>
+              <a:t>MapIter</a:t>
+            </a:r>
+            <a:r>
+              <a:rPr lang="en-US" sz="1400" b="1" dirty="0">
+                <a:latin typeface="Courier New" panose="02070309020205020404" pitchFamily="49" charset="0"/>
+                <a:cs typeface="Courier New" panose="02070309020205020404" pitchFamily="49" charset="0"/>
+              </a:rPr>
+              <a:t> {</a:t>
+            </a:r>
+          </a:p>
+          <a:p>
+            <a:r>
+              <a:rPr lang="en-US" sz="1400" b="1" dirty="0">
+                <a:latin typeface="Courier New" panose="02070309020205020404" pitchFamily="49" charset="0"/>
+                <a:cs typeface="Courier New" panose="02070309020205020404" pitchFamily="49" charset="0"/>
+              </a:rPr>
+              <a:t>   struct </a:t>
+            </a:r>
+            <a:r>
+              <a:rPr lang="en-US" sz="1400" b="1" dirty="0" err="1">
+                <a:latin typeface="Courier New" panose="02070309020205020404" pitchFamily="49" charset="0"/>
+                <a:cs typeface="Courier New" panose="02070309020205020404" pitchFamily="49" charset="0"/>
+              </a:rPr>
+              <a:t>MapEntry</a:t>
+            </a:r>
+            <a:r>
+              <a:rPr lang="en-US" sz="1400" b="1" dirty="0">
+                <a:latin typeface="Courier New" panose="02070309020205020404" pitchFamily="49" charset="0"/>
+                <a:cs typeface="Courier New" panose="02070309020205020404" pitchFamily="49" charset="0"/>
+              </a:rPr>
+              <a:t> *current;</a:t>
+            </a:r>
+          </a:p>
+          <a:p>
+            <a:r>
+              <a:rPr lang="en-US" sz="1400" b="1" dirty="0">
+                <a:latin typeface="Courier New" panose="02070309020205020404" pitchFamily="49" charset="0"/>
+                <a:cs typeface="Courier New" panose="02070309020205020404" pitchFamily="49" charset="0"/>
+              </a:rPr>
+              <a:t>   int reverse;</a:t>
+            </a:r>
+          </a:p>
+          <a:p>
+            <a:endParaRPr lang="en-US" sz="1400" b="1" dirty="0">
+              <a:latin typeface="Courier New" panose="02070309020205020404" pitchFamily="49" charset="0"/>
+              <a:cs typeface="Courier New" panose="02070309020205020404" pitchFamily="49" charset="0"/>
+            </a:endParaRPr>
+          </a:p>
+          <a:p>
+            <a:r>
+              <a:rPr lang="en-US" sz="1400" b="1" dirty="0">
+                <a:latin typeface="Courier New" panose="02070309020205020404" pitchFamily="49" charset="0"/>
+                <a:cs typeface="Courier New" panose="02070309020205020404" pitchFamily="49" charset="0"/>
+              </a:rPr>
+              <a:t>   struct </a:t>
+            </a:r>
+            <a:r>
+              <a:rPr lang="en-US" sz="1400" b="1" dirty="0" err="1">
+                <a:latin typeface="Courier New" panose="02070309020205020404" pitchFamily="49" charset="0"/>
+                <a:cs typeface="Courier New" panose="02070309020205020404" pitchFamily="49" charset="0"/>
+              </a:rPr>
+              <a:t>MapEntry</a:t>
+            </a:r>
+            <a:r>
+              <a:rPr lang="en-US" sz="1400" b="1" dirty="0">
+                <a:latin typeface="Courier New" panose="02070309020205020404" pitchFamily="49" charset="0"/>
+                <a:cs typeface="Courier New" panose="02070309020205020404" pitchFamily="49" charset="0"/>
+              </a:rPr>
+              <a:t>* (*next)(struct </a:t>
+            </a:r>
+            <a:r>
+              <a:rPr lang="en-US" sz="1400" b="1" dirty="0" err="1">
+                <a:latin typeface="Courier New" panose="02070309020205020404" pitchFamily="49" charset="0"/>
+                <a:cs typeface="Courier New" panose="02070309020205020404" pitchFamily="49" charset="0"/>
+              </a:rPr>
+              <a:t>MapIter</a:t>
+            </a:r>
+            <a:r>
+              <a:rPr lang="en-US" sz="1400" b="1" dirty="0">
+                <a:latin typeface="Courier New" panose="02070309020205020404" pitchFamily="49" charset="0"/>
+                <a:cs typeface="Courier New" panose="02070309020205020404" pitchFamily="49" charset="0"/>
+              </a:rPr>
+              <a:t>* self);</a:t>
+            </a:r>
+          </a:p>
+          <a:p>
+            <a:r>
+              <a:rPr lang="en-US" sz="1400" b="1" dirty="0">
+                <a:latin typeface="Courier New" panose="02070309020205020404" pitchFamily="49" charset="0"/>
+                <a:cs typeface="Courier New" panose="02070309020205020404" pitchFamily="49" charset="0"/>
+              </a:rPr>
+              <a:t>   void (*del)(struct </a:t>
+            </a:r>
+            <a:r>
+              <a:rPr lang="en-US" sz="1400" b="1" dirty="0" err="1">
+                <a:latin typeface="Courier New" panose="02070309020205020404" pitchFamily="49" charset="0"/>
+                <a:cs typeface="Courier New" panose="02070309020205020404" pitchFamily="49" charset="0"/>
+              </a:rPr>
+              <a:t>MapIter</a:t>
+            </a:r>
+            <a:r>
+              <a:rPr lang="en-US" sz="1400" b="1" dirty="0">
+                <a:latin typeface="Courier New" panose="02070309020205020404" pitchFamily="49" charset="0"/>
+                <a:cs typeface="Courier New" panose="02070309020205020404" pitchFamily="49" charset="0"/>
+              </a:rPr>
+              <a:t>* self);</a:t>
+            </a:r>
+          </a:p>
+          <a:p>
+            <a:r>
+              <a:rPr lang="en-US" sz="1400" b="1" dirty="0">
+                <a:latin typeface="Courier New" panose="02070309020205020404" pitchFamily="49" charset="0"/>
+                <a:cs typeface="Courier New" panose="02070309020205020404" pitchFamily="49" charset="0"/>
+              </a:rPr>
+              <a:t>};</a:t>
+            </a:r>
+          </a:p>
+        </p:txBody>
+      </p:sp>
+      <p:sp>
+        <p:nvSpPr>
+          <p:cNvPr id="6" name="Title 5">
+            <a:extLst>
+              <a:ext uri="{FF2B5EF4-FFF2-40B4-BE49-F238E27FC236}">
+                <a16:creationId xmlns:a16="http://schemas.microsoft.com/office/drawing/2014/main" id="{E4A81157-F1D0-5130-371D-BA8DD965B654}"/>
+              </a:ext>
+            </a:extLst>
+          </p:cNvPr>
+          <p:cNvSpPr>
+            <a:spLocks noGrp="1"/>
+          </p:cNvSpPr>
+          <p:nvPr>
+            <p:ph type="title"/>
+          </p:nvPr>
+        </p:nvSpPr>
+        <p:spPr>
+          <a:xfrm>
+            <a:off x="838200" y="365125"/>
+            <a:ext cx="5257800" cy="1325563"/>
+          </a:xfrm>
+        </p:spPr>
+        <p:txBody>
+          <a:bodyPr/>
+          <a:lstStyle/>
+          <a:p>
+            <a:r>
+              <a:rPr lang="en-US" dirty="0"/>
+              <a:t>Struct </a:t>
+            </a:r>
+            <a:r>
+              <a:rPr lang="en-US" dirty="0" err="1"/>
+              <a:t>MapIter</a:t>
+            </a:r>
+            <a:endParaRPr lang="en-US" dirty="0"/>
+          </a:p>
+        </p:txBody>
+      </p:sp>
+      <p:sp>
+        <p:nvSpPr>
+          <p:cNvPr id="7" name="Content Placeholder 6">
+            <a:extLst>
+              <a:ext uri="{FF2B5EF4-FFF2-40B4-BE49-F238E27FC236}">
+                <a16:creationId xmlns:a16="http://schemas.microsoft.com/office/drawing/2014/main" id="{4D372547-AA0B-35AD-4AD8-30763CE5DF56}"/>
+              </a:ext>
+            </a:extLst>
+          </p:cNvPr>
+          <p:cNvSpPr>
+            <a:spLocks noGrp="1"/>
+          </p:cNvSpPr>
+          <p:nvPr>
+            <p:ph idx="1"/>
+          </p:nvPr>
+        </p:nvSpPr>
+        <p:spPr>
+          <a:xfrm>
+            <a:off x="838200" y="1825625"/>
+            <a:ext cx="3990474" cy="4351338"/>
+          </a:xfrm>
+        </p:spPr>
+        <p:txBody>
+          <a:bodyPr>
+            <a:normAutofit/>
+          </a:bodyPr>
+          <a:lstStyle/>
+          <a:p>
+            <a:r>
+              <a:rPr lang="en-US" dirty="0" err="1"/>
+              <a:t>ddsds</a:t>
+            </a:r>
+            <a:endParaRPr lang="en-US" dirty="0"/>
+          </a:p>
+        </p:txBody>
+      </p:sp>
+    </p:spTree>
+    <p:extLst>
+      <p:ext uri="{BB962C8B-B14F-4D97-AF65-F5344CB8AC3E}">
+        <p14:creationId xmlns:p14="http://schemas.microsoft.com/office/powerpoint/2010/main" val="468184158"/>
+      </p:ext>
+    </p:extLst>
+  </p:cSld>
+  <p:clrMapOvr>
+    <a:masterClrMapping/>
+  </p:clrMapOvr>
+</p:sld>
+</file>
+
+<file path=ppt/slides/slide23.xml><?xml version="1.0" encoding="utf-8"?>
+<p:sld xmlns:a="http://schemas.openxmlformats.org/drawingml/2006/main" xmlns:r="http://schemas.openxmlformats.org/officeDocument/2006/relationships" xmlns:p="http://schemas.openxmlformats.org/presentationml/2006/main">
+  <p:cSld>
+    <p:spTree>
+      <p:nvGrpSpPr>
+        <p:cNvPr id="1" name=""/>
+        <p:cNvGrpSpPr/>
+        <p:nvPr/>
+      </p:nvGrpSpPr>
+      <p:grpSpPr>
+        <a:xfrm>
+          <a:off x="0" y="0"/>
+          <a:ext cx="0" cy="0"/>
+          <a:chOff x="0" y="0"/>
+          <a:chExt cx="0" cy="0"/>
+        </a:xfrm>
+      </p:grpSpPr>
+      <p:sp>
+        <p:nvSpPr>
+          <p:cNvPr id="2" name="TextBox 1">
+            <a:extLst>
+              <a:ext uri="{FF2B5EF4-FFF2-40B4-BE49-F238E27FC236}">
+                <a16:creationId xmlns:a16="http://schemas.microsoft.com/office/drawing/2014/main" id="{FEEE943B-F994-FF91-EC9C-3774C1CD2051}"/>
+              </a:ext>
+            </a:extLst>
+          </p:cNvPr>
+          <p:cNvSpPr txBox="1"/>
+          <p:nvPr/>
+        </p:nvSpPr>
+        <p:spPr>
+          <a:xfrm>
+            <a:off x="5922165" y="797510"/>
+            <a:ext cx="5769528" cy="5262979"/>
+          </a:xfrm>
+          <a:prstGeom prst="rect">
+            <a:avLst/>
+          </a:prstGeom>
+          <a:noFill/>
+        </p:spPr>
+        <p:txBody>
+          <a:bodyPr wrap="none" rtlCol="0">
+            <a:spAutoFit/>
+          </a:bodyPr>
+          <a:lstStyle/>
+          <a:p>
+            <a:r>
+              <a:rPr lang="en-US" sz="1400" b="1" dirty="0">
+                <a:latin typeface="Courier New" panose="02070309020205020404" pitchFamily="49" charset="0"/>
+                <a:cs typeface="Courier New" panose="02070309020205020404" pitchFamily="49" charset="0"/>
+              </a:rPr>
+              <a:t>/**</a:t>
+            </a:r>
+          </a:p>
+          <a:p>
+            <a:r>
+              <a:rPr lang="en-US" sz="1400" b="1" dirty="0">
+                <a:latin typeface="Courier New" panose="02070309020205020404" pitchFamily="49" charset="0"/>
+                <a:cs typeface="Courier New" panose="02070309020205020404" pitchFamily="49" charset="0"/>
+              </a:rPr>
+              <a:t> * </a:t>
+            </a:r>
+            <a:r>
+              <a:rPr lang="en-US" sz="1400" b="1" dirty="0" err="1">
+                <a:latin typeface="Courier New" panose="02070309020205020404" pitchFamily="49" charset="0"/>
+                <a:cs typeface="Courier New" panose="02070309020205020404" pitchFamily="49" charset="0"/>
+              </a:rPr>
+              <a:t>Map_first</a:t>
+            </a:r>
+            <a:r>
+              <a:rPr lang="en-US" sz="1400" b="1" dirty="0">
+                <a:latin typeface="Courier New" panose="02070309020205020404" pitchFamily="49" charset="0"/>
+                <a:cs typeface="Courier New" panose="02070309020205020404" pitchFamily="49" charset="0"/>
+              </a:rPr>
+              <a:t> - Create an iterator from the head of</a:t>
+            </a:r>
+          </a:p>
+          <a:p>
+            <a:r>
+              <a:rPr lang="en-US" sz="1400" b="1" dirty="0">
+                <a:latin typeface="Courier New" panose="02070309020205020404" pitchFamily="49" charset="0"/>
+                <a:cs typeface="Courier New" panose="02070309020205020404" pitchFamily="49" charset="0"/>
+              </a:rPr>
+              <a:t> * the Map and return the first item</a:t>
+            </a:r>
+          </a:p>
+          <a:p>
+            <a:r>
+              <a:rPr lang="en-US" sz="1400" b="1" dirty="0">
+                <a:latin typeface="Courier New" panose="02070309020205020404" pitchFamily="49" charset="0"/>
+                <a:cs typeface="Courier New" panose="02070309020205020404" pitchFamily="49" charset="0"/>
+              </a:rPr>
+              <a:t> *</a:t>
+            </a:r>
+          </a:p>
+          <a:p>
+            <a:r>
+              <a:rPr lang="en-US" sz="1400" b="1" dirty="0">
+                <a:latin typeface="Courier New" panose="02070309020205020404" pitchFamily="49" charset="0"/>
+                <a:cs typeface="Courier New" panose="02070309020205020404" pitchFamily="49" charset="0"/>
+              </a:rPr>
+              <a:t> * self - The pointer to the instance of this class.</a:t>
+            </a:r>
+          </a:p>
+          <a:p>
+            <a:r>
+              <a:rPr lang="en-US" sz="1400" b="1" dirty="0">
+                <a:latin typeface="Courier New" panose="02070309020205020404" pitchFamily="49" charset="0"/>
+                <a:cs typeface="Courier New" panose="02070309020205020404" pitchFamily="49" charset="0"/>
+              </a:rPr>
+              <a:t> *</a:t>
+            </a:r>
+          </a:p>
+          <a:p>
+            <a:r>
+              <a:rPr lang="en-US" sz="1400" b="1" dirty="0">
+                <a:latin typeface="Courier New" panose="02070309020205020404" pitchFamily="49" charset="0"/>
+                <a:cs typeface="Courier New" panose="02070309020205020404" pitchFamily="49" charset="0"/>
+              </a:rPr>
+              <a:t> * returns NULL when there are no entries in the Map</a:t>
+            </a:r>
+          </a:p>
+          <a:p>
+            <a:r>
+              <a:rPr lang="en-US" sz="1400" b="1" dirty="0">
+                <a:latin typeface="Courier New" panose="02070309020205020404" pitchFamily="49" charset="0"/>
+                <a:cs typeface="Courier New" panose="02070309020205020404" pitchFamily="49" charset="0"/>
+              </a:rPr>
+              <a:t> *</a:t>
+            </a:r>
+          </a:p>
+          <a:p>
+            <a:r>
+              <a:rPr lang="en-US" sz="1400" b="1" dirty="0">
+                <a:latin typeface="Courier New" panose="02070309020205020404" pitchFamily="49" charset="0"/>
+                <a:cs typeface="Courier New" panose="02070309020205020404" pitchFamily="49" charset="0"/>
+              </a:rPr>
+              <a:t> * This is inspired by the following Python code</a:t>
+            </a:r>
+          </a:p>
+          <a:p>
+            <a:r>
+              <a:rPr lang="en-US" sz="1400" b="1" dirty="0">
+                <a:latin typeface="Courier New" panose="02070309020205020404" pitchFamily="49" charset="0"/>
+                <a:cs typeface="Courier New" panose="02070309020205020404" pitchFamily="49" charset="0"/>
+              </a:rPr>
+              <a:t> * that creates an iterator from a dictionary:</a:t>
+            </a:r>
+          </a:p>
+          <a:p>
+            <a:r>
+              <a:rPr lang="en-US" sz="1400" b="1" dirty="0">
+                <a:latin typeface="Courier New" panose="02070309020205020404" pitchFamily="49" charset="0"/>
+                <a:cs typeface="Courier New" panose="02070309020205020404" pitchFamily="49" charset="0"/>
+              </a:rPr>
+              <a:t> *</a:t>
+            </a:r>
+          </a:p>
+          <a:p>
+            <a:r>
+              <a:rPr lang="en-US" sz="1400" b="1" dirty="0">
+                <a:latin typeface="Courier New" panose="02070309020205020404" pitchFamily="49" charset="0"/>
+                <a:cs typeface="Courier New" panose="02070309020205020404" pitchFamily="49" charset="0"/>
+              </a:rPr>
+              <a:t> *     x = {'a': 1, 'b': 2, 'c': 3}</a:t>
+            </a:r>
+          </a:p>
+          <a:p>
+            <a:r>
+              <a:rPr lang="en-US" sz="1400" b="1" dirty="0">
+                <a:latin typeface="Courier New" panose="02070309020205020404" pitchFamily="49" charset="0"/>
+                <a:cs typeface="Courier New" panose="02070309020205020404" pitchFamily="49" charset="0"/>
+              </a:rPr>
+              <a:t> *     it = </a:t>
+            </a:r>
+            <a:r>
+              <a:rPr lang="en-US" sz="1400" b="1" dirty="0" err="1">
+                <a:latin typeface="Courier New" panose="02070309020205020404" pitchFamily="49" charset="0"/>
+                <a:cs typeface="Courier New" panose="02070309020205020404" pitchFamily="49" charset="0"/>
+              </a:rPr>
+              <a:t>iter</a:t>
+            </a:r>
+            <a:r>
+              <a:rPr lang="en-US" sz="1400" b="1" dirty="0">
+                <a:latin typeface="Courier New" panose="02070309020205020404" pitchFamily="49" charset="0"/>
+                <a:cs typeface="Courier New" panose="02070309020205020404" pitchFamily="49" charset="0"/>
+              </a:rPr>
+              <a:t>(x)</a:t>
+            </a:r>
+          </a:p>
+          <a:p>
+            <a:r>
+              <a:rPr lang="en-US" sz="1400" b="1" dirty="0">
+                <a:latin typeface="Courier New" panose="02070309020205020404" pitchFamily="49" charset="0"/>
+                <a:cs typeface="Courier New" panose="02070309020205020404" pitchFamily="49" charset="0"/>
+              </a:rPr>
+              <a:t> */</a:t>
+            </a:r>
+          </a:p>
+          <a:p>
+            <a:r>
+              <a:rPr lang="en-US" sz="1400" b="1" dirty="0">
+                <a:latin typeface="Courier New" panose="02070309020205020404" pitchFamily="49" charset="0"/>
+                <a:cs typeface="Courier New" panose="02070309020205020404" pitchFamily="49" charset="0"/>
+              </a:rPr>
+              <a:t>Struct </a:t>
+            </a:r>
+            <a:r>
+              <a:rPr lang="en-US" sz="1400" b="1" dirty="0" err="1">
+                <a:latin typeface="Courier New" panose="02070309020205020404" pitchFamily="49" charset="0"/>
+                <a:cs typeface="Courier New" panose="02070309020205020404" pitchFamily="49" charset="0"/>
+              </a:rPr>
+              <a:t>MapIter</a:t>
+            </a:r>
+            <a:r>
+              <a:rPr lang="en-US" sz="1400" b="1" dirty="0">
+                <a:latin typeface="Courier New" panose="02070309020205020404" pitchFamily="49" charset="0"/>
+                <a:cs typeface="Courier New" panose="02070309020205020404" pitchFamily="49" charset="0"/>
+              </a:rPr>
+              <a:t>* </a:t>
+            </a:r>
+            <a:r>
+              <a:rPr lang="en-US" sz="1400" b="1" dirty="0" err="1">
+                <a:latin typeface="Courier New" panose="02070309020205020404" pitchFamily="49" charset="0"/>
+                <a:cs typeface="Courier New" panose="02070309020205020404" pitchFamily="49" charset="0"/>
+              </a:rPr>
+              <a:t>Map_first</a:t>
+            </a:r>
+            <a:r>
+              <a:rPr lang="en-US" sz="1400" b="1" dirty="0">
+                <a:latin typeface="Courier New" panose="02070309020205020404" pitchFamily="49" charset="0"/>
+                <a:cs typeface="Courier New" panose="02070309020205020404" pitchFamily="49" charset="0"/>
+              </a:rPr>
+              <a:t>(struct Map* self)</a:t>
+            </a:r>
+          </a:p>
+          <a:p>
+            <a:r>
+              <a:rPr lang="en-US" sz="1400" b="1" dirty="0">
+                <a:latin typeface="Courier New" panose="02070309020205020404" pitchFamily="49" charset="0"/>
+                <a:cs typeface="Courier New" panose="02070309020205020404" pitchFamily="49" charset="0"/>
+              </a:rPr>
+              <a:t>{</a:t>
+            </a:r>
+          </a:p>
+          <a:p>
+            <a:r>
+              <a:rPr lang="en-US" sz="1400" b="1" dirty="0">
+                <a:latin typeface="Courier New" panose="02070309020205020404" pitchFamily="49" charset="0"/>
+                <a:cs typeface="Courier New" panose="02070309020205020404" pitchFamily="49" charset="0"/>
+              </a:rPr>
+              <a:t>    struct </a:t>
+            </a:r>
+            <a:r>
+              <a:rPr lang="en-US" sz="1400" b="1" dirty="0" err="1">
+                <a:latin typeface="Courier New" panose="02070309020205020404" pitchFamily="49" charset="0"/>
+                <a:cs typeface="Courier New" panose="02070309020205020404" pitchFamily="49" charset="0"/>
+              </a:rPr>
+              <a:t>MapIter</a:t>
+            </a:r>
+            <a:r>
+              <a:rPr lang="en-US" sz="1400" b="1" dirty="0">
+                <a:latin typeface="Courier New" panose="02070309020205020404" pitchFamily="49" charset="0"/>
+                <a:cs typeface="Courier New" panose="02070309020205020404" pitchFamily="49" charset="0"/>
+              </a:rPr>
+              <a:t> *</a:t>
+            </a:r>
+            <a:r>
+              <a:rPr lang="en-US" sz="1400" b="1" dirty="0" err="1">
+                <a:latin typeface="Courier New" panose="02070309020205020404" pitchFamily="49" charset="0"/>
+                <a:cs typeface="Courier New" panose="02070309020205020404" pitchFamily="49" charset="0"/>
+              </a:rPr>
+              <a:t>iter</a:t>
+            </a:r>
+            <a:r>
+              <a:rPr lang="en-US" sz="1400" b="1" dirty="0">
+                <a:latin typeface="Courier New" panose="02070309020205020404" pitchFamily="49" charset="0"/>
+                <a:cs typeface="Courier New" panose="02070309020205020404" pitchFamily="49" charset="0"/>
+              </a:rPr>
+              <a:t> = malloc(</a:t>
+            </a:r>
+            <a:r>
+              <a:rPr lang="en-US" sz="1400" b="1" dirty="0" err="1">
+                <a:latin typeface="Courier New" panose="02070309020205020404" pitchFamily="49" charset="0"/>
+                <a:cs typeface="Courier New" panose="02070309020205020404" pitchFamily="49" charset="0"/>
+              </a:rPr>
+              <a:t>sizeof</a:t>
+            </a:r>
+            <a:r>
+              <a:rPr lang="en-US" sz="1400" b="1" dirty="0">
+                <a:latin typeface="Courier New" panose="02070309020205020404" pitchFamily="49" charset="0"/>
+                <a:cs typeface="Courier New" panose="02070309020205020404" pitchFamily="49" charset="0"/>
+              </a:rPr>
+              <a:t>(*</a:t>
+            </a:r>
+            <a:r>
+              <a:rPr lang="en-US" sz="1400" b="1" dirty="0" err="1">
+                <a:latin typeface="Courier New" panose="02070309020205020404" pitchFamily="49" charset="0"/>
+                <a:cs typeface="Courier New" panose="02070309020205020404" pitchFamily="49" charset="0"/>
+              </a:rPr>
+              <a:t>iter</a:t>
+            </a:r>
+            <a:r>
+              <a:rPr lang="en-US" sz="1400" b="1" dirty="0">
+                <a:latin typeface="Courier New" panose="02070309020205020404" pitchFamily="49" charset="0"/>
+                <a:cs typeface="Courier New" panose="02070309020205020404" pitchFamily="49" charset="0"/>
+              </a:rPr>
+              <a:t>));</a:t>
+            </a:r>
+          </a:p>
+          <a:p>
+            <a:r>
+              <a:rPr lang="en-US" sz="1400" b="1" dirty="0">
+                <a:latin typeface="Courier New" panose="02070309020205020404" pitchFamily="49" charset="0"/>
+                <a:cs typeface="Courier New" panose="02070309020205020404" pitchFamily="49" charset="0"/>
+              </a:rPr>
+              <a:t>    </a:t>
+            </a:r>
+            <a:r>
+              <a:rPr lang="en-US" sz="1400" b="1" dirty="0" err="1">
+                <a:latin typeface="Courier New" panose="02070309020205020404" pitchFamily="49" charset="0"/>
+                <a:cs typeface="Courier New" panose="02070309020205020404" pitchFamily="49" charset="0"/>
+              </a:rPr>
+              <a:t>iter</a:t>
+            </a:r>
+            <a:r>
+              <a:rPr lang="en-US" sz="1400" b="1" dirty="0">
+                <a:latin typeface="Courier New" panose="02070309020205020404" pitchFamily="49" charset="0"/>
+                <a:cs typeface="Courier New" panose="02070309020205020404" pitchFamily="49" charset="0"/>
+              </a:rPr>
+              <a:t>-&gt;current = self-&gt;head;</a:t>
+            </a:r>
+          </a:p>
+          <a:p>
+            <a:r>
+              <a:rPr lang="en-US" sz="1400" b="1" dirty="0">
+                <a:latin typeface="Courier New" panose="02070309020205020404" pitchFamily="49" charset="0"/>
+                <a:cs typeface="Courier New" panose="02070309020205020404" pitchFamily="49" charset="0"/>
+              </a:rPr>
+              <a:t>    </a:t>
+            </a:r>
+            <a:r>
+              <a:rPr lang="en-US" sz="1400" b="1" dirty="0" err="1">
+                <a:latin typeface="Courier New" panose="02070309020205020404" pitchFamily="49" charset="0"/>
+                <a:cs typeface="Courier New" panose="02070309020205020404" pitchFamily="49" charset="0"/>
+              </a:rPr>
+              <a:t>iter</a:t>
+            </a:r>
+            <a:r>
+              <a:rPr lang="en-US" sz="1400" b="1" dirty="0">
+                <a:latin typeface="Courier New" panose="02070309020205020404" pitchFamily="49" charset="0"/>
+                <a:cs typeface="Courier New" panose="02070309020205020404" pitchFamily="49" charset="0"/>
+              </a:rPr>
+              <a:t>-&gt;reverse = 0;</a:t>
+            </a:r>
+          </a:p>
+          <a:p>
+            <a:r>
+              <a:rPr lang="en-US" sz="1400" b="1" dirty="0">
+                <a:latin typeface="Courier New" panose="02070309020205020404" pitchFamily="49" charset="0"/>
+                <a:cs typeface="Courier New" panose="02070309020205020404" pitchFamily="49" charset="0"/>
+              </a:rPr>
+              <a:t>    </a:t>
+            </a:r>
+            <a:r>
+              <a:rPr lang="en-US" sz="1400" b="1" dirty="0" err="1">
+                <a:latin typeface="Courier New" panose="02070309020205020404" pitchFamily="49" charset="0"/>
+                <a:cs typeface="Courier New" panose="02070309020205020404" pitchFamily="49" charset="0"/>
+              </a:rPr>
+              <a:t>iter</a:t>
+            </a:r>
+            <a:r>
+              <a:rPr lang="en-US" sz="1400" b="1" dirty="0">
+                <a:latin typeface="Courier New" panose="02070309020205020404" pitchFamily="49" charset="0"/>
+                <a:cs typeface="Courier New" panose="02070309020205020404" pitchFamily="49" charset="0"/>
+              </a:rPr>
+              <a:t>-&gt;next = &amp;</a:t>
+            </a:r>
+            <a:r>
+              <a:rPr lang="en-US" sz="1400" b="1" dirty="0" err="1">
+                <a:latin typeface="Courier New" panose="02070309020205020404" pitchFamily="49" charset="0"/>
+                <a:cs typeface="Courier New" panose="02070309020205020404" pitchFamily="49" charset="0"/>
+              </a:rPr>
+              <a:t>MapIter_next</a:t>
+            </a:r>
+            <a:r>
+              <a:rPr lang="en-US" sz="1400" b="1" dirty="0">
+                <a:latin typeface="Courier New" panose="02070309020205020404" pitchFamily="49" charset="0"/>
+                <a:cs typeface="Courier New" panose="02070309020205020404" pitchFamily="49" charset="0"/>
+              </a:rPr>
+              <a:t>;</a:t>
+            </a:r>
+          </a:p>
+          <a:p>
+            <a:r>
+              <a:rPr lang="en-US" sz="1400" b="1" dirty="0">
+                <a:latin typeface="Courier New" panose="02070309020205020404" pitchFamily="49" charset="0"/>
+                <a:cs typeface="Courier New" panose="02070309020205020404" pitchFamily="49" charset="0"/>
+              </a:rPr>
+              <a:t>    </a:t>
+            </a:r>
+            <a:r>
+              <a:rPr lang="en-US" sz="1400" b="1" dirty="0" err="1">
+                <a:latin typeface="Courier New" panose="02070309020205020404" pitchFamily="49" charset="0"/>
+                <a:cs typeface="Courier New" panose="02070309020205020404" pitchFamily="49" charset="0"/>
+              </a:rPr>
+              <a:t>iter</a:t>
+            </a:r>
+            <a:r>
+              <a:rPr lang="en-US" sz="1400" b="1" dirty="0">
+                <a:latin typeface="Courier New" panose="02070309020205020404" pitchFamily="49" charset="0"/>
+                <a:cs typeface="Courier New" panose="02070309020205020404" pitchFamily="49" charset="0"/>
+              </a:rPr>
+              <a:t>-&gt;del = &amp;</a:t>
+            </a:r>
+            <a:r>
+              <a:rPr lang="en-US" sz="1400" b="1" dirty="0" err="1">
+                <a:latin typeface="Courier New" panose="02070309020205020404" pitchFamily="49" charset="0"/>
+                <a:cs typeface="Courier New" panose="02070309020205020404" pitchFamily="49" charset="0"/>
+              </a:rPr>
+              <a:t>MapIter_del</a:t>
+            </a:r>
+            <a:r>
+              <a:rPr lang="en-US" sz="1400" b="1" dirty="0">
+                <a:latin typeface="Courier New" panose="02070309020205020404" pitchFamily="49" charset="0"/>
+                <a:cs typeface="Courier New" panose="02070309020205020404" pitchFamily="49" charset="0"/>
+              </a:rPr>
+              <a:t>;</a:t>
+            </a:r>
+          </a:p>
+          <a:p>
+            <a:r>
+              <a:rPr lang="en-US" sz="1400" b="1" dirty="0">
+                <a:latin typeface="Courier New" panose="02070309020205020404" pitchFamily="49" charset="0"/>
+                <a:cs typeface="Courier New" panose="02070309020205020404" pitchFamily="49" charset="0"/>
+              </a:rPr>
+              <a:t>    return </a:t>
+            </a:r>
+            <a:r>
+              <a:rPr lang="en-US" sz="1400" b="1" dirty="0" err="1">
+                <a:latin typeface="Courier New" panose="02070309020205020404" pitchFamily="49" charset="0"/>
+                <a:cs typeface="Courier New" panose="02070309020205020404" pitchFamily="49" charset="0"/>
+              </a:rPr>
+              <a:t>iter</a:t>
+            </a:r>
+            <a:r>
+              <a:rPr lang="en-US" sz="1400" b="1" dirty="0">
+                <a:latin typeface="Courier New" panose="02070309020205020404" pitchFamily="49" charset="0"/>
+                <a:cs typeface="Courier New" panose="02070309020205020404" pitchFamily="49" charset="0"/>
+              </a:rPr>
+              <a:t>;</a:t>
+            </a:r>
+          </a:p>
+          <a:p>
+            <a:r>
+              <a:rPr lang="en-US" sz="1400" b="1" dirty="0">
+                <a:latin typeface="Courier New" panose="02070309020205020404" pitchFamily="49" charset="0"/>
+                <a:cs typeface="Courier New" panose="02070309020205020404" pitchFamily="49" charset="0"/>
+              </a:rPr>
+              <a:t>}</a:t>
+            </a:r>
+          </a:p>
+          <a:p>
+            <a:endParaRPr lang="en-US" sz="1400" b="1" dirty="0">
+              <a:latin typeface="Courier New" panose="02070309020205020404" pitchFamily="49" charset="0"/>
+              <a:cs typeface="Courier New" panose="02070309020205020404" pitchFamily="49" charset="0"/>
+            </a:endParaRPr>
+          </a:p>
+        </p:txBody>
+      </p:sp>
+      <p:sp>
+        <p:nvSpPr>
+          <p:cNvPr id="6" name="Title 5">
+            <a:extLst>
+              <a:ext uri="{FF2B5EF4-FFF2-40B4-BE49-F238E27FC236}">
+                <a16:creationId xmlns:a16="http://schemas.microsoft.com/office/drawing/2014/main" id="{E4A81157-F1D0-5130-371D-BA8DD965B654}"/>
+              </a:ext>
+            </a:extLst>
+          </p:cNvPr>
+          <p:cNvSpPr>
+            <a:spLocks noGrp="1"/>
+          </p:cNvSpPr>
+          <p:nvPr>
+            <p:ph type="title"/>
+          </p:nvPr>
+        </p:nvSpPr>
+        <p:spPr>
+          <a:xfrm>
+            <a:off x="838200" y="365125"/>
+            <a:ext cx="5257800" cy="1325563"/>
+          </a:xfrm>
+        </p:spPr>
+        <p:txBody>
+          <a:bodyPr/>
+          <a:lstStyle/>
+          <a:p>
+            <a:r>
+              <a:rPr lang="en-US" dirty="0" err="1"/>
+              <a:t>Map_first</a:t>
+            </a:r>
+            <a:r>
+              <a:rPr lang="en-US" dirty="0"/>
+              <a:t>()</a:t>
+            </a:r>
+          </a:p>
+        </p:txBody>
+      </p:sp>
+      <p:sp>
+        <p:nvSpPr>
+          <p:cNvPr id="7" name="Content Placeholder 6">
+            <a:extLst>
+              <a:ext uri="{FF2B5EF4-FFF2-40B4-BE49-F238E27FC236}">
+                <a16:creationId xmlns:a16="http://schemas.microsoft.com/office/drawing/2014/main" id="{4D372547-AA0B-35AD-4AD8-30763CE5DF56}"/>
+              </a:ext>
+            </a:extLst>
+          </p:cNvPr>
+          <p:cNvSpPr>
+            <a:spLocks noGrp="1"/>
+          </p:cNvSpPr>
+          <p:nvPr>
+            <p:ph idx="1"/>
+          </p:nvPr>
+        </p:nvSpPr>
+        <p:spPr>
+          <a:xfrm>
+            <a:off x="838200" y="1825625"/>
+            <a:ext cx="3990474" cy="4351338"/>
+          </a:xfrm>
+        </p:spPr>
+        <p:txBody>
+          <a:bodyPr>
+            <a:normAutofit/>
+          </a:bodyPr>
+          <a:lstStyle/>
+          <a:p>
+            <a:r>
+              <a:rPr lang="en-US" dirty="0" err="1"/>
+              <a:t>ddsds</a:t>
+            </a:r>
+            <a:endParaRPr lang="en-US" dirty="0"/>
+          </a:p>
+        </p:txBody>
+      </p:sp>
+    </p:spTree>
+    <p:extLst>
+      <p:ext uri="{BB962C8B-B14F-4D97-AF65-F5344CB8AC3E}">
+        <p14:creationId xmlns:p14="http://schemas.microsoft.com/office/powerpoint/2010/main" val="2641282898"/>
+      </p:ext>
+    </p:extLst>
+  </p:cSld>
+  <p:clrMapOvr>
+    <a:masterClrMapping/>
+  </p:clrMapOvr>
+</p:sld>
+</file>
+
+<file path=ppt/slides/slide24.xml><?xml version="1.0" encoding="utf-8"?>
+<p:sld xmlns:a="http://schemas.openxmlformats.org/drawingml/2006/main" xmlns:r="http://schemas.openxmlformats.org/officeDocument/2006/relationships" xmlns:p="http://schemas.openxmlformats.org/presentationml/2006/main">
+  <p:cSld>
+    <p:spTree>
+      <p:nvGrpSpPr>
+        <p:cNvPr id="1" name=""/>
+        <p:cNvGrpSpPr/>
+        <p:nvPr/>
+      </p:nvGrpSpPr>
+      <p:grpSpPr>
+        <a:xfrm>
+          <a:off x="0" y="0"/>
+          <a:ext cx="0" cy="0"/>
+          <a:chOff x="0" y="0"/>
+          <a:chExt cx="0" cy="0"/>
+        </a:xfrm>
+      </p:grpSpPr>
+      <p:sp>
+        <p:nvSpPr>
+          <p:cNvPr id="2" name="TextBox 1">
+            <a:extLst>
+              <a:ext uri="{FF2B5EF4-FFF2-40B4-BE49-F238E27FC236}">
+                <a16:creationId xmlns:a16="http://schemas.microsoft.com/office/drawing/2014/main" id="{FEEE943B-F994-FF91-EC9C-3774C1CD2051}"/>
+              </a:ext>
+            </a:extLst>
+          </p:cNvPr>
+          <p:cNvSpPr txBox="1"/>
+          <p:nvPr/>
+        </p:nvSpPr>
+        <p:spPr>
+          <a:xfrm>
+            <a:off x="5934196" y="754814"/>
+            <a:ext cx="5769528" cy="5047536"/>
+          </a:xfrm>
+          <a:prstGeom prst="rect">
+            <a:avLst/>
+          </a:prstGeom>
+          <a:noFill/>
+        </p:spPr>
+        <p:txBody>
+          <a:bodyPr wrap="none" rtlCol="0">
+            <a:spAutoFit/>
+          </a:bodyPr>
+          <a:lstStyle/>
+          <a:p>
+            <a:r>
+              <a:rPr lang="en-US" sz="1400" b="1" dirty="0">
+                <a:latin typeface="Courier New" panose="02070309020205020404" pitchFamily="49" charset="0"/>
+                <a:cs typeface="Courier New" panose="02070309020205020404" pitchFamily="49" charset="0"/>
+              </a:rPr>
+              <a:t>/**</a:t>
+            </a:r>
+          </a:p>
+          <a:p>
+            <a:r>
+              <a:rPr lang="en-US" sz="1400" b="1" dirty="0">
+                <a:latin typeface="Courier New" panose="02070309020205020404" pitchFamily="49" charset="0"/>
+                <a:cs typeface="Courier New" panose="02070309020205020404" pitchFamily="49" charset="0"/>
+              </a:rPr>
+              <a:t> * </a:t>
+            </a:r>
+            <a:r>
+              <a:rPr lang="en-US" sz="1400" b="1" dirty="0" err="1">
+                <a:latin typeface="Courier New" panose="02070309020205020404" pitchFamily="49" charset="0"/>
+                <a:cs typeface="Courier New" panose="02070309020205020404" pitchFamily="49" charset="0"/>
+              </a:rPr>
+              <a:t>MapIter_next</a:t>
+            </a:r>
+            <a:r>
+              <a:rPr lang="en-US" sz="1400" b="1" dirty="0">
+                <a:latin typeface="Courier New" panose="02070309020205020404" pitchFamily="49" charset="0"/>
+                <a:cs typeface="Courier New" panose="02070309020205020404" pitchFamily="49" charset="0"/>
+              </a:rPr>
+              <a:t> - Advance the iterator forwards</a:t>
+            </a:r>
+          </a:p>
+          <a:p>
+            <a:r>
+              <a:rPr lang="en-US" sz="1400" b="1" dirty="0">
+                <a:latin typeface="Courier New" panose="02070309020205020404" pitchFamily="49" charset="0"/>
+                <a:cs typeface="Courier New" panose="02070309020205020404" pitchFamily="49" charset="0"/>
+              </a:rPr>
+              <a:t> * or backwards and return the next item</a:t>
+            </a:r>
+          </a:p>
+          <a:p>
+            <a:r>
+              <a:rPr lang="en-US" sz="1400" b="1" dirty="0">
+                <a:latin typeface="Courier New" panose="02070309020205020404" pitchFamily="49" charset="0"/>
+                <a:cs typeface="Courier New" panose="02070309020205020404" pitchFamily="49" charset="0"/>
+              </a:rPr>
+              <a:t> *</a:t>
+            </a:r>
+          </a:p>
+          <a:p>
+            <a:r>
+              <a:rPr lang="en-US" sz="1400" b="1" dirty="0">
+                <a:latin typeface="Courier New" panose="02070309020205020404" pitchFamily="49" charset="0"/>
+                <a:cs typeface="Courier New" panose="02070309020205020404" pitchFamily="49" charset="0"/>
+              </a:rPr>
+              <a:t> * self - The pointer to the instance of this class.</a:t>
+            </a:r>
+          </a:p>
+          <a:p>
+            <a:r>
+              <a:rPr lang="en-US" sz="1400" b="1" dirty="0">
+                <a:latin typeface="Courier New" panose="02070309020205020404" pitchFamily="49" charset="0"/>
+                <a:cs typeface="Courier New" panose="02070309020205020404" pitchFamily="49" charset="0"/>
+              </a:rPr>
+              <a:t> *</a:t>
+            </a:r>
+          </a:p>
+          <a:p>
+            <a:r>
+              <a:rPr lang="en-US" sz="1400" b="1" dirty="0">
+                <a:latin typeface="Courier New" panose="02070309020205020404" pitchFamily="49" charset="0"/>
+                <a:cs typeface="Courier New" panose="02070309020205020404" pitchFamily="49" charset="0"/>
+              </a:rPr>
+              <a:t> * returns NULL when there are no more entries</a:t>
+            </a:r>
+          </a:p>
+          <a:p>
+            <a:r>
+              <a:rPr lang="en-US" sz="1400" b="1" dirty="0">
+                <a:latin typeface="Courier New" panose="02070309020205020404" pitchFamily="49" charset="0"/>
+                <a:cs typeface="Courier New" panose="02070309020205020404" pitchFamily="49" charset="0"/>
+              </a:rPr>
+              <a:t> *</a:t>
+            </a:r>
+          </a:p>
+          <a:p>
+            <a:r>
+              <a:rPr lang="en-US" sz="1400" b="1" dirty="0">
+                <a:latin typeface="Courier New" panose="02070309020205020404" pitchFamily="49" charset="0"/>
+                <a:cs typeface="Courier New" panose="02070309020205020404" pitchFamily="49" charset="0"/>
+              </a:rPr>
+              <a:t> * This is inspired by the following Python code:</a:t>
+            </a:r>
+          </a:p>
+          <a:p>
+            <a:r>
+              <a:rPr lang="en-US" sz="1400" b="1" dirty="0">
+                <a:latin typeface="Courier New" panose="02070309020205020404" pitchFamily="49" charset="0"/>
+                <a:cs typeface="Courier New" panose="02070309020205020404" pitchFamily="49" charset="0"/>
+              </a:rPr>
+              <a:t> *</a:t>
+            </a:r>
+          </a:p>
+          <a:p>
+            <a:r>
+              <a:rPr lang="en-US" sz="1400" b="1" dirty="0">
+                <a:latin typeface="Courier New" panose="02070309020205020404" pitchFamily="49" charset="0"/>
+                <a:cs typeface="Courier New" panose="02070309020205020404" pitchFamily="49" charset="0"/>
+              </a:rPr>
+              <a:t> *   item = next(iterator, False)</a:t>
+            </a:r>
+          </a:p>
+          <a:p>
+            <a:r>
+              <a:rPr lang="en-US" sz="1400" b="1" dirty="0">
+                <a:latin typeface="Courier New" panose="02070309020205020404" pitchFamily="49" charset="0"/>
+                <a:cs typeface="Courier New" panose="02070309020205020404" pitchFamily="49" charset="0"/>
+              </a:rPr>
+              <a:t> */</a:t>
+            </a:r>
+          </a:p>
+          <a:p>
+            <a:r>
+              <a:rPr lang="en-US" sz="1400" b="1" dirty="0">
+                <a:latin typeface="Courier New" panose="02070309020205020404" pitchFamily="49" charset="0"/>
+                <a:cs typeface="Courier New" panose="02070309020205020404" pitchFamily="49" charset="0"/>
+              </a:rPr>
+              <a:t>struct </a:t>
+            </a:r>
+            <a:r>
+              <a:rPr lang="en-US" sz="1400" b="1" dirty="0" err="1">
+                <a:latin typeface="Courier New" panose="02070309020205020404" pitchFamily="49" charset="0"/>
+                <a:cs typeface="Courier New" panose="02070309020205020404" pitchFamily="49" charset="0"/>
+              </a:rPr>
+              <a:t>MapEntry</a:t>
+            </a:r>
+            <a:r>
+              <a:rPr lang="en-US" sz="1400" b="1" dirty="0">
+                <a:latin typeface="Courier New" panose="02070309020205020404" pitchFamily="49" charset="0"/>
+                <a:cs typeface="Courier New" panose="02070309020205020404" pitchFamily="49" charset="0"/>
+              </a:rPr>
+              <a:t>* </a:t>
+            </a:r>
+            <a:r>
+              <a:rPr lang="en-US" sz="1400" b="1" dirty="0" err="1">
+                <a:latin typeface="Courier New" panose="02070309020205020404" pitchFamily="49" charset="0"/>
+                <a:cs typeface="Courier New" panose="02070309020205020404" pitchFamily="49" charset="0"/>
+              </a:rPr>
+              <a:t>MapIter_next</a:t>
+            </a:r>
+            <a:r>
+              <a:rPr lang="en-US" sz="1400" b="1" dirty="0">
+                <a:latin typeface="Courier New" panose="02070309020205020404" pitchFamily="49" charset="0"/>
+                <a:cs typeface="Courier New" panose="02070309020205020404" pitchFamily="49" charset="0"/>
+              </a:rPr>
+              <a:t>(struct </a:t>
+            </a:r>
+            <a:r>
+              <a:rPr lang="en-US" sz="1400" b="1" dirty="0" err="1">
+                <a:latin typeface="Courier New" panose="02070309020205020404" pitchFamily="49" charset="0"/>
+                <a:cs typeface="Courier New" panose="02070309020205020404" pitchFamily="49" charset="0"/>
+              </a:rPr>
+              <a:t>MapIter</a:t>
+            </a:r>
+            <a:r>
+              <a:rPr lang="en-US" sz="1400" b="1" dirty="0">
+                <a:latin typeface="Courier New" panose="02070309020205020404" pitchFamily="49" charset="0"/>
+                <a:cs typeface="Courier New" panose="02070309020205020404" pitchFamily="49" charset="0"/>
+              </a:rPr>
+              <a:t>* self)</a:t>
+            </a:r>
+          </a:p>
+          <a:p>
+            <a:r>
+              <a:rPr lang="en-US" sz="1400" b="1" dirty="0">
+                <a:latin typeface="Courier New" panose="02070309020205020404" pitchFamily="49" charset="0"/>
+                <a:cs typeface="Courier New" panose="02070309020205020404" pitchFamily="49" charset="0"/>
+              </a:rPr>
+              <a:t>{</a:t>
+            </a:r>
+          </a:p>
+          <a:p>
+            <a:r>
+              <a:rPr lang="en-US" sz="1400" b="1" dirty="0">
+                <a:latin typeface="Courier New" panose="02070309020205020404" pitchFamily="49" charset="0"/>
+                <a:cs typeface="Courier New" panose="02070309020205020404" pitchFamily="49" charset="0"/>
+              </a:rPr>
+              <a:t>    if ( self-&gt;current == NULL) return NULL;</a:t>
+            </a:r>
+          </a:p>
+          <a:p>
+            <a:r>
+              <a:rPr lang="en-US" sz="1400" b="1" dirty="0">
+                <a:latin typeface="Courier New" panose="02070309020205020404" pitchFamily="49" charset="0"/>
+                <a:cs typeface="Courier New" panose="02070309020205020404" pitchFamily="49" charset="0"/>
+              </a:rPr>
+              <a:t>    if ( self-&gt;reverse == 0 ) {</a:t>
+            </a:r>
+          </a:p>
+          <a:p>
+            <a:r>
+              <a:rPr lang="en-US" sz="1400" b="1" dirty="0">
+                <a:latin typeface="Courier New" panose="02070309020205020404" pitchFamily="49" charset="0"/>
+                <a:cs typeface="Courier New" panose="02070309020205020404" pitchFamily="49" charset="0"/>
+              </a:rPr>
+              <a:t>        self-&gt;current = self-&gt;current-&gt;next;</a:t>
+            </a:r>
+          </a:p>
+          <a:p>
+            <a:r>
+              <a:rPr lang="en-US" sz="1400" b="1" dirty="0">
+                <a:latin typeface="Courier New" panose="02070309020205020404" pitchFamily="49" charset="0"/>
+                <a:cs typeface="Courier New" panose="02070309020205020404" pitchFamily="49" charset="0"/>
+              </a:rPr>
+              <a:t>    } else {</a:t>
+            </a:r>
+          </a:p>
+          <a:p>
+            <a:r>
+              <a:rPr lang="en-US" sz="1400" b="1" dirty="0">
+                <a:latin typeface="Courier New" panose="02070309020205020404" pitchFamily="49" charset="0"/>
+                <a:cs typeface="Courier New" panose="02070309020205020404" pitchFamily="49" charset="0"/>
+              </a:rPr>
+              <a:t>        self-&gt;current = self-&gt;current-&gt;</a:t>
+            </a:r>
+            <a:r>
+              <a:rPr lang="en-US" sz="1400" b="1" dirty="0" err="1">
+                <a:latin typeface="Courier New" panose="02070309020205020404" pitchFamily="49" charset="0"/>
+                <a:cs typeface="Courier New" panose="02070309020205020404" pitchFamily="49" charset="0"/>
+              </a:rPr>
+              <a:t>prev</a:t>
+            </a:r>
+            <a:r>
+              <a:rPr lang="en-US" sz="1400" b="1" dirty="0">
+                <a:latin typeface="Courier New" panose="02070309020205020404" pitchFamily="49" charset="0"/>
+                <a:cs typeface="Courier New" panose="02070309020205020404" pitchFamily="49" charset="0"/>
+              </a:rPr>
+              <a:t>;</a:t>
+            </a:r>
+          </a:p>
+          <a:p>
+            <a:r>
+              <a:rPr lang="en-US" sz="1400" b="1" dirty="0">
+                <a:latin typeface="Courier New" panose="02070309020205020404" pitchFamily="49" charset="0"/>
+                <a:cs typeface="Courier New" panose="02070309020205020404" pitchFamily="49" charset="0"/>
+              </a:rPr>
+              <a:t>    }</a:t>
+            </a:r>
+          </a:p>
+          <a:p>
+            <a:endParaRPr lang="en-US" sz="1400" b="1" dirty="0">
+              <a:latin typeface="Courier New" panose="02070309020205020404" pitchFamily="49" charset="0"/>
+              <a:cs typeface="Courier New" panose="02070309020205020404" pitchFamily="49" charset="0"/>
+            </a:endParaRPr>
+          </a:p>
+          <a:p>
+            <a:r>
+              <a:rPr lang="en-US" sz="1400" b="1" dirty="0">
+                <a:latin typeface="Courier New" panose="02070309020205020404" pitchFamily="49" charset="0"/>
+                <a:cs typeface="Courier New" panose="02070309020205020404" pitchFamily="49" charset="0"/>
+              </a:rPr>
+              <a:t>    return self-&gt;current;</a:t>
+            </a:r>
+          </a:p>
+          <a:p>
+            <a:r>
+              <a:rPr lang="en-US" sz="1400" b="1" dirty="0">
+                <a:latin typeface="Courier New" panose="02070309020205020404" pitchFamily="49" charset="0"/>
+                <a:cs typeface="Courier New" panose="02070309020205020404" pitchFamily="49" charset="0"/>
+              </a:rPr>
+              <a:t>}</a:t>
+            </a:r>
+          </a:p>
+        </p:txBody>
+      </p:sp>
+      <p:sp>
+        <p:nvSpPr>
+          <p:cNvPr id="6" name="Title 5">
+            <a:extLst>
+              <a:ext uri="{FF2B5EF4-FFF2-40B4-BE49-F238E27FC236}">
+                <a16:creationId xmlns:a16="http://schemas.microsoft.com/office/drawing/2014/main" id="{E4A81157-F1D0-5130-371D-BA8DD965B654}"/>
+              </a:ext>
+            </a:extLst>
+          </p:cNvPr>
+          <p:cNvSpPr>
+            <a:spLocks noGrp="1"/>
+          </p:cNvSpPr>
+          <p:nvPr>
+            <p:ph type="title"/>
+          </p:nvPr>
+        </p:nvSpPr>
+        <p:spPr>
+          <a:xfrm>
+            <a:off x="838200" y="365125"/>
+            <a:ext cx="5257800" cy="1325563"/>
+          </a:xfrm>
+        </p:spPr>
+        <p:txBody>
+          <a:bodyPr/>
+          <a:lstStyle/>
+          <a:p>
+            <a:r>
+              <a:rPr lang="en-US" dirty="0" err="1"/>
+              <a:t>MapIter_next</a:t>
+            </a:r>
+            <a:r>
+              <a:rPr lang="en-US" dirty="0"/>
+              <a:t>()</a:t>
+            </a:r>
+          </a:p>
+        </p:txBody>
+      </p:sp>
+      <p:sp>
+        <p:nvSpPr>
+          <p:cNvPr id="7" name="Content Placeholder 6">
+            <a:extLst>
+              <a:ext uri="{FF2B5EF4-FFF2-40B4-BE49-F238E27FC236}">
+                <a16:creationId xmlns:a16="http://schemas.microsoft.com/office/drawing/2014/main" id="{4D372547-AA0B-35AD-4AD8-30763CE5DF56}"/>
+              </a:ext>
+            </a:extLst>
+          </p:cNvPr>
+          <p:cNvSpPr>
+            <a:spLocks noGrp="1"/>
+          </p:cNvSpPr>
+          <p:nvPr>
+            <p:ph idx="1"/>
+          </p:nvPr>
+        </p:nvSpPr>
+        <p:spPr>
+          <a:xfrm>
+            <a:off x="838200" y="1825625"/>
+            <a:ext cx="3990474" cy="4351338"/>
+          </a:xfrm>
+        </p:spPr>
+        <p:txBody>
+          <a:bodyPr>
+            <a:normAutofit/>
+          </a:bodyPr>
+          <a:lstStyle/>
+          <a:p>
+            <a:r>
+              <a:rPr lang="en-US" dirty="0"/>
+              <a:t>This is a method in the Map Iterator</a:t>
+            </a:r>
+          </a:p>
+        </p:txBody>
+      </p:sp>
+    </p:spTree>
+    <p:extLst>
+      <p:ext uri="{BB962C8B-B14F-4D97-AF65-F5344CB8AC3E}">
+        <p14:creationId xmlns:p14="http://schemas.microsoft.com/office/powerpoint/2010/main" val="1893991071"/>
+      </p:ext>
+    </p:extLst>
+  </p:cSld>
+  <p:clrMapOvr>
+    <a:masterClrMapping/>
+  </p:clrMapOvr>
+</p:sld>
+</file>
+
+<file path=ppt/slides/slide25.xml><?xml version="1.0" encoding="utf-8"?>
+<p:sld xmlns:a="http://schemas.openxmlformats.org/drawingml/2006/main" xmlns:r="http://schemas.openxmlformats.org/officeDocument/2006/relationships" xmlns:p="http://schemas.openxmlformats.org/presentationml/2006/main">
+  <p:cSld>
+    <p:spTree>
+      <p:nvGrpSpPr>
+        <p:cNvPr id="1" name=""/>
+        <p:cNvGrpSpPr/>
+        <p:nvPr/>
+      </p:nvGrpSpPr>
+      <p:grpSpPr>
+        <a:xfrm>
+          <a:off x="0" y="0"/>
+          <a:ext cx="0" cy="0"/>
+          <a:chOff x="0" y="0"/>
+          <a:chExt cx="0" cy="0"/>
+        </a:xfrm>
+      </p:grpSpPr>
+      <p:sp>
+        <p:nvSpPr>
+          <p:cNvPr id="2" name="TextBox 1">
+            <a:extLst>
+              <a:ext uri="{FF2B5EF4-FFF2-40B4-BE49-F238E27FC236}">
+                <a16:creationId xmlns:a16="http://schemas.microsoft.com/office/drawing/2014/main" id="{FEEE943B-F994-FF91-EC9C-3774C1CD2051}"/>
+              </a:ext>
+            </a:extLst>
+          </p:cNvPr>
+          <p:cNvSpPr txBox="1"/>
+          <p:nvPr/>
+        </p:nvSpPr>
+        <p:spPr>
+          <a:xfrm>
+            <a:off x="6096000" y="782747"/>
+            <a:ext cx="5447325" cy="1815882"/>
+          </a:xfrm>
+          <a:prstGeom prst="rect">
+            <a:avLst/>
+          </a:prstGeom>
+          <a:noFill/>
+        </p:spPr>
+        <p:txBody>
+          <a:bodyPr wrap="none" rtlCol="0">
+            <a:spAutoFit/>
+          </a:bodyPr>
+          <a:lstStyle/>
+          <a:p>
+            <a:r>
+              <a:rPr lang="en-US" sz="1400" b="1" dirty="0">
+                <a:latin typeface="Courier New" panose="02070309020205020404" pitchFamily="49" charset="0"/>
+                <a:cs typeface="Courier New" panose="02070309020205020404" pitchFamily="49" charset="0"/>
+              </a:rPr>
+              <a:t>    </a:t>
+            </a:r>
+            <a:r>
+              <a:rPr lang="en-US" sz="1400" b="1" dirty="0" err="1">
+                <a:latin typeface="Courier New" panose="02070309020205020404" pitchFamily="49" charset="0"/>
+                <a:cs typeface="Courier New" panose="02070309020205020404" pitchFamily="49" charset="0"/>
+              </a:rPr>
+              <a:t>printf</a:t>
+            </a:r>
+            <a:r>
+              <a:rPr lang="en-US" sz="1400" b="1" dirty="0">
+                <a:latin typeface="Courier New" panose="02070309020205020404" pitchFamily="49" charset="0"/>
+                <a:cs typeface="Courier New" panose="02070309020205020404" pitchFamily="49" charset="0"/>
+              </a:rPr>
+              <a:t>("\</a:t>
+            </a:r>
+            <a:r>
+              <a:rPr lang="en-US" sz="1400" b="1" dirty="0" err="1">
+                <a:latin typeface="Courier New" panose="02070309020205020404" pitchFamily="49" charset="0"/>
+                <a:cs typeface="Courier New" panose="02070309020205020404" pitchFamily="49" charset="0"/>
+              </a:rPr>
+              <a:t>nIterate</a:t>
+            </a:r>
+            <a:r>
+              <a:rPr lang="en-US" sz="1400" b="1" dirty="0">
+                <a:latin typeface="Courier New" panose="02070309020205020404" pitchFamily="49" charset="0"/>
+                <a:cs typeface="Courier New" panose="02070309020205020404" pitchFamily="49" charset="0"/>
+              </a:rPr>
+              <a:t> forwards\n");</a:t>
+            </a:r>
+          </a:p>
+          <a:p>
+            <a:r>
+              <a:rPr lang="en-US" sz="1400" b="1" dirty="0">
+                <a:latin typeface="Courier New" panose="02070309020205020404" pitchFamily="49" charset="0"/>
+                <a:cs typeface="Courier New" panose="02070309020205020404" pitchFamily="49" charset="0"/>
+              </a:rPr>
+              <a:t>    </a:t>
+            </a:r>
+            <a:r>
+              <a:rPr lang="en-US" sz="1400" b="1" dirty="0" err="1">
+                <a:latin typeface="Courier New" panose="02070309020205020404" pitchFamily="49" charset="0"/>
+                <a:cs typeface="Courier New" panose="02070309020205020404" pitchFamily="49" charset="0"/>
+              </a:rPr>
+              <a:t>iter</a:t>
+            </a:r>
+            <a:r>
+              <a:rPr lang="en-US" sz="1400" b="1" dirty="0">
+                <a:latin typeface="Courier New" panose="02070309020205020404" pitchFamily="49" charset="0"/>
+                <a:cs typeface="Courier New" panose="02070309020205020404" pitchFamily="49" charset="0"/>
+              </a:rPr>
+              <a:t> = map-&gt;first(map);</a:t>
+            </a:r>
+          </a:p>
+          <a:p>
+            <a:r>
+              <a:rPr lang="en-US" sz="1400" b="1" dirty="0">
+                <a:latin typeface="Courier New" panose="02070309020205020404" pitchFamily="49" charset="0"/>
+                <a:cs typeface="Courier New" panose="02070309020205020404" pitchFamily="49" charset="0"/>
+              </a:rPr>
+              <a:t>    while(1) {</a:t>
+            </a:r>
+          </a:p>
+          <a:p>
+            <a:r>
+              <a:rPr lang="en-US" sz="1400" b="1" dirty="0">
+                <a:latin typeface="Courier New" panose="02070309020205020404" pitchFamily="49" charset="0"/>
+                <a:cs typeface="Courier New" panose="02070309020205020404" pitchFamily="49" charset="0"/>
+              </a:rPr>
+              <a:t>        cur = </a:t>
+            </a:r>
+            <a:r>
+              <a:rPr lang="en-US" sz="1400" b="1" dirty="0" err="1">
+                <a:latin typeface="Courier New" panose="02070309020205020404" pitchFamily="49" charset="0"/>
+                <a:cs typeface="Courier New" panose="02070309020205020404" pitchFamily="49" charset="0"/>
+              </a:rPr>
+              <a:t>iter</a:t>
+            </a:r>
+            <a:r>
+              <a:rPr lang="en-US" sz="1400" b="1" dirty="0">
+                <a:latin typeface="Courier New" panose="02070309020205020404" pitchFamily="49" charset="0"/>
+                <a:cs typeface="Courier New" panose="02070309020205020404" pitchFamily="49" charset="0"/>
+              </a:rPr>
+              <a:t>-&gt;next(</a:t>
+            </a:r>
+            <a:r>
+              <a:rPr lang="en-US" sz="1400" b="1" dirty="0" err="1">
+                <a:latin typeface="Courier New" panose="02070309020205020404" pitchFamily="49" charset="0"/>
+                <a:cs typeface="Courier New" panose="02070309020205020404" pitchFamily="49" charset="0"/>
+              </a:rPr>
+              <a:t>iter</a:t>
+            </a:r>
+            <a:r>
+              <a:rPr lang="en-US" sz="1400" b="1" dirty="0">
+                <a:latin typeface="Courier New" panose="02070309020205020404" pitchFamily="49" charset="0"/>
+                <a:cs typeface="Courier New" panose="02070309020205020404" pitchFamily="49" charset="0"/>
+              </a:rPr>
+              <a:t>);</a:t>
+            </a:r>
+          </a:p>
+          <a:p>
+            <a:r>
+              <a:rPr lang="en-US" sz="1400" b="1" dirty="0">
+                <a:latin typeface="Courier New" panose="02070309020205020404" pitchFamily="49" charset="0"/>
+                <a:cs typeface="Courier New" panose="02070309020205020404" pitchFamily="49" charset="0"/>
+              </a:rPr>
+              <a:t>        if ( cur == NULL ) break;</a:t>
+            </a:r>
+          </a:p>
+          <a:p>
+            <a:r>
+              <a:rPr lang="en-US" sz="1400" b="1" dirty="0">
+                <a:latin typeface="Courier New" panose="02070309020205020404" pitchFamily="49" charset="0"/>
+                <a:cs typeface="Courier New" panose="02070309020205020404" pitchFamily="49" charset="0"/>
+              </a:rPr>
+              <a:t>        </a:t>
+            </a:r>
+            <a:r>
+              <a:rPr lang="en-US" sz="1400" b="1" dirty="0" err="1">
+                <a:latin typeface="Courier New" panose="02070309020205020404" pitchFamily="49" charset="0"/>
+                <a:cs typeface="Courier New" panose="02070309020205020404" pitchFamily="49" charset="0"/>
+              </a:rPr>
+              <a:t>printf</a:t>
+            </a:r>
+            <a:r>
+              <a:rPr lang="en-US" sz="1400" b="1" dirty="0">
+                <a:latin typeface="Courier New" panose="02070309020205020404" pitchFamily="49" charset="0"/>
+                <a:cs typeface="Courier New" panose="02070309020205020404" pitchFamily="49" charset="0"/>
+              </a:rPr>
+              <a:t>(" %s=%d\n", cur-&gt;key, cur-&gt;value);</a:t>
+            </a:r>
+          </a:p>
+          <a:p>
+            <a:r>
+              <a:rPr lang="en-US" sz="1400" b="1" dirty="0">
+                <a:latin typeface="Courier New" panose="02070309020205020404" pitchFamily="49" charset="0"/>
+                <a:cs typeface="Courier New" panose="02070309020205020404" pitchFamily="49" charset="0"/>
+              </a:rPr>
+              <a:t>    }</a:t>
+            </a:r>
+          </a:p>
+          <a:p>
+            <a:r>
+              <a:rPr lang="en-US" sz="1400" b="1" dirty="0">
+                <a:latin typeface="Courier New" panose="02070309020205020404" pitchFamily="49" charset="0"/>
+                <a:cs typeface="Courier New" panose="02070309020205020404" pitchFamily="49" charset="0"/>
+              </a:rPr>
+              <a:t>    </a:t>
+            </a:r>
+            <a:r>
+              <a:rPr lang="en-US" sz="1400" b="1" dirty="0" err="1">
+                <a:latin typeface="Courier New" panose="02070309020205020404" pitchFamily="49" charset="0"/>
+                <a:cs typeface="Courier New" panose="02070309020205020404" pitchFamily="49" charset="0"/>
+              </a:rPr>
+              <a:t>iter</a:t>
+            </a:r>
+            <a:r>
+              <a:rPr lang="en-US" sz="1400" b="1" dirty="0">
+                <a:latin typeface="Courier New" panose="02070309020205020404" pitchFamily="49" charset="0"/>
+                <a:cs typeface="Courier New" panose="02070309020205020404" pitchFamily="49" charset="0"/>
+              </a:rPr>
+              <a:t>-&gt;del(</a:t>
+            </a:r>
+            <a:r>
+              <a:rPr lang="en-US" sz="1400" b="1" dirty="0" err="1">
+                <a:latin typeface="Courier New" panose="02070309020205020404" pitchFamily="49" charset="0"/>
+                <a:cs typeface="Courier New" panose="02070309020205020404" pitchFamily="49" charset="0"/>
+              </a:rPr>
+              <a:t>iter</a:t>
+            </a:r>
+            <a:r>
+              <a:rPr lang="en-US" sz="1400" b="1" dirty="0">
+                <a:latin typeface="Courier New" panose="02070309020205020404" pitchFamily="49" charset="0"/>
+                <a:cs typeface="Courier New" panose="02070309020205020404" pitchFamily="49" charset="0"/>
+              </a:rPr>
+              <a:t>);</a:t>
+            </a:r>
+          </a:p>
+        </p:txBody>
+      </p:sp>
+      <p:sp>
+        <p:nvSpPr>
+          <p:cNvPr id="6" name="Title 5">
+            <a:extLst>
+              <a:ext uri="{FF2B5EF4-FFF2-40B4-BE49-F238E27FC236}">
+                <a16:creationId xmlns:a16="http://schemas.microsoft.com/office/drawing/2014/main" id="{E4A81157-F1D0-5130-371D-BA8DD965B654}"/>
+              </a:ext>
+            </a:extLst>
+          </p:cNvPr>
+          <p:cNvSpPr>
+            <a:spLocks noGrp="1"/>
+          </p:cNvSpPr>
+          <p:nvPr>
+            <p:ph type="title"/>
+          </p:nvPr>
+        </p:nvSpPr>
+        <p:spPr>
+          <a:xfrm>
+            <a:off x="838200" y="365125"/>
+            <a:ext cx="5257800" cy="1325563"/>
+          </a:xfrm>
+        </p:spPr>
+        <p:txBody>
+          <a:bodyPr/>
+          <a:lstStyle/>
+          <a:p>
+            <a:r>
+              <a:rPr lang="en-US" dirty="0"/>
+              <a:t>Using an iterator</a:t>
+            </a:r>
+          </a:p>
+        </p:txBody>
+      </p:sp>
+      <p:sp>
+        <p:nvSpPr>
+          <p:cNvPr id="7" name="Content Placeholder 6">
+            <a:extLst>
+              <a:ext uri="{FF2B5EF4-FFF2-40B4-BE49-F238E27FC236}">
+                <a16:creationId xmlns:a16="http://schemas.microsoft.com/office/drawing/2014/main" id="{4D372547-AA0B-35AD-4AD8-30763CE5DF56}"/>
+              </a:ext>
+            </a:extLst>
+          </p:cNvPr>
+          <p:cNvSpPr>
+            <a:spLocks noGrp="1"/>
+          </p:cNvSpPr>
+          <p:nvPr>
+            <p:ph idx="1"/>
+          </p:nvPr>
+        </p:nvSpPr>
+        <p:spPr>
+          <a:xfrm>
+            <a:off x="838200" y="1825625"/>
+            <a:ext cx="3990474" cy="4351338"/>
+          </a:xfrm>
+        </p:spPr>
+        <p:txBody>
+          <a:bodyPr>
+            <a:normAutofit/>
+          </a:bodyPr>
+          <a:lstStyle/>
+          <a:p>
+            <a:r>
+              <a:rPr lang="en-US" dirty="0"/>
+              <a:t>You create the iterator</a:t>
+            </a:r>
+          </a:p>
+          <a:p>
+            <a:r>
+              <a:rPr lang="en-US" dirty="0"/>
+              <a:t>Then in a loop, you call next() to get each successive entry in the map, until you exhaust the entries</a:t>
+            </a:r>
+          </a:p>
+        </p:txBody>
+      </p:sp>
+      <p:sp>
+        <p:nvSpPr>
+          <p:cNvPr id="3" name="TextBox 2">
+            <a:extLst>
+              <a:ext uri="{FF2B5EF4-FFF2-40B4-BE49-F238E27FC236}">
+                <a16:creationId xmlns:a16="http://schemas.microsoft.com/office/drawing/2014/main" id="{DDC26851-7477-FC07-9936-D980EC9B2423}"/>
+              </a:ext>
+            </a:extLst>
+          </p:cNvPr>
+          <p:cNvSpPr txBox="1"/>
+          <p:nvPr/>
+        </p:nvSpPr>
+        <p:spPr>
+          <a:xfrm>
+            <a:off x="6559838" y="3668588"/>
+            <a:ext cx="3191899" cy="1600438"/>
+          </a:xfrm>
+          <a:prstGeom prst="rect">
+            <a:avLst/>
+          </a:prstGeom>
+          <a:noFill/>
+        </p:spPr>
+        <p:txBody>
+          <a:bodyPr wrap="none" rtlCol="0">
+            <a:spAutoFit/>
+          </a:bodyPr>
+          <a:lstStyle/>
+          <a:p>
+            <a:r>
+              <a:rPr lang="en-US" sz="1400" b="1" dirty="0">
+                <a:latin typeface="Courier New" panose="02070309020205020404" pitchFamily="49" charset="0"/>
+                <a:cs typeface="Courier New" panose="02070309020205020404" pitchFamily="49" charset="0"/>
+              </a:rPr>
+              <a:t>x = {'a': 1, 'b': 2, 'c': 3}</a:t>
+            </a:r>
+          </a:p>
+          <a:p>
+            <a:endParaRPr lang="en-US" sz="1400" b="1" dirty="0">
+              <a:latin typeface="Courier New" panose="02070309020205020404" pitchFamily="49" charset="0"/>
+              <a:cs typeface="Courier New" panose="02070309020205020404" pitchFamily="49" charset="0"/>
+            </a:endParaRPr>
+          </a:p>
+          <a:p>
+            <a:r>
+              <a:rPr lang="en-US" sz="1400" b="1" dirty="0">
+                <a:latin typeface="Courier New" panose="02070309020205020404" pitchFamily="49" charset="0"/>
+                <a:cs typeface="Courier New" panose="02070309020205020404" pitchFamily="49" charset="0"/>
+              </a:rPr>
+              <a:t>it = </a:t>
+            </a:r>
+            <a:r>
+              <a:rPr lang="en-US" sz="1400" b="1" dirty="0" err="1">
+                <a:latin typeface="Courier New" panose="02070309020205020404" pitchFamily="49" charset="0"/>
+                <a:cs typeface="Courier New" panose="02070309020205020404" pitchFamily="49" charset="0"/>
+              </a:rPr>
+              <a:t>iter</a:t>
+            </a:r>
+            <a:r>
+              <a:rPr lang="en-US" sz="1400" b="1" dirty="0">
+                <a:latin typeface="Courier New" panose="02070309020205020404" pitchFamily="49" charset="0"/>
+                <a:cs typeface="Courier New" panose="02070309020205020404" pitchFamily="49" charset="0"/>
+              </a:rPr>
+              <a:t>(x)</a:t>
+            </a:r>
+          </a:p>
+          <a:p>
+            <a:r>
+              <a:rPr lang="en-US" sz="1400" b="1" dirty="0">
+                <a:latin typeface="Courier New" panose="02070309020205020404" pitchFamily="49" charset="0"/>
+                <a:cs typeface="Courier New" panose="02070309020205020404" pitchFamily="49" charset="0"/>
+              </a:rPr>
+              <a:t>while True :</a:t>
+            </a:r>
+          </a:p>
+          <a:p>
+            <a:r>
+              <a:rPr lang="en-US" sz="1400" b="1" dirty="0">
+                <a:latin typeface="Courier New" panose="02070309020205020404" pitchFamily="49" charset="0"/>
+                <a:cs typeface="Courier New" panose="02070309020205020404" pitchFamily="49" charset="0"/>
+              </a:rPr>
+              <a:t>    item = next(it, False)</a:t>
+            </a:r>
+          </a:p>
+          <a:p>
+            <a:r>
+              <a:rPr lang="en-US" sz="1400" b="1" dirty="0">
+                <a:latin typeface="Courier New" panose="02070309020205020404" pitchFamily="49" charset="0"/>
+                <a:cs typeface="Courier New" panose="02070309020205020404" pitchFamily="49" charset="0"/>
+              </a:rPr>
+              <a:t>    if item is False : break</a:t>
+            </a:r>
+          </a:p>
+          <a:p>
+            <a:r>
+              <a:rPr lang="en-US" sz="1400" b="1" dirty="0">
+                <a:latin typeface="Courier New" panose="02070309020205020404" pitchFamily="49" charset="0"/>
+                <a:cs typeface="Courier New" panose="02070309020205020404" pitchFamily="49" charset="0"/>
+              </a:rPr>
+              <a:t>    print('item is', item)</a:t>
+            </a:r>
+          </a:p>
+        </p:txBody>
+      </p:sp>
+      <p:sp>
+        <p:nvSpPr>
+          <p:cNvPr id="4" name="TextBox 3">
+            <a:extLst>
+              <a:ext uri="{FF2B5EF4-FFF2-40B4-BE49-F238E27FC236}">
+                <a16:creationId xmlns:a16="http://schemas.microsoft.com/office/drawing/2014/main" id="{FBB935DF-B845-2B5C-BCFD-2516C9D6766D}"/>
+              </a:ext>
+            </a:extLst>
+          </p:cNvPr>
+          <p:cNvSpPr txBox="1"/>
+          <p:nvPr/>
+        </p:nvSpPr>
+        <p:spPr>
+          <a:xfrm>
+            <a:off x="10463350" y="6338986"/>
+            <a:ext cx="1665696" cy="307777"/>
+          </a:xfrm>
+          <a:prstGeom prst="rect">
+            <a:avLst/>
+          </a:prstGeom>
+          <a:noFill/>
+        </p:spPr>
+        <p:txBody>
+          <a:bodyPr wrap="square">
+            <a:spAutoFit/>
+          </a:bodyPr>
+          <a:lstStyle/>
+          <a:p>
+            <a:r>
+              <a:rPr lang="en-US" sz="1400" b="1" dirty="0">
+                <a:solidFill>
+                  <a:srgbClr val="000000"/>
+                </a:solidFill>
+                <a:latin typeface="Menlo" panose="020B0609030804020204" pitchFamily="49" charset="0"/>
+              </a:rPr>
+              <a:t>cc_04_02.py</a:t>
+            </a:r>
+          </a:p>
+        </p:txBody>
+      </p:sp>
+    </p:spTree>
+    <p:extLst>
+      <p:ext uri="{BB962C8B-B14F-4D97-AF65-F5344CB8AC3E}">
+        <p14:creationId xmlns:p14="http://schemas.microsoft.com/office/powerpoint/2010/main" val="2686823203"/>
+      </p:ext>
+    </p:extLst>
+  </p:cSld>
+  <p:clrMapOvr>
+    <a:masterClrMapping/>
+  </p:clrMapOvr>
+</p:sld>
+</file>
+
+<file path=ppt/slides/slide26.xml><?xml version="1.0" encoding="utf-8"?>
+<p:sld xmlns:a="http://schemas.openxmlformats.org/drawingml/2006/main" xmlns:r="http://schemas.openxmlformats.org/officeDocument/2006/relationships" xmlns:p="http://schemas.openxmlformats.org/presentationml/2006/main">
+  <p:cSld>
+    <p:spTree>
+      <p:nvGrpSpPr>
+        <p:cNvPr id="1" name=""/>
+        <p:cNvGrpSpPr/>
+        <p:nvPr/>
+      </p:nvGrpSpPr>
+      <p:grpSpPr>
+        <a:xfrm>
+          <a:off x="0" y="0"/>
+          <a:ext cx="0" cy="0"/>
+          <a:chOff x="0" y="0"/>
+          <a:chExt cx="0" cy="0"/>
+        </a:xfrm>
+      </p:grpSpPr>
+      <p:sp>
+        <p:nvSpPr>
+          <p:cNvPr id="2" name="TextBox 1">
+            <a:extLst>
+              <a:ext uri="{FF2B5EF4-FFF2-40B4-BE49-F238E27FC236}">
+                <a16:creationId xmlns:a16="http://schemas.microsoft.com/office/drawing/2014/main" id="{FEEE943B-F994-FF91-EC9C-3774C1CD2051}"/>
+              </a:ext>
+            </a:extLst>
+          </p:cNvPr>
+          <p:cNvSpPr txBox="1"/>
+          <p:nvPr/>
+        </p:nvSpPr>
+        <p:spPr>
+          <a:xfrm>
+            <a:off x="5922165" y="797510"/>
+            <a:ext cx="5769528" cy="3754874"/>
+          </a:xfrm>
+          <a:prstGeom prst="rect">
+            <a:avLst/>
+          </a:prstGeom>
+          <a:noFill/>
+        </p:spPr>
+        <p:txBody>
+          <a:bodyPr wrap="none" rtlCol="0">
+            <a:spAutoFit/>
+          </a:bodyPr>
+          <a:lstStyle/>
+          <a:p>
+            <a:r>
+              <a:rPr lang="en-US" sz="1400" b="1" dirty="0">
+                <a:latin typeface="Courier New" panose="02070309020205020404" pitchFamily="49" charset="0"/>
+                <a:cs typeface="Courier New" panose="02070309020205020404" pitchFamily="49" charset="0"/>
+              </a:rPr>
+              <a:t>/**</a:t>
+            </a:r>
+          </a:p>
+          <a:p>
+            <a:r>
+              <a:rPr lang="en-US" sz="1400" b="1" dirty="0">
+                <a:latin typeface="Courier New" panose="02070309020205020404" pitchFamily="49" charset="0"/>
+                <a:cs typeface="Courier New" panose="02070309020205020404" pitchFamily="49" charset="0"/>
+              </a:rPr>
+              <a:t> * </a:t>
+            </a:r>
+            <a:r>
+              <a:rPr lang="en-US" sz="1400" b="1" dirty="0" err="1">
+                <a:latin typeface="Courier New" panose="02070309020205020404" pitchFamily="49" charset="0"/>
+                <a:cs typeface="Courier New" panose="02070309020205020404" pitchFamily="49" charset="0"/>
+              </a:rPr>
+              <a:t>Map_last</a:t>
+            </a:r>
+            <a:r>
+              <a:rPr lang="en-US" sz="1400" b="1" dirty="0">
+                <a:latin typeface="Courier New" panose="02070309020205020404" pitchFamily="49" charset="0"/>
+                <a:cs typeface="Courier New" panose="02070309020205020404" pitchFamily="49" charset="0"/>
+              </a:rPr>
+              <a:t> - Start an iterator at the tail of the</a:t>
+            </a:r>
+          </a:p>
+          <a:p>
+            <a:r>
+              <a:rPr lang="en-US" sz="1400" b="1" dirty="0">
+                <a:latin typeface="Courier New" panose="02070309020205020404" pitchFamily="49" charset="0"/>
+                <a:cs typeface="Courier New" panose="02070309020205020404" pitchFamily="49" charset="0"/>
+              </a:rPr>
+              <a:t> * Map and mark the iterator as "going backwards"</a:t>
+            </a:r>
+          </a:p>
+          <a:p>
+            <a:r>
+              <a:rPr lang="en-US" sz="1400" b="1" dirty="0">
+                <a:latin typeface="Courier New" panose="02070309020205020404" pitchFamily="49" charset="0"/>
+                <a:cs typeface="Courier New" panose="02070309020205020404" pitchFamily="49" charset="0"/>
+              </a:rPr>
+              <a:t> *</a:t>
+            </a:r>
+          </a:p>
+          <a:p>
+            <a:r>
+              <a:rPr lang="en-US" sz="1400" b="1" dirty="0">
+                <a:latin typeface="Courier New" panose="02070309020205020404" pitchFamily="49" charset="0"/>
+                <a:cs typeface="Courier New" panose="02070309020205020404" pitchFamily="49" charset="0"/>
+              </a:rPr>
+              <a:t> * self - The pointer to the instance of this class.</a:t>
+            </a:r>
+          </a:p>
+          <a:p>
+            <a:r>
+              <a:rPr lang="en-US" sz="1400" b="1" dirty="0">
+                <a:latin typeface="Courier New" panose="02070309020205020404" pitchFamily="49" charset="0"/>
+                <a:cs typeface="Courier New" panose="02070309020205020404" pitchFamily="49" charset="0"/>
+              </a:rPr>
+              <a:t> *</a:t>
+            </a:r>
+          </a:p>
+          <a:p>
+            <a:r>
+              <a:rPr lang="en-US" sz="1400" b="1" dirty="0">
+                <a:latin typeface="Courier New" panose="02070309020205020404" pitchFamily="49" charset="0"/>
+                <a:cs typeface="Courier New" panose="02070309020205020404" pitchFamily="49" charset="0"/>
+              </a:rPr>
+              <a:t> * returns NULL when there are no entries in the Map</a:t>
+            </a:r>
+          </a:p>
+          <a:p>
+            <a:r>
+              <a:rPr lang="en-US" sz="1400" b="1" dirty="0">
+                <a:latin typeface="Courier New" panose="02070309020205020404" pitchFamily="49" charset="0"/>
+                <a:cs typeface="Courier New" panose="02070309020205020404" pitchFamily="49" charset="0"/>
+              </a:rPr>
+              <a:t> *</a:t>
+            </a:r>
+          </a:p>
+          <a:p>
+            <a:r>
+              <a:rPr lang="en-US" sz="1400" b="1" dirty="0">
+                <a:latin typeface="Courier New" panose="02070309020205020404" pitchFamily="49" charset="0"/>
+                <a:cs typeface="Courier New" panose="02070309020205020404" pitchFamily="49" charset="0"/>
+              </a:rPr>
+              <a:t> * This is inspired by the following Python code:</a:t>
+            </a:r>
+          </a:p>
+          <a:p>
+            <a:r>
+              <a:rPr lang="en-US" sz="1400" b="1" dirty="0">
+                <a:latin typeface="Courier New" panose="02070309020205020404" pitchFamily="49" charset="0"/>
+                <a:cs typeface="Courier New" panose="02070309020205020404" pitchFamily="49" charset="0"/>
+              </a:rPr>
+              <a:t> *</a:t>
+            </a:r>
+          </a:p>
+          <a:p>
+            <a:r>
+              <a:rPr lang="en-US" sz="1400" b="1" dirty="0">
+                <a:latin typeface="Courier New" panose="02070309020205020404" pitchFamily="49" charset="0"/>
+                <a:cs typeface="Courier New" panose="02070309020205020404" pitchFamily="49" charset="0"/>
+              </a:rPr>
+              <a:t> *     x = {'a': 1, 'b': 2, 'c': 3}</a:t>
+            </a:r>
+          </a:p>
+          <a:p>
+            <a:r>
+              <a:rPr lang="en-US" sz="1400" b="1" dirty="0">
+                <a:latin typeface="Courier New" panose="02070309020205020404" pitchFamily="49" charset="0"/>
+                <a:cs typeface="Courier New" panose="02070309020205020404" pitchFamily="49" charset="0"/>
+              </a:rPr>
+              <a:t> *     it = </a:t>
+            </a:r>
+            <a:r>
+              <a:rPr lang="en-US" sz="1400" b="1" dirty="0" err="1">
+                <a:latin typeface="Courier New" panose="02070309020205020404" pitchFamily="49" charset="0"/>
+                <a:cs typeface="Courier New" panose="02070309020205020404" pitchFamily="49" charset="0"/>
+              </a:rPr>
+              <a:t>iter</a:t>
+            </a:r>
+            <a:r>
+              <a:rPr lang="en-US" sz="1400" b="1" dirty="0">
+                <a:latin typeface="Courier New" panose="02070309020205020404" pitchFamily="49" charset="0"/>
+                <a:cs typeface="Courier New" panose="02070309020205020404" pitchFamily="49" charset="0"/>
+              </a:rPr>
+              <a:t>(reversed(x))</a:t>
+            </a:r>
+          </a:p>
+          <a:p>
+            <a:r>
+              <a:rPr lang="en-US" sz="1400" b="1" dirty="0">
+                <a:latin typeface="Courier New" panose="02070309020205020404" pitchFamily="49" charset="0"/>
+                <a:cs typeface="Courier New" panose="02070309020205020404" pitchFamily="49" charset="0"/>
+              </a:rPr>
+              <a:t> */</a:t>
+            </a:r>
+          </a:p>
+          <a:p>
+            <a:r>
+              <a:rPr lang="en-US" sz="1400" b="1" dirty="0">
+                <a:latin typeface="Courier New" panose="02070309020205020404" pitchFamily="49" charset="0"/>
+                <a:cs typeface="Courier New" panose="02070309020205020404" pitchFamily="49" charset="0"/>
+              </a:rPr>
+              <a:t>struct </a:t>
+            </a:r>
+            <a:r>
+              <a:rPr lang="en-US" sz="1400" b="1" dirty="0" err="1">
+                <a:latin typeface="Courier New" panose="02070309020205020404" pitchFamily="49" charset="0"/>
+                <a:cs typeface="Courier New" panose="02070309020205020404" pitchFamily="49" charset="0"/>
+              </a:rPr>
+              <a:t>MapIter</a:t>
+            </a:r>
+            <a:r>
+              <a:rPr lang="en-US" sz="1400" b="1" dirty="0">
+                <a:latin typeface="Courier New" panose="02070309020205020404" pitchFamily="49" charset="0"/>
+                <a:cs typeface="Courier New" panose="02070309020205020404" pitchFamily="49" charset="0"/>
+              </a:rPr>
+              <a:t>* </a:t>
+            </a:r>
+            <a:r>
+              <a:rPr lang="en-US" sz="1400" b="1" dirty="0" err="1">
+                <a:latin typeface="Courier New" panose="02070309020205020404" pitchFamily="49" charset="0"/>
+                <a:cs typeface="Courier New" panose="02070309020205020404" pitchFamily="49" charset="0"/>
+              </a:rPr>
+              <a:t>Map_last</a:t>
+            </a:r>
+            <a:r>
+              <a:rPr lang="en-US" sz="1400" b="1" dirty="0">
+                <a:latin typeface="Courier New" panose="02070309020205020404" pitchFamily="49" charset="0"/>
+                <a:cs typeface="Courier New" panose="02070309020205020404" pitchFamily="49" charset="0"/>
+              </a:rPr>
+              <a:t>(struct Map* self)</a:t>
+            </a:r>
+          </a:p>
+          <a:p>
+            <a:r>
+              <a:rPr lang="en-US" sz="1400" b="1" dirty="0">
+                <a:latin typeface="Courier New" panose="02070309020205020404" pitchFamily="49" charset="0"/>
+                <a:cs typeface="Courier New" panose="02070309020205020404" pitchFamily="49" charset="0"/>
+              </a:rPr>
+              <a:t>{</a:t>
+            </a:r>
+          </a:p>
+          <a:p>
+            <a:r>
+              <a:rPr lang="en-US" sz="1400" b="1" dirty="0">
+                <a:latin typeface="Courier New" panose="02070309020205020404" pitchFamily="49" charset="0"/>
+                <a:cs typeface="Courier New" panose="02070309020205020404" pitchFamily="49" charset="0"/>
+              </a:rPr>
+              <a:t>   ...</a:t>
+            </a:r>
+          </a:p>
+          <a:p>
+            <a:r>
+              <a:rPr lang="en-US" sz="1400" b="1" dirty="0">
+                <a:latin typeface="Courier New" panose="02070309020205020404" pitchFamily="49" charset="0"/>
+                <a:cs typeface="Courier New" panose="02070309020205020404" pitchFamily="49" charset="0"/>
+              </a:rPr>
+              <a:t>}</a:t>
+            </a:r>
+          </a:p>
+        </p:txBody>
+      </p:sp>
+      <p:sp>
+        <p:nvSpPr>
+          <p:cNvPr id="6" name="Title 5">
+            <a:extLst>
+              <a:ext uri="{FF2B5EF4-FFF2-40B4-BE49-F238E27FC236}">
+                <a16:creationId xmlns:a16="http://schemas.microsoft.com/office/drawing/2014/main" id="{E4A81157-F1D0-5130-371D-BA8DD965B654}"/>
+              </a:ext>
+            </a:extLst>
+          </p:cNvPr>
+          <p:cNvSpPr>
+            <a:spLocks noGrp="1"/>
+          </p:cNvSpPr>
+          <p:nvPr>
+            <p:ph type="title"/>
+          </p:nvPr>
+        </p:nvSpPr>
+        <p:spPr>
+          <a:xfrm>
+            <a:off x="838200" y="365125"/>
+            <a:ext cx="5257800" cy="1325563"/>
+          </a:xfrm>
+        </p:spPr>
+        <p:txBody>
+          <a:bodyPr/>
+          <a:lstStyle/>
+          <a:p>
+            <a:r>
+              <a:rPr lang="en-US" dirty="0" err="1"/>
+              <a:t>Map_last</a:t>
+            </a:r>
+            <a:r>
+              <a:rPr lang="en-US" dirty="0"/>
+              <a:t>()</a:t>
+            </a:r>
+          </a:p>
+        </p:txBody>
+      </p:sp>
+      <p:sp>
+        <p:nvSpPr>
+          <p:cNvPr id="7" name="Content Placeholder 6">
+            <a:extLst>
+              <a:ext uri="{FF2B5EF4-FFF2-40B4-BE49-F238E27FC236}">
+                <a16:creationId xmlns:a16="http://schemas.microsoft.com/office/drawing/2014/main" id="{4D372547-AA0B-35AD-4AD8-30763CE5DF56}"/>
+              </a:ext>
+            </a:extLst>
+          </p:cNvPr>
+          <p:cNvSpPr>
+            <a:spLocks noGrp="1"/>
+          </p:cNvSpPr>
+          <p:nvPr>
+            <p:ph idx="1"/>
+          </p:nvPr>
+        </p:nvSpPr>
+        <p:spPr>
+          <a:xfrm>
+            <a:off x="838200" y="1825625"/>
+            <a:ext cx="3990474" cy="4351338"/>
+          </a:xfrm>
+        </p:spPr>
+        <p:txBody>
+          <a:bodyPr>
+            <a:normAutofit/>
+          </a:bodyPr>
+          <a:lstStyle/>
+          <a:p>
+            <a:r>
+              <a:rPr lang="en-US" dirty="0"/>
+              <a:t>Same as </a:t>
+            </a:r>
+            <a:r>
+              <a:rPr lang="en-US" dirty="0" err="1"/>
+              <a:t>Map_first</a:t>
+            </a:r>
+            <a:r>
+              <a:rPr lang="en-US" dirty="0"/>
+              <a:t> except that we start at tail and indicate we are supposed to go backwards when next() is called..</a:t>
+            </a:r>
+          </a:p>
+        </p:txBody>
+      </p:sp>
+      <p:sp>
+        <p:nvSpPr>
+          <p:cNvPr id="3" name="TextBox 2">
+            <a:extLst>
+              <a:ext uri="{FF2B5EF4-FFF2-40B4-BE49-F238E27FC236}">
+                <a16:creationId xmlns:a16="http://schemas.microsoft.com/office/drawing/2014/main" id="{5D8B57BC-0412-BDF8-3698-BE32582A69CD}"/>
+              </a:ext>
+            </a:extLst>
+          </p:cNvPr>
+          <p:cNvSpPr txBox="1"/>
+          <p:nvPr/>
+        </p:nvSpPr>
+        <p:spPr>
+          <a:xfrm>
+            <a:off x="5922165" y="4763994"/>
+            <a:ext cx="5447325" cy="1815882"/>
+          </a:xfrm>
+          <a:prstGeom prst="rect">
+            <a:avLst/>
+          </a:prstGeom>
+          <a:noFill/>
+        </p:spPr>
+        <p:txBody>
+          <a:bodyPr wrap="none" rtlCol="0">
+            <a:spAutoFit/>
+          </a:bodyPr>
+          <a:lstStyle/>
+          <a:p>
+            <a:r>
+              <a:rPr lang="en-US" sz="1400" b="1" dirty="0">
+                <a:latin typeface="Courier New" panose="02070309020205020404" pitchFamily="49" charset="0"/>
+                <a:cs typeface="Courier New" panose="02070309020205020404" pitchFamily="49" charset="0"/>
+              </a:rPr>
+              <a:t>    </a:t>
+            </a:r>
+            <a:r>
+              <a:rPr lang="en-US" sz="1400" b="1" dirty="0" err="1">
+                <a:latin typeface="Courier New" panose="02070309020205020404" pitchFamily="49" charset="0"/>
+                <a:cs typeface="Courier New" panose="02070309020205020404" pitchFamily="49" charset="0"/>
+              </a:rPr>
+              <a:t>printf</a:t>
+            </a:r>
+            <a:r>
+              <a:rPr lang="en-US" sz="1400" b="1" dirty="0">
+                <a:latin typeface="Courier New" panose="02070309020205020404" pitchFamily="49" charset="0"/>
+                <a:cs typeface="Courier New" panose="02070309020205020404" pitchFamily="49" charset="0"/>
+              </a:rPr>
+              <a:t>("\</a:t>
+            </a:r>
+            <a:r>
+              <a:rPr lang="en-US" sz="1400" b="1" dirty="0" err="1">
+                <a:latin typeface="Courier New" panose="02070309020205020404" pitchFamily="49" charset="0"/>
+                <a:cs typeface="Courier New" panose="02070309020205020404" pitchFamily="49" charset="0"/>
+              </a:rPr>
+              <a:t>nIterate</a:t>
+            </a:r>
+            <a:r>
+              <a:rPr lang="en-US" sz="1400" b="1" dirty="0">
+                <a:latin typeface="Courier New" panose="02070309020205020404" pitchFamily="49" charset="0"/>
+                <a:cs typeface="Courier New" panose="02070309020205020404" pitchFamily="49" charset="0"/>
+              </a:rPr>
+              <a:t> backwards\n");</a:t>
+            </a:r>
+          </a:p>
+          <a:p>
+            <a:r>
+              <a:rPr lang="en-US" sz="1400" b="1" dirty="0">
+                <a:latin typeface="Courier New" panose="02070309020205020404" pitchFamily="49" charset="0"/>
+                <a:cs typeface="Courier New" panose="02070309020205020404" pitchFamily="49" charset="0"/>
+              </a:rPr>
+              <a:t>    </a:t>
+            </a:r>
+            <a:r>
+              <a:rPr lang="en-US" sz="1400" b="1" dirty="0" err="1">
+                <a:latin typeface="Courier New" panose="02070309020205020404" pitchFamily="49" charset="0"/>
+                <a:cs typeface="Courier New" panose="02070309020205020404" pitchFamily="49" charset="0"/>
+              </a:rPr>
+              <a:t>iter</a:t>
+            </a:r>
+            <a:r>
+              <a:rPr lang="en-US" sz="1400" b="1" dirty="0">
+                <a:latin typeface="Courier New" panose="02070309020205020404" pitchFamily="49" charset="0"/>
+                <a:cs typeface="Courier New" panose="02070309020205020404" pitchFamily="49" charset="0"/>
+              </a:rPr>
+              <a:t> = map-&gt;last(map);</a:t>
+            </a:r>
+          </a:p>
+          <a:p>
+            <a:r>
+              <a:rPr lang="en-US" sz="1400" b="1" dirty="0">
+                <a:latin typeface="Courier New" panose="02070309020205020404" pitchFamily="49" charset="0"/>
+                <a:cs typeface="Courier New" panose="02070309020205020404" pitchFamily="49" charset="0"/>
+              </a:rPr>
+              <a:t>    while(1) {</a:t>
+            </a:r>
+          </a:p>
+          <a:p>
+            <a:r>
+              <a:rPr lang="en-US" sz="1400" b="1" dirty="0">
+                <a:latin typeface="Courier New" panose="02070309020205020404" pitchFamily="49" charset="0"/>
+                <a:cs typeface="Courier New" panose="02070309020205020404" pitchFamily="49" charset="0"/>
+              </a:rPr>
+              <a:t>        cur = </a:t>
+            </a:r>
+            <a:r>
+              <a:rPr lang="en-US" sz="1400" b="1" dirty="0" err="1">
+                <a:latin typeface="Courier New" panose="02070309020205020404" pitchFamily="49" charset="0"/>
+                <a:cs typeface="Courier New" panose="02070309020205020404" pitchFamily="49" charset="0"/>
+              </a:rPr>
+              <a:t>iter</a:t>
+            </a:r>
+            <a:r>
+              <a:rPr lang="en-US" sz="1400" b="1" dirty="0">
+                <a:latin typeface="Courier New" panose="02070309020205020404" pitchFamily="49" charset="0"/>
+                <a:cs typeface="Courier New" panose="02070309020205020404" pitchFamily="49" charset="0"/>
+              </a:rPr>
+              <a:t>-&gt;next(</a:t>
+            </a:r>
+            <a:r>
+              <a:rPr lang="en-US" sz="1400" b="1" dirty="0" err="1">
+                <a:latin typeface="Courier New" panose="02070309020205020404" pitchFamily="49" charset="0"/>
+                <a:cs typeface="Courier New" panose="02070309020205020404" pitchFamily="49" charset="0"/>
+              </a:rPr>
+              <a:t>iter</a:t>
+            </a:r>
+            <a:r>
+              <a:rPr lang="en-US" sz="1400" b="1" dirty="0">
+                <a:latin typeface="Courier New" panose="02070309020205020404" pitchFamily="49" charset="0"/>
+                <a:cs typeface="Courier New" panose="02070309020205020404" pitchFamily="49" charset="0"/>
+              </a:rPr>
+              <a:t>);</a:t>
+            </a:r>
+          </a:p>
+          <a:p>
+            <a:r>
+              <a:rPr lang="en-US" sz="1400" b="1" dirty="0">
+                <a:latin typeface="Courier New" panose="02070309020205020404" pitchFamily="49" charset="0"/>
+                <a:cs typeface="Courier New" panose="02070309020205020404" pitchFamily="49" charset="0"/>
+              </a:rPr>
+              <a:t>        if ( cur == NULL ) break;</a:t>
+            </a:r>
+          </a:p>
+          <a:p>
+            <a:r>
+              <a:rPr lang="en-US" sz="1400" b="1" dirty="0">
+                <a:latin typeface="Courier New" panose="02070309020205020404" pitchFamily="49" charset="0"/>
+                <a:cs typeface="Courier New" panose="02070309020205020404" pitchFamily="49" charset="0"/>
+              </a:rPr>
+              <a:t>        </a:t>
+            </a:r>
+            <a:r>
+              <a:rPr lang="en-US" sz="1400" b="1" dirty="0" err="1">
+                <a:latin typeface="Courier New" panose="02070309020205020404" pitchFamily="49" charset="0"/>
+                <a:cs typeface="Courier New" panose="02070309020205020404" pitchFamily="49" charset="0"/>
+              </a:rPr>
+              <a:t>printf</a:t>
+            </a:r>
+            <a:r>
+              <a:rPr lang="en-US" sz="1400" b="1" dirty="0">
+                <a:latin typeface="Courier New" panose="02070309020205020404" pitchFamily="49" charset="0"/>
+                <a:cs typeface="Courier New" panose="02070309020205020404" pitchFamily="49" charset="0"/>
+              </a:rPr>
+              <a:t>(" %s=%d\n", cur-&gt;key, cur-&gt;value);</a:t>
+            </a:r>
+          </a:p>
+          <a:p>
+            <a:r>
+              <a:rPr lang="en-US" sz="1400" b="1" dirty="0">
+                <a:latin typeface="Courier New" panose="02070309020205020404" pitchFamily="49" charset="0"/>
+                <a:cs typeface="Courier New" panose="02070309020205020404" pitchFamily="49" charset="0"/>
+              </a:rPr>
+              <a:t>    }</a:t>
+            </a:r>
+          </a:p>
+          <a:p>
+            <a:r>
+              <a:rPr lang="en-US" sz="1400" b="1" dirty="0">
+                <a:latin typeface="Courier New" panose="02070309020205020404" pitchFamily="49" charset="0"/>
+                <a:cs typeface="Courier New" panose="02070309020205020404" pitchFamily="49" charset="0"/>
+              </a:rPr>
+              <a:t>    </a:t>
+            </a:r>
+            <a:r>
+              <a:rPr lang="en-US" sz="1400" b="1" dirty="0" err="1">
+                <a:latin typeface="Courier New" panose="02070309020205020404" pitchFamily="49" charset="0"/>
+                <a:cs typeface="Courier New" panose="02070309020205020404" pitchFamily="49" charset="0"/>
+              </a:rPr>
+              <a:t>iter</a:t>
+            </a:r>
+            <a:r>
+              <a:rPr lang="en-US" sz="1400" b="1" dirty="0">
+                <a:latin typeface="Courier New" panose="02070309020205020404" pitchFamily="49" charset="0"/>
+                <a:cs typeface="Courier New" panose="02070309020205020404" pitchFamily="49" charset="0"/>
+              </a:rPr>
+              <a:t>-&gt;del(</a:t>
+            </a:r>
+            <a:r>
+              <a:rPr lang="en-US" sz="1400" b="1" dirty="0" err="1">
+                <a:latin typeface="Courier New" panose="02070309020205020404" pitchFamily="49" charset="0"/>
+                <a:cs typeface="Courier New" panose="02070309020205020404" pitchFamily="49" charset="0"/>
+              </a:rPr>
+              <a:t>iter</a:t>
+            </a:r>
+            <a:r>
+              <a:rPr lang="en-US" sz="1400" b="1" dirty="0">
+                <a:latin typeface="Courier New" panose="02070309020205020404" pitchFamily="49" charset="0"/>
+                <a:cs typeface="Courier New" panose="02070309020205020404" pitchFamily="49" charset="0"/>
+              </a:rPr>
+              <a:t>);</a:t>
+            </a:r>
+          </a:p>
+        </p:txBody>
+      </p:sp>
+    </p:spTree>
+    <p:extLst>
+      <p:ext uri="{BB962C8B-B14F-4D97-AF65-F5344CB8AC3E}">
+        <p14:creationId xmlns:p14="http://schemas.microsoft.com/office/powerpoint/2010/main" val="3230195161"/>
+      </p:ext>
+    </p:extLst>
+  </p:cSld>
+  <p:clrMapOvr>
+    <a:masterClrMapping/>
+  </p:clrMapOvr>
+</p:sld>
+</file>
+
+<file path=ppt/slides/slide27.xml><?xml version="1.0" encoding="utf-8"?>
+<p:sld xmlns:a="http://schemas.openxmlformats.org/drawingml/2006/main" xmlns:r="http://schemas.openxmlformats.org/officeDocument/2006/relationships" xmlns:p="http://schemas.openxmlformats.org/presentationml/2006/main">
+  <p:cSld>
+    <p:spTree>
+      <p:nvGrpSpPr>
+        <p:cNvPr id="1" name=""/>
+        <p:cNvGrpSpPr/>
+        <p:nvPr/>
+      </p:nvGrpSpPr>
+      <p:grpSpPr>
+        <a:xfrm>
+          <a:off x="0" y="0"/>
+          <a:ext cx="0" cy="0"/>
+          <a:chOff x="0" y="0"/>
+          <a:chExt cx="0" cy="0"/>
+        </a:xfrm>
+      </p:grpSpPr>
+      <p:sp>
+        <p:nvSpPr>
           <p:cNvPr id="2" name="Title 1">
             <a:extLst>
               <a:ext uri="{FF2B5EF4-FFF2-40B4-BE49-F238E27FC236}">
-                <a16:creationId xmlns:a16="http://schemas.microsoft.com/office/drawing/2014/main" id="{E74DD39C-06B8-60B9-6AAB-27098B69C579}"/>
+                <a16:creationId xmlns:a16="http://schemas.microsoft.com/office/drawing/2014/main" id="{98B0F179-439B-898F-CF73-F57CB279ADE2}"/>
               </a:ext>
             </a:extLst>
           </p:cNvPr>
@@ -7833,7 +10283,7 @@
           <a:bodyPr/>
           <a:lstStyle/>
           <a:p>
-            <a:endParaRPr lang="en-US"/>
+            <a:endParaRPr lang="en-US" dirty="0"/>
           </a:p>
         </p:txBody>
       </p:sp>
@@ -7842,7 +10292,7 @@
           <p:cNvPr id="3" name="Content Placeholder 2">
             <a:extLst>
               <a:ext uri="{FF2B5EF4-FFF2-40B4-BE49-F238E27FC236}">
-                <a16:creationId xmlns:a16="http://schemas.microsoft.com/office/drawing/2014/main" id="{D3A8DDF1-6EB3-B010-F62E-730A5A256065}"/>
+                <a16:creationId xmlns:a16="http://schemas.microsoft.com/office/drawing/2014/main" id="{43908D89-DF83-F48A-2581-02C4870BE725}"/>
               </a:ext>
             </a:extLst>
           </p:cNvPr>
@@ -7865,7 +10315,7 @@
     </p:spTree>
     <p:extLst>
       <p:ext uri="{BB962C8B-B14F-4D97-AF65-F5344CB8AC3E}">
-        <p14:creationId xmlns:p14="http://schemas.microsoft.com/office/powerpoint/2010/main" val="1286486154"/>
+        <p14:creationId xmlns:p14="http://schemas.microsoft.com/office/powerpoint/2010/main" val="1078420075"/>
       </p:ext>
     </p:extLst>
   </p:cSld>
